--- a/DAWA.pptx
+++ b/DAWA.pptx
@@ -114,6 +114,11 @@
       </a:defRPr>
     </a:lvl9pPr>
   </p:defaultTextStyle>
+  <p:extLst>
+    <p:ext uri="{EFAFB233-063F-42B5-8137-9DF3F51BA10A}">
+      <p15:sldGuideLst xmlns:p15="http://schemas.microsoft.com/office/powerpoint/2012/main"/>
+    </p:ext>
+  </p:extLst>
 </p:presentation>
 </file>
 
@@ -264,7 +269,7 @@
           <a:p>
             <a:fld id="{B3ABF3A7-44E9-42CF-B74C-8A75C5603B59}" type="datetimeFigureOut">
               <a:rPr lang="de-DE" smtClean="0"/>
-              <a:t>13.01.2020</a:t>
+              <a:t>13.01.20</a:t>
             </a:fld>
             <a:endParaRPr lang="de-DE"/>
           </a:p>
@@ -462,7 +467,7 @@
           <a:p>
             <a:fld id="{B3ABF3A7-44E9-42CF-B74C-8A75C5603B59}" type="datetimeFigureOut">
               <a:rPr lang="de-DE" smtClean="0"/>
-              <a:t>13.01.2020</a:t>
+              <a:t>13.01.20</a:t>
             </a:fld>
             <a:endParaRPr lang="de-DE"/>
           </a:p>
@@ -670,7 +675,7 @@
           <a:p>
             <a:fld id="{B3ABF3A7-44E9-42CF-B74C-8A75C5603B59}" type="datetimeFigureOut">
               <a:rPr lang="de-DE" smtClean="0"/>
-              <a:t>13.01.2020</a:t>
+              <a:t>13.01.20</a:t>
             </a:fld>
             <a:endParaRPr lang="de-DE"/>
           </a:p>
@@ -868,7 +873,7 @@
           <a:p>
             <a:fld id="{B3ABF3A7-44E9-42CF-B74C-8A75C5603B59}" type="datetimeFigureOut">
               <a:rPr lang="de-DE" smtClean="0"/>
-              <a:t>13.01.2020</a:t>
+              <a:t>13.01.20</a:t>
             </a:fld>
             <a:endParaRPr lang="de-DE"/>
           </a:p>
@@ -1143,7 +1148,7 @@
           <a:p>
             <a:fld id="{B3ABF3A7-44E9-42CF-B74C-8A75C5603B59}" type="datetimeFigureOut">
               <a:rPr lang="de-DE" smtClean="0"/>
-              <a:t>13.01.2020</a:t>
+              <a:t>13.01.20</a:t>
             </a:fld>
             <a:endParaRPr lang="de-DE"/>
           </a:p>
@@ -1408,7 +1413,7 @@
           <a:p>
             <a:fld id="{B3ABF3A7-44E9-42CF-B74C-8A75C5603B59}" type="datetimeFigureOut">
               <a:rPr lang="de-DE" smtClean="0"/>
-              <a:t>13.01.2020</a:t>
+              <a:t>13.01.20</a:t>
             </a:fld>
             <a:endParaRPr lang="de-DE"/>
           </a:p>
@@ -1820,7 +1825,7 @@
           <a:p>
             <a:fld id="{B3ABF3A7-44E9-42CF-B74C-8A75C5603B59}" type="datetimeFigureOut">
               <a:rPr lang="de-DE" smtClean="0"/>
-              <a:t>13.01.2020</a:t>
+              <a:t>13.01.20</a:t>
             </a:fld>
             <a:endParaRPr lang="de-DE"/>
           </a:p>
@@ -1961,7 +1966,7 @@
           <a:p>
             <a:fld id="{B3ABF3A7-44E9-42CF-B74C-8A75C5603B59}" type="datetimeFigureOut">
               <a:rPr lang="de-DE" smtClean="0"/>
-              <a:t>13.01.2020</a:t>
+              <a:t>13.01.20</a:t>
             </a:fld>
             <a:endParaRPr lang="de-DE"/>
           </a:p>
@@ -2074,7 +2079,7 @@
           <a:p>
             <a:fld id="{B3ABF3A7-44E9-42CF-B74C-8A75C5603B59}" type="datetimeFigureOut">
               <a:rPr lang="de-DE" smtClean="0"/>
-              <a:t>13.01.2020</a:t>
+              <a:t>13.01.20</a:t>
             </a:fld>
             <a:endParaRPr lang="de-DE"/>
           </a:p>
@@ -2385,7 +2390,7 @@
           <a:p>
             <a:fld id="{B3ABF3A7-44E9-42CF-B74C-8A75C5603B59}" type="datetimeFigureOut">
               <a:rPr lang="de-DE" smtClean="0"/>
-              <a:t>13.01.2020</a:t>
+              <a:t>13.01.20</a:t>
             </a:fld>
             <a:endParaRPr lang="de-DE"/>
           </a:p>
@@ -2673,7 +2678,7 @@
           <a:p>
             <a:fld id="{B3ABF3A7-44E9-42CF-B74C-8A75C5603B59}" type="datetimeFigureOut">
               <a:rPr lang="de-DE" smtClean="0"/>
-              <a:t>13.01.2020</a:t>
+              <a:t>13.01.20</a:t>
             </a:fld>
             <a:endParaRPr lang="de-DE"/>
           </a:p>
@@ -2914,7 +2919,7 @@
           <a:p>
             <a:fld id="{B3ABF3A7-44E9-42CF-B74C-8A75C5603B59}" type="datetimeFigureOut">
               <a:rPr lang="de-DE" smtClean="0"/>
-              <a:t>13.01.2020</a:t>
+              <a:t>13.01.20</a:t>
             </a:fld>
             <a:endParaRPr lang="de-DE"/>
           </a:p>
@@ -3870,13 +3875,13 @@
           <a:lstStyle/>
           <a:p>
             <a:r>
-              <a:rPr lang="de-DE" sz="2800" b="1" dirty="0" err="1">
+              <a:rPr lang="de-DE" sz="2800" b="1" u="sng" dirty="0" err="1">
                 <a:latin typeface="Arial" panose="020B0604020202020204" pitchFamily="34" charset="0"/>
                 <a:cs typeface="Arial" panose="020B0604020202020204" pitchFamily="34" charset="0"/>
               </a:rPr>
               <a:t>Conclusion</a:t>
             </a:r>
-            <a:endParaRPr lang="de-DE" sz="2800" b="1" dirty="0">
+            <a:endParaRPr lang="de-DE" sz="2800" b="1" u="sng" dirty="0">
               <a:latin typeface="Arial" panose="020B0604020202020204" pitchFamily="34" charset="0"/>
               <a:cs typeface="Arial" panose="020B0604020202020204" pitchFamily="34" charset="0"/>
             </a:endParaRPr>

--- a/DAWA.pptx
+++ b/DAWA.pptx
@@ -2,8 +2,11 @@
 <file path=ppt/presentation.xml><?xml version="1.0" encoding="utf-8"?>
 <p:presentation xmlns:a="http://schemas.openxmlformats.org/drawingml/2006/main" xmlns:r="http://schemas.openxmlformats.org/officeDocument/2006/relationships" xmlns:p="http://schemas.openxmlformats.org/presentationml/2006/main" saveSubsetFonts="1">
   <p:sldMasterIdLst>
-    <p:sldMasterId id="2147483648" r:id="rId1"/>
+    <p:sldMasterId id="2147483932" r:id="rId1"/>
   </p:sldMasterIdLst>
+  <p:notesMasterIdLst>
+    <p:notesMasterId r:id="rId13"/>
+  </p:notesMasterIdLst>
   <p:sldIdLst>
     <p:sldId id="256" r:id="rId2"/>
     <p:sldId id="257" r:id="rId3"/>
@@ -21,9 +24,9 @@
   <p:notesSz cx="6858000" cy="9144000"/>
   <p:defaultTextStyle>
     <a:defPPr>
-      <a:defRPr lang="de-DE"/>
+      <a:defRPr lang="en-US"/>
     </a:defPPr>
-    <a:lvl1pPr marL="0" algn="l" defTabSz="914400" rtl="0" eaLnBrk="1" latinLnBrk="0" hangingPunct="1">
+    <a:lvl1pPr marL="0" algn="l" defTabSz="457200" rtl="0" eaLnBrk="1" latinLnBrk="0" hangingPunct="1">
       <a:defRPr sz="1800" kern="1200">
         <a:solidFill>
           <a:schemeClr val="tx1"/>
@@ -33,7 +36,7 @@
         <a:cs typeface="+mn-cs"/>
       </a:defRPr>
     </a:lvl1pPr>
-    <a:lvl2pPr marL="457200" algn="l" defTabSz="914400" rtl="0" eaLnBrk="1" latinLnBrk="0" hangingPunct="1">
+    <a:lvl2pPr marL="457200" algn="l" defTabSz="457200" rtl="0" eaLnBrk="1" latinLnBrk="0" hangingPunct="1">
       <a:defRPr sz="1800" kern="1200">
         <a:solidFill>
           <a:schemeClr val="tx1"/>
@@ -43,7 +46,7 @@
         <a:cs typeface="+mn-cs"/>
       </a:defRPr>
     </a:lvl2pPr>
-    <a:lvl3pPr marL="914400" algn="l" defTabSz="914400" rtl="0" eaLnBrk="1" latinLnBrk="0" hangingPunct="1">
+    <a:lvl3pPr marL="914400" algn="l" defTabSz="457200" rtl="0" eaLnBrk="1" latinLnBrk="0" hangingPunct="1">
       <a:defRPr sz="1800" kern="1200">
         <a:solidFill>
           <a:schemeClr val="tx1"/>
@@ -53,7 +56,7 @@
         <a:cs typeface="+mn-cs"/>
       </a:defRPr>
     </a:lvl3pPr>
-    <a:lvl4pPr marL="1371600" algn="l" defTabSz="914400" rtl="0" eaLnBrk="1" latinLnBrk="0" hangingPunct="1">
+    <a:lvl4pPr marL="1371600" algn="l" defTabSz="457200" rtl="0" eaLnBrk="1" latinLnBrk="0" hangingPunct="1">
       <a:defRPr sz="1800" kern="1200">
         <a:solidFill>
           <a:schemeClr val="tx1"/>
@@ -63,7 +66,7 @@
         <a:cs typeface="+mn-cs"/>
       </a:defRPr>
     </a:lvl4pPr>
-    <a:lvl5pPr marL="1828800" algn="l" defTabSz="914400" rtl="0" eaLnBrk="1" latinLnBrk="0" hangingPunct="1">
+    <a:lvl5pPr marL="1828800" algn="l" defTabSz="457200" rtl="0" eaLnBrk="1" latinLnBrk="0" hangingPunct="1">
       <a:defRPr sz="1800" kern="1200">
         <a:solidFill>
           <a:schemeClr val="tx1"/>
@@ -73,7 +76,7 @@
         <a:cs typeface="+mn-cs"/>
       </a:defRPr>
     </a:lvl5pPr>
-    <a:lvl6pPr marL="2286000" algn="l" defTabSz="914400" rtl="0" eaLnBrk="1" latinLnBrk="0" hangingPunct="1">
+    <a:lvl6pPr marL="2286000" algn="l" defTabSz="457200" rtl="0" eaLnBrk="1" latinLnBrk="0" hangingPunct="1">
       <a:defRPr sz="1800" kern="1200">
         <a:solidFill>
           <a:schemeClr val="tx1"/>
@@ -83,7 +86,7 @@
         <a:cs typeface="+mn-cs"/>
       </a:defRPr>
     </a:lvl6pPr>
-    <a:lvl7pPr marL="2743200" algn="l" defTabSz="914400" rtl="0" eaLnBrk="1" latinLnBrk="0" hangingPunct="1">
+    <a:lvl7pPr marL="2743200" algn="l" defTabSz="457200" rtl="0" eaLnBrk="1" latinLnBrk="0" hangingPunct="1">
       <a:defRPr sz="1800" kern="1200">
         <a:solidFill>
           <a:schemeClr val="tx1"/>
@@ -93,7 +96,7 @@
         <a:cs typeface="+mn-cs"/>
       </a:defRPr>
     </a:lvl7pPr>
-    <a:lvl8pPr marL="3200400" algn="l" defTabSz="914400" rtl="0" eaLnBrk="1" latinLnBrk="0" hangingPunct="1">
+    <a:lvl8pPr marL="3200400" algn="l" defTabSz="457200" rtl="0" eaLnBrk="1" latinLnBrk="0" hangingPunct="1">
       <a:defRPr sz="1800" kern="1200">
         <a:solidFill>
           <a:schemeClr val="tx1"/>
@@ -103,7 +106,7 @@
         <a:cs typeface="+mn-cs"/>
       </a:defRPr>
     </a:lvl8pPr>
-    <a:lvl9pPr marL="3657600" algn="l" defTabSz="914400" rtl="0" eaLnBrk="1" latinLnBrk="0" hangingPunct="1">
+    <a:lvl9pPr marL="3657600" algn="l" defTabSz="457200" rtl="0" eaLnBrk="1" latinLnBrk="0" hangingPunct="1">
       <a:defRPr sz="1800" kern="1200">
         <a:solidFill>
           <a:schemeClr val="tx1"/>
@@ -120,6 +123,2460 @@
     </p:ext>
   </p:extLst>
 </p:presentation>
+</file>
+
+<file path=ppt/notesMasters/notesMaster1.xml><?xml version="1.0" encoding="utf-8"?>
+<p:notesMaster xmlns:a="http://schemas.openxmlformats.org/drawingml/2006/main" xmlns:r="http://schemas.openxmlformats.org/officeDocument/2006/relationships" xmlns:p="http://schemas.openxmlformats.org/presentationml/2006/main">
+  <p:cSld>
+    <p:bg>
+      <p:bgRef idx="1001">
+        <a:schemeClr val="bg1"/>
+      </p:bgRef>
+    </p:bg>
+    <p:spTree>
+      <p:nvGrpSpPr>
+        <p:cNvPr id="1" name=""/>
+        <p:cNvGrpSpPr/>
+        <p:nvPr/>
+      </p:nvGrpSpPr>
+      <p:grpSpPr>
+        <a:xfrm>
+          <a:off x="0" y="0"/>
+          <a:ext cx="0" cy="0"/>
+          <a:chOff x="0" y="0"/>
+          <a:chExt cx="0" cy="0"/>
+        </a:xfrm>
+      </p:grpSpPr>
+      <p:sp>
+        <p:nvSpPr>
+          <p:cNvPr id="2" name="Kopfzeilenplatzhalter 1"/>
+          <p:cNvSpPr>
+            <a:spLocks noGrp="1"/>
+          </p:cNvSpPr>
+          <p:nvPr>
+            <p:ph type="hdr" sz="quarter"/>
+          </p:nvPr>
+        </p:nvSpPr>
+        <p:spPr>
+          <a:xfrm>
+            <a:off x="0" y="0"/>
+            <a:ext cx="2971800" cy="458788"/>
+          </a:xfrm>
+          <a:prstGeom prst="rect">
+            <a:avLst/>
+          </a:prstGeom>
+        </p:spPr>
+        <p:txBody>
+          <a:bodyPr vert="horz" lIns="91440" tIns="45720" rIns="91440" bIns="45720" rtlCol="0"/>
+          <a:lstStyle>
+            <a:lvl1pPr algn="l">
+              <a:defRPr sz="1200"/>
+            </a:lvl1pPr>
+          </a:lstStyle>
+          <a:p>
+            <a:endParaRPr lang="de-DE"/>
+          </a:p>
+        </p:txBody>
+      </p:sp>
+      <p:sp>
+        <p:nvSpPr>
+          <p:cNvPr id="3" name="Datumsplatzhalter 2"/>
+          <p:cNvSpPr>
+            <a:spLocks noGrp="1"/>
+          </p:cNvSpPr>
+          <p:nvPr>
+            <p:ph type="dt" idx="1"/>
+          </p:nvPr>
+        </p:nvSpPr>
+        <p:spPr>
+          <a:xfrm>
+            <a:off x="3884613" y="0"/>
+            <a:ext cx="2971800" cy="458788"/>
+          </a:xfrm>
+          <a:prstGeom prst="rect">
+            <a:avLst/>
+          </a:prstGeom>
+        </p:spPr>
+        <p:txBody>
+          <a:bodyPr vert="horz" lIns="91440" tIns="45720" rIns="91440" bIns="45720" rtlCol="0"/>
+          <a:lstStyle>
+            <a:lvl1pPr algn="r">
+              <a:defRPr sz="1200"/>
+            </a:lvl1pPr>
+          </a:lstStyle>
+          <a:p>
+            <a:fld id="{64881343-8C03-C846-9B19-EBE2DBE83594}" type="datetimeFigureOut">
+              <a:rPr lang="de-DE" smtClean="0"/>
+              <a:t>13.01.20</a:t>
+            </a:fld>
+            <a:endParaRPr lang="de-DE"/>
+          </a:p>
+        </p:txBody>
+      </p:sp>
+      <p:sp>
+        <p:nvSpPr>
+          <p:cNvPr id="4" name="Folienbildplatzhalter 3"/>
+          <p:cNvSpPr>
+            <a:spLocks noGrp="1" noRot="1" noChangeAspect="1"/>
+          </p:cNvSpPr>
+          <p:nvPr>
+            <p:ph type="sldImg" idx="2"/>
+          </p:nvPr>
+        </p:nvSpPr>
+        <p:spPr>
+          <a:xfrm>
+            <a:off x="685800" y="1143000"/>
+            <a:ext cx="5486400" cy="3086100"/>
+          </a:xfrm>
+          <a:prstGeom prst="rect">
+            <a:avLst/>
+          </a:prstGeom>
+          <a:noFill/>
+          <a:ln w="12700">
+            <a:solidFill>
+              <a:prstClr val="black"/>
+            </a:solidFill>
+          </a:ln>
+        </p:spPr>
+        <p:txBody>
+          <a:bodyPr vert="horz" lIns="91440" tIns="45720" rIns="91440" bIns="45720" rtlCol="0" anchor="ctr"/>
+          <a:lstStyle/>
+          <a:p>
+            <a:endParaRPr lang="de-DE"/>
+          </a:p>
+        </p:txBody>
+      </p:sp>
+      <p:sp>
+        <p:nvSpPr>
+          <p:cNvPr id="5" name="Notizenplatzhalter 4"/>
+          <p:cNvSpPr>
+            <a:spLocks noGrp="1"/>
+          </p:cNvSpPr>
+          <p:nvPr>
+            <p:ph type="body" sz="quarter" idx="3"/>
+          </p:nvPr>
+        </p:nvSpPr>
+        <p:spPr>
+          <a:xfrm>
+            <a:off x="685800" y="4400550"/>
+            <a:ext cx="5486400" cy="3600450"/>
+          </a:xfrm>
+          <a:prstGeom prst="rect">
+            <a:avLst/>
+          </a:prstGeom>
+        </p:spPr>
+        <p:txBody>
+          <a:bodyPr vert="horz" lIns="91440" tIns="45720" rIns="91440" bIns="45720" rtlCol="0"/>
+          <a:lstStyle/>
+          <a:p>
+            <a:pPr lvl="0"/>
+            <a:r>
+              <a:rPr lang="de-DE"/>
+              <a:t>Mastertextformat bearbeiten</a:t>
+            </a:r>
+          </a:p>
+          <a:p>
+            <a:pPr lvl="1"/>
+            <a:r>
+              <a:rPr lang="de-DE"/>
+              <a:t>Zweite Ebene</a:t>
+            </a:r>
+          </a:p>
+          <a:p>
+            <a:pPr lvl="2"/>
+            <a:r>
+              <a:rPr lang="de-DE"/>
+              <a:t>Dritte Ebene</a:t>
+            </a:r>
+          </a:p>
+          <a:p>
+            <a:pPr lvl="3"/>
+            <a:r>
+              <a:rPr lang="de-DE"/>
+              <a:t>Vierte Ebene</a:t>
+            </a:r>
+          </a:p>
+          <a:p>
+            <a:pPr lvl="4"/>
+            <a:r>
+              <a:rPr lang="de-DE"/>
+              <a:t>Fünfte Ebene</a:t>
+            </a:r>
+          </a:p>
+        </p:txBody>
+      </p:sp>
+      <p:sp>
+        <p:nvSpPr>
+          <p:cNvPr id="6" name="Fußzeilenplatzhalter 5"/>
+          <p:cNvSpPr>
+            <a:spLocks noGrp="1"/>
+          </p:cNvSpPr>
+          <p:nvPr>
+            <p:ph type="ftr" sz="quarter" idx="4"/>
+          </p:nvPr>
+        </p:nvSpPr>
+        <p:spPr>
+          <a:xfrm>
+            <a:off x="0" y="8685213"/>
+            <a:ext cx="2971800" cy="458787"/>
+          </a:xfrm>
+          <a:prstGeom prst="rect">
+            <a:avLst/>
+          </a:prstGeom>
+        </p:spPr>
+        <p:txBody>
+          <a:bodyPr vert="horz" lIns="91440" tIns="45720" rIns="91440" bIns="45720" rtlCol="0" anchor="b"/>
+          <a:lstStyle>
+            <a:lvl1pPr algn="l">
+              <a:defRPr sz="1200"/>
+            </a:lvl1pPr>
+          </a:lstStyle>
+          <a:p>
+            <a:endParaRPr lang="de-DE"/>
+          </a:p>
+        </p:txBody>
+      </p:sp>
+      <p:sp>
+        <p:nvSpPr>
+          <p:cNvPr id="7" name="Foliennummernplatzhalter 6"/>
+          <p:cNvSpPr>
+            <a:spLocks noGrp="1"/>
+          </p:cNvSpPr>
+          <p:nvPr>
+            <p:ph type="sldNum" sz="quarter" idx="5"/>
+          </p:nvPr>
+        </p:nvSpPr>
+        <p:spPr>
+          <a:xfrm>
+            <a:off x="3884613" y="8685213"/>
+            <a:ext cx="2971800" cy="458787"/>
+          </a:xfrm>
+          <a:prstGeom prst="rect">
+            <a:avLst/>
+          </a:prstGeom>
+        </p:spPr>
+        <p:txBody>
+          <a:bodyPr vert="horz" lIns="91440" tIns="45720" rIns="91440" bIns="45720" rtlCol="0" anchor="b"/>
+          <a:lstStyle>
+            <a:lvl1pPr algn="r">
+              <a:defRPr sz="1200"/>
+            </a:lvl1pPr>
+          </a:lstStyle>
+          <a:p>
+            <a:fld id="{3BC40F18-5B78-A24D-B5E4-E4AF3DDF4FDC}" type="slidenum">
+              <a:rPr lang="de-DE" smtClean="0"/>
+              <a:t>‹Nr.›</a:t>
+            </a:fld>
+            <a:endParaRPr lang="de-DE"/>
+          </a:p>
+        </p:txBody>
+      </p:sp>
+    </p:spTree>
+    <p:extLst>
+      <p:ext uri="{BB962C8B-B14F-4D97-AF65-F5344CB8AC3E}">
+        <p14:creationId xmlns:p14="http://schemas.microsoft.com/office/powerpoint/2010/main" val="4195259806"/>
+      </p:ext>
+    </p:extLst>
+  </p:cSld>
+  <p:clrMap bg1="lt1" tx1="dk1" bg2="lt2" tx2="dk2" accent1="accent1" accent2="accent2" accent3="accent3" accent4="accent4" accent5="accent5" accent6="accent6" hlink="hlink" folHlink="folHlink"/>
+  <p:notesStyle>
+    <a:lvl1pPr marL="0" algn="l" defTabSz="914400" rtl="0" eaLnBrk="1" latinLnBrk="0" hangingPunct="1">
+      <a:defRPr sz="1200" kern="1200">
+        <a:solidFill>
+          <a:schemeClr val="tx1"/>
+        </a:solidFill>
+        <a:latin typeface="+mn-lt"/>
+        <a:ea typeface="+mn-ea"/>
+        <a:cs typeface="+mn-cs"/>
+      </a:defRPr>
+    </a:lvl1pPr>
+    <a:lvl2pPr marL="457200" algn="l" defTabSz="914400" rtl="0" eaLnBrk="1" latinLnBrk="0" hangingPunct="1">
+      <a:defRPr sz="1200" kern="1200">
+        <a:solidFill>
+          <a:schemeClr val="tx1"/>
+        </a:solidFill>
+        <a:latin typeface="+mn-lt"/>
+        <a:ea typeface="+mn-ea"/>
+        <a:cs typeface="+mn-cs"/>
+      </a:defRPr>
+    </a:lvl2pPr>
+    <a:lvl3pPr marL="914400" algn="l" defTabSz="914400" rtl="0" eaLnBrk="1" latinLnBrk="0" hangingPunct="1">
+      <a:defRPr sz="1200" kern="1200">
+        <a:solidFill>
+          <a:schemeClr val="tx1"/>
+        </a:solidFill>
+        <a:latin typeface="+mn-lt"/>
+        <a:ea typeface="+mn-ea"/>
+        <a:cs typeface="+mn-cs"/>
+      </a:defRPr>
+    </a:lvl3pPr>
+    <a:lvl4pPr marL="1371600" algn="l" defTabSz="914400" rtl="0" eaLnBrk="1" latinLnBrk="0" hangingPunct="1">
+      <a:defRPr sz="1200" kern="1200">
+        <a:solidFill>
+          <a:schemeClr val="tx1"/>
+        </a:solidFill>
+        <a:latin typeface="+mn-lt"/>
+        <a:ea typeface="+mn-ea"/>
+        <a:cs typeface="+mn-cs"/>
+      </a:defRPr>
+    </a:lvl4pPr>
+    <a:lvl5pPr marL="1828800" algn="l" defTabSz="914400" rtl="0" eaLnBrk="1" latinLnBrk="0" hangingPunct="1">
+      <a:defRPr sz="1200" kern="1200">
+        <a:solidFill>
+          <a:schemeClr val="tx1"/>
+        </a:solidFill>
+        <a:latin typeface="+mn-lt"/>
+        <a:ea typeface="+mn-ea"/>
+        <a:cs typeface="+mn-cs"/>
+      </a:defRPr>
+    </a:lvl5pPr>
+    <a:lvl6pPr marL="2286000" algn="l" defTabSz="914400" rtl="0" eaLnBrk="1" latinLnBrk="0" hangingPunct="1">
+      <a:defRPr sz="1200" kern="1200">
+        <a:solidFill>
+          <a:schemeClr val="tx1"/>
+        </a:solidFill>
+        <a:latin typeface="+mn-lt"/>
+        <a:ea typeface="+mn-ea"/>
+        <a:cs typeface="+mn-cs"/>
+      </a:defRPr>
+    </a:lvl6pPr>
+    <a:lvl7pPr marL="2743200" algn="l" defTabSz="914400" rtl="0" eaLnBrk="1" latinLnBrk="0" hangingPunct="1">
+      <a:defRPr sz="1200" kern="1200">
+        <a:solidFill>
+          <a:schemeClr val="tx1"/>
+        </a:solidFill>
+        <a:latin typeface="+mn-lt"/>
+        <a:ea typeface="+mn-ea"/>
+        <a:cs typeface="+mn-cs"/>
+      </a:defRPr>
+    </a:lvl7pPr>
+    <a:lvl8pPr marL="3200400" algn="l" defTabSz="914400" rtl="0" eaLnBrk="1" latinLnBrk="0" hangingPunct="1">
+      <a:defRPr sz="1200" kern="1200">
+        <a:solidFill>
+          <a:schemeClr val="tx1"/>
+        </a:solidFill>
+        <a:latin typeface="+mn-lt"/>
+        <a:ea typeface="+mn-ea"/>
+        <a:cs typeface="+mn-cs"/>
+      </a:defRPr>
+    </a:lvl8pPr>
+    <a:lvl9pPr marL="3657600" algn="l" defTabSz="914400" rtl="0" eaLnBrk="1" latinLnBrk="0" hangingPunct="1">
+      <a:defRPr sz="1200" kern="1200">
+        <a:solidFill>
+          <a:schemeClr val="tx1"/>
+        </a:solidFill>
+        <a:latin typeface="+mn-lt"/>
+        <a:ea typeface="+mn-ea"/>
+        <a:cs typeface="+mn-cs"/>
+      </a:defRPr>
+    </a:lvl9pPr>
+  </p:notesStyle>
+</p:notesMaster>
+</file>
+
+<file path=ppt/notesSlides/notesSlide1.xml><?xml version="1.0" encoding="utf-8"?>
+<p:notes xmlns:a="http://schemas.openxmlformats.org/drawingml/2006/main" xmlns:r="http://schemas.openxmlformats.org/officeDocument/2006/relationships" xmlns:p="http://schemas.openxmlformats.org/presentationml/2006/main">
+  <p:cSld>
+    <p:spTree>
+      <p:nvGrpSpPr>
+        <p:cNvPr id="1" name=""/>
+        <p:cNvGrpSpPr/>
+        <p:nvPr/>
+      </p:nvGrpSpPr>
+      <p:grpSpPr>
+        <a:xfrm>
+          <a:off x="0" y="0"/>
+          <a:ext cx="0" cy="0"/>
+          <a:chOff x="0" y="0"/>
+          <a:chExt cx="0" cy="0"/>
+        </a:xfrm>
+      </p:grpSpPr>
+      <p:sp>
+        <p:nvSpPr>
+          <p:cNvPr id="2" name="Folienbildplatzhalter 1"/>
+          <p:cNvSpPr>
+            <a:spLocks noGrp="1" noRot="1" noChangeAspect="1"/>
+          </p:cNvSpPr>
+          <p:nvPr>
+            <p:ph type="sldImg"/>
+          </p:nvPr>
+        </p:nvSpPr>
+        <p:spPr/>
+      </p:sp>
+      <p:sp>
+        <p:nvSpPr>
+          <p:cNvPr id="3" name="Notizenplatzhalter 2"/>
+          <p:cNvSpPr>
+            <a:spLocks noGrp="1"/>
+          </p:cNvSpPr>
+          <p:nvPr>
+            <p:ph type="body" idx="1"/>
+          </p:nvPr>
+        </p:nvSpPr>
+        <p:spPr/>
+        <p:txBody>
+          <a:bodyPr/>
+          <a:lstStyle/>
+          <a:p>
+            <a:r>
+              <a:rPr lang="de-DE" dirty="0"/>
+              <a:t>XAMPP </a:t>
+            </a:r>
+            <a:r>
+              <a:rPr lang="de-DE" dirty="0" err="1"/>
+              <a:t>and</a:t>
+            </a:r>
+            <a:r>
+              <a:rPr lang="de-DE" dirty="0"/>
+              <a:t> </a:t>
+            </a:r>
+            <a:r>
+              <a:rPr lang="de-DE" dirty="0" err="1"/>
+              <a:t>we</a:t>
+            </a:r>
+            <a:r>
+              <a:rPr lang="de-DE" dirty="0"/>
+              <a:t> </a:t>
+            </a:r>
+            <a:r>
+              <a:rPr lang="de-DE" dirty="0" err="1"/>
+              <a:t>use</a:t>
+            </a:r>
+            <a:r>
+              <a:rPr lang="de-DE" dirty="0"/>
+              <a:t> </a:t>
+            </a:r>
+            <a:r>
+              <a:rPr lang="de-DE" dirty="0" err="1"/>
+              <a:t>for</a:t>
+            </a:r>
+            <a:r>
+              <a:rPr lang="de-DE" dirty="0"/>
+              <a:t> </a:t>
+            </a:r>
+            <a:r>
+              <a:rPr lang="de-DE" dirty="0" err="1"/>
+              <a:t>local</a:t>
+            </a:r>
+            <a:r>
+              <a:rPr lang="de-DE" dirty="0"/>
+              <a:t>...</a:t>
+            </a:r>
+          </a:p>
+          <a:p>
+            <a:r>
+              <a:rPr lang="de-DE" dirty="0"/>
+              <a:t>In </a:t>
+            </a:r>
+            <a:r>
+              <a:rPr lang="de-DE" dirty="0" err="1"/>
+              <a:t>php</a:t>
+            </a:r>
+            <a:r>
+              <a:rPr lang="de-DE" dirty="0"/>
+              <a:t> </a:t>
+            </a:r>
+            <a:r>
+              <a:rPr lang="de-DE" dirty="0" err="1"/>
+              <a:t>we</a:t>
+            </a:r>
+            <a:r>
+              <a:rPr lang="de-DE" dirty="0"/>
+              <a:t> </a:t>
+            </a:r>
+            <a:r>
+              <a:rPr lang="de-DE" dirty="0" err="1"/>
+              <a:t>built</a:t>
+            </a:r>
+            <a:r>
+              <a:rPr lang="de-DE" dirty="0"/>
+              <a:t> </a:t>
+            </a:r>
+            <a:r>
+              <a:rPr lang="de-DE" dirty="0" err="1"/>
+              <a:t>the</a:t>
+            </a:r>
+            <a:r>
+              <a:rPr lang="de-DE" dirty="0"/>
+              <a:t> </a:t>
+            </a:r>
+            <a:r>
+              <a:rPr lang="de-DE" dirty="0" err="1"/>
+              <a:t>db</a:t>
+            </a:r>
+            <a:endParaRPr lang="de-DE" dirty="0"/>
+          </a:p>
+          <a:p>
+            <a:r>
+              <a:rPr lang="de-DE" dirty="0"/>
+              <a:t>Latex </a:t>
+            </a:r>
+            <a:r>
+              <a:rPr lang="de-DE" dirty="0" err="1"/>
+              <a:t>is</a:t>
+            </a:r>
+            <a:r>
+              <a:rPr lang="de-DE" dirty="0"/>
+              <a:t> an.... </a:t>
+            </a:r>
+            <a:r>
+              <a:rPr lang="de-DE" dirty="0" err="1"/>
+              <a:t>We</a:t>
+            </a:r>
+            <a:r>
+              <a:rPr lang="de-DE" dirty="0"/>
+              <a:t> </a:t>
+            </a:r>
+            <a:r>
+              <a:rPr lang="de-DE" dirty="0" err="1"/>
+              <a:t>used</a:t>
+            </a:r>
+            <a:r>
+              <a:rPr lang="de-DE" dirty="0"/>
+              <a:t> </a:t>
+            </a:r>
+            <a:r>
+              <a:rPr lang="de-DE" dirty="0" err="1"/>
+              <a:t>it</a:t>
+            </a:r>
+            <a:r>
+              <a:rPr lang="de-DE" dirty="0"/>
+              <a:t> </a:t>
+            </a:r>
+            <a:r>
+              <a:rPr lang="de-DE" dirty="0" err="1"/>
+              <a:t>for</a:t>
+            </a:r>
+            <a:r>
+              <a:rPr lang="de-DE" dirty="0"/>
+              <a:t> </a:t>
+            </a:r>
+            <a:r>
+              <a:rPr lang="de-DE" dirty="0" err="1"/>
+              <a:t>our</a:t>
+            </a:r>
+            <a:r>
+              <a:rPr lang="de-DE" dirty="0"/>
+              <a:t> </a:t>
+            </a:r>
+            <a:r>
+              <a:rPr lang="de-DE" dirty="0" err="1"/>
+              <a:t>scientific</a:t>
+            </a:r>
+            <a:r>
+              <a:rPr lang="de-DE" dirty="0"/>
+              <a:t> </a:t>
+            </a:r>
+            <a:r>
+              <a:rPr lang="de-DE" dirty="0" err="1"/>
+              <a:t>paper</a:t>
+            </a:r>
+            <a:r>
+              <a:rPr lang="de-DE" dirty="0"/>
+              <a:t>...</a:t>
+            </a:r>
+          </a:p>
+          <a:p>
+            <a:r>
+              <a:rPr lang="de-DE" dirty="0"/>
+              <a:t>Excel was a </a:t>
+            </a:r>
+            <a:r>
+              <a:rPr lang="de-DE" dirty="0" err="1"/>
+              <a:t>nice</a:t>
+            </a:r>
+            <a:r>
+              <a:rPr lang="de-DE" dirty="0"/>
+              <a:t> </a:t>
+            </a:r>
+            <a:r>
+              <a:rPr lang="de-DE" dirty="0" err="1"/>
+              <a:t>tool</a:t>
+            </a:r>
+            <a:r>
+              <a:rPr lang="de-DE" dirty="0"/>
+              <a:t> </a:t>
+            </a:r>
+            <a:r>
+              <a:rPr lang="de-DE" dirty="0" err="1"/>
+              <a:t>for</a:t>
+            </a:r>
+            <a:r>
+              <a:rPr lang="de-DE" dirty="0"/>
+              <a:t> </a:t>
+            </a:r>
+            <a:r>
+              <a:rPr lang="de-DE" dirty="0" err="1"/>
+              <a:t>converting</a:t>
+            </a:r>
+            <a:r>
+              <a:rPr lang="de-DE" dirty="0"/>
+              <a:t> </a:t>
+            </a:r>
+            <a:r>
+              <a:rPr lang="de-DE" dirty="0" err="1"/>
+              <a:t>the</a:t>
+            </a:r>
+            <a:r>
+              <a:rPr lang="de-DE" dirty="0"/>
+              <a:t> </a:t>
+            </a:r>
+            <a:r>
+              <a:rPr lang="de-DE" dirty="0" err="1"/>
+              <a:t>data</a:t>
+            </a:r>
+            <a:r>
+              <a:rPr lang="de-DE" dirty="0"/>
+              <a:t> </a:t>
+            </a:r>
+            <a:r>
+              <a:rPr lang="de-DE" dirty="0" err="1"/>
+              <a:t>and</a:t>
+            </a:r>
+            <a:r>
+              <a:rPr lang="de-DE" dirty="0"/>
+              <a:t> in </a:t>
+            </a:r>
+            <a:r>
+              <a:rPr lang="de-DE" dirty="0" err="1"/>
+              <a:t>some</a:t>
+            </a:r>
+            <a:r>
+              <a:rPr lang="de-DE" dirty="0"/>
+              <a:t> </a:t>
+            </a:r>
+            <a:r>
+              <a:rPr lang="de-DE" dirty="0" err="1"/>
+              <a:t>steps</a:t>
+            </a:r>
+            <a:r>
+              <a:rPr lang="de-DE" dirty="0"/>
+              <a:t> </a:t>
+            </a:r>
+            <a:r>
+              <a:rPr lang="de-DE" dirty="0" err="1"/>
+              <a:t>it</a:t>
+            </a:r>
+            <a:r>
+              <a:rPr lang="de-DE" dirty="0"/>
+              <a:t> was </a:t>
+            </a:r>
+            <a:r>
+              <a:rPr lang="de-DE" dirty="0" err="1"/>
+              <a:t>useful</a:t>
+            </a:r>
+            <a:r>
+              <a:rPr lang="de-DE" dirty="0"/>
+              <a:t> </a:t>
+            </a:r>
+            <a:r>
+              <a:rPr lang="de-DE" dirty="0" err="1"/>
+              <a:t>within</a:t>
+            </a:r>
+            <a:r>
+              <a:rPr lang="de-DE" dirty="0"/>
+              <a:t> </a:t>
+            </a:r>
+            <a:r>
+              <a:rPr lang="de-DE" dirty="0" err="1"/>
+              <a:t>micros</a:t>
+            </a:r>
+            <a:r>
+              <a:rPr lang="de-DE" dirty="0"/>
+              <a:t>....</a:t>
+            </a:r>
+          </a:p>
+          <a:p>
+            <a:r>
+              <a:rPr lang="de-DE" dirty="0"/>
+              <a:t>MySQL was </a:t>
+            </a:r>
+            <a:r>
+              <a:rPr lang="de-DE" dirty="0" err="1"/>
+              <a:t>our</a:t>
+            </a:r>
+            <a:r>
+              <a:rPr lang="de-DE" dirty="0"/>
+              <a:t> </a:t>
+            </a:r>
+            <a:r>
+              <a:rPr lang="de-DE" dirty="0" err="1"/>
+              <a:t>environment</a:t>
+            </a:r>
+            <a:r>
+              <a:rPr lang="de-DE" dirty="0"/>
+              <a:t> </a:t>
+            </a:r>
+            <a:r>
+              <a:rPr lang="de-DE" dirty="0" err="1"/>
+              <a:t>we</a:t>
+            </a:r>
+            <a:r>
+              <a:rPr lang="de-DE" dirty="0"/>
+              <a:t> </a:t>
+            </a:r>
+            <a:r>
+              <a:rPr lang="de-DE" dirty="0" err="1"/>
+              <a:t>used</a:t>
+            </a:r>
+            <a:r>
+              <a:rPr lang="de-DE" dirty="0"/>
+              <a:t> </a:t>
+            </a:r>
+            <a:r>
+              <a:rPr lang="de-DE" dirty="0" err="1"/>
+              <a:t>it</a:t>
+            </a:r>
+            <a:r>
+              <a:rPr lang="de-DE" dirty="0"/>
+              <a:t> </a:t>
+            </a:r>
+            <a:r>
+              <a:rPr lang="de-DE" dirty="0" err="1"/>
+              <a:t>to</a:t>
+            </a:r>
+            <a:r>
+              <a:rPr lang="de-DE" dirty="0"/>
+              <a:t> deal </a:t>
+            </a:r>
+            <a:r>
+              <a:rPr lang="de-DE" dirty="0" err="1"/>
+              <a:t>with</a:t>
+            </a:r>
+            <a:r>
+              <a:rPr lang="de-DE" dirty="0"/>
+              <a:t> </a:t>
+            </a:r>
+            <a:r>
+              <a:rPr lang="de-DE" dirty="0" err="1"/>
+              <a:t>the</a:t>
+            </a:r>
+            <a:r>
+              <a:rPr lang="de-DE" dirty="0"/>
+              <a:t> </a:t>
+            </a:r>
+            <a:r>
+              <a:rPr lang="de-DE" dirty="0" err="1"/>
+              <a:t>db</a:t>
+            </a:r>
+            <a:r>
+              <a:rPr lang="de-DE" dirty="0"/>
+              <a:t> </a:t>
+            </a:r>
+            <a:r>
+              <a:rPr lang="de-DE" dirty="0" err="1"/>
+              <a:t>as</a:t>
+            </a:r>
+            <a:r>
+              <a:rPr lang="de-DE" dirty="0"/>
+              <a:t> </a:t>
+            </a:r>
+            <a:r>
+              <a:rPr lang="de-DE" dirty="0" err="1"/>
+              <a:t>well</a:t>
+            </a:r>
+            <a:r>
+              <a:rPr lang="de-DE" dirty="0"/>
+              <a:t> </a:t>
+            </a:r>
+            <a:r>
+              <a:rPr lang="de-DE" dirty="0" err="1"/>
+              <a:t>as</a:t>
+            </a:r>
+            <a:r>
+              <a:rPr lang="de-DE" dirty="0"/>
+              <a:t> in </a:t>
+            </a:r>
+            <a:r>
+              <a:rPr lang="de-DE" dirty="0" err="1"/>
+              <a:t>phpmy</a:t>
+            </a:r>
+            <a:r>
+              <a:rPr lang="de-DE" dirty="0"/>
+              <a:t>....</a:t>
+            </a:r>
+          </a:p>
+        </p:txBody>
+      </p:sp>
+      <p:sp>
+        <p:nvSpPr>
+          <p:cNvPr id="4" name="Foliennummernplatzhalter 3"/>
+          <p:cNvSpPr>
+            <a:spLocks noGrp="1"/>
+          </p:cNvSpPr>
+          <p:nvPr>
+            <p:ph type="sldNum" sz="quarter" idx="5"/>
+          </p:nvPr>
+        </p:nvSpPr>
+        <p:spPr/>
+        <p:txBody>
+          <a:bodyPr/>
+          <a:lstStyle/>
+          <a:p>
+            <a:fld id="{3BC40F18-5B78-A24D-B5E4-E4AF3DDF4FDC}" type="slidenum">
+              <a:rPr lang="de-DE" smtClean="0"/>
+              <a:t>7</a:t>
+            </a:fld>
+            <a:endParaRPr lang="de-DE"/>
+          </a:p>
+        </p:txBody>
+      </p:sp>
+    </p:spTree>
+    <p:extLst>
+      <p:ext uri="{BB962C8B-B14F-4D97-AF65-F5344CB8AC3E}">
+        <p14:creationId xmlns:p14="http://schemas.microsoft.com/office/powerpoint/2010/main" val="2919689437"/>
+      </p:ext>
+    </p:extLst>
+  </p:cSld>
+  <p:clrMapOvr>
+    <a:masterClrMapping/>
+  </p:clrMapOvr>
+</p:notes>
+</file>
+
+<file path=ppt/notesSlides/notesSlide2.xml><?xml version="1.0" encoding="utf-8"?>
+<p:notes xmlns:a="http://schemas.openxmlformats.org/drawingml/2006/main" xmlns:r="http://schemas.openxmlformats.org/officeDocument/2006/relationships" xmlns:p="http://schemas.openxmlformats.org/presentationml/2006/main">
+  <p:cSld>
+    <p:spTree>
+      <p:nvGrpSpPr>
+        <p:cNvPr id="1" name=""/>
+        <p:cNvGrpSpPr/>
+        <p:nvPr/>
+      </p:nvGrpSpPr>
+      <p:grpSpPr>
+        <a:xfrm>
+          <a:off x="0" y="0"/>
+          <a:ext cx="0" cy="0"/>
+          <a:chOff x="0" y="0"/>
+          <a:chExt cx="0" cy="0"/>
+        </a:xfrm>
+      </p:grpSpPr>
+      <p:sp>
+        <p:nvSpPr>
+          <p:cNvPr id="2" name="Folienbildplatzhalter 1"/>
+          <p:cNvSpPr>
+            <a:spLocks noGrp="1" noRot="1" noChangeAspect="1"/>
+          </p:cNvSpPr>
+          <p:nvPr>
+            <p:ph type="sldImg"/>
+          </p:nvPr>
+        </p:nvSpPr>
+        <p:spPr/>
+      </p:sp>
+      <p:sp>
+        <p:nvSpPr>
+          <p:cNvPr id="3" name="Notizenplatzhalter 2"/>
+          <p:cNvSpPr>
+            <a:spLocks noGrp="1"/>
+          </p:cNvSpPr>
+          <p:nvPr>
+            <p:ph type="body" idx="1"/>
+          </p:nvPr>
+        </p:nvSpPr>
+        <p:spPr/>
+        <p:txBody>
+          <a:bodyPr/>
+          <a:lstStyle/>
+          <a:p>
+            <a:r>
+              <a:rPr lang="de-DE" dirty="0"/>
+              <a:t>At </a:t>
+            </a:r>
+            <a:r>
+              <a:rPr lang="de-DE" dirty="0" err="1"/>
+              <a:t>the</a:t>
+            </a:r>
+            <a:r>
+              <a:rPr lang="de-DE" dirty="0"/>
+              <a:t> </a:t>
+            </a:r>
+            <a:r>
+              <a:rPr lang="de-DE" dirty="0" err="1"/>
+              <a:t>beginning</a:t>
+            </a:r>
+            <a:r>
+              <a:rPr lang="de-DE" dirty="0"/>
+              <a:t> </a:t>
+            </a:r>
+            <a:r>
+              <a:rPr lang="de-DE" dirty="0" err="1"/>
+              <a:t>of</a:t>
+            </a:r>
+            <a:r>
+              <a:rPr lang="de-DE" dirty="0"/>
+              <a:t> </a:t>
+            </a:r>
+            <a:r>
+              <a:rPr lang="de-DE" dirty="0" err="1"/>
+              <a:t>the</a:t>
+            </a:r>
+            <a:r>
+              <a:rPr lang="de-DE" dirty="0"/>
+              <a:t> </a:t>
+            </a:r>
+            <a:r>
+              <a:rPr lang="de-DE" dirty="0" err="1"/>
+              <a:t>Preparation</a:t>
+            </a:r>
+            <a:r>
+              <a:rPr lang="de-DE" dirty="0"/>
+              <a:t> Phase </a:t>
+            </a:r>
+            <a:r>
+              <a:rPr lang="de-DE" dirty="0" err="1"/>
+              <a:t>we</a:t>
+            </a:r>
+            <a:r>
+              <a:rPr lang="de-DE" dirty="0"/>
+              <a:t> </a:t>
+            </a:r>
+            <a:r>
+              <a:rPr lang="de-DE" dirty="0" err="1"/>
+              <a:t>had</a:t>
+            </a:r>
+            <a:r>
+              <a:rPr lang="de-DE" dirty="0"/>
+              <a:t> </a:t>
+            </a:r>
+            <a:r>
+              <a:rPr lang="de-DE" dirty="0" err="1"/>
+              <a:t>to</a:t>
+            </a:r>
+            <a:r>
+              <a:rPr lang="de-DE" dirty="0"/>
+              <a:t> </a:t>
+            </a:r>
+            <a:r>
+              <a:rPr lang="de-DE" dirty="0" err="1"/>
+              <a:t>knew</a:t>
+            </a:r>
+            <a:r>
+              <a:rPr lang="de-DE" dirty="0"/>
+              <a:t> </a:t>
+            </a:r>
+            <a:r>
+              <a:rPr lang="de-DE" dirty="0" err="1"/>
+              <a:t>which</a:t>
+            </a:r>
+            <a:r>
+              <a:rPr lang="de-DE" dirty="0"/>
+              <a:t> </a:t>
+            </a:r>
+            <a:r>
+              <a:rPr lang="de-DE" dirty="0" err="1"/>
+              <a:t>parameters</a:t>
+            </a:r>
+            <a:r>
+              <a:rPr lang="de-DE" dirty="0"/>
+              <a:t> </a:t>
+            </a:r>
+            <a:r>
+              <a:rPr lang="de-DE" dirty="0" err="1"/>
+              <a:t>are</a:t>
+            </a:r>
+            <a:r>
+              <a:rPr lang="de-DE" dirty="0"/>
+              <a:t> </a:t>
+            </a:r>
+            <a:r>
+              <a:rPr lang="de-DE" dirty="0" err="1"/>
+              <a:t>needed</a:t>
+            </a:r>
+            <a:r>
+              <a:rPr lang="de-DE" dirty="0"/>
+              <a:t>. </a:t>
+            </a:r>
+            <a:r>
+              <a:rPr lang="de-DE" dirty="0" err="1"/>
+              <a:t>We</a:t>
+            </a:r>
+            <a:r>
+              <a:rPr lang="de-DE" dirty="0"/>
+              <a:t> </a:t>
+            </a:r>
+            <a:r>
+              <a:rPr lang="de-DE" dirty="0" err="1"/>
+              <a:t>decided</a:t>
+            </a:r>
+            <a:r>
+              <a:rPr lang="de-DE" dirty="0"/>
+              <a:t> </a:t>
+            </a:r>
+            <a:r>
+              <a:rPr lang="de-DE" dirty="0" err="1"/>
+              <a:t>to</a:t>
+            </a:r>
+            <a:r>
+              <a:rPr lang="de-DE" dirty="0"/>
+              <a:t> </a:t>
+            </a:r>
+            <a:r>
+              <a:rPr lang="de-DE" dirty="0" err="1"/>
+              <a:t>take</a:t>
+            </a:r>
+            <a:r>
+              <a:rPr lang="de-DE" dirty="0"/>
+              <a:t> </a:t>
+            </a:r>
+            <a:r>
+              <a:rPr lang="de-DE" dirty="0" err="1"/>
+              <a:t>the</a:t>
+            </a:r>
+            <a:r>
+              <a:rPr lang="de-DE" dirty="0"/>
+              <a:t> </a:t>
+            </a:r>
+            <a:r>
+              <a:rPr lang="de-DE" dirty="0" err="1"/>
+              <a:t>Divison</a:t>
+            </a:r>
+            <a:r>
+              <a:rPr lang="de-DE" dirty="0"/>
+              <a:t>, Date </a:t>
+            </a:r>
+            <a:r>
+              <a:rPr lang="de-DE" dirty="0" err="1"/>
+              <a:t>HomeTeam</a:t>
+            </a:r>
+            <a:r>
+              <a:rPr lang="de-DE" dirty="0"/>
+              <a:t>, </a:t>
+            </a:r>
+            <a:r>
+              <a:rPr lang="de-DE" dirty="0" err="1"/>
+              <a:t>AwayTeam</a:t>
+            </a:r>
+            <a:r>
+              <a:rPr lang="de-DE" dirty="0"/>
+              <a:t>, </a:t>
+            </a:r>
+            <a:r>
+              <a:rPr lang="de-DE" dirty="0" err="1"/>
+              <a:t>Full</a:t>
+            </a:r>
+            <a:r>
+              <a:rPr lang="de-DE" dirty="0"/>
+              <a:t> Time </a:t>
+            </a:r>
+            <a:r>
+              <a:rPr lang="de-DE" dirty="0" err="1"/>
+              <a:t>Away</a:t>
+            </a:r>
+            <a:r>
+              <a:rPr lang="de-DE" dirty="0"/>
+              <a:t> Goals </a:t>
+            </a:r>
+            <a:r>
+              <a:rPr lang="de-DE" dirty="0" err="1"/>
+              <a:t>which</a:t>
+            </a:r>
+            <a:r>
+              <a:rPr lang="de-DE" dirty="0"/>
+              <a:t> </a:t>
+            </a:r>
+            <a:r>
+              <a:rPr lang="de-DE" dirty="0" err="1"/>
+              <a:t>means</a:t>
+            </a:r>
+            <a:r>
+              <a:rPr lang="de-DE" dirty="0"/>
+              <a:t>: </a:t>
+            </a:r>
+            <a:r>
+              <a:rPr lang="de-DE" dirty="0" err="1"/>
+              <a:t>and</a:t>
+            </a:r>
+            <a:r>
+              <a:rPr lang="de-DE" dirty="0"/>
+              <a:t> </a:t>
+            </a:r>
+            <a:r>
+              <a:rPr lang="de-DE" dirty="0" err="1"/>
+              <a:t>Full</a:t>
+            </a:r>
+            <a:r>
+              <a:rPr lang="de-DE" dirty="0"/>
+              <a:t> Time Home Goals, </a:t>
+            </a:r>
+            <a:r>
+              <a:rPr lang="de-DE" sz="1200" b="0" i="0" u="none" strike="noStrike" kern="1200" dirty="0" err="1">
+                <a:solidFill>
+                  <a:schemeClr val="tx1"/>
+                </a:solidFill>
+                <a:effectLst/>
+                <a:latin typeface="+mn-lt"/>
+                <a:ea typeface="+mn-ea"/>
+                <a:cs typeface="+mn-cs"/>
+              </a:rPr>
+              <a:t>Full</a:t>
+            </a:r>
+            <a:r>
+              <a:rPr lang="de-DE" sz="1200" b="0" i="0" u="none" strike="noStrike" kern="1200" dirty="0">
+                <a:solidFill>
+                  <a:schemeClr val="tx1"/>
+                </a:solidFill>
+                <a:effectLst/>
+                <a:latin typeface="+mn-lt"/>
+                <a:ea typeface="+mn-ea"/>
+                <a:cs typeface="+mn-cs"/>
+              </a:rPr>
+              <a:t> Time </a:t>
+            </a:r>
+            <a:r>
+              <a:rPr lang="de-DE" sz="1200" b="0" i="0" u="none" strike="noStrike" kern="1200" dirty="0" err="1">
+                <a:solidFill>
+                  <a:schemeClr val="tx1"/>
+                </a:solidFill>
+                <a:effectLst/>
+                <a:latin typeface="+mn-lt"/>
+                <a:ea typeface="+mn-ea"/>
+                <a:cs typeface="+mn-cs"/>
+              </a:rPr>
+              <a:t>Result</a:t>
+            </a:r>
+            <a:r>
+              <a:rPr lang="de-DE" sz="1200" b="0" i="0" u="none" strike="noStrike" kern="1200" dirty="0">
+                <a:solidFill>
+                  <a:schemeClr val="tx1"/>
+                </a:solidFill>
+                <a:effectLst/>
+                <a:latin typeface="+mn-lt"/>
+                <a:ea typeface="+mn-ea"/>
+                <a:cs typeface="+mn-cs"/>
+              </a:rPr>
+              <a:t> (H=Home </a:t>
+            </a:r>
+            <a:r>
+              <a:rPr lang="de-DE" sz="1200" b="0" i="0" u="none" strike="noStrike" kern="1200" dirty="0" err="1">
+                <a:solidFill>
+                  <a:schemeClr val="tx1"/>
+                </a:solidFill>
+                <a:effectLst/>
+                <a:latin typeface="+mn-lt"/>
+                <a:ea typeface="+mn-ea"/>
+                <a:cs typeface="+mn-cs"/>
+              </a:rPr>
+              <a:t>Win</a:t>
+            </a:r>
+            <a:r>
+              <a:rPr lang="de-DE" sz="1200" b="0" i="0" u="none" strike="noStrike" kern="1200" dirty="0">
+                <a:solidFill>
+                  <a:schemeClr val="tx1"/>
+                </a:solidFill>
+                <a:effectLst/>
+                <a:latin typeface="+mn-lt"/>
+                <a:ea typeface="+mn-ea"/>
+                <a:cs typeface="+mn-cs"/>
+              </a:rPr>
+              <a:t>, D=Draw, A=</a:t>
+            </a:r>
+            <a:r>
+              <a:rPr lang="de-DE" sz="1200" b="0" i="0" u="none" strike="noStrike" kern="1200" dirty="0" err="1">
+                <a:solidFill>
+                  <a:schemeClr val="tx1"/>
+                </a:solidFill>
+                <a:effectLst/>
+                <a:latin typeface="+mn-lt"/>
+                <a:ea typeface="+mn-ea"/>
+                <a:cs typeface="+mn-cs"/>
+              </a:rPr>
+              <a:t>Away</a:t>
+            </a:r>
+            <a:r>
+              <a:rPr lang="de-DE" sz="1200" b="0" i="0" u="none" strike="noStrike" kern="1200" dirty="0">
+                <a:solidFill>
+                  <a:schemeClr val="tx1"/>
+                </a:solidFill>
+                <a:effectLst/>
+                <a:latin typeface="+mn-lt"/>
+                <a:ea typeface="+mn-ea"/>
+                <a:cs typeface="+mn-cs"/>
+              </a:rPr>
+              <a:t> </a:t>
+            </a:r>
+            <a:r>
+              <a:rPr lang="de-DE" sz="1200" b="0" i="0" u="none" strike="noStrike" kern="1200" dirty="0" err="1">
+                <a:solidFill>
+                  <a:schemeClr val="tx1"/>
+                </a:solidFill>
+                <a:effectLst/>
+                <a:latin typeface="+mn-lt"/>
+                <a:ea typeface="+mn-ea"/>
+                <a:cs typeface="+mn-cs"/>
+              </a:rPr>
+              <a:t>Win</a:t>
+            </a:r>
+            <a:r>
+              <a:rPr lang="de-DE" sz="1200" b="0" i="0" u="none" strike="noStrike" kern="1200" dirty="0">
+                <a:solidFill>
+                  <a:schemeClr val="tx1"/>
+                </a:solidFill>
+                <a:effectLst/>
+                <a:latin typeface="+mn-lt"/>
+                <a:ea typeface="+mn-ea"/>
+                <a:cs typeface="+mn-cs"/>
+              </a:rPr>
+              <a:t>)....</a:t>
+            </a:r>
+          </a:p>
+          <a:p>
+            <a:endParaRPr lang="de-DE" sz="1200" b="0" i="0" u="none" strike="noStrike" kern="1200" dirty="0">
+              <a:solidFill>
+                <a:schemeClr val="tx1"/>
+              </a:solidFill>
+              <a:effectLst/>
+              <a:latin typeface="+mn-lt"/>
+              <a:ea typeface="+mn-ea"/>
+              <a:cs typeface="+mn-cs"/>
+            </a:endParaRPr>
+          </a:p>
+          <a:p>
+            <a:r>
+              <a:rPr lang="de-DE" sz="1200" b="0" i="0" u="none" strike="noStrike" kern="1200" dirty="0">
+                <a:solidFill>
+                  <a:schemeClr val="tx1"/>
+                </a:solidFill>
+                <a:effectLst/>
+                <a:latin typeface="+mn-lt"/>
+                <a:ea typeface="+mn-ea"/>
+                <a:cs typeface="+mn-cs"/>
+              </a:rPr>
+              <a:t>I </a:t>
+            </a:r>
+            <a:r>
+              <a:rPr lang="de-DE" sz="1200" b="0" i="0" u="none" strike="noStrike" kern="1200" dirty="0" err="1">
+                <a:solidFill>
+                  <a:schemeClr val="tx1"/>
+                </a:solidFill>
+                <a:effectLst/>
+                <a:latin typeface="+mn-lt"/>
+                <a:ea typeface="+mn-ea"/>
+                <a:cs typeface="+mn-cs"/>
+              </a:rPr>
+              <a:t>did</a:t>
+            </a:r>
+            <a:r>
+              <a:rPr lang="de-DE" sz="1200" b="0" i="0" u="none" strike="noStrike" kern="1200" dirty="0">
+                <a:solidFill>
+                  <a:schemeClr val="tx1"/>
+                </a:solidFill>
+                <a:effectLst/>
+                <a:latin typeface="+mn-lt"/>
+                <a:ea typeface="+mn-ea"/>
+                <a:cs typeface="+mn-cs"/>
+              </a:rPr>
+              <a:t> </a:t>
+            </a:r>
+            <a:r>
+              <a:rPr lang="de-DE" sz="1200" b="0" i="0" u="none" strike="noStrike" kern="1200" dirty="0" err="1">
+                <a:solidFill>
+                  <a:schemeClr val="tx1"/>
+                </a:solidFill>
+                <a:effectLst/>
+                <a:latin typeface="+mn-lt"/>
+                <a:ea typeface="+mn-ea"/>
+                <a:cs typeface="+mn-cs"/>
+              </a:rPr>
+              <a:t>this</a:t>
+            </a:r>
+            <a:r>
+              <a:rPr lang="de-DE" sz="1200" b="0" i="0" u="none" strike="noStrike" kern="1200" dirty="0">
+                <a:solidFill>
+                  <a:schemeClr val="tx1"/>
+                </a:solidFill>
+                <a:effectLst/>
+                <a:latin typeface="+mn-lt"/>
+                <a:ea typeface="+mn-ea"/>
+                <a:cs typeface="+mn-cs"/>
+              </a:rPr>
+              <a:t> </a:t>
+            </a:r>
+            <a:r>
+              <a:rPr lang="de-DE" sz="1200" b="0" i="0" u="none" strike="noStrike" kern="1200" dirty="0" err="1">
+                <a:solidFill>
+                  <a:schemeClr val="tx1"/>
+                </a:solidFill>
+                <a:effectLst/>
+                <a:latin typeface="+mn-lt"/>
+                <a:ea typeface="+mn-ea"/>
+                <a:cs typeface="+mn-cs"/>
+              </a:rPr>
+              <a:t>first</a:t>
+            </a:r>
+            <a:r>
+              <a:rPr lang="de-DE" sz="1200" b="0" i="0" u="none" strike="noStrike" kern="1200" dirty="0">
+                <a:solidFill>
+                  <a:schemeClr val="tx1"/>
+                </a:solidFill>
+                <a:effectLst/>
+                <a:latin typeface="+mn-lt"/>
+                <a:ea typeface="+mn-ea"/>
+                <a:cs typeface="+mn-cs"/>
+              </a:rPr>
+              <a:t> </a:t>
+            </a:r>
+            <a:r>
+              <a:rPr lang="de-DE" sz="1200" b="0" i="0" u="none" strike="noStrike" kern="1200" dirty="0" err="1">
+                <a:solidFill>
+                  <a:schemeClr val="tx1"/>
+                </a:solidFill>
+                <a:effectLst/>
+                <a:latin typeface="+mn-lt"/>
+                <a:ea typeface="+mn-ea"/>
+                <a:cs typeface="+mn-cs"/>
+              </a:rPr>
+              <a:t>cleaning</a:t>
+            </a:r>
+            <a:r>
+              <a:rPr lang="de-DE" sz="1200" b="0" i="0" u="none" strike="noStrike" kern="1200" dirty="0">
+                <a:solidFill>
+                  <a:schemeClr val="tx1"/>
+                </a:solidFill>
+                <a:effectLst/>
+                <a:latin typeface="+mn-lt"/>
+                <a:ea typeface="+mn-ea"/>
+                <a:cs typeface="+mn-cs"/>
+              </a:rPr>
+              <a:t> </a:t>
+            </a:r>
+            <a:r>
+              <a:rPr lang="de-DE" sz="1200" b="0" i="0" u="none" strike="noStrike" kern="1200" dirty="0" err="1">
+                <a:solidFill>
+                  <a:schemeClr val="tx1"/>
+                </a:solidFill>
+                <a:effectLst/>
+                <a:latin typeface="+mn-lt"/>
+                <a:ea typeface="+mn-ea"/>
+                <a:cs typeface="+mn-cs"/>
+              </a:rPr>
+              <a:t>step</a:t>
+            </a:r>
+            <a:r>
+              <a:rPr lang="de-DE" sz="1200" b="0" i="0" u="none" strike="noStrike" kern="1200" dirty="0">
+                <a:solidFill>
+                  <a:schemeClr val="tx1"/>
+                </a:solidFill>
+                <a:effectLst/>
+                <a:latin typeface="+mn-lt"/>
+                <a:ea typeface="+mn-ea"/>
+                <a:cs typeface="+mn-cs"/>
+              </a:rPr>
+              <a:t> in Excel </a:t>
+            </a:r>
+            <a:r>
+              <a:rPr lang="de-DE" sz="1200" b="0" i="0" u="none" strike="noStrike" kern="1200" dirty="0" err="1">
+                <a:solidFill>
+                  <a:schemeClr val="tx1"/>
+                </a:solidFill>
+                <a:effectLst/>
+                <a:latin typeface="+mn-lt"/>
+                <a:ea typeface="+mn-ea"/>
+                <a:cs typeface="+mn-cs"/>
+              </a:rPr>
+              <a:t>and</a:t>
+            </a:r>
+            <a:r>
+              <a:rPr lang="de-DE" sz="1200" b="0" i="0" u="none" strike="noStrike" kern="1200" dirty="0">
+                <a:solidFill>
+                  <a:schemeClr val="tx1"/>
+                </a:solidFill>
+                <a:effectLst/>
+                <a:latin typeface="+mn-lt"/>
+                <a:ea typeface="+mn-ea"/>
+                <a:cs typeface="+mn-cs"/>
+              </a:rPr>
+              <a:t> </a:t>
+            </a:r>
+            <a:r>
+              <a:rPr lang="de-DE" sz="1200" b="0" i="0" u="none" strike="noStrike" kern="1200" dirty="0" err="1">
+                <a:solidFill>
+                  <a:schemeClr val="tx1"/>
+                </a:solidFill>
+                <a:effectLst/>
+                <a:latin typeface="+mn-lt"/>
+                <a:ea typeface="+mn-ea"/>
+                <a:cs typeface="+mn-cs"/>
+              </a:rPr>
+              <a:t>first</a:t>
+            </a:r>
+            <a:r>
+              <a:rPr lang="de-DE" sz="1200" b="0" i="0" u="none" strike="noStrike" kern="1200" dirty="0">
+                <a:solidFill>
+                  <a:schemeClr val="tx1"/>
+                </a:solidFill>
+                <a:effectLst/>
+                <a:latin typeface="+mn-lt"/>
+                <a:ea typeface="+mn-ea"/>
+                <a:cs typeface="+mn-cs"/>
+              </a:rPr>
+              <a:t> </a:t>
+            </a:r>
+            <a:r>
+              <a:rPr lang="de-DE" sz="1200" b="0" i="0" u="none" strike="noStrike" kern="1200" dirty="0" err="1">
+                <a:solidFill>
+                  <a:schemeClr val="tx1"/>
+                </a:solidFill>
+                <a:effectLst/>
+                <a:latin typeface="+mn-lt"/>
+                <a:ea typeface="+mn-ea"/>
+                <a:cs typeface="+mn-cs"/>
+              </a:rPr>
+              <a:t>seperated</a:t>
+            </a:r>
+            <a:r>
+              <a:rPr lang="de-DE" sz="1200" b="0" i="0" u="none" strike="noStrike" kern="1200" dirty="0">
+                <a:solidFill>
+                  <a:schemeClr val="tx1"/>
+                </a:solidFill>
+                <a:effectLst/>
+                <a:latin typeface="+mn-lt"/>
+                <a:ea typeface="+mn-ea"/>
+                <a:cs typeface="+mn-cs"/>
+              </a:rPr>
+              <a:t> all </a:t>
+            </a:r>
+            <a:r>
+              <a:rPr lang="de-DE" sz="1200" b="0" i="0" u="none" strike="noStrike" kern="1200" dirty="0" err="1">
+                <a:solidFill>
+                  <a:schemeClr val="tx1"/>
+                </a:solidFill>
+                <a:effectLst/>
+                <a:latin typeface="+mn-lt"/>
+                <a:ea typeface="+mn-ea"/>
+                <a:cs typeface="+mn-cs"/>
+              </a:rPr>
+              <a:t>the</a:t>
+            </a:r>
+            <a:r>
+              <a:rPr lang="de-DE" sz="1200" b="0" i="0" u="none" strike="noStrike" kern="1200" dirty="0">
+                <a:solidFill>
+                  <a:schemeClr val="tx1"/>
+                </a:solidFill>
+                <a:effectLst/>
+                <a:latin typeface="+mn-lt"/>
+                <a:ea typeface="+mn-ea"/>
+                <a:cs typeface="+mn-cs"/>
+              </a:rPr>
+              <a:t> </a:t>
+            </a:r>
+            <a:r>
+              <a:rPr lang="de-DE" sz="1200" b="0" i="0" u="none" strike="noStrike" kern="1200" dirty="0" err="1">
+                <a:solidFill>
+                  <a:schemeClr val="tx1"/>
+                </a:solidFill>
+                <a:effectLst/>
+                <a:latin typeface="+mn-lt"/>
+                <a:ea typeface="+mn-ea"/>
+                <a:cs typeface="+mn-cs"/>
+              </a:rPr>
+              <a:t>parameter</a:t>
+            </a:r>
+            <a:r>
+              <a:rPr lang="de-DE" sz="1200" b="0" i="0" u="none" strike="noStrike" kern="1200" dirty="0">
+                <a:solidFill>
+                  <a:schemeClr val="tx1"/>
+                </a:solidFill>
+                <a:effectLst/>
+                <a:latin typeface="+mn-lt"/>
+                <a:ea typeface="+mn-ea"/>
+                <a:cs typeface="+mn-cs"/>
+              </a:rPr>
+              <a:t> in </a:t>
+            </a:r>
+            <a:r>
+              <a:rPr lang="de-DE" sz="1200" b="0" i="0" u="none" strike="noStrike" kern="1200" dirty="0" err="1">
+                <a:solidFill>
+                  <a:schemeClr val="tx1"/>
+                </a:solidFill>
+                <a:effectLst/>
+                <a:latin typeface="+mn-lt"/>
+                <a:ea typeface="+mn-ea"/>
+                <a:cs typeface="+mn-cs"/>
+              </a:rPr>
+              <a:t>diffrent</a:t>
+            </a:r>
+            <a:r>
+              <a:rPr lang="de-DE" sz="1200" b="0" i="0" u="none" strike="noStrike" kern="1200" dirty="0">
+                <a:solidFill>
+                  <a:schemeClr val="tx1"/>
+                </a:solidFill>
+                <a:effectLst/>
+                <a:latin typeface="+mn-lt"/>
+                <a:ea typeface="+mn-ea"/>
+                <a:cs typeface="+mn-cs"/>
+              </a:rPr>
+              <a:t> </a:t>
+            </a:r>
+            <a:r>
+              <a:rPr lang="de-DE" sz="1200" b="0" i="0" u="none" strike="noStrike" kern="1200" dirty="0" err="1">
+                <a:solidFill>
+                  <a:schemeClr val="tx1"/>
+                </a:solidFill>
+                <a:effectLst/>
+                <a:latin typeface="+mn-lt"/>
+                <a:ea typeface="+mn-ea"/>
+                <a:cs typeface="+mn-cs"/>
+              </a:rPr>
+              <a:t>columns</a:t>
+            </a:r>
+            <a:r>
+              <a:rPr lang="de-DE" sz="1200" b="0" i="0" u="none" strike="noStrike" kern="1200" dirty="0">
+                <a:solidFill>
+                  <a:schemeClr val="tx1"/>
+                </a:solidFill>
+                <a:effectLst/>
+                <a:latin typeface="+mn-lt"/>
+                <a:ea typeface="+mn-ea"/>
+                <a:cs typeface="+mn-cs"/>
+              </a:rPr>
+              <a:t>.... After </a:t>
+            </a:r>
+            <a:r>
+              <a:rPr lang="de-DE" sz="1200" b="0" i="0" u="none" strike="noStrike" kern="1200" dirty="0" err="1">
+                <a:solidFill>
+                  <a:schemeClr val="tx1"/>
+                </a:solidFill>
+                <a:effectLst/>
+                <a:latin typeface="+mn-lt"/>
+                <a:ea typeface="+mn-ea"/>
+                <a:cs typeface="+mn-cs"/>
+              </a:rPr>
+              <a:t>that</a:t>
+            </a:r>
+            <a:r>
+              <a:rPr lang="de-DE" sz="1200" b="0" i="0" u="none" strike="noStrike" kern="1200" dirty="0">
+                <a:solidFill>
+                  <a:schemeClr val="tx1"/>
+                </a:solidFill>
+                <a:effectLst/>
+                <a:latin typeface="+mn-lt"/>
+                <a:ea typeface="+mn-ea"/>
+                <a:cs typeface="+mn-cs"/>
+              </a:rPr>
+              <a:t> I </a:t>
+            </a:r>
+            <a:r>
+              <a:rPr lang="de-DE" sz="1200" b="0" i="0" u="none" strike="noStrike" kern="1200" dirty="0" err="1">
+                <a:solidFill>
+                  <a:schemeClr val="tx1"/>
+                </a:solidFill>
+                <a:effectLst/>
+                <a:latin typeface="+mn-lt"/>
+                <a:ea typeface="+mn-ea"/>
+                <a:cs typeface="+mn-cs"/>
+              </a:rPr>
+              <a:t>deleted</a:t>
+            </a:r>
+            <a:r>
+              <a:rPr lang="de-DE" sz="1200" b="0" i="0" u="none" strike="noStrike" kern="1200" dirty="0">
+                <a:solidFill>
+                  <a:schemeClr val="tx1"/>
+                </a:solidFill>
+                <a:effectLst/>
+                <a:latin typeface="+mn-lt"/>
+                <a:ea typeface="+mn-ea"/>
+                <a:cs typeface="+mn-cs"/>
+              </a:rPr>
+              <a:t> </a:t>
+            </a:r>
+            <a:r>
+              <a:rPr lang="de-DE" sz="1200" b="0" i="0" u="none" strike="noStrike" kern="1200" dirty="0" err="1">
+                <a:solidFill>
+                  <a:schemeClr val="tx1"/>
+                </a:solidFill>
+                <a:effectLst/>
+                <a:latin typeface="+mn-lt"/>
+                <a:ea typeface="+mn-ea"/>
+                <a:cs typeface="+mn-cs"/>
+              </a:rPr>
+              <a:t>the</a:t>
+            </a:r>
+            <a:r>
+              <a:rPr lang="de-DE" sz="1200" b="0" i="0" u="none" strike="noStrike" kern="1200" dirty="0">
+                <a:solidFill>
+                  <a:schemeClr val="tx1"/>
+                </a:solidFill>
+                <a:effectLst/>
+                <a:latin typeface="+mn-lt"/>
+                <a:ea typeface="+mn-ea"/>
+                <a:cs typeface="+mn-cs"/>
+              </a:rPr>
+              <a:t> not </a:t>
+            </a:r>
+            <a:r>
+              <a:rPr lang="de-DE" sz="1200" b="0" i="0" u="none" strike="noStrike" kern="1200" dirty="0" err="1">
+                <a:solidFill>
+                  <a:schemeClr val="tx1"/>
+                </a:solidFill>
+                <a:effectLst/>
+                <a:latin typeface="+mn-lt"/>
+                <a:ea typeface="+mn-ea"/>
+                <a:cs typeface="+mn-cs"/>
+              </a:rPr>
+              <a:t>needed</a:t>
+            </a:r>
+            <a:r>
+              <a:rPr lang="de-DE" sz="1200" b="0" i="0" u="none" strike="noStrike" kern="1200" dirty="0">
+                <a:solidFill>
+                  <a:schemeClr val="tx1"/>
+                </a:solidFill>
+                <a:effectLst/>
+                <a:latin typeface="+mn-lt"/>
+                <a:ea typeface="+mn-ea"/>
+                <a:cs typeface="+mn-cs"/>
+              </a:rPr>
+              <a:t> </a:t>
+            </a:r>
+            <a:r>
+              <a:rPr lang="de-DE" sz="1200" b="0" i="0" u="none" strike="noStrike" kern="1200" dirty="0" err="1">
+                <a:solidFill>
+                  <a:schemeClr val="tx1"/>
+                </a:solidFill>
+                <a:effectLst/>
+                <a:latin typeface="+mn-lt"/>
+                <a:ea typeface="+mn-ea"/>
+                <a:cs typeface="+mn-cs"/>
+              </a:rPr>
+              <a:t>columns</a:t>
+            </a:r>
+            <a:r>
+              <a:rPr lang="de-DE" sz="1200" b="0" i="0" u="none" strike="noStrike" kern="1200" dirty="0">
+                <a:solidFill>
+                  <a:schemeClr val="tx1"/>
+                </a:solidFill>
+                <a:effectLst/>
+                <a:latin typeface="+mn-lt"/>
+                <a:ea typeface="+mn-ea"/>
+                <a:cs typeface="+mn-cs"/>
+              </a:rPr>
+              <a:t>....</a:t>
+            </a:r>
+            <a:r>
+              <a:rPr lang="de-DE" sz="1200" b="0" i="0" u="none" strike="noStrike" kern="1200" dirty="0" err="1">
+                <a:solidFill>
+                  <a:schemeClr val="tx1"/>
+                </a:solidFill>
+                <a:effectLst/>
+                <a:latin typeface="+mn-lt"/>
+                <a:ea typeface="+mn-ea"/>
+                <a:cs typeface="+mn-cs"/>
+              </a:rPr>
+              <a:t>for</a:t>
+            </a:r>
+            <a:r>
+              <a:rPr lang="de-DE" sz="1200" b="0" i="0" u="none" strike="noStrike" kern="1200" dirty="0">
+                <a:solidFill>
+                  <a:schemeClr val="tx1"/>
+                </a:solidFill>
+                <a:effectLst/>
+                <a:latin typeface="+mn-lt"/>
+                <a:ea typeface="+mn-ea"/>
+                <a:cs typeface="+mn-cs"/>
+              </a:rPr>
+              <a:t> </a:t>
+            </a:r>
+            <a:r>
+              <a:rPr lang="de-DE" sz="1200" b="0" i="0" u="none" strike="noStrike" kern="1200" dirty="0" err="1">
+                <a:solidFill>
+                  <a:schemeClr val="tx1"/>
+                </a:solidFill>
+                <a:effectLst/>
+                <a:latin typeface="+mn-lt"/>
+                <a:ea typeface="+mn-ea"/>
+                <a:cs typeface="+mn-cs"/>
+              </a:rPr>
+              <a:t>each</a:t>
+            </a:r>
+            <a:r>
+              <a:rPr lang="de-DE" sz="1200" b="0" i="0" u="none" strike="noStrike" kern="1200" dirty="0">
+                <a:solidFill>
+                  <a:schemeClr val="tx1"/>
+                </a:solidFill>
+                <a:effectLst/>
+                <a:latin typeface="+mn-lt"/>
+                <a:ea typeface="+mn-ea"/>
+                <a:cs typeface="+mn-cs"/>
+              </a:rPr>
+              <a:t> </a:t>
+            </a:r>
+            <a:r>
+              <a:rPr lang="de-DE" sz="1200" b="0" i="0" u="none" strike="noStrike" kern="1200" dirty="0" err="1">
+                <a:solidFill>
+                  <a:schemeClr val="tx1"/>
+                </a:solidFill>
+                <a:effectLst/>
+                <a:latin typeface="+mn-lt"/>
+                <a:ea typeface="+mn-ea"/>
+                <a:cs typeface="+mn-cs"/>
+              </a:rPr>
+              <a:t>season</a:t>
+            </a:r>
+            <a:endParaRPr lang="de-DE" sz="1200" b="0" i="0" u="none" strike="noStrike" kern="1200" dirty="0">
+              <a:solidFill>
+                <a:schemeClr val="tx1"/>
+              </a:solidFill>
+              <a:effectLst/>
+              <a:latin typeface="+mn-lt"/>
+              <a:ea typeface="+mn-ea"/>
+              <a:cs typeface="+mn-cs"/>
+            </a:endParaRPr>
+          </a:p>
+          <a:p>
+            <a:endParaRPr lang="de-DE" sz="1200" b="0" i="0" u="none" strike="noStrike" kern="1200" dirty="0">
+              <a:solidFill>
+                <a:schemeClr val="tx1"/>
+              </a:solidFill>
+              <a:effectLst/>
+              <a:latin typeface="+mn-lt"/>
+              <a:ea typeface="+mn-ea"/>
+              <a:cs typeface="+mn-cs"/>
+            </a:endParaRPr>
+          </a:p>
+          <a:p>
+            <a:r>
+              <a:rPr lang="de-DE" sz="1200" b="0" i="0" u="none" strike="noStrike" kern="1200" dirty="0">
+                <a:solidFill>
+                  <a:schemeClr val="tx1"/>
+                </a:solidFill>
+                <a:effectLst/>
+                <a:latin typeface="+mn-lt"/>
+                <a:ea typeface="+mn-ea"/>
+                <a:cs typeface="+mn-cs"/>
+              </a:rPr>
+              <a:t>Next </a:t>
+            </a:r>
+            <a:r>
+              <a:rPr lang="de-DE" sz="1200" b="0" i="0" u="none" strike="noStrike" kern="1200" dirty="0" err="1">
+                <a:solidFill>
+                  <a:schemeClr val="tx1"/>
+                </a:solidFill>
+                <a:effectLst/>
+                <a:latin typeface="+mn-lt"/>
+                <a:ea typeface="+mn-ea"/>
+                <a:cs typeface="+mn-cs"/>
+              </a:rPr>
+              <a:t>step</a:t>
+            </a:r>
+            <a:r>
+              <a:rPr lang="de-DE" sz="1200" b="0" i="0" u="none" strike="noStrike" kern="1200" dirty="0">
+                <a:solidFill>
+                  <a:schemeClr val="tx1"/>
+                </a:solidFill>
+                <a:effectLst/>
+                <a:latin typeface="+mn-lt"/>
+                <a:ea typeface="+mn-ea"/>
+                <a:cs typeface="+mn-cs"/>
+              </a:rPr>
+              <a:t> was </a:t>
+            </a:r>
+            <a:r>
+              <a:rPr lang="de-DE" sz="1200" b="0" i="0" u="none" strike="noStrike" kern="1200" dirty="0" err="1">
+                <a:solidFill>
+                  <a:schemeClr val="tx1"/>
+                </a:solidFill>
+                <a:effectLst/>
+                <a:latin typeface="+mn-lt"/>
+                <a:ea typeface="+mn-ea"/>
+                <a:cs typeface="+mn-cs"/>
+              </a:rPr>
+              <a:t>to</a:t>
+            </a:r>
+            <a:r>
+              <a:rPr lang="de-DE" sz="1200" b="0" i="0" u="none" strike="noStrike" kern="1200" dirty="0">
+                <a:solidFill>
+                  <a:schemeClr val="tx1"/>
+                </a:solidFill>
+                <a:effectLst/>
+                <a:latin typeface="+mn-lt"/>
+                <a:ea typeface="+mn-ea"/>
+                <a:cs typeface="+mn-cs"/>
+              </a:rPr>
+              <a:t> </a:t>
+            </a:r>
+            <a:r>
+              <a:rPr lang="de-DE" sz="1200" b="0" i="0" u="none" strike="noStrike" kern="1200" dirty="0" err="1">
+                <a:solidFill>
+                  <a:schemeClr val="tx1"/>
+                </a:solidFill>
+                <a:effectLst/>
+                <a:latin typeface="+mn-lt"/>
+                <a:ea typeface="+mn-ea"/>
+                <a:cs typeface="+mn-cs"/>
+              </a:rPr>
+              <a:t>put</a:t>
+            </a:r>
+            <a:r>
+              <a:rPr lang="de-DE" sz="1200" b="0" i="0" u="none" strike="noStrike" kern="1200" dirty="0">
+                <a:solidFill>
+                  <a:schemeClr val="tx1"/>
+                </a:solidFill>
+                <a:effectLst/>
+                <a:latin typeface="+mn-lt"/>
+                <a:ea typeface="+mn-ea"/>
+                <a:cs typeface="+mn-cs"/>
+              </a:rPr>
+              <a:t> </a:t>
+            </a:r>
+            <a:r>
+              <a:rPr lang="de-DE" sz="1200" b="0" i="0" u="none" strike="noStrike" kern="1200" dirty="0" err="1">
+                <a:solidFill>
+                  <a:schemeClr val="tx1"/>
+                </a:solidFill>
+                <a:effectLst/>
+                <a:latin typeface="+mn-lt"/>
+                <a:ea typeface="+mn-ea"/>
+                <a:cs typeface="+mn-cs"/>
+              </a:rPr>
+              <a:t>this</a:t>
+            </a:r>
+            <a:r>
+              <a:rPr lang="de-DE" sz="1200" b="0" i="0" u="none" strike="noStrike" kern="1200" dirty="0">
+                <a:solidFill>
+                  <a:schemeClr val="tx1"/>
+                </a:solidFill>
+                <a:effectLst/>
+                <a:latin typeface="+mn-lt"/>
+                <a:ea typeface="+mn-ea"/>
+                <a:cs typeface="+mn-cs"/>
+              </a:rPr>
+              <a:t> </a:t>
+            </a:r>
+            <a:r>
+              <a:rPr lang="de-DE" sz="1200" b="0" i="0" u="none" strike="noStrike" kern="1200" dirty="0" err="1">
+                <a:solidFill>
+                  <a:schemeClr val="tx1"/>
+                </a:solidFill>
+                <a:effectLst/>
+                <a:latin typeface="+mn-lt"/>
+                <a:ea typeface="+mn-ea"/>
+                <a:cs typeface="+mn-cs"/>
+              </a:rPr>
+              <a:t>data</a:t>
+            </a:r>
+            <a:r>
+              <a:rPr lang="de-DE" sz="1200" b="0" i="0" u="none" strike="noStrike" kern="1200" dirty="0">
+                <a:solidFill>
+                  <a:schemeClr val="tx1"/>
+                </a:solidFill>
+                <a:effectLst/>
+                <a:latin typeface="+mn-lt"/>
+                <a:ea typeface="+mn-ea"/>
+                <a:cs typeface="+mn-cs"/>
+              </a:rPr>
+              <a:t> via </a:t>
+            </a:r>
+            <a:r>
+              <a:rPr lang="de-DE" sz="1200" b="0" i="0" u="none" strike="noStrike" kern="1200" dirty="0" err="1">
+                <a:solidFill>
+                  <a:schemeClr val="tx1"/>
+                </a:solidFill>
+                <a:effectLst/>
+                <a:latin typeface="+mn-lt"/>
+                <a:ea typeface="+mn-ea"/>
+                <a:cs typeface="+mn-cs"/>
+              </a:rPr>
+              <a:t>phpmyadmin</a:t>
+            </a:r>
+            <a:r>
+              <a:rPr lang="de-DE" sz="1200" b="0" i="0" u="none" strike="noStrike" kern="1200" dirty="0">
+                <a:solidFill>
+                  <a:schemeClr val="tx1"/>
+                </a:solidFill>
+                <a:effectLst/>
+                <a:latin typeface="+mn-lt"/>
+                <a:ea typeface="+mn-ea"/>
+                <a:cs typeface="+mn-cs"/>
+              </a:rPr>
+              <a:t> </a:t>
+            </a:r>
+            <a:r>
+              <a:rPr lang="de-DE" sz="1200" b="0" i="0" u="none" strike="noStrike" kern="1200" dirty="0" err="1">
+                <a:solidFill>
+                  <a:schemeClr val="tx1"/>
+                </a:solidFill>
+                <a:effectLst/>
+                <a:latin typeface="+mn-lt"/>
+                <a:ea typeface="+mn-ea"/>
+                <a:cs typeface="+mn-cs"/>
+              </a:rPr>
+              <a:t>into</a:t>
+            </a:r>
+            <a:r>
+              <a:rPr lang="de-DE" sz="1200" b="0" i="0" u="none" strike="noStrike" kern="1200" dirty="0">
+                <a:solidFill>
+                  <a:schemeClr val="tx1"/>
+                </a:solidFill>
+                <a:effectLst/>
+                <a:latin typeface="+mn-lt"/>
+                <a:ea typeface="+mn-ea"/>
+                <a:cs typeface="+mn-cs"/>
+              </a:rPr>
+              <a:t> </a:t>
+            </a:r>
+            <a:r>
+              <a:rPr lang="de-DE" sz="1200" b="0" i="0" u="none" strike="noStrike" kern="1200" dirty="0" err="1">
+                <a:solidFill>
+                  <a:schemeClr val="tx1"/>
+                </a:solidFill>
+                <a:effectLst/>
+                <a:latin typeface="+mn-lt"/>
+                <a:ea typeface="+mn-ea"/>
+                <a:cs typeface="+mn-cs"/>
+              </a:rPr>
+              <a:t>the</a:t>
+            </a:r>
+            <a:r>
+              <a:rPr lang="de-DE" sz="1200" b="0" i="0" u="none" strike="noStrike" kern="1200" dirty="0">
+                <a:solidFill>
+                  <a:schemeClr val="tx1"/>
+                </a:solidFill>
+                <a:effectLst/>
+                <a:latin typeface="+mn-lt"/>
+                <a:ea typeface="+mn-ea"/>
+                <a:cs typeface="+mn-cs"/>
+              </a:rPr>
+              <a:t> </a:t>
+            </a:r>
+            <a:r>
+              <a:rPr lang="de-DE" sz="1200" b="0" i="0" u="none" strike="noStrike" kern="1200" dirty="0" err="1">
+                <a:solidFill>
+                  <a:schemeClr val="tx1"/>
+                </a:solidFill>
+                <a:effectLst/>
+                <a:latin typeface="+mn-lt"/>
+                <a:ea typeface="+mn-ea"/>
+                <a:cs typeface="+mn-cs"/>
+              </a:rPr>
+              <a:t>db</a:t>
+            </a:r>
+            <a:r>
+              <a:rPr lang="de-DE" sz="1200" b="0" i="0" u="none" strike="noStrike" kern="1200" dirty="0">
+                <a:solidFill>
+                  <a:schemeClr val="tx1"/>
+                </a:solidFill>
+                <a:effectLst/>
+                <a:latin typeface="+mn-lt"/>
+                <a:ea typeface="+mn-ea"/>
+                <a:cs typeface="+mn-cs"/>
+              </a:rPr>
+              <a:t>, </a:t>
+            </a:r>
+            <a:r>
+              <a:rPr lang="de-DE" sz="1200" b="0" i="0" u="none" strike="noStrike" kern="1200" dirty="0" err="1">
+                <a:solidFill>
+                  <a:schemeClr val="tx1"/>
+                </a:solidFill>
+                <a:effectLst/>
+                <a:latin typeface="+mn-lt"/>
+                <a:ea typeface="+mn-ea"/>
+                <a:cs typeface="+mn-cs"/>
+              </a:rPr>
+              <a:t>compress</a:t>
+            </a:r>
+            <a:r>
+              <a:rPr lang="de-DE" sz="1200" b="0" i="0" u="none" strike="noStrike" kern="1200" dirty="0">
+                <a:solidFill>
+                  <a:schemeClr val="tx1"/>
+                </a:solidFill>
+                <a:effectLst/>
+                <a:latin typeface="+mn-lt"/>
+                <a:ea typeface="+mn-ea"/>
+                <a:cs typeface="+mn-cs"/>
+              </a:rPr>
+              <a:t> </a:t>
+            </a:r>
+            <a:r>
+              <a:rPr lang="de-DE" sz="1200" b="0" i="0" u="none" strike="noStrike" kern="1200" dirty="0" err="1">
+                <a:solidFill>
+                  <a:schemeClr val="tx1"/>
+                </a:solidFill>
+                <a:effectLst/>
+                <a:latin typeface="+mn-lt"/>
+                <a:ea typeface="+mn-ea"/>
+                <a:cs typeface="+mn-cs"/>
+              </a:rPr>
+              <a:t>the</a:t>
+            </a:r>
+            <a:r>
+              <a:rPr lang="de-DE" sz="1200" b="0" i="0" u="none" strike="noStrike" kern="1200" dirty="0">
+                <a:solidFill>
+                  <a:schemeClr val="tx1"/>
+                </a:solidFill>
+                <a:effectLst/>
+                <a:latin typeface="+mn-lt"/>
+                <a:ea typeface="+mn-ea"/>
+                <a:cs typeface="+mn-cs"/>
+              </a:rPr>
+              <a:t> </a:t>
+            </a:r>
+            <a:r>
+              <a:rPr lang="de-DE" sz="1200" b="0" i="0" u="none" strike="noStrike" kern="1200" dirty="0" err="1">
+                <a:solidFill>
+                  <a:schemeClr val="tx1"/>
+                </a:solidFill>
+                <a:effectLst/>
+                <a:latin typeface="+mn-lt"/>
+                <a:ea typeface="+mn-ea"/>
+                <a:cs typeface="+mn-cs"/>
+              </a:rPr>
+              <a:t>csv</a:t>
+            </a:r>
+            <a:r>
+              <a:rPr lang="de-DE" sz="1200" b="0" i="0" u="none" strike="noStrike" kern="1200" dirty="0">
+                <a:solidFill>
+                  <a:schemeClr val="tx1"/>
+                </a:solidFill>
+                <a:effectLst/>
+                <a:latin typeface="+mn-lt"/>
+                <a:ea typeface="+mn-ea"/>
+                <a:cs typeface="+mn-cs"/>
+              </a:rPr>
+              <a:t> </a:t>
+            </a:r>
+            <a:r>
+              <a:rPr lang="de-DE" sz="1200" b="0" i="0" u="none" strike="noStrike" kern="1200" dirty="0" err="1">
+                <a:solidFill>
+                  <a:schemeClr val="tx1"/>
+                </a:solidFill>
+                <a:effectLst/>
+                <a:latin typeface="+mn-lt"/>
+                <a:ea typeface="+mn-ea"/>
+                <a:cs typeface="+mn-cs"/>
+              </a:rPr>
+              <a:t>file</a:t>
+            </a:r>
+            <a:r>
+              <a:rPr lang="de-DE" sz="1200" b="0" i="0" u="none" strike="noStrike" kern="1200" dirty="0">
+                <a:solidFill>
+                  <a:schemeClr val="tx1"/>
+                </a:solidFill>
+                <a:effectLst/>
+                <a:latin typeface="+mn-lt"/>
+                <a:ea typeface="+mn-ea"/>
+                <a:cs typeface="+mn-cs"/>
+              </a:rPr>
+              <a:t> </a:t>
+            </a:r>
+            <a:r>
+              <a:rPr lang="de-DE" sz="1200" b="0" i="0" u="none" strike="noStrike" kern="1200" dirty="0" err="1">
+                <a:solidFill>
+                  <a:schemeClr val="tx1"/>
+                </a:solidFill>
+                <a:effectLst/>
+                <a:latin typeface="+mn-lt"/>
+                <a:ea typeface="+mn-ea"/>
+                <a:cs typeface="+mn-cs"/>
+              </a:rPr>
+              <a:t>into</a:t>
+            </a:r>
+            <a:r>
+              <a:rPr lang="de-DE" sz="1200" b="0" i="0" u="none" strike="noStrike" kern="1200" dirty="0">
+                <a:solidFill>
+                  <a:schemeClr val="tx1"/>
+                </a:solidFill>
+                <a:effectLst/>
+                <a:latin typeface="+mn-lt"/>
+                <a:ea typeface="+mn-ea"/>
+                <a:cs typeface="+mn-cs"/>
+              </a:rPr>
+              <a:t> </a:t>
+            </a:r>
+            <a:r>
+              <a:rPr lang="de-DE" sz="1200" b="0" i="0" u="none" strike="noStrike" kern="1200" dirty="0" err="1">
+                <a:solidFill>
+                  <a:schemeClr val="tx1"/>
+                </a:solidFill>
+                <a:effectLst/>
+                <a:latin typeface="+mn-lt"/>
+                <a:ea typeface="+mn-ea"/>
+                <a:cs typeface="+mn-cs"/>
+              </a:rPr>
+              <a:t>zip</a:t>
+            </a:r>
+            <a:r>
+              <a:rPr lang="de-DE" sz="1200" b="0" i="0" u="none" strike="noStrike" kern="1200" dirty="0">
+                <a:solidFill>
+                  <a:schemeClr val="tx1"/>
+                </a:solidFill>
+                <a:effectLst/>
+                <a:latin typeface="+mn-lt"/>
+                <a:ea typeface="+mn-ea"/>
+                <a:cs typeface="+mn-cs"/>
+              </a:rPr>
+              <a:t> </a:t>
+            </a:r>
+            <a:r>
+              <a:rPr lang="de-DE" sz="1200" b="0" i="0" u="none" strike="noStrike" kern="1200" dirty="0" err="1">
+                <a:solidFill>
+                  <a:schemeClr val="tx1"/>
+                </a:solidFill>
+                <a:effectLst/>
+                <a:latin typeface="+mn-lt"/>
+                <a:ea typeface="+mn-ea"/>
+                <a:cs typeface="+mn-cs"/>
+              </a:rPr>
+              <a:t>that</a:t>
+            </a:r>
+            <a:r>
+              <a:rPr lang="de-DE" sz="1200" b="0" i="0" u="none" strike="noStrike" kern="1200" dirty="0">
+                <a:solidFill>
+                  <a:schemeClr val="tx1"/>
+                </a:solidFill>
+                <a:effectLst/>
+                <a:latin typeface="+mn-lt"/>
+                <a:ea typeface="+mn-ea"/>
+                <a:cs typeface="+mn-cs"/>
+              </a:rPr>
+              <a:t> </a:t>
+            </a:r>
+            <a:r>
+              <a:rPr lang="de-DE" sz="1200" b="0" i="0" u="none" strike="noStrike" kern="1200" dirty="0" err="1">
+                <a:solidFill>
+                  <a:schemeClr val="tx1"/>
+                </a:solidFill>
+                <a:effectLst/>
+                <a:latin typeface="+mn-lt"/>
+                <a:ea typeface="+mn-ea"/>
+                <a:cs typeface="+mn-cs"/>
+              </a:rPr>
+              <a:t>the</a:t>
+            </a:r>
+            <a:r>
+              <a:rPr lang="de-DE" sz="1200" b="0" i="0" u="none" strike="noStrike" kern="1200" dirty="0">
+                <a:solidFill>
+                  <a:schemeClr val="tx1"/>
+                </a:solidFill>
+                <a:effectLst/>
+                <a:latin typeface="+mn-lt"/>
+                <a:ea typeface="+mn-ea"/>
+                <a:cs typeface="+mn-cs"/>
+              </a:rPr>
+              <a:t> </a:t>
+            </a:r>
+            <a:r>
+              <a:rPr lang="de-DE" sz="1200" b="0" i="0" u="none" strike="noStrike" kern="1200" dirty="0" err="1">
+                <a:solidFill>
+                  <a:schemeClr val="tx1"/>
+                </a:solidFill>
+                <a:effectLst/>
+                <a:latin typeface="+mn-lt"/>
+                <a:ea typeface="+mn-ea"/>
+                <a:cs typeface="+mn-cs"/>
+              </a:rPr>
+              <a:t>client</a:t>
+            </a:r>
+            <a:r>
+              <a:rPr lang="de-DE" sz="1200" b="0" i="0" u="none" strike="noStrike" kern="1200" dirty="0">
+                <a:solidFill>
+                  <a:schemeClr val="tx1"/>
+                </a:solidFill>
+                <a:effectLst/>
+                <a:latin typeface="+mn-lt"/>
+                <a:ea typeface="+mn-ea"/>
+                <a:cs typeface="+mn-cs"/>
+              </a:rPr>
+              <a:t> was </a:t>
+            </a:r>
+            <a:r>
+              <a:rPr lang="de-DE" sz="1200" b="0" i="0" u="none" strike="noStrike" kern="1200" dirty="0" err="1">
+                <a:solidFill>
+                  <a:schemeClr val="tx1"/>
+                </a:solidFill>
+                <a:effectLst/>
+                <a:latin typeface="+mn-lt"/>
+                <a:ea typeface="+mn-ea"/>
+                <a:cs typeface="+mn-cs"/>
+              </a:rPr>
+              <a:t>able</a:t>
+            </a:r>
+            <a:r>
+              <a:rPr lang="de-DE" sz="1200" b="0" i="0" u="none" strike="noStrike" kern="1200" dirty="0">
+                <a:solidFill>
+                  <a:schemeClr val="tx1"/>
+                </a:solidFill>
+                <a:effectLst/>
+                <a:latin typeface="+mn-lt"/>
+                <a:ea typeface="+mn-ea"/>
+                <a:cs typeface="+mn-cs"/>
+              </a:rPr>
+              <a:t> </a:t>
+            </a:r>
+            <a:r>
+              <a:rPr lang="de-DE" sz="1200" b="0" i="0" u="none" strike="noStrike" kern="1200" dirty="0" err="1">
+                <a:solidFill>
+                  <a:schemeClr val="tx1"/>
+                </a:solidFill>
+                <a:effectLst/>
+                <a:latin typeface="+mn-lt"/>
+                <a:ea typeface="+mn-ea"/>
+                <a:cs typeface="+mn-cs"/>
+              </a:rPr>
+              <a:t>to</a:t>
+            </a:r>
+            <a:r>
+              <a:rPr lang="de-DE" sz="1200" b="0" i="0" u="none" strike="noStrike" kern="1200" dirty="0">
+                <a:solidFill>
+                  <a:schemeClr val="tx1"/>
+                </a:solidFill>
+                <a:effectLst/>
+                <a:latin typeface="+mn-lt"/>
+                <a:ea typeface="+mn-ea"/>
+                <a:cs typeface="+mn-cs"/>
+              </a:rPr>
+              <a:t> </a:t>
+            </a:r>
+            <a:r>
+              <a:rPr lang="de-DE" sz="1200" b="0" i="0" u="none" strike="noStrike" kern="1200" dirty="0" err="1">
+                <a:solidFill>
+                  <a:schemeClr val="tx1"/>
+                </a:solidFill>
+                <a:effectLst/>
+                <a:latin typeface="+mn-lt"/>
+                <a:ea typeface="+mn-ea"/>
+                <a:cs typeface="+mn-cs"/>
+              </a:rPr>
+              <a:t>read</a:t>
+            </a:r>
+            <a:r>
+              <a:rPr lang="de-DE" sz="1200" b="0" i="0" u="none" strike="noStrike" kern="1200" dirty="0">
+                <a:solidFill>
+                  <a:schemeClr val="tx1"/>
+                </a:solidFill>
+                <a:effectLst/>
+                <a:latin typeface="+mn-lt"/>
+                <a:ea typeface="+mn-ea"/>
+                <a:cs typeface="+mn-cs"/>
+              </a:rPr>
+              <a:t> </a:t>
+            </a:r>
+            <a:r>
+              <a:rPr lang="de-DE" sz="1200" b="0" i="0" u="none" strike="noStrike" kern="1200" dirty="0" err="1">
+                <a:solidFill>
+                  <a:schemeClr val="tx1"/>
+                </a:solidFill>
+                <a:effectLst/>
+                <a:latin typeface="+mn-lt"/>
+                <a:ea typeface="+mn-ea"/>
+                <a:cs typeface="+mn-cs"/>
+              </a:rPr>
+              <a:t>it</a:t>
+            </a:r>
+            <a:r>
+              <a:rPr lang="de-DE" sz="1200" b="0" i="0" u="none" strike="noStrike" kern="1200" dirty="0">
+                <a:solidFill>
+                  <a:schemeClr val="tx1"/>
+                </a:solidFill>
+                <a:effectLst/>
+                <a:latin typeface="+mn-lt"/>
+                <a:ea typeface="+mn-ea"/>
+                <a:cs typeface="+mn-cs"/>
+              </a:rPr>
+              <a:t> </a:t>
+            </a:r>
+            <a:r>
+              <a:rPr lang="de-DE" sz="1200" b="0" i="0" u="none" strike="noStrike" kern="1200" dirty="0" err="1">
+                <a:solidFill>
+                  <a:schemeClr val="tx1"/>
+                </a:solidFill>
+                <a:effectLst/>
+                <a:latin typeface="+mn-lt"/>
+                <a:ea typeface="+mn-ea"/>
+                <a:cs typeface="+mn-cs"/>
+              </a:rPr>
+              <a:t>and</a:t>
+            </a:r>
+            <a:r>
+              <a:rPr lang="de-DE" sz="1200" b="0" i="0" u="none" strike="noStrike" kern="1200" dirty="0">
+                <a:solidFill>
+                  <a:schemeClr val="tx1"/>
+                </a:solidFill>
+                <a:effectLst/>
+                <a:latin typeface="+mn-lt"/>
+                <a:ea typeface="+mn-ea"/>
+                <a:cs typeface="+mn-cs"/>
+              </a:rPr>
+              <a:t> also </a:t>
+            </a:r>
+            <a:r>
+              <a:rPr lang="de-DE" sz="1200" b="0" i="0" u="none" strike="noStrike" kern="1200" dirty="0" err="1">
+                <a:solidFill>
+                  <a:schemeClr val="tx1"/>
+                </a:solidFill>
+                <a:effectLst/>
+                <a:latin typeface="+mn-lt"/>
+                <a:ea typeface="+mn-ea"/>
+                <a:cs typeface="+mn-cs"/>
+              </a:rPr>
+              <a:t>to</a:t>
+            </a:r>
+            <a:r>
+              <a:rPr lang="de-DE" sz="1200" b="0" i="0" u="none" strike="noStrike" kern="1200" dirty="0">
+                <a:solidFill>
+                  <a:schemeClr val="tx1"/>
+                </a:solidFill>
+                <a:effectLst/>
+                <a:latin typeface="+mn-lt"/>
+                <a:ea typeface="+mn-ea"/>
+                <a:cs typeface="+mn-cs"/>
+              </a:rPr>
+              <a:t> </a:t>
+            </a:r>
+            <a:r>
+              <a:rPr lang="de-DE" sz="1200" b="0" i="0" u="none" strike="noStrike" kern="1200" dirty="0" err="1">
+                <a:solidFill>
+                  <a:schemeClr val="tx1"/>
+                </a:solidFill>
+                <a:effectLst/>
+                <a:latin typeface="+mn-lt"/>
+                <a:ea typeface="+mn-ea"/>
+                <a:cs typeface="+mn-cs"/>
+              </a:rPr>
+              <a:t>separted</a:t>
+            </a:r>
+            <a:r>
+              <a:rPr lang="de-DE" sz="1200" b="0" i="0" u="none" strike="noStrike" kern="1200" dirty="0">
+                <a:solidFill>
+                  <a:schemeClr val="tx1"/>
+                </a:solidFill>
+                <a:effectLst/>
+                <a:latin typeface="+mn-lt"/>
+                <a:ea typeface="+mn-ea"/>
+                <a:cs typeface="+mn-cs"/>
+              </a:rPr>
+              <a:t> it.....</a:t>
+            </a:r>
+          </a:p>
+          <a:p>
+            <a:endParaRPr lang="de-DE" sz="1200" b="0" i="0" u="none" strike="noStrike" kern="1200" dirty="0">
+              <a:solidFill>
+                <a:schemeClr val="tx1"/>
+              </a:solidFill>
+              <a:effectLst/>
+              <a:latin typeface="+mn-lt"/>
+              <a:ea typeface="+mn-ea"/>
+              <a:cs typeface="+mn-cs"/>
+            </a:endParaRPr>
+          </a:p>
+        </p:txBody>
+      </p:sp>
+      <p:sp>
+        <p:nvSpPr>
+          <p:cNvPr id="4" name="Foliennummernplatzhalter 3"/>
+          <p:cNvSpPr>
+            <a:spLocks noGrp="1"/>
+          </p:cNvSpPr>
+          <p:nvPr>
+            <p:ph type="sldNum" sz="quarter" idx="5"/>
+          </p:nvPr>
+        </p:nvSpPr>
+        <p:spPr/>
+        <p:txBody>
+          <a:bodyPr/>
+          <a:lstStyle/>
+          <a:p>
+            <a:fld id="{3BC40F18-5B78-A24D-B5E4-E4AF3DDF4FDC}" type="slidenum">
+              <a:rPr lang="de-DE" smtClean="0"/>
+              <a:t>8</a:t>
+            </a:fld>
+            <a:endParaRPr lang="de-DE"/>
+          </a:p>
+        </p:txBody>
+      </p:sp>
+    </p:spTree>
+    <p:extLst>
+      <p:ext uri="{BB962C8B-B14F-4D97-AF65-F5344CB8AC3E}">
+        <p14:creationId xmlns:p14="http://schemas.microsoft.com/office/powerpoint/2010/main" val="69945829"/>
+      </p:ext>
+    </p:extLst>
+  </p:cSld>
+  <p:clrMapOvr>
+    <a:masterClrMapping/>
+  </p:clrMapOvr>
+</p:notes>
+</file>
+
+<file path=ppt/notesSlides/notesSlide3.xml><?xml version="1.0" encoding="utf-8"?>
+<p:notes xmlns:a="http://schemas.openxmlformats.org/drawingml/2006/main" xmlns:r="http://schemas.openxmlformats.org/officeDocument/2006/relationships" xmlns:p="http://schemas.openxmlformats.org/presentationml/2006/main">
+  <p:cSld>
+    <p:spTree>
+      <p:nvGrpSpPr>
+        <p:cNvPr id="1" name=""/>
+        <p:cNvGrpSpPr/>
+        <p:nvPr/>
+      </p:nvGrpSpPr>
+      <p:grpSpPr>
+        <a:xfrm>
+          <a:off x="0" y="0"/>
+          <a:ext cx="0" cy="0"/>
+          <a:chOff x="0" y="0"/>
+          <a:chExt cx="0" cy="0"/>
+        </a:xfrm>
+      </p:grpSpPr>
+      <p:sp>
+        <p:nvSpPr>
+          <p:cNvPr id="2" name="Folienbildplatzhalter 1"/>
+          <p:cNvSpPr>
+            <a:spLocks noGrp="1" noRot="1" noChangeAspect="1"/>
+          </p:cNvSpPr>
+          <p:nvPr>
+            <p:ph type="sldImg"/>
+          </p:nvPr>
+        </p:nvSpPr>
+        <p:spPr/>
+      </p:sp>
+      <p:sp>
+        <p:nvSpPr>
+          <p:cNvPr id="3" name="Notizenplatzhalter 2"/>
+          <p:cNvSpPr>
+            <a:spLocks noGrp="1"/>
+          </p:cNvSpPr>
+          <p:nvPr>
+            <p:ph type="body" idx="1"/>
+          </p:nvPr>
+        </p:nvSpPr>
+        <p:spPr/>
+        <p:txBody>
+          <a:bodyPr/>
+          <a:lstStyle/>
+          <a:p>
+            <a:endParaRPr lang="de-DE" dirty="0"/>
+          </a:p>
+        </p:txBody>
+      </p:sp>
+      <p:sp>
+        <p:nvSpPr>
+          <p:cNvPr id="4" name="Foliennummernplatzhalter 3"/>
+          <p:cNvSpPr>
+            <a:spLocks noGrp="1"/>
+          </p:cNvSpPr>
+          <p:nvPr>
+            <p:ph type="sldNum" sz="quarter" idx="5"/>
+          </p:nvPr>
+        </p:nvSpPr>
+        <p:spPr/>
+        <p:txBody>
+          <a:bodyPr/>
+          <a:lstStyle/>
+          <a:p>
+            <a:fld id="{3BC40F18-5B78-A24D-B5E4-E4AF3DDF4FDC}" type="slidenum">
+              <a:rPr lang="de-DE" smtClean="0"/>
+              <a:t>9</a:t>
+            </a:fld>
+            <a:endParaRPr lang="de-DE"/>
+          </a:p>
+        </p:txBody>
+      </p:sp>
+    </p:spTree>
+    <p:extLst>
+      <p:ext uri="{BB962C8B-B14F-4D97-AF65-F5344CB8AC3E}">
+        <p14:creationId xmlns:p14="http://schemas.microsoft.com/office/powerpoint/2010/main" val="2734843435"/>
+      </p:ext>
+    </p:extLst>
+  </p:cSld>
+  <p:clrMapOvr>
+    <a:masterClrMapping/>
+  </p:clrMapOvr>
+</p:notes>
 </file>
 
 <file path=ppt/slideLayouts/slideLayout1.xml><?xml version="1.0" encoding="utf-8"?>
@@ -141,13 +2598,85 @@
       </p:grpSpPr>
       <p:sp>
         <p:nvSpPr>
-          <p:cNvPr id="2" name="Titel 1">
-            <a:extLst>
-              <a:ext uri="{FF2B5EF4-FFF2-40B4-BE49-F238E27FC236}">
-                <a16:creationId xmlns:a16="http://schemas.microsoft.com/office/drawing/2014/main" id="{B61759ED-F6C6-48C5-BB5A-8FE94EC7CD05}"/>
-              </a:ext>
-            </a:extLst>
-          </p:cNvPr>
+          <p:cNvPr id="7" name="Rectangle 6"/>
+          <p:cNvSpPr/>
+          <p:nvPr/>
+        </p:nvSpPr>
+        <p:spPr>
+          <a:xfrm>
+            <a:off x="1007533" y="0"/>
+            <a:ext cx="7934348" cy="6858000"/>
+          </a:xfrm>
+          <a:prstGeom prst="rect">
+            <a:avLst/>
+          </a:prstGeom>
+          <a:solidFill>
+            <a:schemeClr val="bg2">
+              <a:alpha val="92000"/>
+            </a:schemeClr>
+          </a:solidFill>
+          <a:ln>
+            <a:noFill/>
+          </a:ln>
+        </p:spPr>
+        <p:style>
+          <a:lnRef idx="2">
+            <a:schemeClr val="accent1">
+              <a:shade val="50000"/>
+            </a:schemeClr>
+          </a:lnRef>
+          <a:fillRef idx="1">
+            <a:schemeClr val="accent1"/>
+          </a:fillRef>
+          <a:effectRef idx="0">
+            <a:schemeClr val="accent1"/>
+          </a:effectRef>
+          <a:fontRef idx="minor">
+            <a:schemeClr val="lt1"/>
+          </a:fontRef>
+        </p:style>
+      </p:sp>
+      <p:sp>
+        <p:nvSpPr>
+          <p:cNvPr id="8" name="Rectangle 7"/>
+          <p:cNvSpPr/>
+          <p:nvPr/>
+        </p:nvSpPr>
+        <p:spPr>
+          <a:xfrm>
+            <a:off x="8941881" y="0"/>
+            <a:ext cx="27432" cy="6858000"/>
+          </a:xfrm>
+          <a:prstGeom prst="rect">
+            <a:avLst/>
+          </a:prstGeom>
+          <a:solidFill>
+            <a:schemeClr val="accent6"/>
+          </a:solidFill>
+          <a:ln>
+            <a:noFill/>
+          </a:ln>
+        </p:spPr>
+        <p:style>
+          <a:lnRef idx="2">
+            <a:schemeClr val="accent1">
+              <a:shade val="50000"/>
+            </a:schemeClr>
+          </a:lnRef>
+          <a:fillRef idx="1">
+            <a:schemeClr val="accent1"/>
+          </a:fillRef>
+          <a:effectRef idx="0">
+            <a:schemeClr val="accent1"/>
+          </a:effectRef>
+          <a:fontRef idx="minor">
+            <a:schemeClr val="lt1"/>
+          </a:fontRef>
+        </p:style>
+      </p:sp>
+      <p:sp>
+        <p:nvSpPr>
+          <p:cNvPr id="2" name="Title 1"/>
           <p:cNvSpPr>
             <a:spLocks noGrp="1"/>
           </p:cNvSpPr>
@@ -157,14 +2686,16 @@
         </p:nvSpPr>
         <p:spPr>
           <a:xfrm>
-            <a:off x="1524000" y="1122363"/>
-            <a:ext cx="9144000" cy="2387600"/>
+            <a:off x="2611808" y="3428998"/>
+            <a:ext cx="5518066" cy="2268559"/>
           </a:xfrm>
         </p:spPr>
         <p:txBody>
-          <a:bodyPr anchor="b"/>
+          <a:bodyPr anchor="t">
+            <a:normAutofit/>
+          </a:bodyPr>
           <a:lstStyle>
-            <a:lvl1pPr algn="ctr">
+            <a:lvl1pPr algn="r">
               <a:defRPr sz="6000"/>
             </a:lvl1pPr>
           </a:lstStyle>
@@ -173,18 +2704,13 @@
               <a:rPr lang="de-DE"/>
               <a:t>Mastertitelformat bearbeiten</a:t>
             </a:r>
+            <a:endParaRPr lang="en-US" dirty="0"/>
           </a:p>
         </p:txBody>
       </p:sp>
       <p:sp>
         <p:nvSpPr>
-          <p:cNvPr id="3" name="Untertitel 2">
-            <a:extLst>
-              <a:ext uri="{FF2B5EF4-FFF2-40B4-BE49-F238E27FC236}">
-                <a16:creationId xmlns:a16="http://schemas.microsoft.com/office/drawing/2014/main" id="{8B4D34A8-9915-4DE9-9FC0-773B3EA958AD}"/>
-              </a:ext>
-            </a:extLst>
-          </p:cNvPr>
+          <p:cNvPr id="3" name="Subtitle 2"/>
           <p:cNvSpPr>
             <a:spLocks noGrp="1"/>
           </p:cNvSpPr>
@@ -194,20 +2720,26 @@
         </p:nvSpPr>
         <p:spPr>
           <a:xfrm>
-            <a:off x="1524000" y="3602038"/>
-            <a:ext cx="9144000" cy="1655762"/>
+            <a:off x="2772274" y="2268786"/>
+            <a:ext cx="5357600" cy="1160213"/>
           </a:xfrm>
         </p:spPr>
         <p:txBody>
-          <a:bodyPr/>
+          <a:bodyPr tIns="0" anchor="b">
+            <a:normAutofit/>
+          </a:bodyPr>
           <a:lstStyle>
-            <a:lvl1pPr marL="0" indent="0" algn="ctr">
+            <a:lvl1pPr marL="0" indent="0" algn="r">
               <a:buNone/>
-              <a:defRPr sz="2400"/>
+              <a:defRPr sz="1800" b="0">
+                <a:solidFill>
+                  <a:schemeClr val="tx1"/>
+                </a:solidFill>
+              </a:defRPr>
             </a:lvl1pPr>
             <a:lvl2pPr marL="457200" indent="0" algn="ctr">
               <a:buNone/>
-              <a:defRPr sz="2000"/>
+              <a:defRPr sz="1800"/>
             </a:lvl2pPr>
             <a:lvl3pPr marL="914400" indent="0" algn="ctr">
               <a:buNone/>
@@ -243,18 +2775,13 @@
               <a:rPr lang="de-DE"/>
               <a:t>Master-Untertitelformat bearbeiten</a:t>
             </a:r>
+            <a:endParaRPr lang="en-US" dirty="0"/>
           </a:p>
         </p:txBody>
       </p:sp>
       <p:sp>
         <p:nvSpPr>
-          <p:cNvPr id="4" name="Datumsplatzhalter 3">
-            <a:extLst>
-              <a:ext uri="{FF2B5EF4-FFF2-40B4-BE49-F238E27FC236}">
-                <a16:creationId xmlns:a16="http://schemas.microsoft.com/office/drawing/2014/main" id="{9233F56F-0FC8-42B6-9D02-F2342B2A33D5}"/>
-              </a:ext>
-            </a:extLst>
-          </p:cNvPr>
+          <p:cNvPr id="4" name="Date Placeholder 3"/>
           <p:cNvSpPr>
             <a:spLocks noGrp="1"/>
           </p:cNvSpPr>
@@ -277,13 +2804,7 @@
       </p:sp>
       <p:sp>
         <p:nvSpPr>
-          <p:cNvPr id="5" name="Fußzeilenplatzhalter 4">
-            <a:extLst>
-              <a:ext uri="{FF2B5EF4-FFF2-40B4-BE49-F238E27FC236}">
-                <a16:creationId xmlns:a16="http://schemas.microsoft.com/office/drawing/2014/main" id="{2AF42D9D-2B7D-46AF-A440-039DB04BCCA9}"/>
-              </a:ext>
-            </a:extLst>
-          </p:cNvPr>
+          <p:cNvPr id="5" name="Footer Placeholder 4"/>
           <p:cNvSpPr>
             <a:spLocks noGrp="1"/>
           </p:cNvSpPr>
@@ -302,13 +2823,7 @@
       </p:sp>
       <p:sp>
         <p:nvSpPr>
-          <p:cNvPr id="6" name="Foliennummernplatzhalter 5">
-            <a:extLst>
-              <a:ext uri="{FF2B5EF4-FFF2-40B4-BE49-F238E27FC236}">
-                <a16:creationId xmlns:a16="http://schemas.microsoft.com/office/drawing/2014/main" id="{628C4915-570E-40B9-9FC0-C005118E6A9F}"/>
-              </a:ext>
-            </a:extLst>
-          </p:cNvPr>
+          <p:cNvPr id="6" name="Slide Number Placeholder 5"/>
           <p:cNvSpPr>
             <a:spLocks noGrp="1"/>
           </p:cNvSpPr>
@@ -318,7 +2833,7 @@
         </p:nvSpPr>
         <p:spPr/>
         <p:txBody>
-          <a:bodyPr/>
+          <a:bodyPr rIns="45720"/>
           <a:lstStyle/>
           <a:p>
             <a:fld id="{4B9C8D79-868F-4C81-A8CF-8A6B765F4101}" type="slidenum">
@@ -329,10 +2844,51 @@
           </a:p>
         </p:txBody>
       </p:sp>
+      <p:sp>
+        <p:nvSpPr>
+          <p:cNvPr id="13" name="TextBox 12"/>
+          <p:cNvSpPr txBox="1"/>
+          <p:nvPr/>
+        </p:nvSpPr>
+        <p:spPr>
+          <a:xfrm>
+            <a:off x="2191282" y="3262852"/>
+            <a:ext cx="415636" cy="461665"/>
+          </a:xfrm>
+          <a:prstGeom prst="rect">
+            <a:avLst/>
+          </a:prstGeom>
+          <a:noFill/>
+        </p:spPr>
+        <p:txBody>
+          <a:bodyPr wrap="square" rtlCol="0">
+            <a:spAutoFit/>
+          </a:bodyPr>
+          <a:lstStyle/>
+          <a:p>
+            <a:pPr algn="r"/>
+            <a:r>
+              <a:rPr lang="en-US" sz="2400" dirty="0">
+                <a:solidFill>
+                  <a:schemeClr val="accent6"/>
+                </a:solidFill>
+                <a:latin typeface="Wingdings 3" panose="05040102010807070707" pitchFamily="18" charset="2"/>
+              </a:rPr>
+              <a:t>z</a:t>
+            </a:r>
+            <a:endParaRPr lang="en-US" sz="2400" dirty="0">
+              <a:solidFill>
+                <a:schemeClr val="accent6"/>
+              </a:solidFill>
+              <a:latin typeface="MS Shell Dlg 2" panose="020B0604030504040204" pitchFamily="34" charset="0"/>
+            </a:endParaRPr>
+          </a:p>
+        </p:txBody>
+      </p:sp>
     </p:spTree>
     <p:extLst>
       <p:ext uri="{BB962C8B-B14F-4D97-AF65-F5344CB8AC3E}">
-        <p14:creationId xmlns:p14="http://schemas.microsoft.com/office/powerpoint/2010/main" val="246066636"/>
+        <p14:creationId xmlns:p14="http://schemas.microsoft.com/office/powerpoint/2010/main" val="537478826"/>
       </p:ext>
     </p:extLst>
   </p:cSld>
@@ -361,13 +2917,126 @@
       </p:grpSpPr>
       <p:sp>
         <p:nvSpPr>
-          <p:cNvPr id="2" name="Titel 1">
-            <a:extLst>
-              <a:ext uri="{FF2B5EF4-FFF2-40B4-BE49-F238E27FC236}">
-                <a16:creationId xmlns:a16="http://schemas.microsoft.com/office/drawing/2014/main" id="{9857D805-2D92-4F5F-9E96-057FC9E76430}"/>
-              </a:ext>
-            </a:extLst>
-          </p:cNvPr>
+          <p:cNvPr id="14" name="Rectangle 13"/>
+          <p:cNvSpPr/>
+          <p:nvPr/>
+        </p:nvSpPr>
+        <p:spPr>
+          <a:xfrm>
+            <a:off x="1004479" y="0"/>
+            <a:ext cx="10372316" cy="6858000"/>
+          </a:xfrm>
+          <a:prstGeom prst="rect">
+            <a:avLst/>
+          </a:prstGeom>
+          <a:solidFill>
+            <a:schemeClr val="bg2">
+              <a:alpha val="92000"/>
+            </a:schemeClr>
+          </a:solidFill>
+          <a:ln>
+            <a:noFill/>
+          </a:ln>
+        </p:spPr>
+        <p:style>
+          <a:lnRef idx="2">
+            <a:schemeClr val="accent1">
+              <a:shade val="50000"/>
+            </a:schemeClr>
+          </a:lnRef>
+          <a:fillRef idx="1">
+            <a:schemeClr val="accent1"/>
+          </a:fillRef>
+          <a:effectRef idx="0">
+            <a:schemeClr val="accent1"/>
+          </a:effectRef>
+          <a:fontRef idx="minor">
+            <a:schemeClr val="lt1"/>
+          </a:fontRef>
+        </p:style>
+      </p:sp>
+      <p:sp>
+        <p:nvSpPr>
+          <p:cNvPr id="15" name="Rectangle 14"/>
+          <p:cNvSpPr/>
+          <p:nvPr/>
+        </p:nvSpPr>
+        <p:spPr>
+          <a:xfrm>
+            <a:off x="11377328" y="0"/>
+            <a:ext cx="27432" cy="6858000"/>
+          </a:xfrm>
+          <a:prstGeom prst="rect">
+            <a:avLst/>
+          </a:prstGeom>
+          <a:solidFill>
+            <a:schemeClr val="accent6"/>
+          </a:solidFill>
+          <a:ln>
+            <a:noFill/>
+          </a:ln>
+        </p:spPr>
+        <p:style>
+          <a:lnRef idx="2">
+            <a:schemeClr val="accent1">
+              <a:shade val="50000"/>
+            </a:schemeClr>
+          </a:lnRef>
+          <a:fillRef idx="1">
+            <a:schemeClr val="accent1"/>
+          </a:fillRef>
+          <a:effectRef idx="0">
+            <a:schemeClr val="accent1"/>
+          </a:effectRef>
+          <a:fontRef idx="minor">
+            <a:schemeClr val="lt1"/>
+          </a:fontRef>
+        </p:style>
+      </p:sp>
+      <p:sp>
+        <p:nvSpPr>
+          <p:cNvPr id="9" name="TextBox 8"/>
+          <p:cNvSpPr txBox="1"/>
+          <p:nvPr/>
+        </p:nvSpPr>
+        <p:spPr>
+          <a:xfrm>
+            <a:off x="2194236" y="641225"/>
+            <a:ext cx="415636" cy="369332"/>
+          </a:xfrm>
+          <a:prstGeom prst="rect">
+            <a:avLst/>
+          </a:prstGeom>
+          <a:noFill/>
+        </p:spPr>
+        <p:txBody>
+          <a:bodyPr wrap="square" rtlCol="0">
+            <a:spAutoFit/>
+          </a:bodyPr>
+          <a:lstStyle/>
+          <a:p>
+            <a:pPr algn="r"/>
+            <a:r>
+              <a:rPr lang="en-US" sz="1800" dirty="0">
+                <a:solidFill>
+                  <a:schemeClr val="accent6"/>
+                </a:solidFill>
+                <a:latin typeface="Wingdings 3" panose="05040102010807070707" pitchFamily="18" charset="2"/>
+              </a:rPr>
+              <a:t>z</a:t>
+            </a:r>
+            <a:endParaRPr lang="en-US" sz="1000" dirty="0">
+              <a:solidFill>
+                <a:schemeClr val="accent6"/>
+              </a:solidFill>
+              <a:latin typeface="MS Shell Dlg 2" panose="020B0604030504040204" pitchFamily="34" charset="0"/>
+            </a:endParaRPr>
+          </a:p>
+        </p:txBody>
+      </p:sp>
+      <p:sp>
+        <p:nvSpPr>
+          <p:cNvPr id="2" name="Title 1"/>
           <p:cNvSpPr>
             <a:spLocks noGrp="1"/>
           </p:cNvSpPr>
@@ -375,7 +3044,12 @@
             <p:ph type="title"/>
           </p:nvPr>
         </p:nvSpPr>
-        <p:spPr/>
+        <p:spPr>
+          <a:xfrm>
+            <a:off x="2611808" y="808056"/>
+            <a:ext cx="7954091" cy="1077229"/>
+          </a:xfrm>
+        </p:spPr>
         <p:txBody>
           <a:bodyPr/>
           <a:lstStyle/>
@@ -384,18 +3058,13 @@
               <a:rPr lang="de-DE"/>
               <a:t>Mastertitelformat bearbeiten</a:t>
             </a:r>
+            <a:endParaRPr lang="en-US" dirty="0"/>
           </a:p>
         </p:txBody>
       </p:sp>
       <p:sp>
         <p:nvSpPr>
-          <p:cNvPr id="3" name="Vertikaler Textplatzhalter 2">
-            <a:extLst>
-              <a:ext uri="{FF2B5EF4-FFF2-40B4-BE49-F238E27FC236}">
-                <a16:creationId xmlns:a16="http://schemas.microsoft.com/office/drawing/2014/main" id="{2EB3DE83-A486-4E32-94BD-89296B72AC9A}"/>
-              </a:ext>
-            </a:extLst>
-          </p:cNvPr>
+          <p:cNvPr id="3" name="Vertical Text Placeholder 2"/>
           <p:cNvSpPr>
             <a:spLocks noGrp="1"/>
           </p:cNvSpPr>
@@ -441,18 +3110,13 @@
               <a:rPr lang="de-DE"/>
               <a:t>Fünfte Ebene</a:t>
             </a:r>
+            <a:endParaRPr lang="en-US" dirty="0"/>
           </a:p>
         </p:txBody>
       </p:sp>
       <p:sp>
         <p:nvSpPr>
-          <p:cNvPr id="4" name="Datumsplatzhalter 3">
-            <a:extLst>
-              <a:ext uri="{FF2B5EF4-FFF2-40B4-BE49-F238E27FC236}">
-                <a16:creationId xmlns:a16="http://schemas.microsoft.com/office/drawing/2014/main" id="{EE7500E6-09EA-479F-9383-E9BE429DBD9F}"/>
-              </a:ext>
-            </a:extLst>
-          </p:cNvPr>
+          <p:cNvPr id="4" name="Date Placeholder 3"/>
           <p:cNvSpPr>
             <a:spLocks noGrp="1"/>
           </p:cNvSpPr>
@@ -475,13 +3139,7 @@
       </p:sp>
       <p:sp>
         <p:nvSpPr>
-          <p:cNvPr id="5" name="Fußzeilenplatzhalter 4">
-            <a:extLst>
-              <a:ext uri="{FF2B5EF4-FFF2-40B4-BE49-F238E27FC236}">
-                <a16:creationId xmlns:a16="http://schemas.microsoft.com/office/drawing/2014/main" id="{11387A1D-F263-4CE8-A47B-BBC5D1D31D73}"/>
-              </a:ext>
-            </a:extLst>
-          </p:cNvPr>
+          <p:cNvPr id="5" name="Footer Placeholder 4"/>
           <p:cNvSpPr>
             <a:spLocks noGrp="1"/>
           </p:cNvSpPr>
@@ -500,13 +3158,7 @@
       </p:sp>
       <p:sp>
         <p:nvSpPr>
-          <p:cNvPr id="6" name="Foliennummernplatzhalter 5">
-            <a:extLst>
-              <a:ext uri="{FF2B5EF4-FFF2-40B4-BE49-F238E27FC236}">
-                <a16:creationId xmlns:a16="http://schemas.microsoft.com/office/drawing/2014/main" id="{64D159A0-6FA1-430D-B819-1BEAB51C4EE1}"/>
-              </a:ext>
-            </a:extLst>
-          </p:cNvPr>
+          <p:cNvPr id="6" name="Slide Number Placeholder 5"/>
           <p:cNvSpPr>
             <a:spLocks noGrp="1"/>
           </p:cNvSpPr>
@@ -530,7 +3182,7 @@
     </p:spTree>
     <p:extLst>
       <p:ext uri="{BB962C8B-B14F-4D97-AF65-F5344CB8AC3E}">
-        <p14:creationId xmlns:p14="http://schemas.microsoft.com/office/powerpoint/2010/main" val="1888281315"/>
+        <p14:creationId xmlns:p14="http://schemas.microsoft.com/office/powerpoint/2010/main" val="1485170857"/>
       </p:ext>
     </p:extLst>
   </p:cSld>
@@ -559,13 +3211,126 @@
       </p:grpSpPr>
       <p:sp>
         <p:nvSpPr>
-          <p:cNvPr id="2" name="Vertikaler Titel 1">
-            <a:extLst>
-              <a:ext uri="{FF2B5EF4-FFF2-40B4-BE49-F238E27FC236}">
-                <a16:creationId xmlns:a16="http://schemas.microsoft.com/office/drawing/2014/main" id="{1FA30632-D504-4A32-962C-8701C25A9BB3}"/>
-              </a:ext>
-            </a:extLst>
-          </p:cNvPr>
+          <p:cNvPr id="15" name="Rectangle 14"/>
+          <p:cNvSpPr/>
+          <p:nvPr/>
+        </p:nvSpPr>
+        <p:spPr>
+          <a:xfrm>
+            <a:off x="1004479" y="0"/>
+            <a:ext cx="10372316" cy="6858000"/>
+          </a:xfrm>
+          <a:prstGeom prst="rect">
+            <a:avLst/>
+          </a:prstGeom>
+          <a:solidFill>
+            <a:schemeClr val="bg2">
+              <a:alpha val="92000"/>
+            </a:schemeClr>
+          </a:solidFill>
+          <a:ln>
+            <a:noFill/>
+          </a:ln>
+        </p:spPr>
+        <p:style>
+          <a:lnRef idx="2">
+            <a:schemeClr val="accent1">
+              <a:shade val="50000"/>
+            </a:schemeClr>
+          </a:lnRef>
+          <a:fillRef idx="1">
+            <a:schemeClr val="accent1"/>
+          </a:fillRef>
+          <a:effectRef idx="0">
+            <a:schemeClr val="accent1"/>
+          </a:effectRef>
+          <a:fontRef idx="minor">
+            <a:schemeClr val="lt1"/>
+          </a:fontRef>
+        </p:style>
+      </p:sp>
+      <p:sp>
+        <p:nvSpPr>
+          <p:cNvPr id="16" name="Rectangle 15"/>
+          <p:cNvSpPr/>
+          <p:nvPr/>
+        </p:nvSpPr>
+        <p:spPr>
+          <a:xfrm>
+            <a:off x="11377328" y="0"/>
+            <a:ext cx="27432" cy="6858000"/>
+          </a:xfrm>
+          <a:prstGeom prst="rect">
+            <a:avLst/>
+          </a:prstGeom>
+          <a:solidFill>
+            <a:schemeClr val="accent6"/>
+          </a:solidFill>
+          <a:ln>
+            <a:noFill/>
+          </a:ln>
+        </p:spPr>
+        <p:style>
+          <a:lnRef idx="2">
+            <a:schemeClr val="accent1">
+              <a:shade val="50000"/>
+            </a:schemeClr>
+          </a:lnRef>
+          <a:fillRef idx="1">
+            <a:schemeClr val="accent1"/>
+          </a:fillRef>
+          <a:effectRef idx="0">
+            <a:schemeClr val="accent1"/>
+          </a:effectRef>
+          <a:fontRef idx="minor">
+            <a:schemeClr val="lt1"/>
+          </a:fontRef>
+        </p:style>
+      </p:sp>
+      <p:sp>
+        <p:nvSpPr>
+          <p:cNvPr id="9" name="TextBox 8"/>
+          <p:cNvSpPr txBox="1"/>
+          <p:nvPr/>
+        </p:nvSpPr>
+        <p:spPr>
+          <a:xfrm rot="5400000">
+            <a:off x="10337141" y="416061"/>
+            <a:ext cx="415636" cy="369332"/>
+          </a:xfrm>
+          <a:prstGeom prst="rect">
+            <a:avLst/>
+          </a:prstGeom>
+          <a:noFill/>
+        </p:spPr>
+        <p:txBody>
+          <a:bodyPr wrap="square" rtlCol="0">
+            <a:spAutoFit/>
+          </a:bodyPr>
+          <a:lstStyle/>
+          <a:p>
+            <a:pPr algn="r"/>
+            <a:r>
+              <a:rPr lang="en-US" sz="1800" dirty="0">
+                <a:solidFill>
+                  <a:schemeClr val="accent6"/>
+                </a:solidFill>
+                <a:latin typeface="Wingdings 3" panose="05040102010807070707" pitchFamily="18" charset="2"/>
+              </a:rPr>
+              <a:t>z</a:t>
+            </a:r>
+            <a:endParaRPr lang="en-US" sz="1000" dirty="0">
+              <a:solidFill>
+                <a:schemeClr val="accent6"/>
+              </a:solidFill>
+              <a:latin typeface="MS Shell Dlg 2" panose="020B0604030504040204" pitchFamily="34" charset="0"/>
+            </a:endParaRPr>
+          </a:p>
+        </p:txBody>
+      </p:sp>
+      <p:sp>
+        <p:nvSpPr>
+          <p:cNvPr id="2" name="Vertical Title 1"/>
           <p:cNvSpPr>
             <a:spLocks noGrp="1"/>
           </p:cNvSpPr>
@@ -575,30 +3340,29 @@
         </p:nvSpPr>
         <p:spPr>
           <a:xfrm>
-            <a:off x="8724900" y="365125"/>
-            <a:ext cx="2628900" cy="5811838"/>
+            <a:off x="9239380" y="805818"/>
+            <a:ext cx="1326519" cy="5244126"/>
           </a:xfrm>
         </p:spPr>
         <p:txBody>
           <a:bodyPr vert="eaVert"/>
-          <a:lstStyle/>
+          <a:lstStyle>
+            <a:lvl1pPr algn="l">
+              <a:defRPr/>
+            </a:lvl1pPr>
+          </a:lstStyle>
           <a:p>
             <a:r>
               <a:rPr lang="de-DE"/>
               <a:t>Mastertitelformat bearbeiten</a:t>
             </a:r>
+            <a:endParaRPr lang="en-US" dirty="0"/>
           </a:p>
         </p:txBody>
       </p:sp>
       <p:sp>
         <p:nvSpPr>
-          <p:cNvPr id="3" name="Vertikaler Textplatzhalter 2">
-            <a:extLst>
-              <a:ext uri="{FF2B5EF4-FFF2-40B4-BE49-F238E27FC236}">
-                <a16:creationId xmlns:a16="http://schemas.microsoft.com/office/drawing/2014/main" id="{B9F81770-2BD7-4AEC-A096-77200D704928}"/>
-              </a:ext>
-            </a:extLst>
-          </p:cNvPr>
+          <p:cNvPr id="3" name="Vertical Text Placeholder 2"/>
           <p:cNvSpPr>
             <a:spLocks noGrp="1"/>
           </p:cNvSpPr>
@@ -608,8 +3372,8 @@
         </p:nvSpPr>
         <p:spPr>
           <a:xfrm>
-            <a:off x="838200" y="365125"/>
-            <a:ext cx="7734300" cy="5811838"/>
+            <a:off x="2608751" y="970410"/>
+            <a:ext cx="6466903" cy="5079534"/>
           </a:xfrm>
         </p:spPr>
         <p:txBody>
@@ -649,18 +3413,13 @@
               <a:rPr lang="de-DE"/>
               <a:t>Fünfte Ebene</a:t>
             </a:r>
+            <a:endParaRPr lang="en-US" dirty="0"/>
           </a:p>
         </p:txBody>
       </p:sp>
       <p:sp>
         <p:nvSpPr>
-          <p:cNvPr id="4" name="Datumsplatzhalter 3">
-            <a:extLst>
-              <a:ext uri="{FF2B5EF4-FFF2-40B4-BE49-F238E27FC236}">
-                <a16:creationId xmlns:a16="http://schemas.microsoft.com/office/drawing/2014/main" id="{C4A0E073-9269-4202-A617-2CDF21A2D251}"/>
-              </a:ext>
-            </a:extLst>
-          </p:cNvPr>
+          <p:cNvPr id="4" name="Date Placeholder 3"/>
           <p:cNvSpPr>
             <a:spLocks noGrp="1"/>
           </p:cNvSpPr>
@@ -683,13 +3442,7 @@
       </p:sp>
       <p:sp>
         <p:nvSpPr>
-          <p:cNvPr id="5" name="Fußzeilenplatzhalter 4">
-            <a:extLst>
-              <a:ext uri="{FF2B5EF4-FFF2-40B4-BE49-F238E27FC236}">
-                <a16:creationId xmlns:a16="http://schemas.microsoft.com/office/drawing/2014/main" id="{6CDA7BD8-F35D-444A-BE42-6A80185092E2}"/>
-              </a:ext>
-            </a:extLst>
-          </p:cNvPr>
+          <p:cNvPr id="5" name="Footer Placeholder 4"/>
           <p:cNvSpPr>
             <a:spLocks noGrp="1"/>
           </p:cNvSpPr>
@@ -708,13 +3461,7 @@
       </p:sp>
       <p:sp>
         <p:nvSpPr>
-          <p:cNvPr id="6" name="Foliennummernplatzhalter 5">
-            <a:extLst>
-              <a:ext uri="{FF2B5EF4-FFF2-40B4-BE49-F238E27FC236}">
-                <a16:creationId xmlns:a16="http://schemas.microsoft.com/office/drawing/2014/main" id="{B28AADCA-4E01-48C2-AB0C-D5FD8018506D}"/>
-              </a:ext>
-            </a:extLst>
-          </p:cNvPr>
+          <p:cNvPr id="6" name="Slide Number Placeholder 5"/>
           <p:cNvSpPr>
             <a:spLocks noGrp="1"/>
           </p:cNvSpPr>
@@ -738,7 +3485,7 @@
     </p:spTree>
     <p:extLst>
       <p:ext uri="{BB962C8B-B14F-4D97-AF65-F5344CB8AC3E}">
-        <p14:creationId xmlns:p14="http://schemas.microsoft.com/office/powerpoint/2010/main" val="647588581"/>
+        <p14:creationId xmlns:p14="http://schemas.microsoft.com/office/powerpoint/2010/main" val="1987333229"/>
       </p:ext>
     </p:extLst>
   </p:cSld>
@@ -767,13 +3514,85 @@
       </p:grpSpPr>
       <p:sp>
         <p:nvSpPr>
-          <p:cNvPr id="2" name="Titel 1">
-            <a:extLst>
-              <a:ext uri="{FF2B5EF4-FFF2-40B4-BE49-F238E27FC236}">
-                <a16:creationId xmlns:a16="http://schemas.microsoft.com/office/drawing/2014/main" id="{049F42AF-D285-4A37-98EA-638E0C0395AD}"/>
-              </a:ext>
-            </a:extLst>
-          </p:cNvPr>
+          <p:cNvPr id="29" name="Rectangle 28"/>
+          <p:cNvSpPr/>
+          <p:nvPr/>
+        </p:nvSpPr>
+        <p:spPr>
+          <a:xfrm>
+            <a:off x="1004479" y="0"/>
+            <a:ext cx="10372316" cy="6858000"/>
+          </a:xfrm>
+          <a:prstGeom prst="rect">
+            <a:avLst/>
+          </a:prstGeom>
+          <a:solidFill>
+            <a:schemeClr val="bg2">
+              <a:alpha val="92000"/>
+            </a:schemeClr>
+          </a:solidFill>
+          <a:ln>
+            <a:noFill/>
+          </a:ln>
+        </p:spPr>
+        <p:style>
+          <a:lnRef idx="2">
+            <a:schemeClr val="accent1">
+              <a:shade val="50000"/>
+            </a:schemeClr>
+          </a:lnRef>
+          <a:fillRef idx="1">
+            <a:schemeClr val="accent1"/>
+          </a:fillRef>
+          <a:effectRef idx="0">
+            <a:schemeClr val="accent1"/>
+          </a:effectRef>
+          <a:fontRef idx="minor">
+            <a:schemeClr val="lt1"/>
+          </a:fontRef>
+        </p:style>
+      </p:sp>
+      <p:sp>
+        <p:nvSpPr>
+          <p:cNvPr id="9" name="Rectangle 8"/>
+          <p:cNvSpPr/>
+          <p:nvPr/>
+        </p:nvSpPr>
+        <p:spPr>
+          <a:xfrm>
+            <a:off x="11377328" y="0"/>
+            <a:ext cx="27432" cy="6858000"/>
+          </a:xfrm>
+          <a:prstGeom prst="rect">
+            <a:avLst/>
+          </a:prstGeom>
+          <a:solidFill>
+            <a:schemeClr val="accent6"/>
+          </a:solidFill>
+          <a:ln>
+            <a:noFill/>
+          </a:ln>
+        </p:spPr>
+        <p:style>
+          <a:lnRef idx="2">
+            <a:schemeClr val="accent1">
+              <a:shade val="50000"/>
+            </a:schemeClr>
+          </a:lnRef>
+          <a:fillRef idx="1">
+            <a:schemeClr val="accent1"/>
+          </a:fillRef>
+          <a:effectRef idx="0">
+            <a:schemeClr val="accent1"/>
+          </a:effectRef>
+          <a:fontRef idx="minor">
+            <a:schemeClr val="lt1"/>
+          </a:fontRef>
+        </p:style>
+      </p:sp>
+      <p:sp>
+        <p:nvSpPr>
+          <p:cNvPr id="2" name="Title 1"/>
           <p:cNvSpPr>
             <a:spLocks noGrp="1"/>
           </p:cNvSpPr>
@@ -790,18 +3609,13 @@
               <a:rPr lang="de-DE"/>
               <a:t>Mastertitelformat bearbeiten</a:t>
             </a:r>
+            <a:endParaRPr lang="en-US" dirty="0"/>
           </a:p>
         </p:txBody>
       </p:sp>
       <p:sp>
         <p:nvSpPr>
-          <p:cNvPr id="3" name="Inhaltsplatzhalter 2">
-            <a:extLst>
-              <a:ext uri="{FF2B5EF4-FFF2-40B4-BE49-F238E27FC236}">
-                <a16:creationId xmlns:a16="http://schemas.microsoft.com/office/drawing/2014/main" id="{17AD6C2B-E447-4871-A15F-DF82A9B993C8}"/>
-              </a:ext>
-            </a:extLst>
-          </p:cNvPr>
+          <p:cNvPr id="3" name="Content Placeholder 2"/>
           <p:cNvSpPr>
             <a:spLocks noGrp="1"/>
           </p:cNvSpPr>
@@ -811,7 +3625,7 @@
         </p:nvSpPr>
         <p:spPr/>
         <p:txBody>
-          <a:bodyPr/>
+          <a:bodyPr anchor="ctr"/>
           <a:lstStyle/>
           <a:p>
             <a:pPr lvl="0"/>
@@ -847,18 +3661,13 @@
               <a:rPr lang="de-DE"/>
               <a:t>Fünfte Ebene</a:t>
             </a:r>
+            <a:endParaRPr lang="en-US" dirty="0"/>
           </a:p>
         </p:txBody>
       </p:sp>
       <p:sp>
         <p:nvSpPr>
-          <p:cNvPr id="4" name="Datumsplatzhalter 3">
-            <a:extLst>
-              <a:ext uri="{FF2B5EF4-FFF2-40B4-BE49-F238E27FC236}">
-                <a16:creationId xmlns:a16="http://schemas.microsoft.com/office/drawing/2014/main" id="{12224712-BA58-4FCE-BA3A-B643663673B7}"/>
-              </a:ext>
-            </a:extLst>
-          </p:cNvPr>
+          <p:cNvPr id="4" name="Date Placeholder 3"/>
           <p:cNvSpPr>
             <a:spLocks noGrp="1"/>
           </p:cNvSpPr>
@@ -881,13 +3690,7 @@
       </p:sp>
       <p:sp>
         <p:nvSpPr>
-          <p:cNvPr id="5" name="Fußzeilenplatzhalter 4">
-            <a:extLst>
-              <a:ext uri="{FF2B5EF4-FFF2-40B4-BE49-F238E27FC236}">
-                <a16:creationId xmlns:a16="http://schemas.microsoft.com/office/drawing/2014/main" id="{F54E2ADB-8B76-4ECF-87E6-B54E36DB0F74}"/>
-              </a:ext>
-            </a:extLst>
-          </p:cNvPr>
+          <p:cNvPr id="5" name="Footer Placeholder 4"/>
           <p:cNvSpPr>
             <a:spLocks noGrp="1"/>
           </p:cNvSpPr>
@@ -906,13 +3709,7 @@
       </p:sp>
       <p:sp>
         <p:nvSpPr>
-          <p:cNvPr id="6" name="Foliennummernplatzhalter 5">
-            <a:extLst>
-              <a:ext uri="{FF2B5EF4-FFF2-40B4-BE49-F238E27FC236}">
-                <a16:creationId xmlns:a16="http://schemas.microsoft.com/office/drawing/2014/main" id="{086DA8BC-2AE8-4E4B-B506-345F5616DD39}"/>
-              </a:ext>
-            </a:extLst>
-          </p:cNvPr>
+          <p:cNvPr id="6" name="Slide Number Placeholder 5"/>
           <p:cNvSpPr>
             <a:spLocks noGrp="1"/>
           </p:cNvSpPr>
@@ -933,10 +3730,51 @@
           </a:p>
         </p:txBody>
       </p:sp>
+      <p:sp>
+        <p:nvSpPr>
+          <p:cNvPr id="7" name="TextBox 6"/>
+          <p:cNvSpPr txBox="1"/>
+          <p:nvPr/>
+        </p:nvSpPr>
+        <p:spPr>
+          <a:xfrm>
+            <a:off x="2194943" y="641225"/>
+            <a:ext cx="415636" cy="369332"/>
+          </a:xfrm>
+          <a:prstGeom prst="rect">
+            <a:avLst/>
+          </a:prstGeom>
+          <a:noFill/>
+        </p:spPr>
+        <p:txBody>
+          <a:bodyPr wrap="square" rtlCol="0">
+            <a:spAutoFit/>
+          </a:bodyPr>
+          <a:lstStyle/>
+          <a:p>
+            <a:pPr algn="r"/>
+            <a:r>
+              <a:rPr lang="en-US" sz="1800" dirty="0">
+                <a:solidFill>
+                  <a:schemeClr val="accent6"/>
+                </a:solidFill>
+                <a:latin typeface="Wingdings 3" panose="05040102010807070707" pitchFamily="18" charset="2"/>
+              </a:rPr>
+              <a:t>z</a:t>
+            </a:r>
+            <a:endParaRPr lang="en-US" sz="1000" dirty="0">
+              <a:solidFill>
+                <a:schemeClr val="accent6"/>
+              </a:solidFill>
+              <a:latin typeface="MS Shell Dlg 2" panose="020B0604030504040204" pitchFamily="34" charset="0"/>
+            </a:endParaRPr>
+          </a:p>
+        </p:txBody>
+      </p:sp>
     </p:spTree>
     <p:extLst>
       <p:ext uri="{BB962C8B-B14F-4D97-AF65-F5344CB8AC3E}">
-        <p14:creationId xmlns:p14="http://schemas.microsoft.com/office/powerpoint/2010/main" val="3267228450"/>
+        <p14:creationId xmlns:p14="http://schemas.microsoft.com/office/powerpoint/2010/main" val="2333852857"/>
       </p:ext>
     </p:extLst>
   </p:cSld>
@@ -965,13 +3803,126 @@
       </p:grpSpPr>
       <p:sp>
         <p:nvSpPr>
-          <p:cNvPr id="2" name="Titel 1">
-            <a:extLst>
-              <a:ext uri="{FF2B5EF4-FFF2-40B4-BE49-F238E27FC236}">
-                <a16:creationId xmlns:a16="http://schemas.microsoft.com/office/drawing/2014/main" id="{0BC0FC83-2C50-4DDA-B0BB-9CBA53684365}"/>
-              </a:ext>
-            </a:extLst>
-          </p:cNvPr>
+          <p:cNvPr id="24" name="Rectangle 23"/>
+          <p:cNvSpPr/>
+          <p:nvPr/>
+        </p:nvSpPr>
+        <p:spPr>
+          <a:xfrm>
+            <a:off x="1004479" y="0"/>
+            <a:ext cx="10372316" cy="6858000"/>
+          </a:xfrm>
+          <a:prstGeom prst="rect">
+            <a:avLst/>
+          </a:prstGeom>
+          <a:solidFill>
+            <a:schemeClr val="bg2">
+              <a:alpha val="92000"/>
+            </a:schemeClr>
+          </a:solidFill>
+          <a:ln>
+            <a:noFill/>
+          </a:ln>
+        </p:spPr>
+        <p:style>
+          <a:lnRef idx="2">
+            <a:schemeClr val="accent1">
+              <a:shade val="50000"/>
+            </a:schemeClr>
+          </a:lnRef>
+          <a:fillRef idx="1">
+            <a:schemeClr val="accent1"/>
+          </a:fillRef>
+          <a:effectRef idx="0">
+            <a:schemeClr val="accent1"/>
+          </a:effectRef>
+          <a:fontRef idx="minor">
+            <a:schemeClr val="lt1"/>
+          </a:fontRef>
+        </p:style>
+      </p:sp>
+      <p:sp>
+        <p:nvSpPr>
+          <p:cNvPr id="25" name="Rectangle 24"/>
+          <p:cNvSpPr/>
+          <p:nvPr/>
+        </p:nvSpPr>
+        <p:spPr>
+          <a:xfrm>
+            <a:off x="11377328" y="0"/>
+            <a:ext cx="27432" cy="6858000"/>
+          </a:xfrm>
+          <a:prstGeom prst="rect">
+            <a:avLst/>
+          </a:prstGeom>
+          <a:solidFill>
+            <a:schemeClr val="accent6"/>
+          </a:solidFill>
+          <a:ln>
+            <a:noFill/>
+          </a:ln>
+        </p:spPr>
+        <p:style>
+          <a:lnRef idx="2">
+            <a:schemeClr val="accent1">
+              <a:shade val="50000"/>
+            </a:schemeClr>
+          </a:lnRef>
+          <a:fillRef idx="1">
+            <a:schemeClr val="accent1"/>
+          </a:fillRef>
+          <a:effectRef idx="0">
+            <a:schemeClr val="accent1"/>
+          </a:effectRef>
+          <a:fontRef idx="minor">
+            <a:schemeClr val="lt1"/>
+          </a:fontRef>
+        </p:style>
+      </p:sp>
+      <p:sp>
+        <p:nvSpPr>
+          <p:cNvPr id="11" name="TextBox 10"/>
+          <p:cNvSpPr txBox="1"/>
+          <p:nvPr/>
+        </p:nvSpPr>
+        <p:spPr>
+          <a:xfrm>
+            <a:off x="2191843" y="2962586"/>
+            <a:ext cx="415636" cy="369332"/>
+          </a:xfrm>
+          <a:prstGeom prst="rect">
+            <a:avLst/>
+          </a:prstGeom>
+          <a:noFill/>
+        </p:spPr>
+        <p:txBody>
+          <a:bodyPr wrap="square" rtlCol="0">
+            <a:spAutoFit/>
+          </a:bodyPr>
+          <a:lstStyle/>
+          <a:p>
+            <a:pPr algn="r"/>
+            <a:r>
+              <a:rPr lang="en-US" sz="1800" dirty="0">
+                <a:solidFill>
+                  <a:schemeClr val="accent6"/>
+                </a:solidFill>
+                <a:latin typeface="Wingdings 3" panose="05040102010807070707" pitchFamily="18" charset="2"/>
+              </a:rPr>
+              <a:t>z</a:t>
+            </a:r>
+            <a:endParaRPr lang="en-US" sz="1000" dirty="0">
+              <a:solidFill>
+                <a:schemeClr val="accent6"/>
+              </a:solidFill>
+              <a:latin typeface="MS Shell Dlg 2" panose="020B0604030504040204" pitchFamily="34" charset="0"/>
+            </a:endParaRPr>
+          </a:p>
+        </p:txBody>
+      </p:sp>
+      <p:sp>
+        <p:nvSpPr>
+          <p:cNvPr id="2" name="Title 1"/>
           <p:cNvSpPr>
             <a:spLocks noGrp="1"/>
           </p:cNvSpPr>
@@ -981,15 +3932,17 @@
         </p:nvSpPr>
         <p:spPr>
           <a:xfrm>
-            <a:off x="831850" y="1709738"/>
-            <a:ext cx="10515600" cy="2852737"/>
+            <a:off x="2609873" y="3147254"/>
+            <a:ext cx="7956560" cy="1424746"/>
           </a:xfrm>
         </p:spPr>
         <p:txBody>
-          <a:bodyPr anchor="b"/>
+          <a:bodyPr anchor="t">
+            <a:normAutofit/>
+          </a:bodyPr>
           <a:lstStyle>
-            <a:lvl1pPr>
-              <a:defRPr sz="6000"/>
+            <a:lvl1pPr algn="r">
+              <a:defRPr sz="3200"/>
             </a:lvl1pPr>
           </a:lstStyle>
           <a:p>
@@ -997,18 +3950,13 @@
               <a:rPr lang="de-DE"/>
               <a:t>Mastertitelformat bearbeiten</a:t>
             </a:r>
+            <a:endParaRPr lang="en-US" dirty="0"/>
           </a:p>
         </p:txBody>
       </p:sp>
       <p:sp>
         <p:nvSpPr>
-          <p:cNvPr id="3" name="Textplatzhalter 2">
-            <a:extLst>
-              <a:ext uri="{FF2B5EF4-FFF2-40B4-BE49-F238E27FC236}">
-                <a16:creationId xmlns:a16="http://schemas.microsoft.com/office/drawing/2014/main" id="{C512DB3D-CD76-4A35-B426-F112403523CA}"/>
-              </a:ext>
-            </a:extLst>
-          </p:cNvPr>
+          <p:cNvPr id="3" name="Text Placeholder 2"/>
           <p:cNvSpPr>
             <a:spLocks noGrp="1"/>
           </p:cNvSpPr>
@@ -1018,26 +3966,26 @@
         </p:nvSpPr>
         <p:spPr>
           <a:xfrm>
-            <a:off x="831850" y="4589463"/>
-            <a:ext cx="10515600" cy="1500187"/>
+            <a:off x="2773968" y="2268786"/>
+            <a:ext cx="7791931" cy="878468"/>
           </a:xfrm>
         </p:spPr>
         <p:txBody>
-          <a:bodyPr/>
+          <a:bodyPr tIns="0" anchor="b">
+            <a:normAutofit/>
+          </a:bodyPr>
           <a:lstStyle>
-            <a:lvl1pPr marL="0" indent="0">
+            <a:lvl1pPr marL="0" indent="0" algn="r">
               <a:buNone/>
-              <a:defRPr sz="2400">
-                <a:solidFill>
-                  <a:schemeClr val="tx1">
-                    <a:tint val="75000"/>
-                  </a:schemeClr>
+              <a:defRPr sz="1800">
+                <a:solidFill>
+                  <a:schemeClr val="tx1"/>
                 </a:solidFill>
               </a:defRPr>
             </a:lvl1pPr>
             <a:lvl2pPr marL="457200" indent="0">
               <a:buNone/>
-              <a:defRPr sz="2000">
+              <a:defRPr sz="1800">
                 <a:solidFill>
                   <a:schemeClr val="tx1">
                     <a:tint val="75000"/>
@@ -1127,13 +4075,7 @@
       </p:sp>
       <p:sp>
         <p:nvSpPr>
-          <p:cNvPr id="4" name="Datumsplatzhalter 3">
-            <a:extLst>
-              <a:ext uri="{FF2B5EF4-FFF2-40B4-BE49-F238E27FC236}">
-                <a16:creationId xmlns:a16="http://schemas.microsoft.com/office/drawing/2014/main" id="{EB18818B-D1E1-433C-BAD2-B7D686B2BC71}"/>
-              </a:ext>
-            </a:extLst>
-          </p:cNvPr>
+          <p:cNvPr id="4" name="Date Placeholder 3"/>
           <p:cNvSpPr>
             <a:spLocks noGrp="1"/>
           </p:cNvSpPr>
@@ -1156,13 +4098,7 @@
       </p:sp>
       <p:sp>
         <p:nvSpPr>
-          <p:cNvPr id="5" name="Fußzeilenplatzhalter 4">
-            <a:extLst>
-              <a:ext uri="{FF2B5EF4-FFF2-40B4-BE49-F238E27FC236}">
-                <a16:creationId xmlns:a16="http://schemas.microsoft.com/office/drawing/2014/main" id="{F1ED0433-4D89-4C66-B20C-C9F0CD1F94A8}"/>
-              </a:ext>
-            </a:extLst>
-          </p:cNvPr>
+          <p:cNvPr id="5" name="Footer Placeholder 4"/>
           <p:cNvSpPr>
             <a:spLocks noGrp="1"/>
           </p:cNvSpPr>
@@ -1181,13 +4117,7 @@
       </p:sp>
       <p:sp>
         <p:nvSpPr>
-          <p:cNvPr id="6" name="Foliennummernplatzhalter 5">
-            <a:extLst>
-              <a:ext uri="{FF2B5EF4-FFF2-40B4-BE49-F238E27FC236}">
-                <a16:creationId xmlns:a16="http://schemas.microsoft.com/office/drawing/2014/main" id="{3E6587A5-0320-4062-97FC-BE33DBC57256}"/>
-              </a:ext>
-            </a:extLst>
-          </p:cNvPr>
+          <p:cNvPr id="6" name="Slide Number Placeholder 5"/>
           <p:cNvSpPr>
             <a:spLocks noGrp="1"/>
           </p:cNvSpPr>
@@ -1211,7 +4141,7 @@
     </p:spTree>
     <p:extLst>
       <p:ext uri="{BB962C8B-B14F-4D97-AF65-F5344CB8AC3E}">
-        <p14:creationId xmlns:p14="http://schemas.microsoft.com/office/powerpoint/2010/main" val="1970627866"/>
+        <p14:creationId xmlns:p14="http://schemas.microsoft.com/office/powerpoint/2010/main" val="1424214350"/>
       </p:ext>
     </p:extLst>
   </p:cSld>
@@ -1240,13 +4170,85 @@
       </p:grpSpPr>
       <p:sp>
         <p:nvSpPr>
-          <p:cNvPr id="2" name="Titel 1">
-            <a:extLst>
-              <a:ext uri="{FF2B5EF4-FFF2-40B4-BE49-F238E27FC236}">
-                <a16:creationId xmlns:a16="http://schemas.microsoft.com/office/drawing/2014/main" id="{D88CAE38-64CC-4E44-A669-1900949993C8}"/>
-              </a:ext>
-            </a:extLst>
-          </p:cNvPr>
+          <p:cNvPr id="26" name="Rectangle 25"/>
+          <p:cNvSpPr/>
+          <p:nvPr/>
+        </p:nvSpPr>
+        <p:spPr>
+          <a:xfrm>
+            <a:off x="1004479" y="0"/>
+            <a:ext cx="10372316" cy="6858000"/>
+          </a:xfrm>
+          <a:prstGeom prst="rect">
+            <a:avLst/>
+          </a:prstGeom>
+          <a:solidFill>
+            <a:schemeClr val="bg2">
+              <a:alpha val="92000"/>
+            </a:schemeClr>
+          </a:solidFill>
+          <a:ln>
+            <a:noFill/>
+          </a:ln>
+        </p:spPr>
+        <p:style>
+          <a:lnRef idx="2">
+            <a:schemeClr val="accent1">
+              <a:shade val="50000"/>
+            </a:schemeClr>
+          </a:lnRef>
+          <a:fillRef idx="1">
+            <a:schemeClr val="accent1"/>
+          </a:fillRef>
+          <a:effectRef idx="0">
+            <a:schemeClr val="accent1"/>
+          </a:effectRef>
+          <a:fontRef idx="minor">
+            <a:schemeClr val="lt1"/>
+          </a:fontRef>
+        </p:style>
+      </p:sp>
+      <p:sp>
+        <p:nvSpPr>
+          <p:cNvPr id="27" name="Rectangle 26"/>
+          <p:cNvSpPr/>
+          <p:nvPr/>
+        </p:nvSpPr>
+        <p:spPr>
+          <a:xfrm>
+            <a:off x="11377328" y="0"/>
+            <a:ext cx="27432" cy="6858000"/>
+          </a:xfrm>
+          <a:prstGeom prst="rect">
+            <a:avLst/>
+          </a:prstGeom>
+          <a:solidFill>
+            <a:schemeClr val="accent6"/>
+          </a:solidFill>
+          <a:ln>
+            <a:noFill/>
+          </a:ln>
+        </p:spPr>
+        <p:style>
+          <a:lnRef idx="2">
+            <a:schemeClr val="accent1">
+              <a:shade val="50000"/>
+            </a:schemeClr>
+          </a:lnRef>
+          <a:fillRef idx="1">
+            <a:schemeClr val="accent1"/>
+          </a:fillRef>
+          <a:effectRef idx="0">
+            <a:schemeClr val="accent1"/>
+          </a:effectRef>
+          <a:fontRef idx="minor">
+            <a:schemeClr val="lt1"/>
+          </a:fontRef>
+        </p:style>
+      </p:sp>
+      <p:sp>
+        <p:nvSpPr>
+          <p:cNvPr id="2" name="Title 1"/>
           <p:cNvSpPr>
             <a:spLocks noGrp="1"/>
           </p:cNvSpPr>
@@ -1254,7 +4256,12 @@
             <p:ph type="title"/>
           </p:nvPr>
         </p:nvSpPr>
-        <p:spPr/>
+        <p:spPr>
+          <a:xfrm>
+            <a:off x="2609873" y="805817"/>
+            <a:ext cx="7950984" cy="1081705"/>
+          </a:xfrm>
+        </p:spPr>
         <p:txBody>
           <a:bodyPr/>
           <a:lstStyle/>
@@ -1263,18 +4270,13 @@
               <a:rPr lang="de-DE"/>
               <a:t>Mastertitelformat bearbeiten</a:t>
             </a:r>
+            <a:endParaRPr lang="en-US" dirty="0"/>
           </a:p>
         </p:txBody>
       </p:sp>
       <p:sp>
         <p:nvSpPr>
-          <p:cNvPr id="3" name="Inhaltsplatzhalter 2">
-            <a:extLst>
-              <a:ext uri="{FF2B5EF4-FFF2-40B4-BE49-F238E27FC236}">
-                <a16:creationId xmlns:a16="http://schemas.microsoft.com/office/drawing/2014/main" id="{AE4F411F-C803-4131-8A7A-85EDBF21EB7C}"/>
-              </a:ext>
-            </a:extLst>
-          </p:cNvPr>
+          <p:cNvPr id="3" name="Content Placeholder 2"/>
           <p:cNvSpPr>
             <a:spLocks noGrp="1"/>
           </p:cNvSpPr>
@@ -1284,8 +4286,8 @@
         </p:nvSpPr>
         <p:spPr>
           <a:xfrm>
-            <a:off x="838200" y="1825625"/>
-            <a:ext cx="5181600" cy="4351338"/>
+            <a:off x="2605374" y="2052116"/>
+            <a:ext cx="3891960" cy="3997828"/>
           </a:xfrm>
         </p:spPr>
         <p:txBody>
@@ -1325,18 +4327,13 @@
               <a:rPr lang="de-DE"/>
               <a:t>Fünfte Ebene</a:t>
             </a:r>
+            <a:endParaRPr lang="en-US" dirty="0"/>
           </a:p>
         </p:txBody>
       </p:sp>
       <p:sp>
         <p:nvSpPr>
-          <p:cNvPr id="4" name="Inhaltsplatzhalter 3">
-            <a:extLst>
-              <a:ext uri="{FF2B5EF4-FFF2-40B4-BE49-F238E27FC236}">
-                <a16:creationId xmlns:a16="http://schemas.microsoft.com/office/drawing/2014/main" id="{5F649EB1-CF64-4FFD-BE41-793C3E51EA28}"/>
-              </a:ext>
-            </a:extLst>
-          </p:cNvPr>
+          <p:cNvPr id="4" name="Content Placeholder 3"/>
           <p:cNvSpPr>
             <a:spLocks noGrp="1"/>
           </p:cNvSpPr>
@@ -1346,8 +4343,8 @@
         </p:nvSpPr>
         <p:spPr>
           <a:xfrm>
-            <a:off x="6172200" y="1825625"/>
-            <a:ext cx="5181600" cy="4351338"/>
+            <a:off x="6666636" y="2052114"/>
+            <a:ext cx="3894222" cy="3997829"/>
           </a:xfrm>
         </p:spPr>
         <p:txBody>
@@ -1387,18 +4384,13 @@
               <a:rPr lang="de-DE"/>
               <a:t>Fünfte Ebene</a:t>
             </a:r>
+            <a:endParaRPr lang="en-US" dirty="0"/>
           </a:p>
         </p:txBody>
       </p:sp>
       <p:sp>
         <p:nvSpPr>
-          <p:cNvPr id="5" name="Datumsplatzhalter 4">
-            <a:extLst>
-              <a:ext uri="{FF2B5EF4-FFF2-40B4-BE49-F238E27FC236}">
-                <a16:creationId xmlns:a16="http://schemas.microsoft.com/office/drawing/2014/main" id="{708EE11C-B20C-40C8-BDC4-89F63A100B6F}"/>
-              </a:ext>
-            </a:extLst>
-          </p:cNvPr>
+          <p:cNvPr id="5" name="Date Placeholder 4"/>
           <p:cNvSpPr>
             <a:spLocks noGrp="1"/>
           </p:cNvSpPr>
@@ -1421,13 +4413,7 @@
       </p:sp>
       <p:sp>
         <p:nvSpPr>
-          <p:cNvPr id="6" name="Fußzeilenplatzhalter 5">
-            <a:extLst>
-              <a:ext uri="{FF2B5EF4-FFF2-40B4-BE49-F238E27FC236}">
-                <a16:creationId xmlns:a16="http://schemas.microsoft.com/office/drawing/2014/main" id="{A68727E7-BD28-4F39-82FC-942928A2EE20}"/>
-              </a:ext>
-            </a:extLst>
-          </p:cNvPr>
+          <p:cNvPr id="6" name="Footer Placeholder 5"/>
           <p:cNvSpPr>
             <a:spLocks noGrp="1"/>
           </p:cNvSpPr>
@@ -1446,13 +4432,7 @@
       </p:sp>
       <p:sp>
         <p:nvSpPr>
-          <p:cNvPr id="7" name="Foliennummernplatzhalter 6">
-            <a:extLst>
-              <a:ext uri="{FF2B5EF4-FFF2-40B4-BE49-F238E27FC236}">
-                <a16:creationId xmlns:a16="http://schemas.microsoft.com/office/drawing/2014/main" id="{DFA7AF2F-0E6C-48C9-AC98-7BCE6CF63A16}"/>
-              </a:ext>
-            </a:extLst>
-          </p:cNvPr>
+          <p:cNvPr id="7" name="Slide Number Placeholder 6"/>
           <p:cNvSpPr>
             <a:spLocks noGrp="1"/>
           </p:cNvSpPr>
@@ -1473,10 +4453,51 @@
           </a:p>
         </p:txBody>
       </p:sp>
+      <p:sp>
+        <p:nvSpPr>
+          <p:cNvPr id="10" name="TextBox 9"/>
+          <p:cNvSpPr txBox="1"/>
+          <p:nvPr/>
+        </p:nvSpPr>
+        <p:spPr>
+          <a:xfrm>
+            <a:off x="2196172" y="641223"/>
+            <a:ext cx="415636" cy="369332"/>
+          </a:xfrm>
+          <a:prstGeom prst="rect">
+            <a:avLst/>
+          </a:prstGeom>
+          <a:noFill/>
+        </p:spPr>
+        <p:txBody>
+          <a:bodyPr wrap="square" rtlCol="0">
+            <a:spAutoFit/>
+          </a:bodyPr>
+          <a:lstStyle/>
+          <a:p>
+            <a:pPr algn="r"/>
+            <a:r>
+              <a:rPr lang="en-US" sz="1800" dirty="0">
+                <a:solidFill>
+                  <a:schemeClr val="accent6"/>
+                </a:solidFill>
+                <a:latin typeface="Wingdings 3" panose="05040102010807070707" pitchFamily="18" charset="2"/>
+              </a:rPr>
+              <a:t>z</a:t>
+            </a:r>
+            <a:endParaRPr lang="en-US" sz="1000" dirty="0">
+              <a:solidFill>
+                <a:schemeClr val="accent6"/>
+              </a:solidFill>
+              <a:latin typeface="MS Shell Dlg 2" panose="020B0604030504040204" pitchFamily="34" charset="0"/>
+            </a:endParaRPr>
+          </a:p>
+        </p:txBody>
+      </p:sp>
     </p:spTree>
     <p:extLst>
       <p:ext uri="{BB962C8B-B14F-4D97-AF65-F5344CB8AC3E}">
-        <p14:creationId xmlns:p14="http://schemas.microsoft.com/office/powerpoint/2010/main" val="701841735"/>
+        <p14:creationId xmlns:p14="http://schemas.microsoft.com/office/powerpoint/2010/main" val="27992892"/>
       </p:ext>
     </p:extLst>
   </p:cSld>
@@ -1505,13 +4526,126 @@
       </p:grpSpPr>
       <p:sp>
         <p:nvSpPr>
-          <p:cNvPr id="2" name="Titel 1">
-            <a:extLst>
-              <a:ext uri="{FF2B5EF4-FFF2-40B4-BE49-F238E27FC236}">
-                <a16:creationId xmlns:a16="http://schemas.microsoft.com/office/drawing/2014/main" id="{0E0CE6DD-85E8-4A99-A1D7-9CC0AD374BEC}"/>
-              </a:ext>
-            </a:extLst>
-          </p:cNvPr>
+          <p:cNvPr id="20" name="Rectangle 19"/>
+          <p:cNvSpPr/>
+          <p:nvPr/>
+        </p:nvSpPr>
+        <p:spPr>
+          <a:xfrm>
+            <a:off x="1004479" y="0"/>
+            <a:ext cx="10372316" cy="6858000"/>
+          </a:xfrm>
+          <a:prstGeom prst="rect">
+            <a:avLst/>
+          </a:prstGeom>
+          <a:solidFill>
+            <a:schemeClr val="bg2">
+              <a:alpha val="92000"/>
+            </a:schemeClr>
+          </a:solidFill>
+          <a:ln>
+            <a:noFill/>
+          </a:ln>
+        </p:spPr>
+        <p:style>
+          <a:lnRef idx="2">
+            <a:schemeClr val="accent1">
+              <a:shade val="50000"/>
+            </a:schemeClr>
+          </a:lnRef>
+          <a:fillRef idx="1">
+            <a:schemeClr val="accent1"/>
+          </a:fillRef>
+          <a:effectRef idx="0">
+            <a:schemeClr val="accent1"/>
+          </a:effectRef>
+          <a:fontRef idx="minor">
+            <a:schemeClr val="lt1"/>
+          </a:fontRef>
+        </p:style>
+      </p:sp>
+      <p:sp>
+        <p:nvSpPr>
+          <p:cNvPr id="21" name="Rectangle 20"/>
+          <p:cNvSpPr/>
+          <p:nvPr/>
+        </p:nvSpPr>
+        <p:spPr>
+          <a:xfrm>
+            <a:off x="11377328" y="0"/>
+            <a:ext cx="27432" cy="6858000"/>
+          </a:xfrm>
+          <a:prstGeom prst="rect">
+            <a:avLst/>
+          </a:prstGeom>
+          <a:solidFill>
+            <a:schemeClr val="accent6"/>
+          </a:solidFill>
+          <a:ln>
+            <a:noFill/>
+          </a:ln>
+        </p:spPr>
+        <p:style>
+          <a:lnRef idx="2">
+            <a:schemeClr val="accent1">
+              <a:shade val="50000"/>
+            </a:schemeClr>
+          </a:lnRef>
+          <a:fillRef idx="1">
+            <a:schemeClr val="accent1"/>
+          </a:fillRef>
+          <a:effectRef idx="0">
+            <a:schemeClr val="accent1"/>
+          </a:effectRef>
+          <a:fontRef idx="minor">
+            <a:schemeClr val="lt1"/>
+          </a:fontRef>
+        </p:style>
+      </p:sp>
+      <p:sp>
+        <p:nvSpPr>
+          <p:cNvPr id="12" name="TextBox 11"/>
+          <p:cNvSpPr txBox="1"/>
+          <p:nvPr/>
+        </p:nvSpPr>
+        <p:spPr>
+          <a:xfrm>
+            <a:off x="2193650" y="636424"/>
+            <a:ext cx="415636" cy="369332"/>
+          </a:xfrm>
+          <a:prstGeom prst="rect">
+            <a:avLst/>
+          </a:prstGeom>
+          <a:noFill/>
+        </p:spPr>
+        <p:txBody>
+          <a:bodyPr wrap="square" rtlCol="0">
+            <a:spAutoFit/>
+          </a:bodyPr>
+          <a:lstStyle/>
+          <a:p>
+            <a:pPr algn="r"/>
+            <a:r>
+              <a:rPr lang="en-US" sz="1800" dirty="0">
+                <a:solidFill>
+                  <a:schemeClr val="accent6"/>
+                </a:solidFill>
+                <a:latin typeface="Wingdings 3" panose="05040102010807070707" pitchFamily="18" charset="2"/>
+              </a:rPr>
+              <a:t>z</a:t>
+            </a:r>
+            <a:endParaRPr lang="en-US" sz="1000" dirty="0">
+              <a:solidFill>
+                <a:schemeClr val="accent6"/>
+              </a:solidFill>
+              <a:latin typeface="MS Shell Dlg 2" panose="020B0604030504040204" pitchFamily="34" charset="0"/>
+            </a:endParaRPr>
+          </a:p>
+        </p:txBody>
+      </p:sp>
+      <p:sp>
+        <p:nvSpPr>
+          <p:cNvPr id="2" name="Title 1"/>
           <p:cNvSpPr>
             <a:spLocks noGrp="1"/>
           </p:cNvSpPr>
@@ -1521,8 +4655,8 @@
         </p:nvSpPr>
         <p:spPr>
           <a:xfrm>
-            <a:off x="839788" y="365125"/>
-            <a:ext cx="10515600" cy="1325563"/>
+            <a:off x="2609873" y="805818"/>
+            <a:ext cx="7956560" cy="1078348"/>
           </a:xfrm>
         </p:spPr>
         <p:txBody>
@@ -1533,18 +4667,13 @@
               <a:rPr lang="de-DE"/>
               <a:t>Mastertitelformat bearbeiten</a:t>
             </a:r>
+            <a:endParaRPr lang="en-US" dirty="0"/>
           </a:p>
         </p:txBody>
       </p:sp>
       <p:sp>
         <p:nvSpPr>
-          <p:cNvPr id="3" name="Textplatzhalter 2">
-            <a:extLst>
-              <a:ext uri="{FF2B5EF4-FFF2-40B4-BE49-F238E27FC236}">
-                <a16:creationId xmlns:a16="http://schemas.microsoft.com/office/drawing/2014/main" id="{5D4F373E-777B-4FCB-997B-C8E7F1ACCB02}"/>
-              </a:ext>
-            </a:extLst>
-          </p:cNvPr>
+          <p:cNvPr id="3" name="Text Placeholder 2"/>
           <p:cNvSpPr>
             <a:spLocks noGrp="1"/>
           </p:cNvSpPr>
@@ -1554,16 +4683,25 @@
         </p:nvSpPr>
         <p:spPr>
           <a:xfrm>
-            <a:off x="839788" y="1681163"/>
-            <a:ext cx="5157787" cy="823912"/>
+            <a:off x="2609285" y="2052115"/>
+            <a:ext cx="3896467" cy="713818"/>
           </a:xfrm>
         </p:spPr>
         <p:txBody>
-          <a:bodyPr anchor="b"/>
+          <a:bodyPr anchor="b">
+            <a:noAutofit/>
+          </a:bodyPr>
           <a:lstStyle>
-            <a:lvl1pPr marL="0" indent="0">
+            <a:lvl1pPr marL="0" indent="0" algn="l">
+              <a:lnSpc>
+                <a:spcPct val="100000"/>
+              </a:lnSpc>
               <a:buNone/>
-              <a:defRPr sz="2400" b="1"/>
+              <a:defRPr sz="2200" b="0" cap="none" baseline="0">
+                <a:solidFill>
+                  <a:schemeClr val="accent6"/>
+                </a:solidFill>
+              </a:defRPr>
             </a:lvl1pPr>
             <a:lvl2pPr marL="457200" indent="0">
               <a:buNone/>
@@ -1609,13 +4747,7 @@
       </p:sp>
       <p:sp>
         <p:nvSpPr>
-          <p:cNvPr id="4" name="Inhaltsplatzhalter 3">
-            <a:extLst>
-              <a:ext uri="{FF2B5EF4-FFF2-40B4-BE49-F238E27FC236}">
-                <a16:creationId xmlns:a16="http://schemas.microsoft.com/office/drawing/2014/main" id="{10F13167-F25F-430F-AC6B-FAECB8F8589B}"/>
-              </a:ext>
-            </a:extLst>
-          </p:cNvPr>
+          <p:cNvPr id="4" name="Content Placeholder 3"/>
           <p:cNvSpPr>
             <a:spLocks noGrp="1"/>
           </p:cNvSpPr>
@@ -1625,8 +4757,8 @@
         </p:nvSpPr>
         <p:spPr>
           <a:xfrm>
-            <a:off x="839788" y="2505075"/>
-            <a:ext cx="5157787" cy="3684588"/>
+            <a:off x="2609285" y="2851331"/>
+            <a:ext cx="3893623" cy="3071434"/>
           </a:xfrm>
         </p:spPr>
         <p:txBody>
@@ -1666,18 +4798,13 @@
               <a:rPr lang="de-DE"/>
               <a:t>Fünfte Ebene</a:t>
             </a:r>
+            <a:endParaRPr lang="en-US" dirty="0"/>
           </a:p>
         </p:txBody>
       </p:sp>
       <p:sp>
         <p:nvSpPr>
-          <p:cNvPr id="5" name="Textplatzhalter 4">
-            <a:extLst>
-              <a:ext uri="{FF2B5EF4-FFF2-40B4-BE49-F238E27FC236}">
-                <a16:creationId xmlns:a16="http://schemas.microsoft.com/office/drawing/2014/main" id="{E07F4914-0D60-4D48-80A0-13BA9AB3D912}"/>
-              </a:ext>
-            </a:extLst>
-          </p:cNvPr>
+          <p:cNvPr id="5" name="Text Placeholder 4"/>
           <p:cNvSpPr>
             <a:spLocks noGrp="1"/>
           </p:cNvSpPr>
@@ -1687,16 +4814,25 @@
         </p:nvSpPr>
         <p:spPr>
           <a:xfrm>
-            <a:off x="6172200" y="1681163"/>
-            <a:ext cx="5183188" cy="823912"/>
+            <a:off x="6666634" y="2052115"/>
+            <a:ext cx="3899798" cy="713818"/>
           </a:xfrm>
         </p:spPr>
         <p:txBody>
-          <a:bodyPr anchor="b"/>
+          <a:bodyPr anchor="b">
+            <a:noAutofit/>
+          </a:bodyPr>
           <a:lstStyle>
-            <a:lvl1pPr marL="0" indent="0">
+            <a:lvl1pPr marL="0" indent="0" algn="l">
+              <a:lnSpc>
+                <a:spcPct val="100000"/>
+              </a:lnSpc>
               <a:buNone/>
-              <a:defRPr sz="2400" b="1"/>
+              <a:defRPr sz="2200" b="0" cap="none" baseline="0">
+                <a:solidFill>
+                  <a:schemeClr val="accent6"/>
+                </a:solidFill>
+              </a:defRPr>
             </a:lvl1pPr>
             <a:lvl2pPr marL="457200" indent="0">
               <a:buNone/>
@@ -1742,13 +4878,7 @@
       </p:sp>
       <p:sp>
         <p:nvSpPr>
-          <p:cNvPr id="6" name="Inhaltsplatzhalter 5">
-            <a:extLst>
-              <a:ext uri="{FF2B5EF4-FFF2-40B4-BE49-F238E27FC236}">
-                <a16:creationId xmlns:a16="http://schemas.microsoft.com/office/drawing/2014/main" id="{6C8CE60A-1E41-4F5D-A458-8755058CD12F}"/>
-              </a:ext>
-            </a:extLst>
-          </p:cNvPr>
+          <p:cNvPr id="6" name="Content Placeholder 5"/>
           <p:cNvSpPr>
             <a:spLocks noGrp="1"/>
           </p:cNvSpPr>
@@ -1758,8 +4888,8 @@
         </p:nvSpPr>
         <p:spPr>
           <a:xfrm>
-            <a:off x="6172200" y="2505075"/>
-            <a:ext cx="5183188" cy="3684588"/>
+            <a:off x="6666635" y="2851331"/>
+            <a:ext cx="3899798" cy="3071434"/>
           </a:xfrm>
         </p:spPr>
         <p:txBody>
@@ -1799,18 +4929,13 @@
               <a:rPr lang="de-DE"/>
               <a:t>Fünfte Ebene</a:t>
             </a:r>
+            <a:endParaRPr lang="en-US" dirty="0"/>
           </a:p>
         </p:txBody>
       </p:sp>
       <p:sp>
         <p:nvSpPr>
-          <p:cNvPr id="7" name="Datumsplatzhalter 6">
-            <a:extLst>
-              <a:ext uri="{FF2B5EF4-FFF2-40B4-BE49-F238E27FC236}">
-                <a16:creationId xmlns:a16="http://schemas.microsoft.com/office/drawing/2014/main" id="{C5E0EB10-0409-414A-BD4A-EBFFCC4D0823}"/>
-              </a:ext>
-            </a:extLst>
-          </p:cNvPr>
+          <p:cNvPr id="7" name="Date Placeholder 6"/>
           <p:cNvSpPr>
             <a:spLocks noGrp="1"/>
           </p:cNvSpPr>
@@ -1833,13 +4958,7 @@
       </p:sp>
       <p:sp>
         <p:nvSpPr>
-          <p:cNvPr id="8" name="Fußzeilenplatzhalter 7">
-            <a:extLst>
-              <a:ext uri="{FF2B5EF4-FFF2-40B4-BE49-F238E27FC236}">
-                <a16:creationId xmlns:a16="http://schemas.microsoft.com/office/drawing/2014/main" id="{5D32B9D4-A9E0-40FA-9991-981D1032CB64}"/>
-              </a:ext>
-            </a:extLst>
-          </p:cNvPr>
+          <p:cNvPr id="8" name="Footer Placeholder 7"/>
           <p:cNvSpPr>
             <a:spLocks noGrp="1"/>
           </p:cNvSpPr>
@@ -1858,13 +4977,7 @@
       </p:sp>
       <p:sp>
         <p:nvSpPr>
-          <p:cNvPr id="9" name="Foliennummernplatzhalter 8">
-            <a:extLst>
-              <a:ext uri="{FF2B5EF4-FFF2-40B4-BE49-F238E27FC236}">
-                <a16:creationId xmlns:a16="http://schemas.microsoft.com/office/drawing/2014/main" id="{62F3BB9F-CA5A-48FA-B527-FF97B5CE0818}"/>
-              </a:ext>
-            </a:extLst>
-          </p:cNvPr>
+          <p:cNvPr id="9" name="Slide Number Placeholder 8"/>
           <p:cNvSpPr>
             <a:spLocks noGrp="1"/>
           </p:cNvSpPr>
@@ -1888,7 +5001,7 @@
     </p:spTree>
     <p:extLst>
       <p:ext uri="{BB962C8B-B14F-4D97-AF65-F5344CB8AC3E}">
-        <p14:creationId xmlns:p14="http://schemas.microsoft.com/office/powerpoint/2010/main" val="1489047127"/>
+        <p14:creationId xmlns:p14="http://schemas.microsoft.com/office/powerpoint/2010/main" val="2510422612"/>
       </p:ext>
     </p:extLst>
   </p:cSld>
@@ -1917,13 +5030,85 @@
       </p:grpSpPr>
       <p:sp>
         <p:nvSpPr>
-          <p:cNvPr id="2" name="Titel 1">
-            <a:extLst>
-              <a:ext uri="{FF2B5EF4-FFF2-40B4-BE49-F238E27FC236}">
-                <a16:creationId xmlns:a16="http://schemas.microsoft.com/office/drawing/2014/main" id="{A33B9F1D-5A79-4AB9-952E-C0471B2832FF}"/>
-              </a:ext>
-            </a:extLst>
-          </p:cNvPr>
+          <p:cNvPr id="13" name="Rectangle 12"/>
+          <p:cNvSpPr/>
+          <p:nvPr/>
+        </p:nvSpPr>
+        <p:spPr>
+          <a:xfrm>
+            <a:off x="1004479" y="0"/>
+            <a:ext cx="10372316" cy="6858000"/>
+          </a:xfrm>
+          <a:prstGeom prst="rect">
+            <a:avLst/>
+          </a:prstGeom>
+          <a:solidFill>
+            <a:schemeClr val="bg2">
+              <a:alpha val="92000"/>
+            </a:schemeClr>
+          </a:solidFill>
+          <a:ln>
+            <a:noFill/>
+          </a:ln>
+        </p:spPr>
+        <p:style>
+          <a:lnRef idx="2">
+            <a:schemeClr val="accent1">
+              <a:shade val="50000"/>
+            </a:schemeClr>
+          </a:lnRef>
+          <a:fillRef idx="1">
+            <a:schemeClr val="accent1"/>
+          </a:fillRef>
+          <a:effectRef idx="0">
+            <a:schemeClr val="accent1"/>
+          </a:effectRef>
+          <a:fontRef idx="minor">
+            <a:schemeClr val="lt1"/>
+          </a:fontRef>
+        </p:style>
+      </p:sp>
+      <p:sp>
+        <p:nvSpPr>
+          <p:cNvPr id="14" name="Rectangle 13"/>
+          <p:cNvSpPr/>
+          <p:nvPr/>
+        </p:nvSpPr>
+        <p:spPr>
+          <a:xfrm>
+            <a:off x="11377328" y="0"/>
+            <a:ext cx="27432" cy="6858000"/>
+          </a:xfrm>
+          <a:prstGeom prst="rect">
+            <a:avLst/>
+          </a:prstGeom>
+          <a:solidFill>
+            <a:schemeClr val="accent6"/>
+          </a:solidFill>
+          <a:ln>
+            <a:noFill/>
+          </a:ln>
+        </p:spPr>
+        <p:style>
+          <a:lnRef idx="2">
+            <a:schemeClr val="accent1">
+              <a:shade val="50000"/>
+            </a:schemeClr>
+          </a:lnRef>
+          <a:fillRef idx="1">
+            <a:schemeClr val="accent1"/>
+          </a:fillRef>
+          <a:effectRef idx="0">
+            <a:schemeClr val="accent1"/>
+          </a:effectRef>
+          <a:fontRef idx="minor">
+            <a:schemeClr val="lt1"/>
+          </a:fontRef>
+        </p:style>
+      </p:sp>
+      <p:sp>
+        <p:nvSpPr>
+          <p:cNvPr id="2" name="Title 1"/>
           <p:cNvSpPr>
             <a:spLocks noGrp="1"/>
           </p:cNvSpPr>
@@ -1940,18 +5125,13 @@
               <a:rPr lang="de-DE"/>
               <a:t>Mastertitelformat bearbeiten</a:t>
             </a:r>
+            <a:endParaRPr lang="en-US" dirty="0"/>
           </a:p>
         </p:txBody>
       </p:sp>
       <p:sp>
         <p:nvSpPr>
-          <p:cNvPr id="3" name="Datumsplatzhalter 2">
-            <a:extLst>
-              <a:ext uri="{FF2B5EF4-FFF2-40B4-BE49-F238E27FC236}">
-                <a16:creationId xmlns:a16="http://schemas.microsoft.com/office/drawing/2014/main" id="{F74F9877-8C18-4633-8EF0-014A7D9679E3}"/>
-              </a:ext>
-            </a:extLst>
-          </p:cNvPr>
+          <p:cNvPr id="3" name="Date Placeholder 2"/>
           <p:cNvSpPr>
             <a:spLocks noGrp="1"/>
           </p:cNvSpPr>
@@ -1974,13 +5154,7 @@
       </p:sp>
       <p:sp>
         <p:nvSpPr>
-          <p:cNvPr id="4" name="Fußzeilenplatzhalter 3">
-            <a:extLst>
-              <a:ext uri="{FF2B5EF4-FFF2-40B4-BE49-F238E27FC236}">
-                <a16:creationId xmlns:a16="http://schemas.microsoft.com/office/drawing/2014/main" id="{EF79EBCE-3877-4C24-9A4E-B723D261BD9A}"/>
-              </a:ext>
-            </a:extLst>
-          </p:cNvPr>
+          <p:cNvPr id="4" name="Footer Placeholder 3"/>
           <p:cNvSpPr>
             <a:spLocks noGrp="1"/>
           </p:cNvSpPr>
@@ -1999,13 +5173,7 @@
       </p:sp>
       <p:sp>
         <p:nvSpPr>
-          <p:cNvPr id="5" name="Foliennummernplatzhalter 4">
-            <a:extLst>
-              <a:ext uri="{FF2B5EF4-FFF2-40B4-BE49-F238E27FC236}">
-                <a16:creationId xmlns:a16="http://schemas.microsoft.com/office/drawing/2014/main" id="{4990BE2A-D95D-4DB9-B464-932E47A18300}"/>
-              </a:ext>
-            </a:extLst>
-          </p:cNvPr>
+          <p:cNvPr id="5" name="Slide Number Placeholder 4"/>
           <p:cNvSpPr>
             <a:spLocks noGrp="1"/>
           </p:cNvSpPr>
@@ -2026,10 +5194,51 @@
           </a:p>
         </p:txBody>
       </p:sp>
+      <p:sp>
+        <p:nvSpPr>
+          <p:cNvPr id="8" name="TextBox 7"/>
+          <p:cNvSpPr txBox="1"/>
+          <p:nvPr/>
+        </p:nvSpPr>
+        <p:spPr>
+          <a:xfrm>
+            <a:off x="2196172" y="641226"/>
+            <a:ext cx="415636" cy="369332"/>
+          </a:xfrm>
+          <a:prstGeom prst="rect">
+            <a:avLst/>
+          </a:prstGeom>
+          <a:noFill/>
+        </p:spPr>
+        <p:txBody>
+          <a:bodyPr wrap="square" rtlCol="0">
+            <a:spAutoFit/>
+          </a:bodyPr>
+          <a:lstStyle/>
+          <a:p>
+            <a:pPr algn="r"/>
+            <a:r>
+              <a:rPr lang="en-US" sz="1800" dirty="0">
+                <a:solidFill>
+                  <a:schemeClr val="accent6"/>
+                </a:solidFill>
+                <a:latin typeface="Wingdings 3" panose="05040102010807070707" pitchFamily="18" charset="2"/>
+              </a:rPr>
+              <a:t>z</a:t>
+            </a:r>
+            <a:endParaRPr lang="en-US" sz="1000" dirty="0">
+              <a:solidFill>
+                <a:schemeClr val="accent6"/>
+              </a:solidFill>
+              <a:latin typeface="MS Shell Dlg 2" panose="020B0604030504040204" pitchFamily="34" charset="0"/>
+            </a:endParaRPr>
+          </a:p>
+        </p:txBody>
+      </p:sp>
     </p:spTree>
     <p:extLst>
       <p:ext uri="{BB962C8B-B14F-4D97-AF65-F5344CB8AC3E}">
-        <p14:creationId xmlns:p14="http://schemas.microsoft.com/office/powerpoint/2010/main" val="1075765844"/>
+        <p14:creationId xmlns:p14="http://schemas.microsoft.com/office/powerpoint/2010/main" val="3688875844"/>
       </p:ext>
     </p:extLst>
   </p:cSld>
@@ -2058,13 +5267,85 @@
       </p:grpSpPr>
       <p:sp>
         <p:nvSpPr>
-          <p:cNvPr id="2" name="Datumsplatzhalter 1">
-            <a:extLst>
-              <a:ext uri="{FF2B5EF4-FFF2-40B4-BE49-F238E27FC236}">
-                <a16:creationId xmlns:a16="http://schemas.microsoft.com/office/drawing/2014/main" id="{117D6CDB-D1E8-4DC8-89D8-A65BDC3E9E23}"/>
-              </a:ext>
-            </a:extLst>
-          </p:cNvPr>
+          <p:cNvPr id="12" name="Rectangle 11"/>
+          <p:cNvSpPr/>
+          <p:nvPr/>
+        </p:nvSpPr>
+        <p:spPr>
+          <a:xfrm>
+            <a:off x="1004479" y="0"/>
+            <a:ext cx="10372316" cy="6858000"/>
+          </a:xfrm>
+          <a:prstGeom prst="rect">
+            <a:avLst/>
+          </a:prstGeom>
+          <a:solidFill>
+            <a:schemeClr val="bg2">
+              <a:alpha val="92000"/>
+            </a:schemeClr>
+          </a:solidFill>
+          <a:ln>
+            <a:noFill/>
+          </a:ln>
+        </p:spPr>
+        <p:style>
+          <a:lnRef idx="2">
+            <a:schemeClr val="accent1">
+              <a:shade val="50000"/>
+            </a:schemeClr>
+          </a:lnRef>
+          <a:fillRef idx="1">
+            <a:schemeClr val="accent1"/>
+          </a:fillRef>
+          <a:effectRef idx="0">
+            <a:schemeClr val="accent1"/>
+          </a:effectRef>
+          <a:fontRef idx="minor">
+            <a:schemeClr val="lt1"/>
+          </a:fontRef>
+        </p:style>
+      </p:sp>
+      <p:sp>
+        <p:nvSpPr>
+          <p:cNvPr id="13" name="Rectangle 12"/>
+          <p:cNvSpPr/>
+          <p:nvPr/>
+        </p:nvSpPr>
+        <p:spPr>
+          <a:xfrm>
+            <a:off x="11377328" y="0"/>
+            <a:ext cx="27432" cy="6858000"/>
+          </a:xfrm>
+          <a:prstGeom prst="rect">
+            <a:avLst/>
+          </a:prstGeom>
+          <a:solidFill>
+            <a:schemeClr val="accent6"/>
+          </a:solidFill>
+          <a:ln>
+            <a:noFill/>
+          </a:ln>
+        </p:spPr>
+        <p:style>
+          <a:lnRef idx="2">
+            <a:schemeClr val="accent1">
+              <a:shade val="50000"/>
+            </a:schemeClr>
+          </a:lnRef>
+          <a:fillRef idx="1">
+            <a:schemeClr val="accent1"/>
+          </a:fillRef>
+          <a:effectRef idx="0">
+            <a:schemeClr val="accent1"/>
+          </a:effectRef>
+          <a:fontRef idx="minor">
+            <a:schemeClr val="lt1"/>
+          </a:fontRef>
+        </p:style>
+      </p:sp>
+      <p:sp>
+        <p:nvSpPr>
+          <p:cNvPr id="2" name="Date Placeholder 1"/>
           <p:cNvSpPr>
             <a:spLocks noGrp="1"/>
           </p:cNvSpPr>
@@ -2087,13 +5368,7 @@
       </p:sp>
       <p:sp>
         <p:nvSpPr>
-          <p:cNvPr id="3" name="Fußzeilenplatzhalter 2">
-            <a:extLst>
-              <a:ext uri="{FF2B5EF4-FFF2-40B4-BE49-F238E27FC236}">
-                <a16:creationId xmlns:a16="http://schemas.microsoft.com/office/drawing/2014/main" id="{0C2B2DF0-C845-4824-BD62-09EB13FDB920}"/>
-              </a:ext>
-            </a:extLst>
-          </p:cNvPr>
+          <p:cNvPr id="3" name="Footer Placeholder 2"/>
           <p:cNvSpPr>
             <a:spLocks noGrp="1"/>
           </p:cNvSpPr>
@@ -2112,13 +5387,7 @@
       </p:sp>
       <p:sp>
         <p:nvSpPr>
-          <p:cNvPr id="4" name="Foliennummernplatzhalter 3">
-            <a:extLst>
-              <a:ext uri="{FF2B5EF4-FFF2-40B4-BE49-F238E27FC236}">
-                <a16:creationId xmlns:a16="http://schemas.microsoft.com/office/drawing/2014/main" id="{CFFDCF5B-4C10-4EAE-AF2D-6298D7A6A4E5}"/>
-              </a:ext>
-            </a:extLst>
-          </p:cNvPr>
+          <p:cNvPr id="4" name="Slide Number Placeholder 3"/>
           <p:cNvSpPr>
             <a:spLocks noGrp="1"/>
           </p:cNvSpPr>
@@ -2142,7 +5411,7 @@
     </p:spTree>
     <p:extLst>
       <p:ext uri="{BB962C8B-B14F-4D97-AF65-F5344CB8AC3E}">
-        <p14:creationId xmlns:p14="http://schemas.microsoft.com/office/powerpoint/2010/main" val="1494085290"/>
+        <p14:creationId xmlns:p14="http://schemas.microsoft.com/office/powerpoint/2010/main" val="1018915562"/>
       </p:ext>
     </p:extLst>
   </p:cSld>
@@ -2171,13 +5440,126 @@
       </p:grpSpPr>
       <p:sp>
         <p:nvSpPr>
-          <p:cNvPr id="2" name="Titel 1">
-            <a:extLst>
-              <a:ext uri="{FF2B5EF4-FFF2-40B4-BE49-F238E27FC236}">
-                <a16:creationId xmlns:a16="http://schemas.microsoft.com/office/drawing/2014/main" id="{708E12E0-9D19-47D7-B390-818A3CCA2148}"/>
-              </a:ext>
-            </a:extLst>
-          </p:cNvPr>
+          <p:cNvPr id="25" name="Rectangle 24"/>
+          <p:cNvSpPr/>
+          <p:nvPr/>
+        </p:nvSpPr>
+        <p:spPr>
+          <a:xfrm>
+            <a:off x="1004479" y="0"/>
+            <a:ext cx="10372316" cy="6858000"/>
+          </a:xfrm>
+          <a:prstGeom prst="rect">
+            <a:avLst/>
+          </a:prstGeom>
+          <a:solidFill>
+            <a:schemeClr val="bg2">
+              <a:alpha val="92000"/>
+            </a:schemeClr>
+          </a:solidFill>
+          <a:ln>
+            <a:noFill/>
+          </a:ln>
+        </p:spPr>
+        <p:style>
+          <a:lnRef idx="2">
+            <a:schemeClr val="accent1">
+              <a:shade val="50000"/>
+            </a:schemeClr>
+          </a:lnRef>
+          <a:fillRef idx="1">
+            <a:schemeClr val="accent1"/>
+          </a:fillRef>
+          <a:effectRef idx="0">
+            <a:schemeClr val="accent1"/>
+          </a:effectRef>
+          <a:fontRef idx="minor">
+            <a:schemeClr val="lt1"/>
+          </a:fontRef>
+        </p:style>
+      </p:sp>
+      <p:sp>
+        <p:nvSpPr>
+          <p:cNvPr id="26" name="Rectangle 25"/>
+          <p:cNvSpPr/>
+          <p:nvPr/>
+        </p:nvSpPr>
+        <p:spPr>
+          <a:xfrm>
+            <a:off x="11377328" y="0"/>
+            <a:ext cx="27432" cy="6858000"/>
+          </a:xfrm>
+          <a:prstGeom prst="rect">
+            <a:avLst/>
+          </a:prstGeom>
+          <a:solidFill>
+            <a:schemeClr val="accent6"/>
+          </a:solidFill>
+          <a:ln>
+            <a:noFill/>
+          </a:ln>
+        </p:spPr>
+        <p:style>
+          <a:lnRef idx="2">
+            <a:schemeClr val="accent1">
+              <a:shade val="50000"/>
+            </a:schemeClr>
+          </a:lnRef>
+          <a:fillRef idx="1">
+            <a:schemeClr val="accent1"/>
+          </a:fillRef>
+          <a:effectRef idx="0">
+            <a:schemeClr val="accent1"/>
+          </a:effectRef>
+          <a:fontRef idx="minor">
+            <a:schemeClr val="lt1"/>
+          </a:fontRef>
+        </p:style>
+      </p:sp>
+      <p:sp>
+        <p:nvSpPr>
+          <p:cNvPr id="10" name="TextBox 9"/>
+          <p:cNvSpPr txBox="1"/>
+          <p:nvPr/>
+        </p:nvSpPr>
+        <p:spPr>
+          <a:xfrm>
+            <a:off x="1554154" y="1127550"/>
+            <a:ext cx="415636" cy="369332"/>
+          </a:xfrm>
+          <a:prstGeom prst="rect">
+            <a:avLst/>
+          </a:prstGeom>
+          <a:noFill/>
+        </p:spPr>
+        <p:txBody>
+          <a:bodyPr wrap="square" rtlCol="0">
+            <a:spAutoFit/>
+          </a:bodyPr>
+          <a:lstStyle/>
+          <a:p>
+            <a:pPr algn="r"/>
+            <a:r>
+              <a:rPr lang="en-US" sz="1800" dirty="0">
+                <a:solidFill>
+                  <a:schemeClr val="accent6"/>
+                </a:solidFill>
+                <a:latin typeface="Wingdings 3" panose="05040102010807070707" pitchFamily="18" charset="2"/>
+              </a:rPr>
+              <a:t>z</a:t>
+            </a:r>
+            <a:endParaRPr lang="en-US" sz="1000" dirty="0">
+              <a:solidFill>
+                <a:schemeClr val="accent6"/>
+              </a:solidFill>
+              <a:latin typeface="MS Shell Dlg 2" panose="020B0604030504040204" pitchFamily="34" charset="0"/>
+            </a:endParaRPr>
+          </a:p>
+        </p:txBody>
+      </p:sp>
+      <p:sp>
+        <p:nvSpPr>
+          <p:cNvPr id="2" name="Title 1"/>
           <p:cNvSpPr>
             <a:spLocks noGrp="1"/>
           </p:cNvSpPr>
@@ -2187,15 +5569,17 @@
         </p:nvSpPr>
         <p:spPr>
           <a:xfrm>
-            <a:off x="839788" y="457200"/>
-            <a:ext cx="3932237" cy="1600200"/>
+            <a:off x="1970323" y="1282451"/>
+            <a:ext cx="2664361" cy="1903241"/>
           </a:xfrm>
         </p:spPr>
         <p:txBody>
-          <a:bodyPr anchor="b"/>
+          <a:bodyPr anchor="b">
+            <a:normAutofit/>
+          </a:bodyPr>
           <a:lstStyle>
-            <a:lvl1pPr>
-              <a:defRPr sz="3200"/>
+            <a:lvl1pPr algn="l">
+              <a:defRPr sz="2400"/>
             </a:lvl1pPr>
           </a:lstStyle>
           <a:p>
@@ -2203,18 +5587,13 @@
               <a:rPr lang="de-DE"/>
               <a:t>Mastertitelformat bearbeiten</a:t>
             </a:r>
+            <a:endParaRPr lang="en-US" dirty="0"/>
           </a:p>
         </p:txBody>
       </p:sp>
       <p:sp>
         <p:nvSpPr>
-          <p:cNvPr id="3" name="Inhaltsplatzhalter 2">
-            <a:extLst>
-              <a:ext uri="{FF2B5EF4-FFF2-40B4-BE49-F238E27FC236}">
-                <a16:creationId xmlns:a16="http://schemas.microsoft.com/office/drawing/2014/main" id="{13722E4E-C6C6-4DD7-B588-1C5DE2C5AC94}"/>
-              </a:ext>
-            </a:extLst>
-          </p:cNvPr>
+          <p:cNvPr id="3" name="Content Placeholder 2"/>
           <p:cNvSpPr>
             <a:spLocks noGrp="1"/>
           </p:cNvSpPr>
@@ -2224,41 +5603,13 @@
         </p:nvSpPr>
         <p:spPr>
           <a:xfrm>
-            <a:off x="5183188" y="987425"/>
-            <a:ext cx="6172200" cy="4873625"/>
+            <a:off x="5120154" y="805818"/>
+            <a:ext cx="5446278" cy="5244126"/>
           </a:xfrm>
         </p:spPr>
         <p:txBody>
-          <a:bodyPr/>
-          <a:lstStyle>
-            <a:lvl1pPr>
-              <a:defRPr sz="3200"/>
-            </a:lvl1pPr>
-            <a:lvl2pPr>
-              <a:defRPr sz="2800"/>
-            </a:lvl2pPr>
-            <a:lvl3pPr>
-              <a:defRPr sz="2400"/>
-            </a:lvl3pPr>
-            <a:lvl4pPr>
-              <a:defRPr sz="2000"/>
-            </a:lvl4pPr>
-            <a:lvl5pPr>
-              <a:defRPr sz="2000"/>
-            </a:lvl5pPr>
-            <a:lvl6pPr>
-              <a:defRPr sz="2000"/>
-            </a:lvl6pPr>
-            <a:lvl7pPr>
-              <a:defRPr sz="2000"/>
-            </a:lvl7pPr>
-            <a:lvl8pPr>
-              <a:defRPr sz="2000"/>
-            </a:lvl8pPr>
-            <a:lvl9pPr>
-              <a:defRPr sz="2000"/>
-            </a:lvl9pPr>
-          </a:lstStyle>
+          <a:bodyPr anchor="ctr"/>
+          <a:lstStyle/>
           <a:p>
             <a:pPr lvl="0"/>
             <a:r>
@@ -2293,18 +5644,13 @@
               <a:rPr lang="de-DE"/>
               <a:t>Fünfte Ebene</a:t>
             </a:r>
+            <a:endParaRPr lang="en-US" dirty="0"/>
           </a:p>
         </p:txBody>
       </p:sp>
       <p:sp>
         <p:nvSpPr>
-          <p:cNvPr id="4" name="Textplatzhalter 3">
-            <a:extLst>
-              <a:ext uri="{FF2B5EF4-FFF2-40B4-BE49-F238E27FC236}">
-                <a16:creationId xmlns:a16="http://schemas.microsoft.com/office/drawing/2014/main" id="{2F72B3FF-015C-4A9B-9C8D-6C0AAD2D494B}"/>
-              </a:ext>
-            </a:extLst>
-          </p:cNvPr>
+          <p:cNvPr id="4" name="Text Placeholder 3"/>
           <p:cNvSpPr>
             <a:spLocks noGrp="1"/>
           </p:cNvSpPr>
@@ -2314,14 +5660,14 @@
         </p:nvSpPr>
         <p:spPr>
           <a:xfrm>
-            <a:off x="839788" y="2057400"/>
-            <a:ext cx="3932237" cy="3811588"/>
+            <a:off x="1970322" y="3186154"/>
+            <a:ext cx="2664361" cy="2386397"/>
           </a:xfrm>
         </p:spPr>
         <p:txBody>
           <a:bodyPr/>
           <a:lstStyle>
-            <a:lvl1pPr marL="0" indent="0">
+            <a:lvl1pPr marL="0" indent="0" algn="l">
               <a:buNone/>
               <a:defRPr sz="1600"/>
             </a:lvl1pPr>
@@ -2369,13 +5715,7 @@
       </p:sp>
       <p:sp>
         <p:nvSpPr>
-          <p:cNvPr id="5" name="Datumsplatzhalter 4">
-            <a:extLst>
-              <a:ext uri="{FF2B5EF4-FFF2-40B4-BE49-F238E27FC236}">
-                <a16:creationId xmlns:a16="http://schemas.microsoft.com/office/drawing/2014/main" id="{45AD374E-6176-418B-B737-C56851189AC8}"/>
-              </a:ext>
-            </a:extLst>
-          </p:cNvPr>
+          <p:cNvPr id="5" name="Date Placeholder 4"/>
           <p:cNvSpPr>
             <a:spLocks noGrp="1"/>
           </p:cNvSpPr>
@@ -2398,13 +5738,7 @@
       </p:sp>
       <p:sp>
         <p:nvSpPr>
-          <p:cNvPr id="6" name="Fußzeilenplatzhalter 5">
-            <a:extLst>
-              <a:ext uri="{FF2B5EF4-FFF2-40B4-BE49-F238E27FC236}">
-                <a16:creationId xmlns:a16="http://schemas.microsoft.com/office/drawing/2014/main" id="{FE1AA16B-705C-45CF-919E-AC08BE632179}"/>
-              </a:ext>
-            </a:extLst>
-          </p:cNvPr>
+          <p:cNvPr id="6" name="Footer Placeholder 5"/>
           <p:cNvSpPr>
             <a:spLocks noGrp="1"/>
           </p:cNvSpPr>
@@ -2423,13 +5757,7 @@
       </p:sp>
       <p:sp>
         <p:nvSpPr>
-          <p:cNvPr id="7" name="Foliennummernplatzhalter 6">
-            <a:extLst>
-              <a:ext uri="{FF2B5EF4-FFF2-40B4-BE49-F238E27FC236}">
-                <a16:creationId xmlns:a16="http://schemas.microsoft.com/office/drawing/2014/main" id="{9835134E-395B-43EB-B400-B2FBEC5E3034}"/>
-              </a:ext>
-            </a:extLst>
-          </p:cNvPr>
+          <p:cNvPr id="7" name="Slide Number Placeholder 6"/>
           <p:cNvSpPr>
             <a:spLocks noGrp="1"/>
           </p:cNvSpPr>
@@ -2453,7 +5781,7 @@
     </p:spTree>
     <p:extLst>
       <p:ext uri="{BB962C8B-B14F-4D97-AF65-F5344CB8AC3E}">
-        <p14:creationId xmlns:p14="http://schemas.microsoft.com/office/powerpoint/2010/main" val="1994971021"/>
+        <p14:creationId xmlns:p14="http://schemas.microsoft.com/office/powerpoint/2010/main" val="3807712545"/>
       </p:ext>
     </p:extLst>
   </p:cSld>
@@ -2482,52 +5810,87 @@
       </p:grpSpPr>
       <p:sp>
         <p:nvSpPr>
-          <p:cNvPr id="2" name="Titel 1">
-            <a:extLst>
-              <a:ext uri="{FF2B5EF4-FFF2-40B4-BE49-F238E27FC236}">
-                <a16:creationId xmlns:a16="http://schemas.microsoft.com/office/drawing/2014/main" id="{3A1F0331-38D7-417B-927F-777E891F04A5}"/>
-              </a:ext>
-            </a:extLst>
-          </p:cNvPr>
-          <p:cNvSpPr>
-            <a:spLocks noGrp="1"/>
-          </p:cNvSpPr>
-          <p:nvPr>
-            <p:ph type="title"/>
-          </p:nvPr>
+          <p:cNvPr id="19" name="Rectangle 18"/>
+          <p:cNvSpPr/>
+          <p:nvPr/>
         </p:nvSpPr>
         <p:spPr>
           <a:xfrm>
-            <a:off x="839788" y="457200"/>
-            <a:ext cx="3932237" cy="1600200"/>
+            <a:off x="1004479" y="0"/>
+            <a:ext cx="10372316" cy="6858000"/>
           </a:xfrm>
+          <a:prstGeom prst="rect">
+            <a:avLst/>
+          </a:prstGeom>
+          <a:solidFill>
+            <a:schemeClr val="bg2">
+              <a:alpha val="92000"/>
+            </a:schemeClr>
+          </a:solidFill>
+          <a:ln>
+            <a:noFill/>
+          </a:ln>
         </p:spPr>
-        <p:txBody>
-          <a:bodyPr anchor="b"/>
-          <a:lstStyle>
-            <a:lvl1pPr>
-              <a:defRPr sz="3200"/>
-            </a:lvl1pPr>
-          </a:lstStyle>
-          <a:p>
-            <a:r>
-              <a:rPr lang="de-DE"/>
-              <a:t>Mastertitelformat bearbeiten</a:t>
-            </a:r>
-          </a:p>
-        </p:txBody>
-      </p:sp>
-      <p:sp>
-        <p:nvSpPr>
-          <p:cNvPr id="3" name="Bildplatzhalter 2">
-            <a:extLst>
-              <a:ext uri="{FF2B5EF4-FFF2-40B4-BE49-F238E27FC236}">
-                <a16:creationId xmlns:a16="http://schemas.microsoft.com/office/drawing/2014/main" id="{975BA3DC-1C94-43DE-B663-63E86945AB45}"/>
-              </a:ext>
-            </a:extLst>
-          </p:cNvPr>
+        <p:style>
+          <a:lnRef idx="2">
+            <a:schemeClr val="accent1">
+              <a:shade val="50000"/>
+            </a:schemeClr>
+          </a:lnRef>
+          <a:fillRef idx="1">
+            <a:schemeClr val="accent1"/>
+          </a:fillRef>
+          <a:effectRef idx="0">
+            <a:schemeClr val="accent1"/>
+          </a:effectRef>
+          <a:fontRef idx="minor">
+            <a:schemeClr val="lt1"/>
+          </a:fontRef>
+        </p:style>
+      </p:sp>
+      <p:sp>
+        <p:nvSpPr>
+          <p:cNvPr id="20" name="Rectangle 19"/>
+          <p:cNvSpPr/>
+          <p:nvPr/>
+        </p:nvSpPr>
+        <p:spPr>
+          <a:xfrm>
+            <a:off x="11377328" y="0"/>
+            <a:ext cx="27432" cy="6858000"/>
+          </a:xfrm>
+          <a:prstGeom prst="rect">
+            <a:avLst/>
+          </a:prstGeom>
+          <a:solidFill>
+            <a:schemeClr val="accent6"/>
+          </a:solidFill>
+          <a:ln>
+            <a:noFill/>
+          </a:ln>
+        </p:spPr>
+        <p:style>
+          <a:lnRef idx="2">
+            <a:schemeClr val="accent1">
+              <a:shade val="50000"/>
+            </a:schemeClr>
+          </a:lnRef>
+          <a:fillRef idx="1">
+            <a:schemeClr val="accent1"/>
+          </a:fillRef>
+          <a:effectRef idx="0">
+            <a:schemeClr val="accent1"/>
+          </a:effectRef>
+          <a:fontRef idx="minor">
+            <a:schemeClr val="lt1"/>
+          </a:fontRef>
+        </p:style>
+      </p:sp>
+      <p:sp>
+        <p:nvSpPr>
+          <p:cNvPr id="3" name="Picture Placeholder 2"/>
           <p:cNvSpPr>
-            <a:spLocks noGrp="1"/>
+            <a:spLocks noGrp="1" noChangeAspect="1"/>
           </p:cNvSpPr>
           <p:nvPr>
             <p:ph type="pic" idx="1"/>
@@ -2535,16 +5898,40 @@
         </p:nvSpPr>
         <p:spPr>
           <a:xfrm>
-            <a:off x="5183188" y="987425"/>
-            <a:ext cx="6172200" cy="4873625"/>
+            <a:off x="6747062" y="3229"/>
+            <a:ext cx="4629734" cy="6858000"/>
           </a:xfrm>
+          <a:solidFill>
+            <a:schemeClr val="tx1">
+              <a:alpha val="10000"/>
+            </a:schemeClr>
+          </a:solidFill>
+          <a:ln w="9525" cap="sq">
+            <a:noFill/>
+            <a:miter lim="800000"/>
+          </a:ln>
+          <a:effectLst/>
+          <a:scene3d>
+            <a:camera prst="orthographicFront"/>
+            <a:lightRig rig="twoPt" dir="t">
+              <a:rot lat="0" lon="0" rev="7200000"/>
+            </a:lightRig>
+          </a:scene3d>
+          <a:sp3d>
+            <a:bevelT w="25400" h="19050"/>
+            <a:contourClr>
+              <a:srgbClr val="FFFFFF"/>
+            </a:contourClr>
+          </a:sp3d>
         </p:spPr>
         <p:txBody>
-          <a:bodyPr/>
+          <a:bodyPr anchor="t">
+            <a:normAutofit/>
+          </a:bodyPr>
           <a:lstStyle>
-            <a:lvl1pPr marL="0" indent="0">
+            <a:lvl1pPr marL="0" indent="0" algn="ctr">
               <a:buNone/>
-              <a:defRPr sz="3200"/>
+              <a:defRPr sz="2800"/>
             </a:lvl1pPr>
             <a:lvl2pPr marL="457200" indent="0">
               <a:buNone/>
@@ -2580,19 +5967,92 @@
             </a:lvl9pPr>
           </a:lstStyle>
           <a:p>
-            <a:endParaRPr lang="de-DE"/>
+            <a:r>
+              <a:rPr lang="de-DE"/>
+              <a:t>Bild durch Klicken auf Symbol hinzufügen</a:t>
+            </a:r>
+            <a:endParaRPr lang="en-US" dirty="0"/>
           </a:p>
         </p:txBody>
       </p:sp>
       <p:sp>
         <p:nvSpPr>
-          <p:cNvPr id="4" name="Textplatzhalter 3">
-            <a:extLst>
-              <a:ext uri="{FF2B5EF4-FFF2-40B4-BE49-F238E27FC236}">
-                <a16:creationId xmlns:a16="http://schemas.microsoft.com/office/drawing/2014/main" id="{C368EF79-B6A3-4F05-9405-CCF30DBF820D}"/>
-              </a:ext>
-            </a:extLst>
-          </p:cNvPr>
+          <p:cNvPr id="10" name="TextBox 9"/>
+          <p:cNvSpPr txBox="1"/>
+          <p:nvPr/>
+        </p:nvSpPr>
+        <p:spPr>
+          <a:xfrm>
+            <a:off x="1554686" y="1127550"/>
+            <a:ext cx="415636" cy="369332"/>
+          </a:xfrm>
+          <a:prstGeom prst="rect">
+            <a:avLst/>
+          </a:prstGeom>
+          <a:noFill/>
+        </p:spPr>
+        <p:txBody>
+          <a:bodyPr wrap="square" rtlCol="0">
+            <a:spAutoFit/>
+          </a:bodyPr>
+          <a:lstStyle/>
+          <a:p>
+            <a:pPr algn="r"/>
+            <a:r>
+              <a:rPr lang="en-US" sz="1800" dirty="0">
+                <a:solidFill>
+                  <a:schemeClr val="accent6"/>
+                </a:solidFill>
+                <a:latin typeface="Wingdings 3" panose="05040102010807070707" pitchFamily="18" charset="2"/>
+              </a:rPr>
+              <a:t>z</a:t>
+            </a:r>
+            <a:endParaRPr lang="en-US" sz="1000" dirty="0">
+              <a:solidFill>
+                <a:schemeClr val="accent6"/>
+              </a:solidFill>
+              <a:latin typeface="MS Shell Dlg 2" panose="020B0604030504040204" pitchFamily="34" charset="0"/>
+            </a:endParaRPr>
+          </a:p>
+        </p:txBody>
+      </p:sp>
+      <p:sp>
+        <p:nvSpPr>
+          <p:cNvPr id="2" name="Title 1"/>
+          <p:cNvSpPr>
+            <a:spLocks noGrp="1"/>
+          </p:cNvSpPr>
+          <p:nvPr>
+            <p:ph type="title"/>
+          </p:nvPr>
+        </p:nvSpPr>
+        <p:spPr>
+          <a:xfrm>
+            <a:off x="1971241" y="1282452"/>
+            <a:ext cx="3970986" cy="1900473"/>
+          </a:xfrm>
+        </p:spPr>
+        <p:txBody>
+          <a:bodyPr anchor="b">
+            <a:normAutofit/>
+          </a:bodyPr>
+          <a:lstStyle>
+            <a:lvl1pPr algn="l">
+              <a:defRPr sz="3200"/>
+            </a:lvl1pPr>
+          </a:lstStyle>
+          <a:p>
+            <a:r>
+              <a:rPr lang="de-DE"/>
+              <a:t>Mastertitelformat bearbeiten</a:t>
+            </a:r>
+            <a:endParaRPr lang="en-US" dirty="0"/>
+          </a:p>
+        </p:txBody>
+      </p:sp>
+      <p:sp>
+        <p:nvSpPr>
+          <p:cNvPr id="4" name="Text Placeholder 3"/>
           <p:cNvSpPr>
             <a:spLocks noGrp="1"/>
           </p:cNvSpPr>
@@ -2602,16 +6062,18 @@
         </p:nvSpPr>
         <p:spPr>
           <a:xfrm>
-            <a:off x="839788" y="2057400"/>
-            <a:ext cx="3932237" cy="3811588"/>
+            <a:off x="1970322" y="3182928"/>
+            <a:ext cx="3971874" cy="2386394"/>
           </a:xfrm>
         </p:spPr>
         <p:txBody>
-          <a:bodyPr/>
+          <a:bodyPr>
+            <a:normAutofit/>
+          </a:bodyPr>
           <a:lstStyle>
-            <a:lvl1pPr marL="0" indent="0">
+            <a:lvl1pPr marL="0" indent="0" algn="l">
               <a:buNone/>
-              <a:defRPr sz="1600"/>
+              <a:defRPr sz="2000"/>
             </a:lvl1pPr>
             <a:lvl2pPr marL="457200" indent="0">
               <a:buNone/>
@@ -2657,13 +6119,7 @@
       </p:sp>
       <p:sp>
         <p:nvSpPr>
-          <p:cNvPr id="5" name="Datumsplatzhalter 4">
-            <a:extLst>
-              <a:ext uri="{FF2B5EF4-FFF2-40B4-BE49-F238E27FC236}">
-                <a16:creationId xmlns:a16="http://schemas.microsoft.com/office/drawing/2014/main" id="{595E3EF3-6E2A-426E-8EBE-743A9A6C0DB6}"/>
-              </a:ext>
-            </a:extLst>
-          </p:cNvPr>
+          <p:cNvPr id="5" name="Date Placeholder 4"/>
           <p:cNvSpPr>
             <a:spLocks noGrp="1"/>
           </p:cNvSpPr>
@@ -2686,13 +6142,7 @@
       </p:sp>
       <p:sp>
         <p:nvSpPr>
-          <p:cNvPr id="6" name="Fußzeilenplatzhalter 5">
-            <a:extLst>
-              <a:ext uri="{FF2B5EF4-FFF2-40B4-BE49-F238E27FC236}">
-                <a16:creationId xmlns:a16="http://schemas.microsoft.com/office/drawing/2014/main" id="{474E91D7-E944-4175-AC89-5E03622FDE33}"/>
-              </a:ext>
-            </a:extLst>
-          </p:cNvPr>
+          <p:cNvPr id="6" name="Footer Placeholder 5"/>
           <p:cNvSpPr>
             <a:spLocks noGrp="1"/>
           </p:cNvSpPr>
@@ -2711,13 +6161,7 @@
       </p:sp>
       <p:sp>
         <p:nvSpPr>
-          <p:cNvPr id="7" name="Foliennummernplatzhalter 6">
-            <a:extLst>
-              <a:ext uri="{FF2B5EF4-FFF2-40B4-BE49-F238E27FC236}">
-                <a16:creationId xmlns:a16="http://schemas.microsoft.com/office/drawing/2014/main" id="{9BA9CD80-9A1B-4774-98C7-0475EFE3CEE2}"/>
-              </a:ext>
-            </a:extLst>
-          </p:cNvPr>
+          <p:cNvPr id="7" name="Slide Number Placeholder 6"/>
           <p:cNvSpPr>
             <a:spLocks noGrp="1"/>
           </p:cNvSpPr>
@@ -2741,7 +6185,7 @@
     </p:spTree>
     <p:extLst>
       <p:ext uri="{BB962C8B-B14F-4D97-AF65-F5344CB8AC3E}">
-        <p14:creationId xmlns:p14="http://schemas.microsoft.com/office/powerpoint/2010/main" val="158606729"/>
+        <p14:creationId xmlns:p14="http://schemas.microsoft.com/office/powerpoint/2010/main" val="696982586"/>
       </p:ext>
     </p:extLst>
   </p:cSld>
@@ -2755,7 +6199,7 @@
 <p:sldMaster xmlns:a="http://schemas.openxmlformats.org/drawingml/2006/main" xmlns:r="http://schemas.openxmlformats.org/officeDocument/2006/relationships" xmlns:p="http://schemas.openxmlformats.org/presentationml/2006/main">
   <p:cSld>
     <p:bg>
-      <p:bgRef idx="1001">
+      <p:bgRef idx="1002">
         <a:schemeClr val="bg1"/>
       </p:bgRef>
     </p:bg>
@@ -2773,15 +6217,107 @@
           <a:chExt cx="0" cy="0"/>
         </a:xfrm>
       </p:grpSpPr>
-      <p:sp>
-        <p:nvSpPr>
-          <p:cNvPr id="2" name="Titelplatzhalter 1">
+      <p:pic>
+        <p:nvPicPr>
+          <p:cNvPr id="18" name="Picture 17"/>
+          <p:cNvPicPr>
+            <a:picLocks noChangeAspect="1"/>
+          </p:cNvPicPr>
+          <p:nvPr/>
+        </p:nvPicPr>
+        <p:blipFill>
+          <a:blip r:embed="rId13">
             <a:extLst>
-              <a:ext uri="{FF2B5EF4-FFF2-40B4-BE49-F238E27FC236}">
-                <a16:creationId xmlns:a16="http://schemas.microsoft.com/office/drawing/2014/main" id="{5B4F040E-4B7A-479D-B39F-C8B48B8E0A12}"/>
+              <a:ext uri="{28A0092B-C50C-407E-A947-70E740481C1C}">
+                <a14:useLocalDpi xmlns:a14="http://schemas.microsoft.com/office/drawing/2010/main" val="0"/>
               </a:ext>
             </a:extLst>
-          </p:cNvPr>
+          </a:blip>
+          <a:stretch>
+            <a:fillRect/>
+          </a:stretch>
+        </p:blipFill>
+        <p:spPr>
+          <a:xfrm>
+            <a:off x="2831794" y="2105202"/>
+            <a:ext cx="9360205" cy="4752798"/>
+          </a:xfrm>
+          <a:prstGeom prst="rect">
+            <a:avLst/>
+          </a:prstGeom>
+        </p:spPr>
+      </p:pic>
+      <p:pic>
+        <p:nvPicPr>
+          <p:cNvPr id="15" name="Picture 14"/>
+          <p:cNvPicPr>
+            <a:picLocks noChangeAspect="1"/>
+          </p:cNvPicPr>
+          <p:nvPr/>
+        </p:nvPicPr>
+        <p:blipFill>
+          <a:blip r:embed="rId14">
+            <a:extLst>
+              <a:ext uri="{28A0092B-C50C-407E-A947-70E740481C1C}">
+                <a14:useLocalDpi xmlns:a14="http://schemas.microsoft.com/office/drawing/2010/main" val="0"/>
+              </a:ext>
+            </a:extLst>
+          </a:blip>
+          <a:stretch>
+            <a:fillRect/>
+          </a:stretch>
+        </p:blipFill>
+        <p:spPr>
+          <a:xfrm>
+            <a:off x="0" y="0"/>
+            <a:ext cx="12189867" cy="6858000"/>
+          </a:xfrm>
+          <a:prstGeom prst="rect">
+            <a:avLst/>
+          </a:prstGeom>
+        </p:spPr>
+      </p:pic>
+      <p:sp>
+        <p:nvSpPr>
+          <p:cNvPr id="8" name="Rectangle 7"/>
+          <p:cNvSpPr/>
+          <p:nvPr/>
+        </p:nvSpPr>
+        <p:spPr>
+          <a:xfrm>
+            <a:off x="0" y="0"/>
+            <a:ext cx="964174" cy="6858000"/>
+          </a:xfrm>
+          <a:prstGeom prst="rect">
+            <a:avLst/>
+          </a:prstGeom>
+          <a:solidFill>
+            <a:schemeClr val="bg2"/>
+          </a:solidFill>
+          <a:ln>
+            <a:noFill/>
+          </a:ln>
+        </p:spPr>
+        <p:style>
+          <a:lnRef idx="2">
+            <a:schemeClr val="accent1">
+              <a:shade val="50000"/>
+            </a:schemeClr>
+          </a:lnRef>
+          <a:fillRef idx="1">
+            <a:schemeClr val="accent1"/>
+          </a:fillRef>
+          <a:effectRef idx="0">
+            <a:schemeClr val="accent1"/>
+          </a:effectRef>
+          <a:fontRef idx="minor">
+            <a:schemeClr val="lt1"/>
+          </a:fontRef>
+        </p:style>
+      </p:sp>
+      <p:sp>
+        <p:nvSpPr>
+          <p:cNvPr id="2" name="Title Placeholder 1"/>
           <p:cNvSpPr>
             <a:spLocks noGrp="1"/>
           </p:cNvSpPr>
@@ -2791,15 +6327,15 @@
         </p:nvSpPr>
         <p:spPr>
           <a:xfrm>
-            <a:off x="838200" y="365125"/>
-            <a:ext cx="10515600" cy="1325563"/>
+            <a:off x="2611808" y="808056"/>
+            <a:ext cx="7958331" cy="1077229"/>
           </a:xfrm>
           <a:prstGeom prst="rect">
             <a:avLst/>
           </a:prstGeom>
         </p:spPr>
         <p:txBody>
-          <a:bodyPr vert="horz" lIns="91440" tIns="45720" rIns="91440" bIns="45720" rtlCol="0" anchor="ctr">
+          <a:bodyPr vert="horz" lIns="91440" tIns="45720" rIns="91440" bIns="45720" rtlCol="0" anchor="t">
             <a:normAutofit/>
           </a:bodyPr>
           <a:lstStyle/>
@@ -2808,18 +6344,13 @@
               <a:rPr lang="de-DE"/>
               <a:t>Mastertitelformat bearbeiten</a:t>
             </a:r>
+            <a:endParaRPr lang="en-US" dirty="0"/>
           </a:p>
         </p:txBody>
       </p:sp>
       <p:sp>
         <p:nvSpPr>
-          <p:cNvPr id="3" name="Textplatzhalter 2">
-            <a:extLst>
-              <a:ext uri="{FF2B5EF4-FFF2-40B4-BE49-F238E27FC236}">
-                <a16:creationId xmlns:a16="http://schemas.microsoft.com/office/drawing/2014/main" id="{9DBA16A4-79F8-4FDA-AF09-EF3ADF3EF7D0}"/>
-              </a:ext>
-            </a:extLst>
-          </p:cNvPr>
+          <p:cNvPr id="3" name="Text Placeholder 2"/>
           <p:cNvSpPr>
             <a:spLocks noGrp="1"/>
           </p:cNvSpPr>
@@ -2829,8 +6360,8 @@
         </p:nvSpPr>
         <p:spPr>
           <a:xfrm>
-            <a:off x="838200" y="1825625"/>
-            <a:ext cx="10515600" cy="4351338"/>
+            <a:off x="2773599" y="2052116"/>
+            <a:ext cx="7796540" cy="3997828"/>
           </a:xfrm>
           <a:prstGeom prst="rect">
             <a:avLst/>
@@ -2875,18 +6406,13 @@
               <a:rPr lang="de-DE"/>
               <a:t>Fünfte Ebene</a:t>
             </a:r>
+            <a:endParaRPr lang="en-US" dirty="0"/>
           </a:p>
         </p:txBody>
       </p:sp>
       <p:sp>
         <p:nvSpPr>
-          <p:cNvPr id="4" name="Datumsplatzhalter 3">
-            <a:extLst>
-              <a:ext uri="{FF2B5EF4-FFF2-40B4-BE49-F238E27FC236}">
-                <a16:creationId xmlns:a16="http://schemas.microsoft.com/office/drawing/2014/main" id="{86D96A1C-3C1D-46B5-A6CD-BB4BA3BCD1A1}"/>
-              </a:ext>
-            </a:extLst>
-          </p:cNvPr>
+          <p:cNvPr id="4" name="Date Placeholder 3"/>
           <p:cNvSpPr>
             <a:spLocks noGrp="1"/>
           </p:cNvSpPr>
@@ -2895,24 +6421,25 @@
           </p:nvPr>
         </p:nvSpPr>
         <p:spPr>
-          <a:xfrm>
-            <a:off x="838200" y="6356350"/>
-            <a:ext cx="2743200" cy="365125"/>
+          <a:xfrm rot="5400000">
+            <a:off x="-810065" y="5270604"/>
+            <a:ext cx="2662729" cy="182880"/>
           </a:xfrm>
           <a:prstGeom prst="rect">
             <a:avLst/>
           </a:prstGeom>
         </p:spPr>
         <p:txBody>
-          <a:bodyPr vert="horz" lIns="91440" tIns="45720" rIns="91440" bIns="45720" rtlCol="0" anchor="ctr"/>
+          <a:bodyPr vert="horz" lIns="91440" tIns="18288" rIns="91440" bIns="45720" rtlCol="0" anchor="t"/>
           <a:lstStyle>
-            <a:lvl1pPr algn="l">
-              <a:defRPr sz="1200">
+            <a:lvl1pPr algn="r">
+              <a:defRPr sz="800">
                 <a:solidFill>
                   <a:schemeClr val="tx1">
                     <a:tint val="75000"/>
                   </a:schemeClr>
                 </a:solidFill>
+                <a:latin typeface="+mn-lt"/>
               </a:defRPr>
             </a:lvl1pPr>
           </a:lstStyle>
@@ -2927,13 +6454,7 @@
       </p:sp>
       <p:sp>
         <p:nvSpPr>
-          <p:cNvPr id="5" name="Fußzeilenplatzhalter 4">
-            <a:extLst>
-              <a:ext uri="{FF2B5EF4-FFF2-40B4-BE49-F238E27FC236}">
-                <a16:creationId xmlns:a16="http://schemas.microsoft.com/office/drawing/2014/main" id="{19961847-7F80-4116-885A-06111E75C690}"/>
-              </a:ext>
-            </a:extLst>
-          </p:cNvPr>
+          <p:cNvPr id="5" name="Footer Placeholder 4"/>
           <p:cNvSpPr>
             <a:spLocks noGrp="1"/>
           </p:cNvSpPr>
@@ -2942,19 +6463,19 @@
           </p:nvPr>
         </p:nvSpPr>
         <p:spPr>
-          <a:xfrm>
-            <a:off x="4038600" y="6356350"/>
-            <a:ext cx="4114800" cy="365125"/>
+          <a:xfrm rot="5400000">
+            <a:off x="-2237130" y="3661144"/>
+            <a:ext cx="5885352" cy="179176"/>
           </a:xfrm>
           <a:prstGeom prst="rect">
             <a:avLst/>
           </a:prstGeom>
         </p:spPr>
         <p:txBody>
-          <a:bodyPr vert="horz" lIns="91440" tIns="45720" rIns="91440" bIns="45720" rtlCol="0" anchor="ctr"/>
+          <a:bodyPr vert="horz" lIns="91440" tIns="45720" rIns="91440" bIns="18288" rtlCol="0" anchor="b"/>
           <a:lstStyle>
-            <a:lvl1pPr algn="ctr">
-              <a:defRPr sz="1200">
+            <a:lvl1pPr algn="r">
+              <a:defRPr sz="800">
                 <a:solidFill>
                   <a:schemeClr val="tx1">
                     <a:tint val="75000"/>
@@ -2970,13 +6491,7 @@
       </p:sp>
       <p:sp>
         <p:nvSpPr>
-          <p:cNvPr id="6" name="Foliennummernplatzhalter 5">
-            <a:extLst>
-              <a:ext uri="{FF2B5EF4-FFF2-40B4-BE49-F238E27FC236}">
-                <a16:creationId xmlns:a16="http://schemas.microsoft.com/office/drawing/2014/main" id="{9BD9235B-E403-4A8F-9925-AB7154B2B205}"/>
-              </a:ext>
-            </a:extLst>
-          </p:cNvPr>
+          <p:cNvPr id="6" name="Slide Number Placeholder 5"/>
           <p:cNvSpPr>
             <a:spLocks noGrp="1"/>
           </p:cNvSpPr>
@@ -2986,18 +6501,18 @@
         </p:nvSpPr>
         <p:spPr>
           <a:xfrm>
-            <a:off x="8610600" y="6356350"/>
-            <a:ext cx="2743200" cy="365125"/>
+            <a:off x="158407" y="164592"/>
+            <a:ext cx="636727" cy="322851"/>
           </a:xfrm>
           <a:prstGeom prst="rect">
             <a:avLst/>
           </a:prstGeom>
         </p:spPr>
         <p:txBody>
-          <a:bodyPr vert="horz" lIns="91440" tIns="45720" rIns="91440" bIns="45720" rtlCol="0" anchor="ctr"/>
+          <a:bodyPr vert="horz" lIns="91440" tIns="45720" rIns="45720" bIns="45720" rtlCol="0" anchor="ctr"/>
           <a:lstStyle>
             <a:lvl1pPr algn="r">
-              <a:defRPr sz="1200">
+              <a:defRPr sz="1800">
                 <a:solidFill>
                   <a:schemeClr val="tx1">
                     <a:tint val="75000"/>
@@ -3015,30 +6530,68 @@
           </a:p>
         </p:txBody>
       </p:sp>
+      <p:sp>
+        <p:nvSpPr>
+          <p:cNvPr id="57" name="Rectangle 56"/>
+          <p:cNvSpPr/>
+          <p:nvPr/>
+        </p:nvSpPr>
+        <p:spPr>
+          <a:xfrm>
+            <a:off x="962042" y="0"/>
+            <a:ext cx="45719" cy="6858000"/>
+          </a:xfrm>
+          <a:prstGeom prst="rect">
+            <a:avLst/>
+          </a:prstGeom>
+          <a:solidFill>
+            <a:schemeClr val="accent6"/>
+          </a:solidFill>
+          <a:ln>
+            <a:noFill/>
+          </a:ln>
+        </p:spPr>
+        <p:style>
+          <a:lnRef idx="2">
+            <a:schemeClr val="accent1">
+              <a:shade val="50000"/>
+            </a:schemeClr>
+          </a:lnRef>
+          <a:fillRef idx="1">
+            <a:schemeClr val="accent1"/>
+          </a:fillRef>
+          <a:effectRef idx="0">
+            <a:schemeClr val="accent1"/>
+          </a:effectRef>
+          <a:fontRef idx="minor">
+            <a:schemeClr val="lt1"/>
+          </a:fontRef>
+        </p:style>
+      </p:sp>
     </p:spTree>
     <p:extLst>
       <p:ext uri="{BB962C8B-B14F-4D97-AF65-F5344CB8AC3E}">
-        <p14:creationId xmlns:p14="http://schemas.microsoft.com/office/powerpoint/2010/main" val="1407839349"/>
+        <p14:creationId xmlns:p14="http://schemas.microsoft.com/office/powerpoint/2010/main" val="3333939909"/>
       </p:ext>
     </p:extLst>
   </p:cSld>
   <p:clrMap bg1="lt1" tx1="dk1" bg2="lt2" tx2="dk2" accent1="accent1" accent2="accent2" accent3="accent3" accent4="accent4" accent5="accent5" accent6="accent6" hlink="hlink" folHlink="folHlink"/>
   <p:sldLayoutIdLst>
-    <p:sldLayoutId id="2147483649" r:id="rId1"/>
-    <p:sldLayoutId id="2147483650" r:id="rId2"/>
-    <p:sldLayoutId id="2147483651" r:id="rId3"/>
-    <p:sldLayoutId id="2147483652" r:id="rId4"/>
-    <p:sldLayoutId id="2147483653" r:id="rId5"/>
-    <p:sldLayoutId id="2147483654" r:id="rId6"/>
-    <p:sldLayoutId id="2147483655" r:id="rId7"/>
-    <p:sldLayoutId id="2147483656" r:id="rId8"/>
-    <p:sldLayoutId id="2147483657" r:id="rId9"/>
-    <p:sldLayoutId id="2147483658" r:id="rId10"/>
-    <p:sldLayoutId id="2147483659" r:id="rId11"/>
+    <p:sldLayoutId id="2147483933" r:id="rId1"/>
+    <p:sldLayoutId id="2147483934" r:id="rId2"/>
+    <p:sldLayoutId id="2147483935" r:id="rId3"/>
+    <p:sldLayoutId id="2147483936" r:id="rId4"/>
+    <p:sldLayoutId id="2147483937" r:id="rId5"/>
+    <p:sldLayoutId id="2147483938" r:id="rId6"/>
+    <p:sldLayoutId id="2147483939" r:id="rId7"/>
+    <p:sldLayoutId id="2147483940" r:id="rId8"/>
+    <p:sldLayoutId id="2147483941" r:id="rId9"/>
+    <p:sldLayoutId id="2147483942" r:id="rId10"/>
+    <p:sldLayoutId id="2147483943" r:id="rId11"/>
   </p:sldLayoutIdLst>
   <p:txStyles>
     <p:titleStyle>
-      <a:lvl1pPr algn="l" defTabSz="914400" rtl="0" eaLnBrk="1" latinLnBrk="0" hangingPunct="1">
+      <a:lvl1pPr algn="r" defTabSz="914400" rtl="0" eaLnBrk="1" latinLnBrk="0" hangingPunct="1">
         <a:lnSpc>
           <a:spcPct val="90000"/>
         </a:lnSpc>
@@ -3046,10 +6599,11 @@
           <a:spcPct val="0"/>
         </a:spcBef>
         <a:buNone/>
-        <a:defRPr sz="4400" kern="1200">
+        <a:defRPr sz="3400" b="0" i="0" kern="1200" cap="none">
           <a:solidFill>
             <a:schemeClr val="tx1"/>
           </a:solidFill>
+          <a:effectLst/>
           <a:latin typeface="+mj-lt"/>
           <a:ea typeface="+mj-ea"/>
           <a:cs typeface="+mj-cs"/>
@@ -3057,163 +6611,235 @@
       </a:lvl1pPr>
     </p:titleStyle>
     <p:bodyStyle>
-      <a:lvl1pPr marL="228600" indent="-228600" algn="l" defTabSz="914400" rtl="0" eaLnBrk="1" latinLnBrk="0" hangingPunct="1">
+      <a:lvl1pPr marL="344488" indent="-338328" algn="l" defTabSz="914400" rtl="0" eaLnBrk="1" latinLnBrk="0" hangingPunct="1">
         <a:lnSpc>
-          <a:spcPct val="90000"/>
+          <a:spcPct val="120000"/>
         </a:lnSpc>
         <a:spcBef>
-          <a:spcPts val="1000"/>
+          <a:spcPts val="500"/>
         </a:spcBef>
-        <a:buFont typeface="Arial" panose="020B0604020202020204" pitchFamily="34" charset="0"/>
-        <a:buChar char="•"/>
-        <a:defRPr sz="2800" kern="1200">
+        <a:spcAft>
+          <a:spcPts val="600"/>
+        </a:spcAft>
+        <a:buClr>
+          <a:schemeClr val="accent6"/>
+        </a:buClr>
+        <a:buSzPct val="90000"/>
+        <a:buFont typeface="Wingdings" panose="05000000000000000000" pitchFamily="2" charset="2"/>
+        <a:buChar char="§"/>
+        <a:defRPr sz="2000" kern="1200">
           <a:solidFill>
             <a:schemeClr val="tx1"/>
           </a:solidFill>
+          <a:effectLst/>
           <a:latin typeface="+mn-lt"/>
           <a:ea typeface="+mn-ea"/>
           <a:cs typeface="+mn-cs"/>
         </a:defRPr>
       </a:lvl1pPr>
-      <a:lvl2pPr marL="685800" indent="-228600" algn="l" defTabSz="914400" rtl="0" eaLnBrk="1" latinLnBrk="0" hangingPunct="1">
+      <a:lvl2pPr marL="795338" indent="-338328" algn="l" defTabSz="914400" rtl="0" eaLnBrk="1" latinLnBrk="0" hangingPunct="1">
         <a:lnSpc>
-          <a:spcPct val="90000"/>
+          <a:spcPct val="120000"/>
         </a:lnSpc>
         <a:spcBef>
           <a:spcPts val="500"/>
         </a:spcBef>
-        <a:buFont typeface="Arial" panose="020B0604020202020204" pitchFamily="34" charset="0"/>
-        <a:buChar char="•"/>
-        <a:defRPr sz="2400" kern="1200">
+        <a:spcAft>
+          <a:spcPts val="600"/>
+        </a:spcAft>
+        <a:buClr>
+          <a:schemeClr val="accent6"/>
+        </a:buClr>
+        <a:buSzPct val="90000"/>
+        <a:buFont typeface="Wingdings" panose="05000000000000000000" pitchFamily="2" charset="2"/>
+        <a:buChar char="§"/>
+        <a:defRPr sz="1800" kern="1200">
           <a:solidFill>
             <a:schemeClr val="tx1"/>
           </a:solidFill>
+          <a:effectLst/>
           <a:latin typeface="+mn-lt"/>
           <a:ea typeface="+mn-ea"/>
           <a:cs typeface="+mn-cs"/>
         </a:defRPr>
       </a:lvl2pPr>
-      <a:lvl3pPr marL="1143000" indent="-228600" algn="l" defTabSz="914400" rtl="0" eaLnBrk="1" latinLnBrk="0" hangingPunct="1">
+      <a:lvl3pPr marL="1258888" indent="-338328" algn="l" defTabSz="914400" rtl="0" eaLnBrk="1" latinLnBrk="0" hangingPunct="1">
         <a:lnSpc>
-          <a:spcPct val="90000"/>
+          <a:spcPct val="120000"/>
         </a:lnSpc>
         <a:spcBef>
           <a:spcPts val="500"/>
         </a:spcBef>
-        <a:buFont typeface="Arial" panose="020B0604020202020204" pitchFamily="34" charset="0"/>
-        <a:buChar char="•"/>
-        <a:defRPr sz="2000" kern="1200">
+        <a:spcAft>
+          <a:spcPts val="600"/>
+        </a:spcAft>
+        <a:buClr>
+          <a:schemeClr val="accent6"/>
+        </a:buClr>
+        <a:buSzPct val="90000"/>
+        <a:buFont typeface="Wingdings" panose="05000000000000000000" pitchFamily="2" charset="2"/>
+        <a:buChar char="§"/>
+        <a:defRPr sz="1600" kern="1200">
           <a:solidFill>
             <a:schemeClr val="tx1"/>
           </a:solidFill>
+          <a:effectLst/>
           <a:latin typeface="+mn-lt"/>
           <a:ea typeface="+mn-ea"/>
           <a:cs typeface="+mn-cs"/>
         </a:defRPr>
       </a:lvl3pPr>
-      <a:lvl4pPr marL="1600200" indent="-228600" algn="l" defTabSz="914400" rtl="0" eaLnBrk="1" latinLnBrk="0" hangingPunct="1">
+      <a:lvl4pPr marL="1709738" indent="-338328" algn="l" defTabSz="914400" rtl="0" eaLnBrk="1" latinLnBrk="0" hangingPunct="1">
         <a:lnSpc>
-          <a:spcPct val="90000"/>
+          <a:spcPct val="120000"/>
         </a:lnSpc>
         <a:spcBef>
           <a:spcPts val="500"/>
         </a:spcBef>
-        <a:buFont typeface="Arial" panose="020B0604020202020204" pitchFamily="34" charset="0"/>
-        <a:buChar char="•"/>
-        <a:defRPr sz="1800" kern="1200">
+        <a:spcAft>
+          <a:spcPts val="600"/>
+        </a:spcAft>
+        <a:buClr>
+          <a:schemeClr val="accent6"/>
+        </a:buClr>
+        <a:buSzPct val="90000"/>
+        <a:buFont typeface="Wingdings" panose="05000000000000000000" pitchFamily="2" charset="2"/>
+        <a:buChar char="§"/>
+        <a:defRPr sz="1400" kern="1200">
           <a:solidFill>
             <a:schemeClr val="tx1"/>
           </a:solidFill>
+          <a:effectLst/>
           <a:latin typeface="+mn-lt"/>
           <a:ea typeface="+mn-ea"/>
           <a:cs typeface="+mn-cs"/>
         </a:defRPr>
       </a:lvl4pPr>
-      <a:lvl5pPr marL="2057400" indent="-228600" algn="l" defTabSz="914400" rtl="0" eaLnBrk="1" latinLnBrk="0" hangingPunct="1">
+      <a:lvl5pPr marL="2173288" indent="-338328" algn="l" defTabSz="914400" rtl="0" eaLnBrk="1" latinLnBrk="0" hangingPunct="1">
         <a:lnSpc>
-          <a:spcPct val="90000"/>
+          <a:spcPct val="120000"/>
         </a:lnSpc>
         <a:spcBef>
           <a:spcPts val="500"/>
         </a:spcBef>
-        <a:buFont typeface="Arial" panose="020B0604020202020204" pitchFamily="34" charset="0"/>
-        <a:buChar char="•"/>
-        <a:defRPr sz="1800" kern="1200">
+        <a:spcAft>
+          <a:spcPts val="600"/>
+        </a:spcAft>
+        <a:buClr>
+          <a:schemeClr val="accent6"/>
+        </a:buClr>
+        <a:buSzPct val="90000"/>
+        <a:buFont typeface="Wingdings" panose="05000000000000000000" pitchFamily="2" charset="2"/>
+        <a:buChar char="§"/>
+        <a:defRPr sz="1200" kern="1200">
           <a:solidFill>
             <a:schemeClr val="tx1"/>
           </a:solidFill>
+          <a:effectLst/>
           <a:latin typeface="+mn-lt"/>
           <a:ea typeface="+mn-ea"/>
           <a:cs typeface="+mn-cs"/>
         </a:defRPr>
       </a:lvl5pPr>
-      <a:lvl6pPr marL="2514600" indent="-228600" algn="l" defTabSz="914400" rtl="0" eaLnBrk="1" latinLnBrk="0" hangingPunct="1">
+      <a:lvl6pPr marL="2642616" indent="-338328" algn="l" defTabSz="914400" rtl="0" eaLnBrk="1" latinLnBrk="0" hangingPunct="1">
         <a:lnSpc>
-          <a:spcPct val="90000"/>
+          <a:spcPct val="120000"/>
         </a:lnSpc>
         <a:spcBef>
           <a:spcPts val="500"/>
         </a:spcBef>
-        <a:buFont typeface="Arial" panose="020B0604020202020204" pitchFamily="34" charset="0"/>
-        <a:buChar char="•"/>
-        <a:defRPr sz="1800" kern="1200">
+        <a:spcAft>
+          <a:spcPts val="600"/>
+        </a:spcAft>
+        <a:buClr>
+          <a:schemeClr val="accent6"/>
+        </a:buClr>
+        <a:buSzPct val="90000"/>
+        <a:buFont typeface="Wingdings" panose="05000000000000000000" pitchFamily="2" charset="2"/>
+        <a:buChar char="§"/>
+        <a:defRPr sz="1200" kern="1200">
           <a:solidFill>
             <a:schemeClr val="tx1"/>
           </a:solidFill>
+          <a:effectLst/>
           <a:latin typeface="+mn-lt"/>
           <a:ea typeface="+mn-ea"/>
           <a:cs typeface="+mn-cs"/>
         </a:defRPr>
       </a:lvl6pPr>
-      <a:lvl7pPr marL="2971800" indent="-228600" algn="l" defTabSz="914400" rtl="0" eaLnBrk="1" latinLnBrk="0" hangingPunct="1">
+      <a:lvl7pPr marL="3108960" indent="-338328" algn="l" defTabSz="914400" rtl="0" eaLnBrk="1" latinLnBrk="0" hangingPunct="1">
         <a:lnSpc>
-          <a:spcPct val="90000"/>
+          <a:spcPct val="120000"/>
         </a:lnSpc>
         <a:spcBef>
           <a:spcPts val="500"/>
         </a:spcBef>
-        <a:buFont typeface="Arial" panose="020B0604020202020204" pitchFamily="34" charset="0"/>
-        <a:buChar char="•"/>
-        <a:defRPr sz="1800" kern="1200">
+        <a:spcAft>
+          <a:spcPts val="600"/>
+        </a:spcAft>
+        <a:buClr>
+          <a:schemeClr val="accent6"/>
+        </a:buClr>
+        <a:buSzPct val="90000"/>
+        <a:buFont typeface="Wingdings" panose="05000000000000000000" pitchFamily="2" charset="2"/>
+        <a:buChar char="§"/>
+        <a:defRPr sz="1200" kern="1200">
           <a:solidFill>
             <a:schemeClr val="tx1"/>
           </a:solidFill>
+          <a:effectLst/>
           <a:latin typeface="+mn-lt"/>
           <a:ea typeface="+mn-ea"/>
           <a:cs typeface="+mn-cs"/>
         </a:defRPr>
       </a:lvl7pPr>
-      <a:lvl8pPr marL="3429000" indent="-228600" algn="l" defTabSz="914400" rtl="0" eaLnBrk="1" latinLnBrk="0" hangingPunct="1">
+      <a:lvl8pPr marL="3575304" indent="-338328" algn="l" defTabSz="914400" rtl="0" eaLnBrk="1" latinLnBrk="0" hangingPunct="1">
         <a:lnSpc>
-          <a:spcPct val="90000"/>
+          <a:spcPct val="120000"/>
         </a:lnSpc>
         <a:spcBef>
           <a:spcPts val="500"/>
         </a:spcBef>
-        <a:buFont typeface="Arial" panose="020B0604020202020204" pitchFamily="34" charset="0"/>
-        <a:buChar char="•"/>
-        <a:defRPr sz="1800" kern="1200">
+        <a:spcAft>
+          <a:spcPts val="600"/>
+        </a:spcAft>
+        <a:buClr>
+          <a:schemeClr val="accent6"/>
+        </a:buClr>
+        <a:buSzPct val="90000"/>
+        <a:buFont typeface="Wingdings" panose="05000000000000000000" pitchFamily="2" charset="2"/>
+        <a:buChar char="§"/>
+        <a:defRPr sz="1200" kern="1200">
           <a:solidFill>
             <a:schemeClr val="tx1"/>
           </a:solidFill>
+          <a:effectLst/>
           <a:latin typeface="+mn-lt"/>
           <a:ea typeface="+mn-ea"/>
           <a:cs typeface="+mn-cs"/>
         </a:defRPr>
       </a:lvl8pPr>
-      <a:lvl9pPr marL="3886200" indent="-228600" algn="l" defTabSz="914400" rtl="0" eaLnBrk="1" latinLnBrk="0" hangingPunct="1">
+      <a:lvl9pPr marL="4041648" indent="-338328" algn="l" defTabSz="914400" rtl="0" eaLnBrk="1" latinLnBrk="0" hangingPunct="1">
         <a:lnSpc>
-          <a:spcPct val="90000"/>
+          <a:spcPct val="120000"/>
         </a:lnSpc>
         <a:spcBef>
           <a:spcPts val="500"/>
         </a:spcBef>
-        <a:buFont typeface="Arial" panose="020B0604020202020204" pitchFamily="34" charset="0"/>
-        <a:buChar char="•"/>
-        <a:defRPr sz="1800" kern="1200">
+        <a:spcAft>
+          <a:spcPts val="600"/>
+        </a:spcAft>
+        <a:buClr>
+          <a:schemeClr val="accent6"/>
+        </a:buClr>
+        <a:buSzPct val="90000"/>
+        <a:buFont typeface="Wingdings" panose="05000000000000000000" pitchFamily="2" charset="2"/>
+        <a:buChar char="§"/>
+        <a:defRPr sz="1200" kern="1200">
           <a:solidFill>
             <a:schemeClr val="tx1"/>
           </a:solidFill>
+          <a:effectLst/>
           <a:latin typeface="+mn-lt"/>
           <a:ea typeface="+mn-ea"/>
           <a:cs typeface="+mn-cs"/>
@@ -3222,7 +6848,7 @@
     </p:bodyStyle>
     <p:otherStyle>
       <a:defPPr>
-        <a:defRPr lang="de-DE"/>
+        <a:defRPr lang="en-US"/>
       </a:defPPr>
       <a:lvl1pPr marL="0" algn="l" defTabSz="914400" rtl="0" eaLnBrk="1" latinLnBrk="0" hangingPunct="1">
         <a:defRPr sz="1800" kern="1200">
@@ -3384,8 +7010,8 @@
         </p:nvSpPr>
         <p:spPr>
           <a:xfrm>
-            <a:off x="387178" y="1351005"/>
-            <a:ext cx="10280822" cy="1162179"/>
+            <a:off x="1213338" y="1119701"/>
+            <a:ext cx="7568196" cy="533785"/>
           </a:xfrm>
         </p:spPr>
         <p:txBody>
@@ -3394,119 +7020,120 @@
           </a:bodyPr>
           <a:lstStyle/>
           <a:p>
+            <a:pPr algn="l"/>
             <a:r>
               <a:rPr lang="de-DE" sz="3600" b="1" dirty="0">
-                <a:latin typeface="Arial" panose="020B0604020202020204" pitchFamily="34" charset="0"/>
+                <a:latin typeface="Times" pitchFamily="2" charset="0"/>
                 <a:cs typeface="Arial" panose="020B0604020202020204" pitchFamily="34" charset="0"/>
               </a:rPr>
               <a:t>Data Warehousing Laboratory Project </a:t>
             </a:r>
             <a:br>
               <a:rPr lang="de-DE" sz="3600" b="1" dirty="0">
-                <a:latin typeface="Arial" panose="020B0604020202020204" pitchFamily="34" charset="0"/>
+                <a:latin typeface="Times" pitchFamily="2" charset="0"/>
                 <a:cs typeface="Arial" panose="020B0604020202020204" pitchFamily="34" charset="0"/>
               </a:rPr>
             </a:br>
             <a:r>
               <a:rPr lang="de-DE" sz="3600" b="1" dirty="0" err="1">
-                <a:latin typeface="Arial" panose="020B0604020202020204" pitchFamily="34" charset="0"/>
+                <a:latin typeface="Times" pitchFamily="2" charset="0"/>
                 <a:cs typeface="Arial" panose="020B0604020202020204" pitchFamily="34" charset="0"/>
               </a:rPr>
               <a:t>following</a:t>
             </a:r>
             <a:r>
               <a:rPr lang="de-DE" sz="3600" b="1" dirty="0">
-                <a:latin typeface="Arial" panose="020B0604020202020204" pitchFamily="34" charset="0"/>
+                <a:latin typeface="Times" pitchFamily="2" charset="0"/>
                 <a:cs typeface="Arial" panose="020B0604020202020204" pitchFamily="34" charset="0"/>
               </a:rPr>
               <a:t> </a:t>
             </a:r>
             <a:r>
               <a:rPr lang="de-DE" sz="3600" b="1" dirty="0" err="1">
-                <a:latin typeface="Arial" panose="020B0604020202020204" pitchFamily="34" charset="0"/>
+                <a:latin typeface="Times" pitchFamily="2" charset="0"/>
                 <a:cs typeface="Arial" panose="020B0604020202020204" pitchFamily="34" charset="0"/>
               </a:rPr>
               <a:t>the</a:t>
             </a:r>
             <a:r>
               <a:rPr lang="de-DE" sz="3600" b="1" dirty="0">
-                <a:latin typeface="Arial" panose="020B0604020202020204" pitchFamily="34" charset="0"/>
+                <a:latin typeface="Times" pitchFamily="2" charset="0"/>
                 <a:cs typeface="Arial" panose="020B0604020202020204" pitchFamily="34" charset="0"/>
               </a:rPr>
               <a:t> CRISP-DM </a:t>
             </a:r>
             <a:r>
               <a:rPr lang="de-DE" sz="3600" b="1" dirty="0" err="1">
-                <a:latin typeface="Arial" panose="020B0604020202020204" pitchFamily="34" charset="0"/>
+                <a:latin typeface="Times" pitchFamily="2" charset="0"/>
                 <a:cs typeface="Arial" panose="020B0604020202020204" pitchFamily="34" charset="0"/>
               </a:rPr>
               <a:t>through</a:t>
             </a:r>
             <a:r>
               <a:rPr lang="de-DE" sz="3600" b="1" dirty="0">
-                <a:latin typeface="Arial" panose="020B0604020202020204" pitchFamily="34" charset="0"/>
+                <a:latin typeface="Times" pitchFamily="2" charset="0"/>
                 <a:cs typeface="Arial" panose="020B0604020202020204" pitchFamily="34" charset="0"/>
               </a:rPr>
               <a:t> </a:t>
             </a:r>
             <a:r>
               <a:rPr lang="de-DE" sz="3600" b="1" dirty="0" err="1">
-                <a:latin typeface="Arial" panose="020B0604020202020204" pitchFamily="34" charset="0"/>
+                <a:latin typeface="Times" pitchFamily="2" charset="0"/>
                 <a:cs typeface="Arial" panose="020B0604020202020204" pitchFamily="34" charset="0"/>
               </a:rPr>
               <a:t>the</a:t>
             </a:r>
             <a:r>
               <a:rPr lang="de-DE" sz="3600" b="1" dirty="0">
-                <a:latin typeface="Arial" panose="020B0604020202020204" pitchFamily="34" charset="0"/>
+                <a:latin typeface="Times" pitchFamily="2" charset="0"/>
                 <a:cs typeface="Arial" panose="020B0604020202020204" pitchFamily="34" charset="0"/>
               </a:rPr>
               <a:t> </a:t>
             </a:r>
             <a:r>
               <a:rPr lang="de-DE" sz="3600" b="1" dirty="0" err="1">
-                <a:latin typeface="Arial" panose="020B0604020202020204" pitchFamily="34" charset="0"/>
+                <a:latin typeface="Times" pitchFamily="2" charset="0"/>
                 <a:cs typeface="Arial" panose="020B0604020202020204" pitchFamily="34" charset="0"/>
               </a:rPr>
               <a:t>example</a:t>
             </a:r>
             <a:r>
               <a:rPr lang="de-DE" sz="3600" b="1" dirty="0">
-                <a:latin typeface="Arial" panose="020B0604020202020204" pitchFamily="34" charset="0"/>
+                <a:latin typeface="Times" pitchFamily="2" charset="0"/>
                 <a:cs typeface="Arial" panose="020B0604020202020204" pitchFamily="34" charset="0"/>
               </a:rPr>
               <a:t> </a:t>
             </a:r>
             <a:br>
               <a:rPr lang="de-DE" sz="3600" b="1" dirty="0">
-                <a:latin typeface="Arial" panose="020B0604020202020204" pitchFamily="34" charset="0"/>
+                <a:latin typeface="Times" pitchFamily="2" charset="0"/>
                 <a:cs typeface="Arial" panose="020B0604020202020204" pitchFamily="34" charset="0"/>
               </a:rPr>
             </a:br>
             <a:r>
               <a:rPr lang="de-DE" sz="3600" b="1" dirty="0" err="1">
-                <a:latin typeface="Arial" panose="020B0604020202020204" pitchFamily="34" charset="0"/>
+                <a:latin typeface="Times" pitchFamily="2" charset="0"/>
                 <a:cs typeface="Arial" panose="020B0604020202020204" pitchFamily="34" charset="0"/>
               </a:rPr>
               <a:t>of</a:t>
             </a:r>
             <a:r>
               <a:rPr lang="de-DE" sz="3600" b="1" dirty="0">
-                <a:latin typeface="Arial" panose="020B0604020202020204" pitchFamily="34" charset="0"/>
+                <a:latin typeface="Times" pitchFamily="2" charset="0"/>
                 <a:cs typeface="Arial" panose="020B0604020202020204" pitchFamily="34" charset="0"/>
               </a:rPr>
               <a:t> </a:t>
             </a:r>
             <a:r>
               <a:rPr lang="en-US" sz="3600" b="1" dirty="0">
-                <a:latin typeface="Arial" panose="020B0604020202020204" pitchFamily="34" charset="0"/>
+                <a:latin typeface="Times" pitchFamily="2" charset="0"/>
                 <a:cs typeface="Arial" panose="020B0604020202020204" pitchFamily="34" charset="0"/>
               </a:rPr>
               <a:t>soccer</a:t>
             </a:r>
             <a:r>
               <a:rPr lang="de-DE" sz="3600" b="1" dirty="0">
-                <a:latin typeface="Arial" panose="020B0604020202020204" pitchFamily="34" charset="0"/>
+                <a:latin typeface="Times" pitchFamily="2" charset="0"/>
                 <a:cs typeface="Arial" panose="020B0604020202020204" pitchFamily="34" charset="0"/>
               </a:rPr>
               <a:t> statistics</a:t>
@@ -3536,8 +7163,8 @@
         </p:blipFill>
         <p:spPr>
           <a:xfrm>
-            <a:off x="4867397" y="3252790"/>
-            <a:ext cx="2457206" cy="1951724"/>
+            <a:off x="6348046" y="3786575"/>
+            <a:ext cx="2189895" cy="1951724"/>
           </a:xfrm>
           <a:prstGeom prst="rect">
             <a:avLst/>
@@ -3558,7 +7185,7 @@
         </p:nvSpPr>
         <p:spPr>
           <a:xfrm>
-            <a:off x="3641123" y="2513184"/>
+            <a:off x="1213338" y="2975791"/>
             <a:ext cx="7850660" cy="276999"/>
           </a:xfrm>
           <a:prstGeom prst="rect">
@@ -3573,49 +7200,49 @@
           <a:p>
             <a:r>
               <a:rPr lang="de-DE" sz="1200" b="1" dirty="0" err="1">
-                <a:latin typeface="Arial" panose="020B0604020202020204" pitchFamily="34" charset="0"/>
+                <a:latin typeface="Times" pitchFamily="2" charset="0"/>
                 <a:cs typeface="Arial" panose="020B0604020202020204" pitchFamily="34" charset="0"/>
               </a:rPr>
               <a:t>Students</a:t>
             </a:r>
             <a:r>
               <a:rPr lang="de-DE" sz="1200" b="1" dirty="0">
-                <a:latin typeface="Arial" panose="020B0604020202020204" pitchFamily="34" charset="0"/>
+                <a:latin typeface="Times" pitchFamily="2" charset="0"/>
                 <a:cs typeface="Arial" panose="020B0604020202020204" pitchFamily="34" charset="0"/>
               </a:rPr>
               <a:t>: </a:t>
             </a:r>
             <a:r>
               <a:rPr lang="de-DE" sz="1200" dirty="0">
-                <a:latin typeface="Arial" panose="020B0604020202020204" pitchFamily="34" charset="0"/>
+                <a:latin typeface="Times" pitchFamily="2" charset="0"/>
                 <a:cs typeface="Arial" panose="020B0604020202020204" pitchFamily="34" charset="0"/>
               </a:rPr>
               <a:t>Onur Yavuz, Eugenio </a:t>
             </a:r>
             <a:r>
               <a:rPr lang="de-DE" sz="1200" dirty="0" err="1">
-                <a:latin typeface="Arial" panose="020B0604020202020204" pitchFamily="34" charset="0"/>
+                <a:latin typeface="Times" pitchFamily="2" charset="0"/>
                 <a:cs typeface="Arial" panose="020B0604020202020204" pitchFamily="34" charset="0"/>
               </a:rPr>
               <a:t>Donaque</a:t>
             </a:r>
             <a:r>
               <a:rPr lang="de-DE" sz="1200" dirty="0">
-                <a:latin typeface="Arial" panose="020B0604020202020204" pitchFamily="34" charset="0"/>
+                <a:latin typeface="Times" pitchFamily="2" charset="0"/>
                 <a:cs typeface="Arial" panose="020B0604020202020204" pitchFamily="34" charset="0"/>
               </a:rPr>
               <a:t>, Artur </a:t>
             </a:r>
             <a:r>
               <a:rPr lang="de-DE" sz="1200" dirty="0" err="1">
-                <a:latin typeface="Arial" panose="020B0604020202020204" pitchFamily="34" charset="0"/>
+                <a:latin typeface="Times" pitchFamily="2" charset="0"/>
                 <a:cs typeface="Arial" panose="020B0604020202020204" pitchFamily="34" charset="0"/>
               </a:rPr>
               <a:t>Baliet</a:t>
             </a:r>
             <a:r>
               <a:rPr lang="de-DE" sz="1200" dirty="0">
-                <a:latin typeface="Arial" panose="020B0604020202020204" pitchFamily="34" charset="0"/>
+                <a:latin typeface="Times" pitchFamily="2" charset="0"/>
                 <a:cs typeface="Arial" panose="020B0604020202020204" pitchFamily="34" charset="0"/>
               </a:rPr>
               <a:t>, Hannes Daniel </a:t>
@@ -3713,7 +7340,7 @@
           <a:p>
             <a:r>
               <a:rPr lang="de-DE" sz="2800" b="1" dirty="0">
-                <a:latin typeface="Arial" panose="020B0604020202020204" pitchFamily="34" charset="0"/>
+                <a:latin typeface="Times" pitchFamily="2" charset="0"/>
                 <a:cs typeface="Arial" panose="020B0604020202020204" pitchFamily="34" charset="0"/>
               </a:rPr>
               <a:t>Data Mart</a:t>
@@ -3780,7 +7407,9 @@
           <a:lstStyle/>
           <a:p>
             <a:r>
-              <a:rPr lang="de-DE" dirty="0"/>
+              <a:rPr lang="de-DE" dirty="0">
+                <a:latin typeface="Times" pitchFamily="2" charset="0"/>
+              </a:rPr>
               <a:t>Figure 3: Data Mart </a:t>
             </a:r>
           </a:p>
@@ -3876,13 +7505,13 @@
           <a:p>
             <a:r>
               <a:rPr lang="de-DE" sz="2800" b="1" u="sng" dirty="0" err="1">
-                <a:latin typeface="Arial" panose="020B0604020202020204" pitchFamily="34" charset="0"/>
+                <a:latin typeface="Times" pitchFamily="2" charset="0"/>
                 <a:cs typeface="Arial" panose="020B0604020202020204" pitchFamily="34" charset="0"/>
               </a:rPr>
               <a:t>Conclusion</a:t>
             </a:r>
             <a:endParaRPr lang="de-DE" sz="2800" b="1" u="sng" dirty="0">
-              <a:latin typeface="Arial" panose="020B0604020202020204" pitchFamily="34" charset="0"/>
+              <a:latin typeface="Times" pitchFamily="2" charset="0"/>
               <a:cs typeface="Arial" panose="020B0604020202020204" pitchFamily="34" charset="0"/>
             </a:endParaRPr>
           </a:p>
@@ -3977,14 +7606,14 @@
           <a:lstStyle/>
           <a:p>
             <a:r>
-              <a:rPr lang="de-DE" sz="2800" b="1" dirty="0" err="1">
-                <a:latin typeface="Arial" panose="020B0604020202020204" pitchFamily="34" charset="0"/>
+              <a:rPr lang="de-DE" sz="2800" b="1" u="sng" dirty="0" err="1">
+                <a:latin typeface="Times" pitchFamily="2" charset="0"/>
                 <a:cs typeface="Arial" panose="020B0604020202020204" pitchFamily="34" charset="0"/>
               </a:rPr>
               <a:t>Structure</a:t>
             </a:r>
-            <a:endParaRPr lang="de-DE" sz="2800" b="1" dirty="0">
-              <a:latin typeface="Arial" panose="020B0604020202020204" pitchFamily="34" charset="0"/>
+            <a:endParaRPr lang="de-DE" sz="2800" b="1" u="sng" dirty="0">
+              <a:latin typeface="Times" pitchFamily="2" charset="0"/>
               <a:cs typeface="Arial" panose="020B0604020202020204" pitchFamily="34" charset="0"/>
             </a:endParaRPr>
           </a:p>
@@ -4004,7 +7633,7 @@
         </p:nvSpPr>
         <p:spPr>
           <a:xfrm>
-            <a:off x="908848" y="1937179"/>
+            <a:off x="1383632" y="1937179"/>
             <a:ext cx="5486400" cy="3693319"/>
           </a:xfrm>
           <a:prstGeom prst="rect">
@@ -4026,13 +7655,13 @@
             </a:pPr>
             <a:r>
               <a:rPr lang="de-DE" dirty="0" err="1">
-                <a:latin typeface="Arial" panose="020B0604020202020204" pitchFamily="34" charset="0"/>
+                <a:latin typeface="Times" pitchFamily="2" charset="0"/>
                 <a:cs typeface="Arial" panose="020B0604020202020204" pitchFamily="34" charset="0"/>
               </a:rPr>
               <a:t>Introduction</a:t>
             </a:r>
             <a:endParaRPr lang="de-DE" dirty="0">
-              <a:latin typeface="Arial" panose="020B0604020202020204" pitchFamily="34" charset="0"/>
+              <a:latin typeface="Times" pitchFamily="2" charset="0"/>
               <a:cs typeface="Arial" panose="020B0604020202020204" pitchFamily="34" charset="0"/>
             </a:endParaRPr>
           </a:p>
@@ -4045,7 +7674,7 @@
             </a:pPr>
             <a:r>
               <a:rPr lang="de-DE" dirty="0">
-                <a:latin typeface="Arial" panose="020B0604020202020204" pitchFamily="34" charset="0"/>
+                <a:latin typeface="Times" pitchFamily="2" charset="0"/>
                 <a:cs typeface="Arial" panose="020B0604020202020204" pitchFamily="34" charset="0"/>
               </a:rPr>
               <a:t>CRISP-DM </a:t>
@@ -4060,48 +7689,48 @@
             </a:pPr>
             <a:r>
               <a:rPr lang="de-DE" dirty="0">
-                <a:latin typeface="Arial" panose="020B0604020202020204" pitchFamily="34" charset="0"/>
+                <a:latin typeface="Times" pitchFamily="2" charset="0"/>
                 <a:cs typeface="Arial" panose="020B0604020202020204" pitchFamily="34" charset="0"/>
               </a:rPr>
               <a:t>Concept </a:t>
             </a:r>
             <a:r>
               <a:rPr lang="de-DE" dirty="0" err="1">
-                <a:latin typeface="Arial" panose="020B0604020202020204" pitchFamily="34" charset="0"/>
+                <a:latin typeface="Times" pitchFamily="2" charset="0"/>
                 <a:cs typeface="Arial" panose="020B0604020202020204" pitchFamily="34" charset="0"/>
               </a:rPr>
               <a:t>of</a:t>
             </a:r>
             <a:r>
               <a:rPr lang="de-DE" dirty="0">
-                <a:latin typeface="Arial" panose="020B0604020202020204" pitchFamily="34" charset="0"/>
+                <a:latin typeface="Times" pitchFamily="2" charset="0"/>
                 <a:cs typeface="Arial" panose="020B0604020202020204" pitchFamily="34" charset="0"/>
               </a:rPr>
               <a:t> </a:t>
             </a:r>
             <a:r>
               <a:rPr lang="de-DE" dirty="0" err="1">
-                <a:latin typeface="Arial" panose="020B0604020202020204" pitchFamily="34" charset="0"/>
+                <a:latin typeface="Times" pitchFamily="2" charset="0"/>
                 <a:cs typeface="Arial" panose="020B0604020202020204" pitchFamily="34" charset="0"/>
               </a:rPr>
               <a:t>the</a:t>
             </a:r>
             <a:r>
               <a:rPr lang="de-DE" dirty="0">
-                <a:latin typeface="Arial" panose="020B0604020202020204" pitchFamily="34" charset="0"/>
+                <a:latin typeface="Times" pitchFamily="2" charset="0"/>
                 <a:cs typeface="Arial" panose="020B0604020202020204" pitchFamily="34" charset="0"/>
               </a:rPr>
               <a:t> </a:t>
             </a:r>
             <a:r>
               <a:rPr lang="de-DE" dirty="0" err="1">
-                <a:latin typeface="Arial" panose="020B0604020202020204" pitchFamily="34" charset="0"/>
+                <a:latin typeface="Times" pitchFamily="2" charset="0"/>
                 <a:cs typeface="Arial" panose="020B0604020202020204" pitchFamily="34" charset="0"/>
               </a:rPr>
               <a:t>problem</a:t>
             </a:r>
             <a:endParaRPr lang="de-DE" dirty="0">
-              <a:latin typeface="Arial" panose="020B0604020202020204" pitchFamily="34" charset="0"/>
+              <a:latin typeface="Times" pitchFamily="2" charset="0"/>
               <a:cs typeface="Arial" panose="020B0604020202020204" pitchFamily="34" charset="0"/>
             </a:endParaRPr>
           </a:p>
@@ -4114,21 +7743,21 @@
             </a:pPr>
             <a:r>
               <a:rPr lang="de-DE" dirty="0">
-                <a:latin typeface="Arial" panose="020B0604020202020204" pitchFamily="34" charset="0"/>
+                <a:latin typeface="Times" pitchFamily="2" charset="0"/>
                 <a:cs typeface="Arial" panose="020B0604020202020204" pitchFamily="34" charset="0"/>
               </a:rPr>
               <a:t>Data </a:t>
             </a:r>
             <a:r>
               <a:rPr lang="de-DE" dirty="0" err="1">
-                <a:latin typeface="Arial" panose="020B0604020202020204" pitchFamily="34" charset="0"/>
+                <a:latin typeface="Times" pitchFamily="2" charset="0"/>
                 <a:cs typeface="Arial" panose="020B0604020202020204" pitchFamily="34" charset="0"/>
               </a:rPr>
               <a:t>Preparation</a:t>
             </a:r>
             <a:r>
               <a:rPr lang="de-DE" dirty="0">
-                <a:latin typeface="Arial" panose="020B0604020202020204" pitchFamily="34" charset="0"/>
+                <a:latin typeface="Times" pitchFamily="2" charset="0"/>
                 <a:cs typeface="Arial" panose="020B0604020202020204" pitchFamily="34" charset="0"/>
               </a:rPr>
               <a:t> </a:t>
@@ -4143,21 +7772,21 @@
             </a:pPr>
             <a:r>
               <a:rPr lang="de-DE" dirty="0">
-                <a:latin typeface="Arial" panose="020B0604020202020204" pitchFamily="34" charset="0"/>
+                <a:latin typeface="Times" pitchFamily="2" charset="0"/>
                 <a:cs typeface="Arial" panose="020B0604020202020204" pitchFamily="34" charset="0"/>
               </a:rPr>
               <a:t>Solution </a:t>
             </a:r>
             <a:r>
               <a:rPr lang="de-DE" dirty="0" err="1">
-                <a:latin typeface="Arial" panose="020B0604020202020204" pitchFamily="34" charset="0"/>
+                <a:latin typeface="Times" pitchFamily="2" charset="0"/>
                 <a:cs typeface="Arial" panose="020B0604020202020204" pitchFamily="34" charset="0"/>
               </a:rPr>
               <a:t>approach</a:t>
             </a:r>
             <a:r>
               <a:rPr lang="de-DE" dirty="0">
-                <a:latin typeface="Arial" panose="020B0604020202020204" pitchFamily="34" charset="0"/>
+                <a:latin typeface="Times" pitchFamily="2" charset="0"/>
                 <a:cs typeface="Arial" panose="020B0604020202020204" pitchFamily="34" charset="0"/>
               </a:rPr>
               <a:t> </a:t>
@@ -4172,21 +7801,21 @@
             </a:pPr>
             <a:r>
               <a:rPr lang="de-DE" dirty="0">
-                <a:latin typeface="Arial" panose="020B0604020202020204" pitchFamily="34" charset="0"/>
+                <a:latin typeface="Times" pitchFamily="2" charset="0"/>
                 <a:cs typeface="Arial" panose="020B0604020202020204" pitchFamily="34" charset="0"/>
               </a:rPr>
               <a:t>Implementation </a:t>
             </a:r>
             <a:r>
               <a:rPr lang="de-DE" dirty="0" err="1">
-                <a:latin typeface="Arial" panose="020B0604020202020204" pitchFamily="34" charset="0"/>
+                <a:latin typeface="Times" pitchFamily="2" charset="0"/>
                 <a:cs typeface="Arial" panose="020B0604020202020204" pitchFamily="34" charset="0"/>
               </a:rPr>
               <a:t>steps</a:t>
             </a:r>
             <a:r>
               <a:rPr lang="de-DE" dirty="0">
-                <a:latin typeface="Arial" panose="020B0604020202020204" pitchFamily="34" charset="0"/>
+                <a:latin typeface="Times" pitchFamily="2" charset="0"/>
                 <a:cs typeface="Arial" panose="020B0604020202020204" pitchFamily="34" charset="0"/>
               </a:rPr>
               <a:t> </a:t>
@@ -4201,14 +7830,14 @@
             </a:pPr>
             <a:r>
               <a:rPr lang="de-DE" dirty="0" err="1">
-                <a:latin typeface="Arial" panose="020B0604020202020204" pitchFamily="34" charset="0"/>
+                <a:latin typeface="Times" pitchFamily="2" charset="0"/>
                 <a:cs typeface="Arial" panose="020B0604020202020204" pitchFamily="34" charset="0"/>
               </a:rPr>
               <a:t>Conclusion</a:t>
             </a:r>
             <a:r>
               <a:rPr lang="de-DE" dirty="0">
-                <a:latin typeface="Arial" panose="020B0604020202020204" pitchFamily="34" charset="0"/>
+                <a:latin typeface="Times" pitchFamily="2" charset="0"/>
                 <a:cs typeface="Arial" panose="020B0604020202020204" pitchFamily="34" charset="0"/>
               </a:rPr>
               <a:t> </a:t>
@@ -4223,7 +7852,7 @@
             </a:pPr>
             <a:r>
               <a:rPr lang="de-DE" dirty="0">
-                <a:latin typeface="Arial" panose="020B0604020202020204" pitchFamily="34" charset="0"/>
+                <a:latin typeface="Times" pitchFamily="2" charset="0"/>
                 <a:cs typeface="Arial" panose="020B0604020202020204" pitchFamily="34" charset="0"/>
               </a:rPr>
               <a:t>References </a:t>
@@ -4233,7 +7862,9 @@
             <a:pPr marL="342900" indent="-342900">
               <a:buAutoNum type="arabicPeriod"/>
             </a:pPr>
-            <a:endParaRPr lang="de-DE" dirty="0"/>
+            <a:endParaRPr lang="de-DE" dirty="0">
+              <a:latin typeface="Times" pitchFamily="2" charset="0"/>
+            </a:endParaRPr>
           </a:p>
         </p:txBody>
       </p:sp>
@@ -4315,7 +7946,7 @@
         </p:nvSpPr>
         <p:spPr>
           <a:xfrm>
-            <a:off x="546383" y="1508167"/>
+            <a:off x="1320106" y="1596090"/>
             <a:ext cx="2476904" cy="429012"/>
           </a:xfrm>
         </p:spPr>
@@ -4327,13 +7958,13 @@
           <a:p>
             <a:r>
               <a:rPr lang="de-DE" sz="2800" b="1" dirty="0" err="1">
-                <a:latin typeface="Arial" panose="020B0604020202020204" pitchFamily="34" charset="0"/>
+                <a:latin typeface="Times" pitchFamily="2" charset="0"/>
                 <a:cs typeface="Arial" panose="020B0604020202020204" pitchFamily="34" charset="0"/>
               </a:rPr>
               <a:t>Introduction</a:t>
             </a:r>
             <a:endParaRPr lang="de-DE" sz="2800" b="1" dirty="0">
-              <a:latin typeface="Arial" panose="020B0604020202020204" pitchFamily="34" charset="0"/>
+              <a:latin typeface="Times" pitchFamily="2" charset="0"/>
               <a:cs typeface="Arial" panose="020B0604020202020204" pitchFamily="34" charset="0"/>
             </a:endParaRPr>
           </a:p>
@@ -4373,217 +8004,226 @@
             </a:pPr>
             <a:r>
               <a:rPr lang="de-DE" dirty="0">
-                <a:latin typeface="Arial" panose="020B0604020202020204" pitchFamily="34" charset="0"/>
+                <a:latin typeface="Times" pitchFamily="2" charset="0"/>
                 <a:cs typeface="Arial" panose="020B0604020202020204" pitchFamily="34" charset="0"/>
               </a:rPr>
               <a:t>Football </a:t>
             </a:r>
             <a:r>
               <a:rPr lang="de-DE" dirty="0" err="1">
-                <a:latin typeface="Arial" panose="020B0604020202020204" pitchFamily="34" charset="0"/>
+                <a:latin typeface="Times" pitchFamily="2" charset="0"/>
                 <a:cs typeface="Arial" panose="020B0604020202020204" pitchFamily="34" charset="0"/>
               </a:rPr>
               <a:t>is</a:t>
             </a:r>
             <a:r>
               <a:rPr lang="de-DE" dirty="0">
-                <a:latin typeface="Arial" panose="020B0604020202020204" pitchFamily="34" charset="0"/>
+                <a:latin typeface="Times" pitchFamily="2" charset="0"/>
                 <a:cs typeface="Arial" panose="020B0604020202020204" pitchFamily="34" charset="0"/>
               </a:rPr>
               <a:t> </a:t>
             </a:r>
             <a:r>
               <a:rPr lang="de-DE" dirty="0" err="1">
-                <a:latin typeface="Arial" panose="020B0604020202020204" pitchFamily="34" charset="0"/>
+                <a:latin typeface="Times" pitchFamily="2" charset="0"/>
                 <a:cs typeface="Arial" panose="020B0604020202020204" pitchFamily="34" charset="0"/>
               </a:rPr>
               <a:t>the</a:t>
             </a:r>
             <a:r>
               <a:rPr lang="de-DE" dirty="0">
-                <a:latin typeface="Arial" panose="020B0604020202020204" pitchFamily="34" charset="0"/>
+                <a:latin typeface="Times" pitchFamily="2" charset="0"/>
                 <a:cs typeface="Arial" panose="020B0604020202020204" pitchFamily="34" charset="0"/>
               </a:rPr>
               <a:t> </a:t>
             </a:r>
             <a:r>
               <a:rPr lang="de-DE" dirty="0" err="1">
-                <a:latin typeface="Arial" panose="020B0604020202020204" pitchFamily="34" charset="0"/>
+                <a:latin typeface="Times" pitchFamily="2" charset="0"/>
                 <a:cs typeface="Arial" panose="020B0604020202020204" pitchFamily="34" charset="0"/>
               </a:rPr>
               <a:t>most</a:t>
             </a:r>
             <a:r>
               <a:rPr lang="de-DE" dirty="0">
-                <a:latin typeface="Arial" panose="020B0604020202020204" pitchFamily="34" charset="0"/>
+                <a:latin typeface="Times" pitchFamily="2" charset="0"/>
                 <a:cs typeface="Arial" panose="020B0604020202020204" pitchFamily="34" charset="0"/>
               </a:rPr>
               <a:t> </a:t>
             </a:r>
             <a:r>
               <a:rPr lang="de-DE" dirty="0" err="1">
-                <a:latin typeface="Arial" panose="020B0604020202020204" pitchFamily="34" charset="0"/>
+                <a:latin typeface="Times" pitchFamily="2" charset="0"/>
                 <a:cs typeface="Arial" panose="020B0604020202020204" pitchFamily="34" charset="0"/>
               </a:rPr>
               <a:t>popular</a:t>
             </a:r>
             <a:r>
               <a:rPr lang="de-DE" dirty="0">
-                <a:latin typeface="Arial" panose="020B0604020202020204" pitchFamily="34" charset="0"/>
+                <a:latin typeface="Times" pitchFamily="2" charset="0"/>
                 <a:cs typeface="Arial" panose="020B0604020202020204" pitchFamily="34" charset="0"/>
               </a:rPr>
               <a:t> </a:t>
             </a:r>
             <a:r>
               <a:rPr lang="de-DE" dirty="0" err="1">
-                <a:latin typeface="Arial" panose="020B0604020202020204" pitchFamily="34" charset="0"/>
+                <a:latin typeface="Times" pitchFamily="2" charset="0"/>
                 <a:cs typeface="Arial" panose="020B0604020202020204" pitchFamily="34" charset="0"/>
               </a:rPr>
               <a:t>sport</a:t>
             </a:r>
             <a:r>
               <a:rPr lang="de-DE" dirty="0">
-                <a:latin typeface="Arial" panose="020B0604020202020204" pitchFamily="34" charset="0"/>
+                <a:latin typeface="Times" pitchFamily="2" charset="0"/>
                 <a:cs typeface="Arial" panose="020B0604020202020204" pitchFamily="34" charset="0"/>
               </a:rPr>
               <a:t> on </a:t>
             </a:r>
             <a:r>
               <a:rPr lang="de-DE" dirty="0" err="1">
-                <a:latin typeface="Arial" panose="020B0604020202020204" pitchFamily="34" charset="0"/>
+                <a:latin typeface="Times" pitchFamily="2" charset="0"/>
                 <a:cs typeface="Arial" panose="020B0604020202020204" pitchFamily="34" charset="0"/>
               </a:rPr>
               <a:t>this</a:t>
             </a:r>
             <a:r>
               <a:rPr lang="de-DE" dirty="0">
-                <a:latin typeface="Arial" panose="020B0604020202020204" pitchFamily="34" charset="0"/>
+                <a:latin typeface="Times" pitchFamily="2" charset="0"/>
                 <a:cs typeface="Arial" panose="020B0604020202020204" pitchFamily="34" charset="0"/>
               </a:rPr>
               <a:t> planet and </a:t>
             </a:r>
             <a:r>
               <a:rPr lang="de-DE" dirty="0" err="1">
-                <a:latin typeface="Arial" panose="020B0604020202020204" pitchFamily="34" charset="0"/>
+                <a:latin typeface="Times" pitchFamily="2" charset="0"/>
                 <a:cs typeface="Arial" panose="020B0604020202020204" pitchFamily="34" charset="0"/>
               </a:rPr>
               <a:t>games</a:t>
             </a:r>
             <a:r>
               <a:rPr lang="de-DE" dirty="0">
-                <a:latin typeface="Arial" panose="020B0604020202020204" pitchFamily="34" charset="0"/>
+                <a:latin typeface="Times" pitchFamily="2" charset="0"/>
                 <a:cs typeface="Arial" panose="020B0604020202020204" pitchFamily="34" charset="0"/>
               </a:rPr>
               <a:t> </a:t>
             </a:r>
             <a:r>
               <a:rPr lang="de-DE" dirty="0" err="1">
-                <a:latin typeface="Arial" panose="020B0604020202020204" pitchFamily="34" charset="0"/>
+                <a:latin typeface="Times" pitchFamily="2" charset="0"/>
                 <a:cs typeface="Arial" panose="020B0604020202020204" pitchFamily="34" charset="0"/>
               </a:rPr>
               <a:t>from</a:t>
             </a:r>
             <a:r>
               <a:rPr lang="de-DE" dirty="0">
-                <a:latin typeface="Arial" panose="020B0604020202020204" pitchFamily="34" charset="0"/>
+                <a:latin typeface="Times" pitchFamily="2" charset="0"/>
                 <a:cs typeface="Arial" panose="020B0604020202020204" pitchFamily="34" charset="0"/>
               </a:rPr>
               <a:t> </a:t>
             </a:r>
             <a:r>
               <a:rPr lang="de-DE" dirty="0" err="1">
-                <a:latin typeface="Arial" panose="020B0604020202020204" pitchFamily="34" charset="0"/>
+                <a:latin typeface="Times" pitchFamily="2" charset="0"/>
                 <a:cs typeface="Arial" panose="020B0604020202020204" pitchFamily="34" charset="0"/>
               </a:rPr>
               <a:t>previous</a:t>
             </a:r>
             <a:r>
               <a:rPr lang="de-DE" dirty="0">
-                <a:latin typeface="Arial" panose="020B0604020202020204" pitchFamily="34" charset="0"/>
+                <a:latin typeface="Times" pitchFamily="2" charset="0"/>
                 <a:cs typeface="Arial" panose="020B0604020202020204" pitchFamily="34" charset="0"/>
               </a:rPr>
               <a:t> </a:t>
             </a:r>
             <a:r>
               <a:rPr lang="de-DE" dirty="0" err="1">
-                <a:latin typeface="Arial" panose="020B0604020202020204" pitchFamily="34" charset="0"/>
+                <a:latin typeface="Times" pitchFamily="2" charset="0"/>
                 <a:cs typeface="Arial" panose="020B0604020202020204" pitchFamily="34" charset="0"/>
               </a:rPr>
               <a:t>seasons</a:t>
             </a:r>
             <a:r>
               <a:rPr lang="de-DE" dirty="0">
-                <a:latin typeface="Arial" panose="020B0604020202020204" pitchFamily="34" charset="0"/>
-                <a:cs typeface="Arial" panose="020B0604020202020204" pitchFamily="34" charset="0"/>
-              </a:rPr>
-              <a:t> </a:t>
+                <a:latin typeface="Times" pitchFamily="2" charset="0"/>
+                <a:cs typeface="Arial" panose="020B0604020202020204" pitchFamily="34" charset="0"/>
+              </a:rPr>
+              <a:t> </a:t>
+            </a:r>
+          </a:p>
+          <a:p>
+            <a:r>
+              <a:rPr lang="de-DE" dirty="0">
+                <a:latin typeface="Times" pitchFamily="2" charset="0"/>
+                <a:cs typeface="Arial" panose="020B0604020202020204" pitchFamily="34" charset="0"/>
+              </a:rPr>
+              <a:t>     </a:t>
             </a:r>
             <a:r>
               <a:rPr lang="de-DE" dirty="0" err="1">
-                <a:latin typeface="Arial" panose="020B0604020202020204" pitchFamily="34" charset="0"/>
+                <a:latin typeface="Times" pitchFamily="2" charset="0"/>
                 <a:cs typeface="Arial" panose="020B0604020202020204" pitchFamily="34" charset="0"/>
               </a:rPr>
               <a:t>are</a:t>
             </a:r>
             <a:r>
               <a:rPr lang="de-DE" dirty="0">
-                <a:latin typeface="Arial" panose="020B0604020202020204" pitchFamily="34" charset="0"/>
+                <a:latin typeface="Times" pitchFamily="2" charset="0"/>
                 <a:cs typeface="Arial" panose="020B0604020202020204" pitchFamily="34" charset="0"/>
               </a:rPr>
               <a:t> </a:t>
             </a:r>
             <a:r>
               <a:rPr lang="de-DE" dirty="0" err="1">
-                <a:latin typeface="Arial" panose="020B0604020202020204" pitchFamily="34" charset="0"/>
+                <a:latin typeface="Times" pitchFamily="2" charset="0"/>
                 <a:cs typeface="Arial" panose="020B0604020202020204" pitchFamily="34" charset="0"/>
               </a:rPr>
               <a:t>compared</a:t>
             </a:r>
             <a:r>
               <a:rPr lang="de-DE" dirty="0">
-                <a:latin typeface="Arial" panose="020B0604020202020204" pitchFamily="34" charset="0"/>
+                <a:latin typeface="Times" pitchFamily="2" charset="0"/>
                 <a:cs typeface="Arial" panose="020B0604020202020204" pitchFamily="34" charset="0"/>
               </a:rPr>
               <a:t> </a:t>
             </a:r>
             <a:r>
               <a:rPr lang="de-DE" dirty="0" err="1">
-                <a:latin typeface="Arial" panose="020B0604020202020204" pitchFamily="34" charset="0"/>
+                <a:latin typeface="Times" pitchFamily="2" charset="0"/>
                 <a:cs typeface="Arial" panose="020B0604020202020204" pitchFamily="34" charset="0"/>
               </a:rPr>
               <a:t>to</a:t>
             </a:r>
             <a:r>
               <a:rPr lang="de-DE" dirty="0">
-                <a:latin typeface="Arial" panose="020B0604020202020204" pitchFamily="34" charset="0"/>
+                <a:latin typeface="Times" pitchFamily="2" charset="0"/>
                 <a:cs typeface="Arial" panose="020B0604020202020204" pitchFamily="34" charset="0"/>
               </a:rPr>
               <a:t> follow </a:t>
             </a:r>
             <a:r>
               <a:rPr lang="de-DE" dirty="0" err="1">
-                <a:latin typeface="Arial" panose="020B0604020202020204" pitchFamily="34" charset="0"/>
+                <a:latin typeface="Times" pitchFamily="2" charset="0"/>
                 <a:cs typeface="Arial" panose="020B0604020202020204" pitchFamily="34" charset="0"/>
               </a:rPr>
               <a:t>the</a:t>
             </a:r>
             <a:r>
               <a:rPr lang="de-DE" dirty="0">
-                <a:latin typeface="Arial" panose="020B0604020202020204" pitchFamily="34" charset="0"/>
+                <a:latin typeface="Times" pitchFamily="2" charset="0"/>
                 <a:cs typeface="Arial" panose="020B0604020202020204" pitchFamily="34" charset="0"/>
               </a:rPr>
               <a:t> </a:t>
             </a:r>
             <a:r>
               <a:rPr lang="de-DE" dirty="0" err="1">
-                <a:latin typeface="Arial" panose="020B0604020202020204" pitchFamily="34" charset="0"/>
+                <a:latin typeface="Times" pitchFamily="2" charset="0"/>
                 <a:cs typeface="Arial" panose="020B0604020202020204" pitchFamily="34" charset="0"/>
               </a:rPr>
               <a:t>development</a:t>
             </a:r>
             <a:r>
               <a:rPr lang="de-DE" dirty="0">
-                <a:latin typeface="Arial" panose="020B0604020202020204" pitchFamily="34" charset="0"/>
+                <a:latin typeface="Times" pitchFamily="2" charset="0"/>
                 <a:cs typeface="Arial" panose="020B0604020202020204" pitchFamily="34" charset="0"/>
               </a:rPr>
               <a:t> </a:t>
@@ -4591,7 +8231,7 @@
           </a:p>
           <a:p>
             <a:endParaRPr lang="de-DE" dirty="0">
-              <a:latin typeface="Arial" panose="020B0604020202020204" pitchFamily="34" charset="0"/>
+              <a:latin typeface="Times" pitchFamily="2" charset="0"/>
               <a:cs typeface="Arial" panose="020B0604020202020204" pitchFamily="34" charset="0"/>
             </a:endParaRPr>
           </a:p>
@@ -4602,168 +8242,168 @@
             </a:pPr>
             <a:r>
               <a:rPr lang="de-DE" dirty="0" err="1">
-                <a:latin typeface="Arial" panose="020B0604020202020204" pitchFamily="34" charset="0"/>
+                <a:latin typeface="Times" pitchFamily="2" charset="0"/>
                 <a:cs typeface="Arial" panose="020B0604020202020204" pitchFamily="34" charset="0"/>
               </a:rPr>
               <a:t>Our</a:t>
             </a:r>
             <a:r>
               <a:rPr lang="de-DE" dirty="0">
-                <a:latin typeface="Arial" panose="020B0604020202020204" pitchFamily="34" charset="0"/>
+                <a:latin typeface="Times" pitchFamily="2" charset="0"/>
                 <a:cs typeface="Arial" panose="020B0604020202020204" pitchFamily="34" charset="0"/>
               </a:rPr>
               <a:t> </a:t>
             </a:r>
             <a:r>
               <a:rPr lang="de-DE" dirty="0" err="1">
-                <a:latin typeface="Arial" panose="020B0604020202020204" pitchFamily="34" charset="0"/>
+                <a:latin typeface="Times" pitchFamily="2" charset="0"/>
                 <a:cs typeface="Arial" panose="020B0604020202020204" pitchFamily="34" charset="0"/>
               </a:rPr>
               <a:t>task</a:t>
             </a:r>
             <a:r>
               <a:rPr lang="de-DE" dirty="0">
-                <a:latin typeface="Arial" panose="020B0604020202020204" pitchFamily="34" charset="0"/>
+                <a:latin typeface="Times" pitchFamily="2" charset="0"/>
                 <a:cs typeface="Arial" panose="020B0604020202020204" pitchFamily="34" charset="0"/>
               </a:rPr>
               <a:t> was </a:t>
             </a:r>
             <a:r>
               <a:rPr lang="de-DE" dirty="0" err="1">
-                <a:latin typeface="Arial" panose="020B0604020202020204" pitchFamily="34" charset="0"/>
+                <a:latin typeface="Times" pitchFamily="2" charset="0"/>
                 <a:cs typeface="Arial" panose="020B0604020202020204" pitchFamily="34" charset="0"/>
               </a:rPr>
               <a:t>to</a:t>
             </a:r>
             <a:r>
               <a:rPr lang="de-DE" dirty="0">
-                <a:latin typeface="Arial" panose="020B0604020202020204" pitchFamily="34" charset="0"/>
+                <a:latin typeface="Times" pitchFamily="2" charset="0"/>
                 <a:cs typeface="Arial" panose="020B0604020202020204" pitchFamily="34" charset="0"/>
               </a:rPr>
               <a:t> </a:t>
             </a:r>
             <a:r>
               <a:rPr lang="de-DE" dirty="0" err="1">
-                <a:latin typeface="Arial" panose="020B0604020202020204" pitchFamily="34" charset="0"/>
+                <a:latin typeface="Times" pitchFamily="2" charset="0"/>
                 <a:cs typeface="Arial" panose="020B0604020202020204" pitchFamily="34" charset="0"/>
               </a:rPr>
               <a:t>enable</a:t>
             </a:r>
             <a:r>
               <a:rPr lang="de-DE" dirty="0">
-                <a:latin typeface="Arial" panose="020B0604020202020204" pitchFamily="34" charset="0"/>
+                <a:latin typeface="Times" pitchFamily="2" charset="0"/>
                 <a:cs typeface="Arial" panose="020B0604020202020204" pitchFamily="34" charset="0"/>
               </a:rPr>
               <a:t> </a:t>
             </a:r>
             <a:r>
               <a:rPr lang="de-DE" dirty="0" err="1">
-                <a:latin typeface="Arial" panose="020B0604020202020204" pitchFamily="34" charset="0"/>
+                <a:latin typeface="Times" pitchFamily="2" charset="0"/>
                 <a:cs typeface="Arial" panose="020B0604020202020204" pitchFamily="34" charset="0"/>
               </a:rPr>
               <a:t>useful</a:t>
             </a:r>
             <a:r>
               <a:rPr lang="de-DE" dirty="0">
-                <a:latin typeface="Arial" panose="020B0604020202020204" pitchFamily="34" charset="0"/>
+                <a:latin typeface="Times" pitchFamily="2" charset="0"/>
                 <a:cs typeface="Arial" panose="020B0604020202020204" pitchFamily="34" charset="0"/>
               </a:rPr>
               <a:t> </a:t>
             </a:r>
             <a:r>
               <a:rPr lang="de-DE" dirty="0" err="1">
-                <a:latin typeface="Arial" panose="020B0604020202020204" pitchFamily="34" charset="0"/>
+                <a:latin typeface="Times" pitchFamily="2" charset="0"/>
                 <a:cs typeface="Arial" panose="020B0604020202020204" pitchFamily="34" charset="0"/>
               </a:rPr>
               <a:t>information</a:t>
             </a:r>
             <a:r>
               <a:rPr lang="de-DE" dirty="0">
-                <a:latin typeface="Arial" panose="020B0604020202020204" pitchFamily="34" charset="0"/>
+                <a:latin typeface="Times" pitchFamily="2" charset="0"/>
                 <a:cs typeface="Arial" panose="020B0604020202020204" pitchFamily="34" charset="0"/>
               </a:rPr>
               <a:t> out </a:t>
             </a:r>
             <a:r>
               <a:rPr lang="de-DE" dirty="0" err="1">
-                <a:latin typeface="Arial" panose="020B0604020202020204" pitchFamily="34" charset="0"/>
+                <a:latin typeface="Times" pitchFamily="2" charset="0"/>
                 <a:cs typeface="Arial" panose="020B0604020202020204" pitchFamily="34" charset="0"/>
               </a:rPr>
               <a:t>of</a:t>
             </a:r>
             <a:r>
               <a:rPr lang="de-DE" dirty="0">
-                <a:latin typeface="Arial" panose="020B0604020202020204" pitchFamily="34" charset="0"/>
+                <a:latin typeface="Times" pitchFamily="2" charset="0"/>
                 <a:cs typeface="Arial" panose="020B0604020202020204" pitchFamily="34" charset="0"/>
               </a:rPr>
               <a:t> </a:t>
             </a:r>
             <a:r>
               <a:rPr lang="de-DE" dirty="0" err="1">
-                <a:latin typeface="Arial" panose="020B0604020202020204" pitchFamily="34" charset="0"/>
+                <a:latin typeface="Times" pitchFamily="2" charset="0"/>
                 <a:cs typeface="Arial" panose="020B0604020202020204" pitchFamily="34" charset="0"/>
               </a:rPr>
               <a:t>the</a:t>
             </a:r>
             <a:r>
               <a:rPr lang="de-DE" dirty="0">
-                <a:latin typeface="Arial" panose="020B0604020202020204" pitchFamily="34" charset="0"/>
+                <a:latin typeface="Times" pitchFamily="2" charset="0"/>
                 <a:cs typeface="Arial" panose="020B0604020202020204" pitchFamily="34" charset="0"/>
               </a:rPr>
               <a:t> </a:t>
             </a:r>
             <a:r>
               <a:rPr lang="de-DE" dirty="0" err="1">
-                <a:latin typeface="Arial" panose="020B0604020202020204" pitchFamily="34" charset="0"/>
+                <a:latin typeface="Times" pitchFamily="2" charset="0"/>
                 <a:cs typeface="Arial" panose="020B0604020202020204" pitchFamily="34" charset="0"/>
               </a:rPr>
               <a:t>huge</a:t>
             </a:r>
             <a:r>
               <a:rPr lang="de-DE" dirty="0">
-                <a:latin typeface="Arial" panose="020B0604020202020204" pitchFamily="34" charset="0"/>
+                <a:latin typeface="Times" pitchFamily="2" charset="0"/>
                 <a:cs typeface="Arial" panose="020B0604020202020204" pitchFamily="34" charset="0"/>
               </a:rPr>
               <a:t> </a:t>
             </a:r>
             <a:r>
               <a:rPr lang="de-DE" dirty="0" err="1">
-                <a:latin typeface="Arial" panose="020B0604020202020204" pitchFamily="34" charset="0"/>
+                <a:latin typeface="Times" pitchFamily="2" charset="0"/>
                 <a:cs typeface="Arial" panose="020B0604020202020204" pitchFamily="34" charset="0"/>
               </a:rPr>
               <a:t>amount</a:t>
             </a:r>
             <a:r>
               <a:rPr lang="de-DE" dirty="0">
-                <a:latin typeface="Arial" panose="020B0604020202020204" pitchFamily="34" charset="0"/>
+                <a:latin typeface="Times" pitchFamily="2" charset="0"/>
                 <a:cs typeface="Arial" panose="020B0604020202020204" pitchFamily="34" charset="0"/>
               </a:rPr>
               <a:t> </a:t>
             </a:r>
             <a:r>
               <a:rPr lang="de-DE" dirty="0" err="1">
-                <a:latin typeface="Arial" panose="020B0604020202020204" pitchFamily="34" charset="0"/>
+                <a:latin typeface="Times" pitchFamily="2" charset="0"/>
                 <a:cs typeface="Arial" panose="020B0604020202020204" pitchFamily="34" charset="0"/>
               </a:rPr>
               <a:t>of</a:t>
             </a:r>
             <a:r>
               <a:rPr lang="de-DE" dirty="0">
-                <a:latin typeface="Arial" panose="020B0604020202020204" pitchFamily="34" charset="0"/>
+                <a:latin typeface="Times" pitchFamily="2" charset="0"/>
                 <a:cs typeface="Arial" panose="020B0604020202020204" pitchFamily="34" charset="0"/>
               </a:rPr>
               <a:t> </a:t>
             </a:r>
             <a:r>
               <a:rPr lang="de-DE" dirty="0" err="1">
-                <a:latin typeface="Arial" panose="020B0604020202020204" pitchFamily="34" charset="0"/>
+                <a:latin typeface="Times" pitchFamily="2" charset="0"/>
                 <a:cs typeface="Arial" panose="020B0604020202020204" pitchFamily="34" charset="0"/>
               </a:rPr>
               <a:t>data</a:t>
             </a:r>
             <a:r>
               <a:rPr lang="de-DE" dirty="0">
-                <a:latin typeface="Arial" panose="020B0604020202020204" pitchFamily="34" charset="0"/>
+                <a:latin typeface="Times" pitchFamily="2" charset="0"/>
                 <a:cs typeface="Arial" panose="020B0604020202020204" pitchFamily="34" charset="0"/>
               </a:rPr>
               <a:t> </a:t>
@@ -4775,7 +8415,7 @@
               <a:buChar char="-"/>
             </a:pPr>
             <a:endParaRPr lang="de-DE" dirty="0">
-              <a:latin typeface="Arial" panose="020B0604020202020204" pitchFamily="34" charset="0"/>
+              <a:latin typeface="Times" pitchFamily="2" charset="0"/>
               <a:cs typeface="Arial" panose="020B0604020202020204" pitchFamily="34" charset="0"/>
             </a:endParaRPr>
           </a:p>
@@ -4786,112 +8426,112 @@
             </a:pPr>
             <a:r>
               <a:rPr lang="de-DE" dirty="0" err="1">
-                <a:latin typeface="Arial" panose="020B0604020202020204" pitchFamily="34" charset="0"/>
+                <a:latin typeface="Times" pitchFamily="2" charset="0"/>
                 <a:cs typeface="Arial" panose="020B0604020202020204" pitchFamily="34" charset="0"/>
               </a:rPr>
               <a:t>We</a:t>
             </a:r>
             <a:r>
               <a:rPr lang="de-DE" dirty="0">
-                <a:latin typeface="Arial" panose="020B0604020202020204" pitchFamily="34" charset="0"/>
+                <a:latin typeface="Times" pitchFamily="2" charset="0"/>
                 <a:cs typeface="Arial" panose="020B0604020202020204" pitchFamily="34" charset="0"/>
               </a:rPr>
               <a:t> </a:t>
             </a:r>
             <a:r>
               <a:rPr lang="de-DE" dirty="0" err="1">
-                <a:latin typeface="Arial" panose="020B0604020202020204" pitchFamily="34" charset="0"/>
+                <a:latin typeface="Times" pitchFamily="2" charset="0"/>
                 <a:cs typeface="Arial" panose="020B0604020202020204" pitchFamily="34" charset="0"/>
               </a:rPr>
               <a:t>solved</a:t>
             </a:r>
             <a:r>
               <a:rPr lang="de-DE" dirty="0">
-                <a:latin typeface="Arial" panose="020B0604020202020204" pitchFamily="34" charset="0"/>
+                <a:latin typeface="Times" pitchFamily="2" charset="0"/>
                 <a:cs typeface="Arial" panose="020B0604020202020204" pitchFamily="34" charset="0"/>
               </a:rPr>
               <a:t> </a:t>
             </a:r>
             <a:r>
               <a:rPr lang="de-DE" dirty="0" err="1">
-                <a:latin typeface="Arial" panose="020B0604020202020204" pitchFamily="34" charset="0"/>
+                <a:latin typeface="Times" pitchFamily="2" charset="0"/>
                 <a:cs typeface="Arial" panose="020B0604020202020204" pitchFamily="34" charset="0"/>
               </a:rPr>
               <a:t>this</a:t>
             </a:r>
             <a:r>
               <a:rPr lang="de-DE" dirty="0">
-                <a:latin typeface="Arial" panose="020B0604020202020204" pitchFamily="34" charset="0"/>
+                <a:latin typeface="Times" pitchFamily="2" charset="0"/>
                 <a:cs typeface="Arial" panose="020B0604020202020204" pitchFamily="34" charset="0"/>
               </a:rPr>
               <a:t> </a:t>
             </a:r>
             <a:r>
               <a:rPr lang="de-DE" dirty="0" err="1">
-                <a:latin typeface="Arial" panose="020B0604020202020204" pitchFamily="34" charset="0"/>
+                <a:latin typeface="Times" pitchFamily="2" charset="0"/>
                 <a:cs typeface="Arial" panose="020B0604020202020204" pitchFamily="34" charset="0"/>
               </a:rPr>
               <a:t>task</a:t>
             </a:r>
             <a:r>
               <a:rPr lang="de-DE" dirty="0">
-                <a:latin typeface="Arial" panose="020B0604020202020204" pitchFamily="34" charset="0"/>
+                <a:latin typeface="Times" pitchFamily="2" charset="0"/>
                 <a:cs typeface="Arial" panose="020B0604020202020204" pitchFamily="34" charset="0"/>
               </a:rPr>
               <a:t> </a:t>
             </a:r>
             <a:r>
               <a:rPr lang="de-DE" dirty="0" err="1">
-                <a:latin typeface="Arial" panose="020B0604020202020204" pitchFamily="34" charset="0"/>
+                <a:latin typeface="Times" pitchFamily="2" charset="0"/>
                 <a:cs typeface="Arial" panose="020B0604020202020204" pitchFamily="34" charset="0"/>
               </a:rPr>
               <a:t>through</a:t>
             </a:r>
             <a:r>
               <a:rPr lang="de-DE" dirty="0">
-                <a:latin typeface="Arial" panose="020B0604020202020204" pitchFamily="34" charset="0"/>
+                <a:latin typeface="Times" pitchFamily="2" charset="0"/>
                 <a:cs typeface="Arial" panose="020B0604020202020204" pitchFamily="34" charset="0"/>
               </a:rPr>
               <a:t> </a:t>
             </a:r>
             <a:r>
               <a:rPr lang="de-DE" dirty="0" err="1">
-                <a:latin typeface="Arial" panose="020B0604020202020204" pitchFamily="34" charset="0"/>
+                <a:latin typeface="Times" pitchFamily="2" charset="0"/>
                 <a:cs typeface="Arial" panose="020B0604020202020204" pitchFamily="34" charset="0"/>
               </a:rPr>
               <a:t>following</a:t>
             </a:r>
             <a:r>
               <a:rPr lang="de-DE" dirty="0">
-                <a:latin typeface="Arial" panose="020B0604020202020204" pitchFamily="34" charset="0"/>
+                <a:latin typeface="Times" pitchFamily="2" charset="0"/>
                 <a:cs typeface="Arial" panose="020B0604020202020204" pitchFamily="34" charset="0"/>
               </a:rPr>
               <a:t> </a:t>
             </a:r>
             <a:r>
               <a:rPr lang="de-DE" dirty="0" err="1">
-                <a:latin typeface="Arial" panose="020B0604020202020204" pitchFamily="34" charset="0"/>
+                <a:latin typeface="Times" pitchFamily="2" charset="0"/>
                 <a:cs typeface="Arial" panose="020B0604020202020204" pitchFamily="34" charset="0"/>
               </a:rPr>
               <a:t>the</a:t>
             </a:r>
             <a:r>
               <a:rPr lang="de-DE" dirty="0">
-                <a:latin typeface="Arial" panose="020B0604020202020204" pitchFamily="34" charset="0"/>
+                <a:latin typeface="Times" pitchFamily="2" charset="0"/>
                 <a:cs typeface="Arial" panose="020B0604020202020204" pitchFamily="34" charset="0"/>
               </a:rPr>
               <a:t> CRISP-DM </a:t>
             </a:r>
             <a:r>
               <a:rPr lang="de-DE" dirty="0" err="1">
-                <a:latin typeface="Arial" panose="020B0604020202020204" pitchFamily="34" charset="0"/>
+                <a:latin typeface="Times" pitchFamily="2" charset="0"/>
                 <a:cs typeface="Arial" panose="020B0604020202020204" pitchFamily="34" charset="0"/>
               </a:rPr>
               <a:t>process</a:t>
             </a:r>
             <a:r>
               <a:rPr lang="de-DE" dirty="0">
-                <a:latin typeface="Arial" panose="020B0604020202020204" pitchFamily="34" charset="0"/>
+                <a:latin typeface="Times" pitchFamily="2" charset="0"/>
                 <a:cs typeface="Arial" panose="020B0604020202020204" pitchFamily="34" charset="0"/>
               </a:rPr>
               <a:t>. </a:t>
@@ -4899,37 +8539,37 @@
           </a:p>
           <a:p>
             <a:endParaRPr lang="de-DE" dirty="0">
-              <a:latin typeface="Arial" panose="020B0604020202020204" pitchFamily="34" charset="0"/>
+              <a:latin typeface="Times" pitchFamily="2" charset="0"/>
               <a:cs typeface="Arial" panose="020B0604020202020204" pitchFamily="34" charset="0"/>
             </a:endParaRPr>
           </a:p>
           <a:p>
             <a:endParaRPr lang="de-DE" dirty="0">
-              <a:latin typeface="Arial" panose="020B0604020202020204" pitchFamily="34" charset="0"/>
+              <a:latin typeface="Times" pitchFamily="2" charset="0"/>
               <a:cs typeface="Arial" panose="020B0604020202020204" pitchFamily="34" charset="0"/>
             </a:endParaRPr>
           </a:p>
           <a:p>
             <a:endParaRPr lang="de-DE" dirty="0">
-              <a:latin typeface="Arial" panose="020B0604020202020204" pitchFamily="34" charset="0"/>
+              <a:latin typeface="Times" pitchFamily="2" charset="0"/>
               <a:cs typeface="Arial" panose="020B0604020202020204" pitchFamily="34" charset="0"/>
             </a:endParaRPr>
           </a:p>
           <a:p>
             <a:endParaRPr lang="de-DE" dirty="0">
-              <a:latin typeface="Arial" panose="020B0604020202020204" pitchFamily="34" charset="0"/>
+              <a:latin typeface="Times" pitchFamily="2" charset="0"/>
               <a:cs typeface="Arial" panose="020B0604020202020204" pitchFamily="34" charset="0"/>
             </a:endParaRPr>
           </a:p>
           <a:p>
             <a:endParaRPr lang="de-DE" dirty="0">
-              <a:latin typeface="Arial" panose="020B0604020202020204" pitchFamily="34" charset="0"/>
+              <a:latin typeface="Times" pitchFamily="2" charset="0"/>
               <a:cs typeface="Arial" panose="020B0604020202020204" pitchFamily="34" charset="0"/>
             </a:endParaRPr>
           </a:p>
           <a:p>
             <a:endParaRPr lang="de-DE" dirty="0">
-              <a:latin typeface="Arial" panose="020B0604020202020204" pitchFamily="34" charset="0"/>
+              <a:latin typeface="Times" pitchFamily="2" charset="0"/>
               <a:cs typeface="Arial" panose="020B0604020202020204" pitchFamily="34" charset="0"/>
             </a:endParaRPr>
           </a:p>
@@ -5025,7 +8665,7 @@
           <a:p>
             <a:r>
               <a:rPr lang="de-DE" sz="2800" b="1" dirty="0">
-                <a:latin typeface="Arial" panose="020B0604020202020204" pitchFamily="34" charset="0"/>
+                <a:latin typeface="Times" pitchFamily="2" charset="0"/>
                 <a:cs typeface="Arial" panose="020B0604020202020204" pitchFamily="34" charset="0"/>
               </a:rPr>
               <a:t>CRISP-DM</a:t>
@@ -5093,27 +8733,27 @@
           <a:p>
             <a:r>
               <a:rPr lang="de-DE" sz="1400" dirty="0">
-                <a:latin typeface="Arial" panose="020B0604020202020204" pitchFamily="34" charset="0"/>
+                <a:latin typeface="Times" pitchFamily="2" charset="0"/>
                 <a:cs typeface="Arial" panose="020B0604020202020204" pitchFamily="34" charset="0"/>
               </a:rPr>
               <a:t>Figure 1: Crisp-DM </a:t>
             </a:r>
             <a:r>
               <a:rPr lang="de-DE" sz="1400" dirty="0" err="1">
-                <a:latin typeface="Arial" panose="020B0604020202020204" pitchFamily="34" charset="0"/>
+                <a:latin typeface="Times" pitchFamily="2" charset="0"/>
                 <a:cs typeface="Arial" panose="020B0604020202020204" pitchFamily="34" charset="0"/>
               </a:rPr>
               <a:t>model</a:t>
             </a:r>
             <a:endParaRPr lang="de-DE" sz="1400" dirty="0">
-              <a:latin typeface="Arial" panose="020B0604020202020204" pitchFamily="34" charset="0"/>
+              <a:latin typeface="Times" pitchFamily="2" charset="0"/>
               <a:cs typeface="Arial" panose="020B0604020202020204" pitchFamily="34" charset="0"/>
             </a:endParaRPr>
           </a:p>
           <a:p>
             <a:r>
               <a:rPr lang="de-DE" sz="1100" dirty="0">
-                <a:latin typeface="Arial" panose="020B0604020202020204" pitchFamily="34" charset="0"/>
+                <a:latin typeface="Times" pitchFamily="2" charset="0"/>
                 <a:cs typeface="Arial" panose="020B0604020202020204" pitchFamily="34" charset="0"/>
               </a:rPr>
               <a:t>https://statistik-dresden.de/archives/1128</a:t>
@@ -5199,8 +8839,8 @@
         </p:nvSpPr>
         <p:spPr>
           <a:xfrm>
-            <a:off x="0" y="1046849"/>
-            <a:ext cx="5936795" cy="429012"/>
+            <a:off x="-650631" y="942587"/>
+            <a:ext cx="5936795" cy="569689"/>
           </a:xfrm>
         </p:spPr>
         <p:txBody>
@@ -5211,7 +8851,7 @@
           <a:p>
             <a:r>
               <a:rPr lang="de-DE" sz="2400" b="1" dirty="0">
-                <a:latin typeface="Arial" panose="020B0604020202020204" pitchFamily="34" charset="0"/>
+                <a:latin typeface="Times" pitchFamily="2" charset="0"/>
                 <a:cs typeface="Arial" panose="020B0604020202020204" pitchFamily="34" charset="0"/>
               </a:rPr>
               <a:t>Business Understanding Phase</a:t>
@@ -5248,88 +8888,130 @@
           <a:lstStyle/>
           <a:p>
             <a:r>
-              <a:rPr lang="de-DE" dirty="0" err="1"/>
+              <a:rPr lang="de-DE" dirty="0" err="1">
+                <a:latin typeface="Times" pitchFamily="2" charset="0"/>
+              </a:rPr>
               <a:t>Our</a:t>
             </a:r>
             <a:r>
-              <a:rPr lang="de-DE" dirty="0"/>
-              <a:t> </a:t>
-            </a:r>
-            <a:r>
-              <a:rPr lang="de-DE" dirty="0" err="1"/>
+              <a:rPr lang="de-DE" dirty="0">
+                <a:latin typeface="Times" pitchFamily="2" charset="0"/>
+              </a:rPr>
+              <a:t> </a:t>
+            </a:r>
+            <a:r>
+              <a:rPr lang="de-DE" dirty="0" err="1">
+                <a:latin typeface="Times" pitchFamily="2" charset="0"/>
+              </a:rPr>
               <a:t>topic</a:t>
             </a:r>
             <a:r>
-              <a:rPr lang="de-DE" dirty="0"/>
+              <a:rPr lang="de-DE" dirty="0">
+                <a:latin typeface="Times" pitchFamily="2" charset="0"/>
+              </a:rPr>
               <a:t>: Soccer statistics about </a:t>
             </a:r>
             <a:r>
-              <a:rPr lang="de-DE" dirty="0" err="1"/>
+              <a:rPr lang="de-DE" dirty="0" err="1">
+                <a:latin typeface="Times" pitchFamily="2" charset="0"/>
+              </a:rPr>
               <a:t>the</a:t>
             </a:r>
             <a:r>
-              <a:rPr lang="de-DE" dirty="0"/>
+              <a:rPr lang="de-DE" dirty="0">
+                <a:latin typeface="Times" pitchFamily="2" charset="0"/>
+              </a:rPr>
               <a:t> Bundesliga in Germany</a:t>
             </a:r>
           </a:p>
           <a:p>
-            <a:endParaRPr lang="de-DE" dirty="0"/>
-          </a:p>
-          <a:p>
-            <a:r>
-              <a:rPr lang="de-DE" dirty="0" err="1"/>
+            <a:endParaRPr lang="de-DE" dirty="0">
+              <a:latin typeface="Times" pitchFamily="2" charset="0"/>
+            </a:endParaRPr>
+          </a:p>
+          <a:p>
+            <a:r>
+              <a:rPr lang="de-DE" dirty="0" err="1">
+                <a:latin typeface="Times" pitchFamily="2" charset="0"/>
+              </a:rPr>
               <a:t>Our</a:t>
             </a:r>
             <a:r>
-              <a:rPr lang="de-DE" dirty="0"/>
-              <a:t> </a:t>
-            </a:r>
-            <a:r>
-              <a:rPr lang="de-DE" dirty="0" err="1"/>
+              <a:rPr lang="de-DE" dirty="0">
+                <a:latin typeface="Times" pitchFamily="2" charset="0"/>
+              </a:rPr>
+              <a:t> </a:t>
+            </a:r>
+            <a:r>
+              <a:rPr lang="de-DE" dirty="0" err="1">
+                <a:latin typeface="Times" pitchFamily="2" charset="0"/>
+              </a:rPr>
               <a:t>goal</a:t>
             </a:r>
             <a:r>
-              <a:rPr lang="de-DE" dirty="0"/>
+              <a:rPr lang="de-DE" dirty="0">
+                <a:latin typeface="Times" pitchFamily="2" charset="0"/>
+              </a:rPr>
               <a:t>: </a:t>
             </a:r>
             <a:r>
-              <a:rPr lang="de-DE" dirty="0" err="1"/>
+              <a:rPr lang="de-DE" dirty="0" err="1">
+                <a:latin typeface="Times" pitchFamily="2" charset="0"/>
+              </a:rPr>
               <a:t>Understand</a:t>
             </a:r>
             <a:r>
-              <a:rPr lang="de-DE" dirty="0"/>
-              <a:t> </a:t>
-            </a:r>
-            <a:r>
-              <a:rPr lang="de-DE" dirty="0" err="1"/>
+              <a:rPr lang="de-DE" dirty="0">
+                <a:latin typeface="Times" pitchFamily="2" charset="0"/>
+              </a:rPr>
+              <a:t> </a:t>
+            </a:r>
+            <a:r>
+              <a:rPr lang="de-DE" dirty="0" err="1">
+                <a:latin typeface="Times" pitchFamily="2" charset="0"/>
+              </a:rPr>
               <a:t>the</a:t>
             </a:r>
             <a:r>
-              <a:rPr lang="de-DE" dirty="0"/>
+              <a:rPr lang="de-DE" dirty="0">
+                <a:latin typeface="Times" pitchFamily="2" charset="0"/>
+              </a:rPr>
               <a:t> Performance </a:t>
             </a:r>
             <a:r>
-              <a:rPr lang="de-DE" dirty="0" err="1"/>
+              <a:rPr lang="de-DE" dirty="0" err="1">
+                <a:latin typeface="Times" pitchFamily="2" charset="0"/>
+              </a:rPr>
               <a:t>development</a:t>
             </a:r>
             <a:r>
-              <a:rPr lang="de-DE" dirty="0"/>
-              <a:t> </a:t>
-            </a:r>
-            <a:r>
-              <a:rPr lang="de-DE" dirty="0" err="1"/>
+              <a:rPr lang="de-DE" dirty="0">
+                <a:latin typeface="Times" pitchFamily="2" charset="0"/>
+              </a:rPr>
+              <a:t> </a:t>
+            </a:r>
+            <a:r>
+              <a:rPr lang="de-DE" dirty="0" err="1">
+                <a:latin typeface="Times" pitchFamily="2" charset="0"/>
+              </a:rPr>
               <a:t>of</a:t>
             </a:r>
             <a:r>
-              <a:rPr lang="de-DE" dirty="0"/>
+              <a:rPr lang="de-DE" dirty="0">
+                <a:latin typeface="Times" pitchFamily="2" charset="0"/>
+              </a:rPr>
               <a:t> a </a:t>
             </a:r>
             <a:r>
-              <a:rPr lang="de-DE" dirty="0" err="1"/>
+              <a:rPr lang="de-DE" dirty="0" err="1">
+                <a:latin typeface="Times" pitchFamily="2" charset="0"/>
+              </a:rPr>
               <a:t>team</a:t>
             </a:r>
             <a:r>
-              <a:rPr lang="de-DE" dirty="0"/>
+              <a:rPr lang="de-DE" dirty="0">
+                <a:latin typeface="Times" pitchFamily="2" charset="0"/>
+              </a:rPr>
               <a:t> </a:t>
             </a:r>
           </a:p>
@@ -5425,13 +9107,13 @@
           <a:p>
             <a:r>
               <a:rPr lang="de-DE" sz="2400" b="1">
-                <a:latin typeface="Arial" panose="020B0604020202020204" pitchFamily="34" charset="0"/>
+                <a:latin typeface="Times" pitchFamily="2" charset="0"/>
                 <a:cs typeface="Arial" panose="020B0604020202020204" pitchFamily="34" charset="0"/>
               </a:rPr>
               <a:t>Data Understanding Phase</a:t>
             </a:r>
             <a:endParaRPr lang="de-DE" sz="2400" b="1" dirty="0">
-              <a:latin typeface="Arial" panose="020B0604020202020204" pitchFamily="34" charset="0"/>
+              <a:latin typeface="Times" pitchFamily="2" charset="0"/>
               <a:cs typeface="Arial" panose="020B0604020202020204" pitchFamily="34" charset="0"/>
             </a:endParaRPr>
           </a:p>
@@ -5467,7 +9149,7 @@
           <a:p>
             <a:r>
               <a:rPr lang="de-DE" b="1" dirty="0">
-                <a:latin typeface="Arial" panose="020B0604020202020204" pitchFamily="34" charset="0"/>
+                <a:latin typeface="Times" pitchFamily="2" charset="0"/>
                 <a:cs typeface="Arial" panose="020B0604020202020204" pitchFamily="34" charset="0"/>
               </a:rPr>
               <a:t>Source</a:t>
@@ -5481,7 +9163,7 @@
             </a:pPr>
             <a:r>
               <a:rPr lang="de-DE" dirty="0">
-                <a:latin typeface="Arial" panose="020B0604020202020204" pitchFamily="34" charset="0"/>
+                <a:latin typeface="Times" pitchFamily="2" charset="0"/>
                 <a:cs typeface="Arial" panose="020B0604020202020204" pitchFamily="34" charset="0"/>
               </a:rPr>
               <a:t>Open Data: http://www.football-data.co.uk/</a:t>
@@ -5497,111 +9179,111 @@
             </a:pPr>
             <a:r>
               <a:rPr lang="de-DE" dirty="0" err="1">
-                <a:latin typeface="Arial" panose="020B0604020202020204" pitchFamily="34" charset="0"/>
+                <a:latin typeface="Times" pitchFamily="2" charset="0"/>
                 <a:cs typeface="Arial" panose="020B0604020202020204" pitchFamily="34" charset="0"/>
               </a:rPr>
               <a:t>Contains</a:t>
             </a:r>
             <a:r>
               <a:rPr lang="de-DE" dirty="0">
-                <a:latin typeface="Arial" panose="020B0604020202020204" pitchFamily="34" charset="0"/>
+                <a:latin typeface="Times" pitchFamily="2" charset="0"/>
                 <a:cs typeface="Arial" panose="020B0604020202020204" pitchFamily="34" charset="0"/>
               </a:rPr>
               <a:t> </a:t>
             </a:r>
             <a:r>
               <a:rPr lang="de-DE" dirty="0" err="1">
-                <a:latin typeface="Arial" panose="020B0604020202020204" pitchFamily="34" charset="0"/>
+                <a:latin typeface="Times" pitchFamily="2" charset="0"/>
                 <a:cs typeface="Arial" panose="020B0604020202020204" pitchFamily="34" charset="0"/>
               </a:rPr>
               <a:t>data</a:t>
             </a:r>
             <a:r>
               <a:rPr lang="de-DE" dirty="0">
-                <a:latin typeface="Arial" panose="020B0604020202020204" pitchFamily="34" charset="0"/>
+                <a:latin typeface="Times" pitchFamily="2" charset="0"/>
                 <a:cs typeface="Arial" panose="020B0604020202020204" pitchFamily="34" charset="0"/>
               </a:rPr>
               <a:t> </a:t>
             </a:r>
             <a:r>
               <a:rPr lang="de-DE" dirty="0" err="1">
-                <a:latin typeface="Arial" panose="020B0604020202020204" pitchFamily="34" charset="0"/>
+                <a:latin typeface="Times" pitchFamily="2" charset="0"/>
                 <a:cs typeface="Arial" panose="020B0604020202020204" pitchFamily="34" charset="0"/>
               </a:rPr>
               <a:t>for</a:t>
             </a:r>
             <a:r>
               <a:rPr lang="de-DE" dirty="0">
-                <a:latin typeface="Arial" panose="020B0604020202020204" pitchFamily="34" charset="0"/>
+                <a:latin typeface="Times" pitchFamily="2" charset="0"/>
                 <a:cs typeface="Arial" panose="020B0604020202020204" pitchFamily="34" charset="0"/>
               </a:rPr>
               <a:t> last 10 </a:t>
             </a:r>
             <a:r>
               <a:rPr lang="de-DE" dirty="0" err="1">
-                <a:latin typeface="Arial" panose="020B0604020202020204" pitchFamily="34" charset="0"/>
+                <a:latin typeface="Times" pitchFamily="2" charset="0"/>
                 <a:cs typeface="Arial" panose="020B0604020202020204" pitchFamily="34" charset="0"/>
               </a:rPr>
               <a:t>seasons</a:t>
             </a:r>
             <a:r>
               <a:rPr lang="de-DE" dirty="0">
-                <a:latin typeface="Arial" panose="020B0604020202020204" pitchFamily="34" charset="0"/>
+                <a:latin typeface="Times" pitchFamily="2" charset="0"/>
                 <a:cs typeface="Arial" panose="020B0604020202020204" pitchFamily="34" charset="0"/>
               </a:rPr>
               <a:t> </a:t>
             </a:r>
             <a:r>
               <a:rPr lang="de-DE" dirty="0" err="1">
-                <a:latin typeface="Arial" panose="020B0604020202020204" pitchFamily="34" charset="0"/>
+                <a:latin typeface="Times" pitchFamily="2" charset="0"/>
                 <a:cs typeface="Arial" panose="020B0604020202020204" pitchFamily="34" charset="0"/>
               </a:rPr>
               <a:t>of</a:t>
             </a:r>
             <a:r>
               <a:rPr lang="de-DE" dirty="0">
-                <a:latin typeface="Arial" panose="020B0604020202020204" pitchFamily="34" charset="0"/>
+                <a:latin typeface="Times" pitchFamily="2" charset="0"/>
                 <a:cs typeface="Arial" panose="020B0604020202020204" pitchFamily="34" charset="0"/>
               </a:rPr>
               <a:t> German Bundesliga </a:t>
             </a:r>
             <a:r>
               <a:rPr lang="de-DE" dirty="0" err="1">
-                <a:latin typeface="Arial" panose="020B0604020202020204" pitchFamily="34" charset="0"/>
+                <a:latin typeface="Times" pitchFamily="2" charset="0"/>
                 <a:cs typeface="Arial" panose="020B0604020202020204" pitchFamily="34" charset="0"/>
               </a:rPr>
               <a:t>including</a:t>
             </a:r>
             <a:r>
               <a:rPr lang="de-DE" dirty="0">
-                <a:latin typeface="Arial" panose="020B0604020202020204" pitchFamily="34" charset="0"/>
+                <a:latin typeface="Times" pitchFamily="2" charset="0"/>
                 <a:cs typeface="Arial" panose="020B0604020202020204" pitchFamily="34" charset="0"/>
               </a:rPr>
               <a:t> </a:t>
             </a:r>
             <a:r>
               <a:rPr lang="de-DE" dirty="0" err="1">
-                <a:latin typeface="Arial" panose="020B0604020202020204" pitchFamily="34" charset="0"/>
+                <a:latin typeface="Times" pitchFamily="2" charset="0"/>
                 <a:cs typeface="Arial" panose="020B0604020202020204" pitchFamily="34" charset="0"/>
               </a:rPr>
               <a:t>current</a:t>
             </a:r>
             <a:r>
               <a:rPr lang="de-DE" dirty="0">
-                <a:latin typeface="Arial" panose="020B0604020202020204" pitchFamily="34" charset="0"/>
+                <a:latin typeface="Times" pitchFamily="2" charset="0"/>
                 <a:cs typeface="Arial" panose="020B0604020202020204" pitchFamily="34" charset="0"/>
               </a:rPr>
               <a:t> </a:t>
             </a:r>
             <a:r>
               <a:rPr lang="de-DE" dirty="0" err="1">
-                <a:latin typeface="Arial" panose="020B0604020202020204" pitchFamily="34" charset="0"/>
+                <a:latin typeface="Times" pitchFamily="2" charset="0"/>
                 <a:cs typeface="Arial" panose="020B0604020202020204" pitchFamily="34" charset="0"/>
               </a:rPr>
               <a:t>season</a:t>
             </a:r>
             <a:endParaRPr lang="de-DE" dirty="0">
-              <a:latin typeface="Arial" panose="020B0604020202020204" pitchFamily="34" charset="0"/>
+              <a:latin typeface="Times" pitchFamily="2" charset="0"/>
               <a:cs typeface="Arial" panose="020B0604020202020204" pitchFamily="34" charset="0"/>
             </a:endParaRPr>
           </a:p>
@@ -5615,56 +9297,56 @@
             </a:pPr>
             <a:r>
               <a:rPr lang="de-DE" dirty="0" err="1">
-                <a:latin typeface="Arial" panose="020B0604020202020204" pitchFamily="34" charset="0"/>
+                <a:latin typeface="Times" pitchFamily="2" charset="0"/>
                 <a:cs typeface="Arial" panose="020B0604020202020204" pitchFamily="34" charset="0"/>
               </a:rPr>
               <a:t>Contains</a:t>
             </a:r>
             <a:r>
               <a:rPr lang="de-DE" dirty="0">
-                <a:latin typeface="Arial" panose="020B0604020202020204" pitchFamily="34" charset="0"/>
+                <a:latin typeface="Times" pitchFamily="2" charset="0"/>
                 <a:cs typeface="Arial" panose="020B0604020202020204" pitchFamily="34" charset="0"/>
               </a:rPr>
               <a:t> </a:t>
             </a:r>
             <a:r>
               <a:rPr lang="de-DE" dirty="0" err="1">
-                <a:latin typeface="Arial" panose="020B0604020202020204" pitchFamily="34" charset="0"/>
+                <a:latin typeface="Times" pitchFamily="2" charset="0"/>
                 <a:cs typeface="Arial" panose="020B0604020202020204" pitchFamily="34" charset="0"/>
               </a:rPr>
               <a:t>various</a:t>
             </a:r>
             <a:r>
               <a:rPr lang="de-DE" dirty="0">
-                <a:latin typeface="Arial" panose="020B0604020202020204" pitchFamily="34" charset="0"/>
+                <a:latin typeface="Times" pitchFamily="2" charset="0"/>
                 <a:cs typeface="Arial" panose="020B0604020202020204" pitchFamily="34" charset="0"/>
               </a:rPr>
               <a:t> </a:t>
             </a:r>
             <a:r>
               <a:rPr lang="de-DE" dirty="0" err="1">
-                <a:latin typeface="Arial" panose="020B0604020202020204" pitchFamily="34" charset="0"/>
+                <a:latin typeface="Times" pitchFamily="2" charset="0"/>
                 <a:cs typeface="Arial" panose="020B0604020202020204" pitchFamily="34" charset="0"/>
               </a:rPr>
               <a:t>statistical</a:t>
             </a:r>
             <a:r>
               <a:rPr lang="de-DE" dirty="0">
-                <a:latin typeface="Arial" panose="020B0604020202020204" pitchFamily="34" charset="0"/>
+                <a:latin typeface="Times" pitchFamily="2" charset="0"/>
                 <a:cs typeface="Arial" panose="020B0604020202020204" pitchFamily="34" charset="0"/>
               </a:rPr>
               <a:t> </a:t>
             </a:r>
             <a:r>
               <a:rPr lang="de-DE" dirty="0" err="1">
-                <a:latin typeface="Arial" panose="020B0604020202020204" pitchFamily="34" charset="0"/>
+                <a:latin typeface="Times" pitchFamily="2" charset="0"/>
                 <a:cs typeface="Arial" panose="020B0604020202020204" pitchFamily="34" charset="0"/>
               </a:rPr>
               <a:t>data</a:t>
             </a:r>
             <a:r>
               <a:rPr lang="de-DE" dirty="0">
-                <a:latin typeface="Arial" panose="020B0604020202020204" pitchFamily="34" charset="0"/>
+                <a:latin typeface="Times" pitchFamily="2" charset="0"/>
                 <a:cs typeface="Arial" panose="020B0604020202020204" pitchFamily="34" charset="0"/>
               </a:rPr>
               <a:t> </a:t>
@@ -5680,42 +9362,42 @@
             </a:pPr>
             <a:r>
               <a:rPr lang="de-DE" dirty="0" err="1">
-                <a:latin typeface="Arial" panose="020B0604020202020204" pitchFamily="34" charset="0"/>
+                <a:latin typeface="Times" pitchFamily="2" charset="0"/>
                 <a:cs typeface="Arial" panose="020B0604020202020204" pitchFamily="34" charset="0"/>
               </a:rPr>
               <a:t>Each</a:t>
             </a:r>
             <a:r>
               <a:rPr lang="de-DE" dirty="0">
-                <a:latin typeface="Arial" panose="020B0604020202020204" pitchFamily="34" charset="0"/>
+                <a:latin typeface="Times" pitchFamily="2" charset="0"/>
                 <a:cs typeface="Arial" panose="020B0604020202020204" pitchFamily="34" charset="0"/>
               </a:rPr>
               <a:t> </a:t>
             </a:r>
             <a:r>
               <a:rPr lang="de-DE" dirty="0" err="1">
-                <a:latin typeface="Arial" panose="020B0604020202020204" pitchFamily="34" charset="0"/>
+                <a:latin typeface="Times" pitchFamily="2" charset="0"/>
                 <a:cs typeface="Arial" panose="020B0604020202020204" pitchFamily="34" charset="0"/>
               </a:rPr>
               <a:t>season</a:t>
             </a:r>
             <a:r>
               <a:rPr lang="de-DE" dirty="0">
-                <a:latin typeface="Arial" panose="020B0604020202020204" pitchFamily="34" charset="0"/>
+                <a:latin typeface="Times" pitchFamily="2" charset="0"/>
                 <a:cs typeface="Arial" panose="020B0604020202020204" pitchFamily="34" charset="0"/>
               </a:rPr>
               <a:t> in a separate </a:t>
             </a:r>
             <a:r>
               <a:rPr lang="de-DE" dirty="0" err="1">
-                <a:latin typeface="Arial" panose="020B0604020202020204" pitchFamily="34" charset="0"/>
+                <a:latin typeface="Times" pitchFamily="2" charset="0"/>
                 <a:cs typeface="Arial" panose="020B0604020202020204" pitchFamily="34" charset="0"/>
               </a:rPr>
               <a:t>file</a:t>
             </a:r>
             <a:r>
               <a:rPr lang="de-DE" dirty="0">
-                <a:latin typeface="Arial" panose="020B0604020202020204" pitchFamily="34" charset="0"/>
+                <a:latin typeface="Times" pitchFamily="2" charset="0"/>
                 <a:cs typeface="Arial" panose="020B0604020202020204" pitchFamily="34" charset="0"/>
               </a:rPr>
               <a:t> </a:t>
@@ -5727,39 +9409,39 @@
               <a:buChar char="•"/>
             </a:pPr>
             <a:endParaRPr lang="de-DE" dirty="0">
-              <a:latin typeface="Arial" panose="020B0604020202020204" pitchFamily="34" charset="0"/>
+              <a:latin typeface="Times" pitchFamily="2" charset="0"/>
               <a:cs typeface="Arial" panose="020B0604020202020204" pitchFamily="34" charset="0"/>
             </a:endParaRPr>
           </a:p>
           <a:p>
             <a:endParaRPr lang="de-DE" dirty="0">
-              <a:latin typeface="Arial" panose="020B0604020202020204" pitchFamily="34" charset="0"/>
+              <a:latin typeface="Times" pitchFamily="2" charset="0"/>
               <a:cs typeface="Arial" panose="020B0604020202020204" pitchFamily="34" charset="0"/>
             </a:endParaRPr>
           </a:p>
           <a:p>
             <a:endParaRPr lang="de-DE" dirty="0">
-              <a:latin typeface="Arial" panose="020B0604020202020204" pitchFamily="34" charset="0"/>
+              <a:latin typeface="Times" pitchFamily="2" charset="0"/>
               <a:cs typeface="Arial" panose="020B0604020202020204" pitchFamily="34" charset="0"/>
             </a:endParaRPr>
           </a:p>
           <a:p>
             <a:endParaRPr lang="de-DE" dirty="0">
-              <a:latin typeface="Arial" panose="020B0604020202020204" pitchFamily="34" charset="0"/>
+              <a:latin typeface="Times" pitchFamily="2" charset="0"/>
               <a:cs typeface="Arial" panose="020B0604020202020204" pitchFamily="34" charset="0"/>
             </a:endParaRPr>
           </a:p>
           <a:p>
             <a:r>
               <a:rPr lang="de-DE" dirty="0">
-                <a:latin typeface="Arial" panose="020B0604020202020204" pitchFamily="34" charset="0"/>
+                <a:latin typeface="Times" pitchFamily="2" charset="0"/>
                 <a:cs typeface="Arial" panose="020B0604020202020204" pitchFamily="34" charset="0"/>
               </a:rPr>
               <a:t>					</a:t>
             </a:r>
             <a:r>
               <a:rPr lang="de-DE" dirty="0">
-                <a:latin typeface="Arial" panose="020B0604020202020204" pitchFamily="34" charset="0"/>
+                <a:latin typeface="Times" pitchFamily="2" charset="0"/>
                 <a:cs typeface="Arial" panose="020B0604020202020204" pitchFamily="34" charset="0"/>
                 <a:sym typeface="Wingdings" panose="05000000000000000000" pitchFamily="2" charset="2"/>
               </a:rPr>
@@ -5767,42 +9449,42 @@
             </a:r>
             <a:r>
               <a:rPr lang="de-DE" dirty="0" err="1">
-                <a:latin typeface="Arial" panose="020B0604020202020204" pitchFamily="34" charset="0"/>
+                <a:latin typeface="Times" pitchFamily="2" charset="0"/>
                 <a:cs typeface="Arial" panose="020B0604020202020204" pitchFamily="34" charset="0"/>
               </a:rPr>
               <a:t>row</a:t>
             </a:r>
             <a:r>
               <a:rPr lang="de-DE" dirty="0">
-                <a:latin typeface="Arial" panose="020B0604020202020204" pitchFamily="34" charset="0"/>
+                <a:latin typeface="Times" pitchFamily="2" charset="0"/>
                 <a:cs typeface="Arial" panose="020B0604020202020204" pitchFamily="34" charset="0"/>
               </a:rPr>
               <a:t> </a:t>
             </a:r>
             <a:r>
               <a:rPr lang="de-DE" dirty="0" err="1">
-                <a:latin typeface="Arial" panose="020B0604020202020204" pitchFamily="34" charset="0"/>
+                <a:latin typeface="Times" pitchFamily="2" charset="0"/>
                 <a:cs typeface="Arial" panose="020B0604020202020204" pitchFamily="34" charset="0"/>
               </a:rPr>
               <a:t>data</a:t>
             </a:r>
             <a:r>
               <a:rPr lang="de-DE" dirty="0">
-                <a:latin typeface="Arial" panose="020B0604020202020204" pitchFamily="34" charset="0"/>
+                <a:latin typeface="Times" pitchFamily="2" charset="0"/>
                 <a:cs typeface="Arial" panose="020B0604020202020204" pitchFamily="34" charset="0"/>
               </a:rPr>
               <a:t> </a:t>
             </a:r>
             <a:r>
               <a:rPr lang="de-DE" dirty="0">
-                <a:latin typeface="Arial" panose="020B0604020202020204" pitchFamily="34" charset="0"/>
+                <a:latin typeface="Times" pitchFamily="2" charset="0"/>
                 <a:cs typeface="Arial" panose="020B0604020202020204" pitchFamily="34" charset="0"/>
                 <a:sym typeface="Wingdings" panose="05000000000000000000" pitchFamily="2" charset="2"/>
               </a:rPr>
               <a:t></a:t>
             </a:r>
             <a:endParaRPr lang="de-DE" dirty="0">
-              <a:latin typeface="Arial" panose="020B0604020202020204" pitchFamily="34" charset="0"/>
+              <a:latin typeface="Times" pitchFamily="2" charset="0"/>
               <a:cs typeface="Arial" panose="020B0604020202020204" pitchFamily="34" charset="0"/>
             </a:endParaRPr>
           </a:p>
@@ -5913,7 +9595,7 @@
           <p:nvPr/>
         </p:nvPicPr>
         <p:blipFill>
-          <a:blip r:embed="rId2"/>
+          <a:blip r:embed="rId3"/>
           <a:stretch>
             <a:fillRect/>
           </a:stretch>
@@ -6333,7 +10015,7 @@
           <p:nvPr/>
         </p:nvPicPr>
         <p:blipFill>
-          <a:blip r:embed="rId2"/>
+          <a:blip r:embed="rId3"/>
           <a:stretch>
             <a:fillRect/>
           </a:stretch>
@@ -6378,21 +10060,21 @@
           <a:p>
             <a:r>
               <a:rPr lang="de-DE" sz="2400" b="1" dirty="0">
-                <a:latin typeface="Arial" panose="020B0604020202020204" pitchFamily="34" charset="0"/>
+                <a:latin typeface="Times" pitchFamily="2" charset="0"/>
                 <a:cs typeface="Arial" panose="020B0604020202020204" pitchFamily="34" charset="0"/>
               </a:rPr>
               <a:t>Data </a:t>
             </a:r>
             <a:r>
               <a:rPr lang="de-DE" sz="2400" b="1" dirty="0" err="1">
-                <a:latin typeface="Arial" panose="020B0604020202020204" pitchFamily="34" charset="0"/>
+                <a:latin typeface="Times" pitchFamily="2" charset="0"/>
                 <a:cs typeface="Arial" panose="020B0604020202020204" pitchFamily="34" charset="0"/>
               </a:rPr>
               <a:t>Preparation</a:t>
             </a:r>
             <a:r>
               <a:rPr lang="de-DE" sz="2400" b="1" dirty="0">
-                <a:latin typeface="Arial" panose="020B0604020202020204" pitchFamily="34" charset="0"/>
+                <a:latin typeface="Times" pitchFamily="2" charset="0"/>
                 <a:cs typeface="Arial" panose="020B0604020202020204" pitchFamily="34" charset="0"/>
               </a:rPr>
               <a:t> Phase</a:t>
@@ -6430,34 +10112,34 @@
           <a:p>
             <a:r>
               <a:rPr lang="de-DE" dirty="0">
-                <a:latin typeface="Arial" panose="020B0604020202020204" pitchFamily="34" charset="0"/>
+                <a:latin typeface="Times" pitchFamily="2" charset="0"/>
                 <a:cs typeface="Arial" panose="020B0604020202020204" pitchFamily="34" charset="0"/>
               </a:rPr>
               <a:t>Data </a:t>
             </a:r>
             <a:r>
               <a:rPr lang="de-DE" dirty="0" err="1">
-                <a:latin typeface="Arial" panose="020B0604020202020204" pitchFamily="34" charset="0"/>
+                <a:latin typeface="Times" pitchFamily="2" charset="0"/>
                 <a:cs typeface="Arial" panose="020B0604020202020204" pitchFamily="34" charset="0"/>
               </a:rPr>
               <a:t>Preparation</a:t>
             </a:r>
             <a:r>
               <a:rPr lang="de-DE" dirty="0">
-                <a:latin typeface="Arial" panose="020B0604020202020204" pitchFamily="34" charset="0"/>
+                <a:latin typeface="Times" pitchFamily="2" charset="0"/>
                 <a:cs typeface="Arial" panose="020B0604020202020204" pitchFamily="34" charset="0"/>
               </a:rPr>
               <a:t> and - </a:t>
             </a:r>
             <a:r>
               <a:rPr lang="de-DE" dirty="0" err="1">
-                <a:latin typeface="Arial" panose="020B0604020202020204" pitchFamily="34" charset="0"/>
+                <a:latin typeface="Times" pitchFamily="2" charset="0"/>
                 <a:cs typeface="Arial" panose="020B0604020202020204" pitchFamily="34" charset="0"/>
               </a:rPr>
               <a:t>Cleansing</a:t>
             </a:r>
             <a:endParaRPr lang="de-DE" dirty="0">
-              <a:latin typeface="Arial" panose="020B0604020202020204" pitchFamily="34" charset="0"/>
+              <a:latin typeface="Times" pitchFamily="2" charset="0"/>
               <a:cs typeface="Arial" panose="020B0604020202020204" pitchFamily="34" charset="0"/>
             </a:endParaRPr>
           </a:p>
@@ -6478,7 +10160,7 @@
           <p:nvPr/>
         </p:nvPicPr>
         <p:blipFill>
-          <a:blip r:embed="rId3"/>
+          <a:blip r:embed="rId4"/>
           <a:stretch>
             <a:fillRect/>
           </a:stretch>
@@ -6538,7 +10220,7 @@
           <p:nvPr/>
         </p:nvPicPr>
         <p:blipFill>
-          <a:blip r:embed="rId2"/>
+          <a:blip r:embed="rId3"/>
           <a:stretch>
             <a:fillRect/>
           </a:stretch>
@@ -6583,7 +10265,7 @@
           <a:p>
             <a:r>
               <a:rPr lang="de-DE" sz="2800" b="1" dirty="0">
-                <a:latin typeface="Arial" panose="020B0604020202020204" pitchFamily="34" charset="0"/>
+                <a:latin typeface="Times" pitchFamily="2" charset="0"/>
                 <a:cs typeface="Arial" panose="020B0604020202020204" pitchFamily="34" charset="0"/>
               </a:rPr>
               <a:t>Star Schema</a:t>
@@ -6606,7 +10288,7 @@
           <p:nvPr/>
         </p:nvPicPr>
         <p:blipFill>
-          <a:blip r:embed="rId3"/>
+          <a:blip r:embed="rId4"/>
           <a:stretch>
             <a:fillRect/>
           </a:stretch>
@@ -6651,7 +10333,7 @@
           <a:p>
             <a:r>
               <a:rPr lang="de-DE" sz="1400" dirty="0">
-                <a:latin typeface="Arial" panose="020B0604020202020204" pitchFamily="34" charset="0"/>
+                <a:latin typeface="Times" pitchFamily="2" charset="0"/>
                 <a:cs typeface="Arial" panose="020B0604020202020204" pitchFamily="34" charset="0"/>
               </a:rPr>
               <a:t>Figure 2: Star Schema</a:t>
@@ -6673,6 +10355,227 @@
 </file>
 
 <file path=ppt/theme/theme1.xml><?xml version="1.0" encoding="utf-8"?>
+<a:theme xmlns:a="http://schemas.openxmlformats.org/drawingml/2006/main" name="Madison">
+  <a:themeElements>
+    <a:clrScheme name="Blau">
+      <a:dk1>
+        <a:sysClr val="windowText" lastClr="000000"/>
+      </a:dk1>
+      <a:lt1>
+        <a:sysClr val="window" lastClr="FFFFFF"/>
+      </a:lt1>
+      <a:dk2>
+        <a:srgbClr val="17406D"/>
+      </a:dk2>
+      <a:lt2>
+        <a:srgbClr val="DBEFF9"/>
+      </a:lt2>
+      <a:accent1>
+        <a:srgbClr val="0F6FC6"/>
+      </a:accent1>
+      <a:accent2>
+        <a:srgbClr val="009DD9"/>
+      </a:accent2>
+      <a:accent3>
+        <a:srgbClr val="0BD0D9"/>
+      </a:accent3>
+      <a:accent4>
+        <a:srgbClr val="10CF9B"/>
+      </a:accent4>
+      <a:accent5>
+        <a:srgbClr val="7CCA62"/>
+      </a:accent5>
+      <a:accent6>
+        <a:srgbClr val="A5C249"/>
+      </a:accent6>
+      <a:hlink>
+        <a:srgbClr val="F49100"/>
+      </a:hlink>
+      <a:folHlink>
+        <a:srgbClr val="85DFD0"/>
+      </a:folHlink>
+    </a:clrScheme>
+    <a:fontScheme name="Arial-Times New Roman">
+      <a:majorFont>
+        <a:latin typeface="Arial" panose="020B0604020202020204"/>
+        <a:ea typeface=""/>
+        <a:cs typeface=""/>
+        <a:font script="Jpan" typeface="ＭＳ Ｐゴシック"/>
+        <a:font script="Hang" typeface="굴림"/>
+        <a:font script="Hans" typeface="黑体"/>
+        <a:font script="Hant" typeface="微軟正黑體"/>
+        <a:font script="Arab" typeface="Arial"/>
+        <a:font script="Hebr" typeface="Arial"/>
+        <a:font script="Thai" typeface="Cordia New"/>
+        <a:font script="Ethi" typeface="Nyala"/>
+        <a:font script="Beng" typeface="Vrinda"/>
+        <a:font script="Gujr" typeface="Shruti"/>
+        <a:font script="Khmr" typeface="DaunPenh"/>
+        <a:font script="Knda" typeface="Tunga"/>
+        <a:font script="Guru" typeface="Raavi"/>
+        <a:font script="Cans" typeface="Euphemia"/>
+        <a:font script="Cher" typeface="Plantagenet Cherokee"/>
+        <a:font script="Yiii" typeface="Microsoft Yi Baiti"/>
+        <a:font script="Tibt" typeface="Microsoft Himalaya"/>
+        <a:font script="Thaa" typeface="MV Boli"/>
+        <a:font script="Deva" typeface="Mangal"/>
+        <a:font script="Telu" typeface="Gautami"/>
+        <a:font script="Taml" typeface="Latha"/>
+        <a:font script="Syrc" typeface="Estrangelo Edessa"/>
+        <a:font script="Orya" typeface="Kalinga"/>
+        <a:font script="Mlym" typeface="Kartika"/>
+        <a:font script="Laoo" typeface="DokChampa"/>
+        <a:font script="Sinh" typeface="Iskoola Pota"/>
+        <a:font script="Mong" typeface="Mongolian Baiti"/>
+        <a:font script="Viet" typeface="Arial"/>
+        <a:font script="Uigh" typeface="Microsoft Uighur"/>
+        <a:font script="Geor" typeface="Sylfaen"/>
+      </a:majorFont>
+      <a:minorFont>
+        <a:latin typeface="Times New Roman" panose="02020603050405020304"/>
+        <a:ea typeface=""/>
+        <a:cs typeface=""/>
+        <a:font script="Jpan" typeface="ＭＳ Ｐ明朝"/>
+        <a:font script="Hang" typeface="바탕"/>
+        <a:font script="Hans" typeface="宋体"/>
+        <a:font script="Hant" typeface="新細明體"/>
+        <a:font script="Arab" typeface="Times New Roman"/>
+        <a:font script="Hebr" typeface="Times New Roman"/>
+        <a:font script="Thai" typeface="Angsana New"/>
+        <a:font script="Ethi" typeface="Nyala"/>
+        <a:font script="Beng" typeface="Vrinda"/>
+        <a:font script="Gujr" typeface="Shruti"/>
+        <a:font script="Khmr" typeface="MoolBoran"/>
+        <a:font script="Knda" typeface="Tunga"/>
+        <a:font script="Guru" typeface="Raavi"/>
+        <a:font script="Cans" typeface="Euphemia"/>
+        <a:font script="Cher" typeface="Plantagenet Cherokee"/>
+        <a:font script="Yiii" typeface="Microsoft Yi Baiti"/>
+        <a:font script="Tibt" typeface="Microsoft Himalaya"/>
+        <a:font script="Thaa" typeface="MV Boli"/>
+        <a:font script="Deva" typeface="Mangal"/>
+        <a:font script="Telu" typeface="Gautami"/>
+        <a:font script="Taml" typeface="Latha"/>
+        <a:font script="Syrc" typeface="Estrangelo Edessa"/>
+        <a:font script="Orya" typeface="Kalinga"/>
+        <a:font script="Mlym" typeface="Kartika"/>
+        <a:font script="Laoo" typeface="DokChampa"/>
+        <a:font script="Sinh" typeface="Iskoola Pota"/>
+        <a:font script="Mong" typeface="Mongolian Baiti"/>
+        <a:font script="Viet" typeface="Times New Roman"/>
+        <a:font script="Uigh" typeface="Microsoft Uighur"/>
+        <a:font script="Geor" typeface="Sylfaen"/>
+      </a:minorFont>
+    </a:fontScheme>
+    <a:fmtScheme name="Madison">
+      <a:fillStyleLst>
+        <a:solidFill>
+          <a:schemeClr val="phClr"/>
+        </a:solidFill>
+        <a:gradFill rotWithShape="1">
+          <a:gsLst>
+            <a:gs pos="0">
+              <a:schemeClr val="phClr">
+                <a:tint val="48000"/>
+                <a:alpha val="88000"/>
+                <a:satMod val="105000"/>
+                <a:lumMod val="110000"/>
+              </a:schemeClr>
+            </a:gs>
+            <a:gs pos="100000">
+              <a:schemeClr val="phClr">
+                <a:tint val="78000"/>
+                <a:alpha val="92000"/>
+                <a:satMod val="109000"/>
+                <a:lumMod val="100000"/>
+              </a:schemeClr>
+            </a:gs>
+          </a:gsLst>
+          <a:lin ang="5400000" scaled="0"/>
+        </a:gradFill>
+        <a:gradFill rotWithShape="1">
+          <a:gsLst>
+            <a:gs pos="0">
+              <a:schemeClr val="phClr">
+                <a:tint val="98000"/>
+                <a:satMod val="110000"/>
+                <a:lumMod val="104000"/>
+              </a:schemeClr>
+            </a:gs>
+            <a:gs pos="69000">
+              <a:schemeClr val="phClr">
+                <a:shade val="84000"/>
+                <a:satMod val="130000"/>
+                <a:lumMod val="92000"/>
+              </a:schemeClr>
+            </a:gs>
+            <a:gs pos="100000">
+              <a:schemeClr val="phClr">
+                <a:shade val="76000"/>
+                <a:satMod val="130000"/>
+                <a:lumMod val="88000"/>
+              </a:schemeClr>
+            </a:gs>
+          </a:gsLst>
+          <a:lin ang="5400000" scaled="0"/>
+        </a:gradFill>
+      </a:fillStyleLst>
+      <a:lnStyleLst>
+        <a:ln w="9525" cap="flat" cmpd="sng" algn="ctr">
+          <a:solidFill>
+            <a:schemeClr val="phClr"/>
+          </a:solidFill>
+          <a:prstDash val="solid"/>
+        </a:ln>
+        <a:ln w="15875" cap="flat" cmpd="sng" algn="ctr">
+          <a:solidFill>
+            <a:schemeClr val="phClr"/>
+          </a:solidFill>
+          <a:prstDash val="solid"/>
+        </a:ln>
+        <a:ln w="22225" cap="flat" cmpd="sng" algn="ctr">
+          <a:solidFill>
+            <a:schemeClr val="phClr"/>
+          </a:solidFill>
+          <a:prstDash val="solid"/>
+        </a:ln>
+      </a:lnStyleLst>
+      <a:effectStyleLst>
+        <a:effectStyle>
+          <a:effectLst/>
+        </a:effectStyle>
+        <a:effectStyle>
+          <a:effectLst/>
+        </a:effectStyle>
+        <a:effectStyle>
+          <a:effectLst/>
+        </a:effectStyle>
+      </a:effectStyleLst>
+      <a:bgFillStyleLst>
+        <a:solidFill>
+          <a:schemeClr val="phClr"/>
+        </a:solidFill>
+        <a:solidFill>
+          <a:schemeClr val="phClr"/>
+        </a:solidFill>
+        <a:blipFill rotWithShape="1">
+          <a:blip xmlns:r="http://schemas.openxmlformats.org/officeDocument/2006/relationships" r:embed="rId1"/>
+          <a:stretch/>
+        </a:blipFill>
+      </a:bgFillStyleLst>
+    </a:fmtScheme>
+  </a:themeElements>
+  <a:objectDefaults/>
+  <a:extraClrSchemeLst/>
+  <a:extLst>
+    <a:ext uri="{05A4C25C-085E-4340-85A3-A5531E510DB2}">
+      <thm15:themeFamily xmlns:thm15="http://schemas.microsoft.com/office/thememl/2012/main" name="Madison" id="{025CB5FB-2DD3-45EE-B6F0-CC461540EB19}" vid="{178B2DAB-5DDE-4060-A857-D2E1CDA9250F}"/>
+    </a:ext>
+  </a:extLst>
+</a:theme>
+</file>
+
+<file path=ppt/theme/theme2.xml><?xml version="1.0" encoding="utf-8"?>
 <a:theme xmlns:a="http://schemas.openxmlformats.org/drawingml/2006/main" name="Office">
   <a:themeElements>
     <a:clrScheme name="Office">

--- a/DAWA.pptx
+++ b/DAWA.pptx
@@ -5,7 +5,7 @@
     <p:sldMasterId id="2147483932" r:id="rId1"/>
   </p:sldMasterIdLst>
   <p:notesMasterIdLst>
-    <p:notesMasterId r:id="rId13"/>
+    <p:notesMasterId r:id="rId14"/>
   </p:notesMasterIdLst>
   <p:sldIdLst>
     <p:sldId id="256" r:id="rId2"/>
@@ -15,10 +15,11 @@
     <p:sldId id="264" r:id="rId6"/>
     <p:sldId id="265" r:id="rId7"/>
     <p:sldId id="266" r:id="rId8"/>
-    <p:sldId id="268" r:id="rId9"/>
-    <p:sldId id="261" r:id="rId10"/>
-    <p:sldId id="263" r:id="rId11"/>
-    <p:sldId id="267" r:id="rId12"/>
+    <p:sldId id="269" r:id="rId9"/>
+    <p:sldId id="268" r:id="rId10"/>
+    <p:sldId id="261" r:id="rId11"/>
+    <p:sldId id="263" r:id="rId12"/>
+    <p:sldId id="267" r:id="rId13"/>
   </p:sldIdLst>
   <p:sldSz cx="12192000" cy="6858000"/>
   <p:notesSz cx="6858000" cy="9144000"/>
@@ -978,1484 +979,7 @@
           <a:bodyPr/>
           <a:lstStyle/>
           <a:p>
-            <a:r>
-              <a:rPr lang="de-DE" dirty="0"/>
-              <a:t>At </a:t>
-            </a:r>
-            <a:r>
-              <a:rPr lang="de-DE" dirty="0" err="1"/>
-              <a:t>the</a:t>
-            </a:r>
-            <a:r>
-              <a:rPr lang="de-DE" dirty="0"/>
-              <a:t> </a:t>
-            </a:r>
-            <a:r>
-              <a:rPr lang="de-DE" dirty="0" err="1"/>
-              <a:t>beginning</a:t>
-            </a:r>
-            <a:r>
-              <a:rPr lang="de-DE" dirty="0"/>
-              <a:t> </a:t>
-            </a:r>
-            <a:r>
-              <a:rPr lang="de-DE" dirty="0" err="1"/>
-              <a:t>of</a:t>
-            </a:r>
-            <a:r>
-              <a:rPr lang="de-DE" dirty="0"/>
-              <a:t> </a:t>
-            </a:r>
-            <a:r>
-              <a:rPr lang="de-DE" dirty="0" err="1"/>
-              <a:t>the</a:t>
-            </a:r>
-            <a:r>
-              <a:rPr lang="de-DE" dirty="0"/>
-              <a:t> </a:t>
-            </a:r>
-            <a:r>
-              <a:rPr lang="de-DE" dirty="0" err="1"/>
-              <a:t>Preparation</a:t>
-            </a:r>
-            <a:r>
-              <a:rPr lang="de-DE" dirty="0"/>
-              <a:t> Phase </a:t>
-            </a:r>
-            <a:r>
-              <a:rPr lang="de-DE" dirty="0" err="1"/>
-              <a:t>we</a:t>
-            </a:r>
-            <a:r>
-              <a:rPr lang="de-DE" dirty="0"/>
-              <a:t> </a:t>
-            </a:r>
-            <a:r>
-              <a:rPr lang="de-DE" dirty="0" err="1"/>
-              <a:t>had</a:t>
-            </a:r>
-            <a:r>
-              <a:rPr lang="de-DE" dirty="0"/>
-              <a:t> </a:t>
-            </a:r>
-            <a:r>
-              <a:rPr lang="de-DE" dirty="0" err="1"/>
-              <a:t>to</a:t>
-            </a:r>
-            <a:r>
-              <a:rPr lang="de-DE" dirty="0"/>
-              <a:t> </a:t>
-            </a:r>
-            <a:r>
-              <a:rPr lang="de-DE" dirty="0" err="1"/>
-              <a:t>knew</a:t>
-            </a:r>
-            <a:r>
-              <a:rPr lang="de-DE" dirty="0"/>
-              <a:t> </a:t>
-            </a:r>
-            <a:r>
-              <a:rPr lang="de-DE" dirty="0" err="1"/>
-              <a:t>which</a:t>
-            </a:r>
-            <a:r>
-              <a:rPr lang="de-DE" dirty="0"/>
-              <a:t> </a:t>
-            </a:r>
-            <a:r>
-              <a:rPr lang="de-DE" dirty="0" err="1"/>
-              <a:t>parameters</a:t>
-            </a:r>
-            <a:r>
-              <a:rPr lang="de-DE" dirty="0"/>
-              <a:t> </a:t>
-            </a:r>
-            <a:r>
-              <a:rPr lang="de-DE" dirty="0" err="1"/>
-              <a:t>are</a:t>
-            </a:r>
-            <a:r>
-              <a:rPr lang="de-DE" dirty="0"/>
-              <a:t> </a:t>
-            </a:r>
-            <a:r>
-              <a:rPr lang="de-DE" dirty="0" err="1"/>
-              <a:t>needed</a:t>
-            </a:r>
-            <a:r>
-              <a:rPr lang="de-DE" dirty="0"/>
-              <a:t>. </a:t>
-            </a:r>
-            <a:r>
-              <a:rPr lang="de-DE" dirty="0" err="1"/>
-              <a:t>We</a:t>
-            </a:r>
-            <a:r>
-              <a:rPr lang="de-DE" dirty="0"/>
-              <a:t> </a:t>
-            </a:r>
-            <a:r>
-              <a:rPr lang="de-DE" dirty="0" err="1"/>
-              <a:t>decided</a:t>
-            </a:r>
-            <a:r>
-              <a:rPr lang="de-DE" dirty="0"/>
-              <a:t> </a:t>
-            </a:r>
-            <a:r>
-              <a:rPr lang="de-DE" dirty="0" err="1"/>
-              <a:t>to</a:t>
-            </a:r>
-            <a:r>
-              <a:rPr lang="de-DE" dirty="0"/>
-              <a:t> </a:t>
-            </a:r>
-            <a:r>
-              <a:rPr lang="de-DE" dirty="0" err="1"/>
-              <a:t>take</a:t>
-            </a:r>
-            <a:r>
-              <a:rPr lang="de-DE" dirty="0"/>
-              <a:t> </a:t>
-            </a:r>
-            <a:r>
-              <a:rPr lang="de-DE" dirty="0" err="1"/>
-              <a:t>the</a:t>
-            </a:r>
-            <a:r>
-              <a:rPr lang="de-DE" dirty="0"/>
-              <a:t> </a:t>
-            </a:r>
-            <a:r>
-              <a:rPr lang="de-DE" dirty="0" err="1"/>
-              <a:t>Divison</a:t>
-            </a:r>
-            <a:r>
-              <a:rPr lang="de-DE" dirty="0"/>
-              <a:t>, Date </a:t>
-            </a:r>
-            <a:r>
-              <a:rPr lang="de-DE" dirty="0" err="1"/>
-              <a:t>HomeTeam</a:t>
-            </a:r>
-            <a:r>
-              <a:rPr lang="de-DE" dirty="0"/>
-              <a:t>, </a:t>
-            </a:r>
-            <a:r>
-              <a:rPr lang="de-DE" dirty="0" err="1"/>
-              <a:t>AwayTeam</a:t>
-            </a:r>
-            <a:r>
-              <a:rPr lang="de-DE" dirty="0"/>
-              <a:t>, </a:t>
-            </a:r>
-            <a:r>
-              <a:rPr lang="de-DE" dirty="0" err="1"/>
-              <a:t>Full</a:t>
-            </a:r>
-            <a:r>
-              <a:rPr lang="de-DE" dirty="0"/>
-              <a:t> Time </a:t>
-            </a:r>
-            <a:r>
-              <a:rPr lang="de-DE" dirty="0" err="1"/>
-              <a:t>Away</a:t>
-            </a:r>
-            <a:r>
-              <a:rPr lang="de-DE" dirty="0"/>
-              <a:t> Goals </a:t>
-            </a:r>
-            <a:r>
-              <a:rPr lang="de-DE" dirty="0" err="1"/>
-              <a:t>which</a:t>
-            </a:r>
-            <a:r>
-              <a:rPr lang="de-DE" dirty="0"/>
-              <a:t> </a:t>
-            </a:r>
-            <a:r>
-              <a:rPr lang="de-DE" dirty="0" err="1"/>
-              <a:t>means</a:t>
-            </a:r>
-            <a:r>
-              <a:rPr lang="de-DE" dirty="0"/>
-              <a:t>: </a:t>
-            </a:r>
-            <a:r>
-              <a:rPr lang="de-DE" dirty="0" err="1"/>
-              <a:t>and</a:t>
-            </a:r>
-            <a:r>
-              <a:rPr lang="de-DE" dirty="0"/>
-              <a:t> </a:t>
-            </a:r>
-            <a:r>
-              <a:rPr lang="de-DE" dirty="0" err="1"/>
-              <a:t>Full</a:t>
-            </a:r>
-            <a:r>
-              <a:rPr lang="de-DE" dirty="0"/>
-              <a:t> Time Home Goals, </a:t>
-            </a:r>
-            <a:r>
-              <a:rPr lang="de-DE" sz="1200" b="0" i="0" u="none" strike="noStrike" kern="1200" dirty="0" err="1">
-                <a:solidFill>
-                  <a:schemeClr val="tx1"/>
-                </a:solidFill>
-                <a:effectLst/>
-                <a:latin typeface="+mn-lt"/>
-                <a:ea typeface="+mn-ea"/>
-                <a:cs typeface="+mn-cs"/>
-              </a:rPr>
-              <a:t>Full</a:t>
-            </a:r>
-            <a:r>
-              <a:rPr lang="de-DE" sz="1200" b="0" i="0" u="none" strike="noStrike" kern="1200" dirty="0">
-                <a:solidFill>
-                  <a:schemeClr val="tx1"/>
-                </a:solidFill>
-                <a:effectLst/>
-                <a:latin typeface="+mn-lt"/>
-                <a:ea typeface="+mn-ea"/>
-                <a:cs typeface="+mn-cs"/>
-              </a:rPr>
-              <a:t> Time </a:t>
-            </a:r>
-            <a:r>
-              <a:rPr lang="de-DE" sz="1200" b="0" i="0" u="none" strike="noStrike" kern="1200" dirty="0" err="1">
-                <a:solidFill>
-                  <a:schemeClr val="tx1"/>
-                </a:solidFill>
-                <a:effectLst/>
-                <a:latin typeface="+mn-lt"/>
-                <a:ea typeface="+mn-ea"/>
-                <a:cs typeface="+mn-cs"/>
-              </a:rPr>
-              <a:t>Result</a:t>
-            </a:r>
-            <a:r>
-              <a:rPr lang="de-DE" sz="1200" b="0" i="0" u="none" strike="noStrike" kern="1200" dirty="0">
-                <a:solidFill>
-                  <a:schemeClr val="tx1"/>
-                </a:solidFill>
-                <a:effectLst/>
-                <a:latin typeface="+mn-lt"/>
-                <a:ea typeface="+mn-ea"/>
-                <a:cs typeface="+mn-cs"/>
-              </a:rPr>
-              <a:t> (H=Home </a:t>
-            </a:r>
-            <a:r>
-              <a:rPr lang="de-DE" sz="1200" b="0" i="0" u="none" strike="noStrike" kern="1200" dirty="0" err="1">
-                <a:solidFill>
-                  <a:schemeClr val="tx1"/>
-                </a:solidFill>
-                <a:effectLst/>
-                <a:latin typeface="+mn-lt"/>
-                <a:ea typeface="+mn-ea"/>
-                <a:cs typeface="+mn-cs"/>
-              </a:rPr>
-              <a:t>Win</a:t>
-            </a:r>
-            <a:r>
-              <a:rPr lang="de-DE" sz="1200" b="0" i="0" u="none" strike="noStrike" kern="1200" dirty="0">
-                <a:solidFill>
-                  <a:schemeClr val="tx1"/>
-                </a:solidFill>
-                <a:effectLst/>
-                <a:latin typeface="+mn-lt"/>
-                <a:ea typeface="+mn-ea"/>
-                <a:cs typeface="+mn-cs"/>
-              </a:rPr>
-              <a:t>, D=Draw, A=</a:t>
-            </a:r>
-            <a:r>
-              <a:rPr lang="de-DE" sz="1200" b="0" i="0" u="none" strike="noStrike" kern="1200" dirty="0" err="1">
-                <a:solidFill>
-                  <a:schemeClr val="tx1"/>
-                </a:solidFill>
-                <a:effectLst/>
-                <a:latin typeface="+mn-lt"/>
-                <a:ea typeface="+mn-ea"/>
-                <a:cs typeface="+mn-cs"/>
-              </a:rPr>
-              <a:t>Away</a:t>
-            </a:r>
-            <a:r>
-              <a:rPr lang="de-DE" sz="1200" b="0" i="0" u="none" strike="noStrike" kern="1200" dirty="0">
-                <a:solidFill>
-                  <a:schemeClr val="tx1"/>
-                </a:solidFill>
-                <a:effectLst/>
-                <a:latin typeface="+mn-lt"/>
-                <a:ea typeface="+mn-ea"/>
-                <a:cs typeface="+mn-cs"/>
-              </a:rPr>
-              <a:t> </a:t>
-            </a:r>
-            <a:r>
-              <a:rPr lang="de-DE" sz="1200" b="0" i="0" u="none" strike="noStrike" kern="1200" dirty="0" err="1">
-                <a:solidFill>
-                  <a:schemeClr val="tx1"/>
-                </a:solidFill>
-                <a:effectLst/>
-                <a:latin typeface="+mn-lt"/>
-                <a:ea typeface="+mn-ea"/>
-                <a:cs typeface="+mn-cs"/>
-              </a:rPr>
-              <a:t>Win</a:t>
-            </a:r>
-            <a:r>
-              <a:rPr lang="de-DE" sz="1200" b="0" i="0" u="none" strike="noStrike" kern="1200" dirty="0">
-                <a:solidFill>
-                  <a:schemeClr val="tx1"/>
-                </a:solidFill>
-                <a:effectLst/>
-                <a:latin typeface="+mn-lt"/>
-                <a:ea typeface="+mn-ea"/>
-                <a:cs typeface="+mn-cs"/>
-              </a:rPr>
-              <a:t>)....</a:t>
-            </a:r>
-          </a:p>
-          <a:p>
-            <a:endParaRPr lang="de-DE" sz="1200" b="0" i="0" u="none" strike="noStrike" kern="1200" dirty="0">
-              <a:solidFill>
-                <a:schemeClr val="tx1"/>
-              </a:solidFill>
-              <a:effectLst/>
-              <a:latin typeface="+mn-lt"/>
-              <a:ea typeface="+mn-ea"/>
-              <a:cs typeface="+mn-cs"/>
-            </a:endParaRPr>
-          </a:p>
-          <a:p>
-            <a:r>
-              <a:rPr lang="de-DE" sz="1200" b="0" i="0" u="none" strike="noStrike" kern="1200" dirty="0">
-                <a:solidFill>
-                  <a:schemeClr val="tx1"/>
-                </a:solidFill>
-                <a:effectLst/>
-                <a:latin typeface="+mn-lt"/>
-                <a:ea typeface="+mn-ea"/>
-                <a:cs typeface="+mn-cs"/>
-              </a:rPr>
-              <a:t>I </a:t>
-            </a:r>
-            <a:r>
-              <a:rPr lang="de-DE" sz="1200" b="0" i="0" u="none" strike="noStrike" kern="1200" dirty="0" err="1">
-                <a:solidFill>
-                  <a:schemeClr val="tx1"/>
-                </a:solidFill>
-                <a:effectLst/>
-                <a:latin typeface="+mn-lt"/>
-                <a:ea typeface="+mn-ea"/>
-                <a:cs typeface="+mn-cs"/>
-              </a:rPr>
-              <a:t>did</a:t>
-            </a:r>
-            <a:r>
-              <a:rPr lang="de-DE" sz="1200" b="0" i="0" u="none" strike="noStrike" kern="1200" dirty="0">
-                <a:solidFill>
-                  <a:schemeClr val="tx1"/>
-                </a:solidFill>
-                <a:effectLst/>
-                <a:latin typeface="+mn-lt"/>
-                <a:ea typeface="+mn-ea"/>
-                <a:cs typeface="+mn-cs"/>
-              </a:rPr>
-              <a:t> </a:t>
-            </a:r>
-            <a:r>
-              <a:rPr lang="de-DE" sz="1200" b="0" i="0" u="none" strike="noStrike" kern="1200" dirty="0" err="1">
-                <a:solidFill>
-                  <a:schemeClr val="tx1"/>
-                </a:solidFill>
-                <a:effectLst/>
-                <a:latin typeface="+mn-lt"/>
-                <a:ea typeface="+mn-ea"/>
-                <a:cs typeface="+mn-cs"/>
-              </a:rPr>
-              <a:t>this</a:t>
-            </a:r>
-            <a:r>
-              <a:rPr lang="de-DE" sz="1200" b="0" i="0" u="none" strike="noStrike" kern="1200" dirty="0">
-                <a:solidFill>
-                  <a:schemeClr val="tx1"/>
-                </a:solidFill>
-                <a:effectLst/>
-                <a:latin typeface="+mn-lt"/>
-                <a:ea typeface="+mn-ea"/>
-                <a:cs typeface="+mn-cs"/>
-              </a:rPr>
-              <a:t> </a:t>
-            </a:r>
-            <a:r>
-              <a:rPr lang="de-DE" sz="1200" b="0" i="0" u="none" strike="noStrike" kern="1200" dirty="0" err="1">
-                <a:solidFill>
-                  <a:schemeClr val="tx1"/>
-                </a:solidFill>
-                <a:effectLst/>
-                <a:latin typeface="+mn-lt"/>
-                <a:ea typeface="+mn-ea"/>
-                <a:cs typeface="+mn-cs"/>
-              </a:rPr>
-              <a:t>first</a:t>
-            </a:r>
-            <a:r>
-              <a:rPr lang="de-DE" sz="1200" b="0" i="0" u="none" strike="noStrike" kern="1200" dirty="0">
-                <a:solidFill>
-                  <a:schemeClr val="tx1"/>
-                </a:solidFill>
-                <a:effectLst/>
-                <a:latin typeface="+mn-lt"/>
-                <a:ea typeface="+mn-ea"/>
-                <a:cs typeface="+mn-cs"/>
-              </a:rPr>
-              <a:t> </a:t>
-            </a:r>
-            <a:r>
-              <a:rPr lang="de-DE" sz="1200" b="0" i="0" u="none" strike="noStrike" kern="1200" dirty="0" err="1">
-                <a:solidFill>
-                  <a:schemeClr val="tx1"/>
-                </a:solidFill>
-                <a:effectLst/>
-                <a:latin typeface="+mn-lt"/>
-                <a:ea typeface="+mn-ea"/>
-                <a:cs typeface="+mn-cs"/>
-              </a:rPr>
-              <a:t>cleaning</a:t>
-            </a:r>
-            <a:r>
-              <a:rPr lang="de-DE" sz="1200" b="0" i="0" u="none" strike="noStrike" kern="1200" dirty="0">
-                <a:solidFill>
-                  <a:schemeClr val="tx1"/>
-                </a:solidFill>
-                <a:effectLst/>
-                <a:latin typeface="+mn-lt"/>
-                <a:ea typeface="+mn-ea"/>
-                <a:cs typeface="+mn-cs"/>
-              </a:rPr>
-              <a:t> </a:t>
-            </a:r>
-            <a:r>
-              <a:rPr lang="de-DE" sz="1200" b="0" i="0" u="none" strike="noStrike" kern="1200" dirty="0" err="1">
-                <a:solidFill>
-                  <a:schemeClr val="tx1"/>
-                </a:solidFill>
-                <a:effectLst/>
-                <a:latin typeface="+mn-lt"/>
-                <a:ea typeface="+mn-ea"/>
-                <a:cs typeface="+mn-cs"/>
-              </a:rPr>
-              <a:t>step</a:t>
-            </a:r>
-            <a:r>
-              <a:rPr lang="de-DE" sz="1200" b="0" i="0" u="none" strike="noStrike" kern="1200" dirty="0">
-                <a:solidFill>
-                  <a:schemeClr val="tx1"/>
-                </a:solidFill>
-                <a:effectLst/>
-                <a:latin typeface="+mn-lt"/>
-                <a:ea typeface="+mn-ea"/>
-                <a:cs typeface="+mn-cs"/>
-              </a:rPr>
-              <a:t> in Excel </a:t>
-            </a:r>
-            <a:r>
-              <a:rPr lang="de-DE" sz="1200" b="0" i="0" u="none" strike="noStrike" kern="1200" dirty="0" err="1">
-                <a:solidFill>
-                  <a:schemeClr val="tx1"/>
-                </a:solidFill>
-                <a:effectLst/>
-                <a:latin typeface="+mn-lt"/>
-                <a:ea typeface="+mn-ea"/>
-                <a:cs typeface="+mn-cs"/>
-              </a:rPr>
-              <a:t>and</a:t>
-            </a:r>
-            <a:r>
-              <a:rPr lang="de-DE" sz="1200" b="0" i="0" u="none" strike="noStrike" kern="1200" dirty="0">
-                <a:solidFill>
-                  <a:schemeClr val="tx1"/>
-                </a:solidFill>
-                <a:effectLst/>
-                <a:latin typeface="+mn-lt"/>
-                <a:ea typeface="+mn-ea"/>
-                <a:cs typeface="+mn-cs"/>
-              </a:rPr>
-              <a:t> </a:t>
-            </a:r>
-            <a:r>
-              <a:rPr lang="de-DE" sz="1200" b="0" i="0" u="none" strike="noStrike" kern="1200" dirty="0" err="1">
-                <a:solidFill>
-                  <a:schemeClr val="tx1"/>
-                </a:solidFill>
-                <a:effectLst/>
-                <a:latin typeface="+mn-lt"/>
-                <a:ea typeface="+mn-ea"/>
-                <a:cs typeface="+mn-cs"/>
-              </a:rPr>
-              <a:t>first</a:t>
-            </a:r>
-            <a:r>
-              <a:rPr lang="de-DE" sz="1200" b="0" i="0" u="none" strike="noStrike" kern="1200" dirty="0">
-                <a:solidFill>
-                  <a:schemeClr val="tx1"/>
-                </a:solidFill>
-                <a:effectLst/>
-                <a:latin typeface="+mn-lt"/>
-                <a:ea typeface="+mn-ea"/>
-                <a:cs typeface="+mn-cs"/>
-              </a:rPr>
-              <a:t> </a:t>
-            </a:r>
-            <a:r>
-              <a:rPr lang="de-DE" sz="1200" b="0" i="0" u="none" strike="noStrike" kern="1200" dirty="0" err="1">
-                <a:solidFill>
-                  <a:schemeClr val="tx1"/>
-                </a:solidFill>
-                <a:effectLst/>
-                <a:latin typeface="+mn-lt"/>
-                <a:ea typeface="+mn-ea"/>
-                <a:cs typeface="+mn-cs"/>
-              </a:rPr>
-              <a:t>seperated</a:t>
-            </a:r>
-            <a:r>
-              <a:rPr lang="de-DE" sz="1200" b="0" i="0" u="none" strike="noStrike" kern="1200" dirty="0">
-                <a:solidFill>
-                  <a:schemeClr val="tx1"/>
-                </a:solidFill>
-                <a:effectLst/>
-                <a:latin typeface="+mn-lt"/>
-                <a:ea typeface="+mn-ea"/>
-                <a:cs typeface="+mn-cs"/>
-              </a:rPr>
-              <a:t> all </a:t>
-            </a:r>
-            <a:r>
-              <a:rPr lang="de-DE" sz="1200" b="0" i="0" u="none" strike="noStrike" kern="1200" dirty="0" err="1">
-                <a:solidFill>
-                  <a:schemeClr val="tx1"/>
-                </a:solidFill>
-                <a:effectLst/>
-                <a:latin typeface="+mn-lt"/>
-                <a:ea typeface="+mn-ea"/>
-                <a:cs typeface="+mn-cs"/>
-              </a:rPr>
-              <a:t>the</a:t>
-            </a:r>
-            <a:r>
-              <a:rPr lang="de-DE" sz="1200" b="0" i="0" u="none" strike="noStrike" kern="1200" dirty="0">
-                <a:solidFill>
-                  <a:schemeClr val="tx1"/>
-                </a:solidFill>
-                <a:effectLst/>
-                <a:latin typeface="+mn-lt"/>
-                <a:ea typeface="+mn-ea"/>
-                <a:cs typeface="+mn-cs"/>
-              </a:rPr>
-              <a:t> </a:t>
-            </a:r>
-            <a:r>
-              <a:rPr lang="de-DE" sz="1200" b="0" i="0" u="none" strike="noStrike" kern="1200" dirty="0" err="1">
-                <a:solidFill>
-                  <a:schemeClr val="tx1"/>
-                </a:solidFill>
-                <a:effectLst/>
-                <a:latin typeface="+mn-lt"/>
-                <a:ea typeface="+mn-ea"/>
-                <a:cs typeface="+mn-cs"/>
-              </a:rPr>
-              <a:t>parameter</a:t>
-            </a:r>
-            <a:r>
-              <a:rPr lang="de-DE" sz="1200" b="0" i="0" u="none" strike="noStrike" kern="1200" dirty="0">
-                <a:solidFill>
-                  <a:schemeClr val="tx1"/>
-                </a:solidFill>
-                <a:effectLst/>
-                <a:latin typeface="+mn-lt"/>
-                <a:ea typeface="+mn-ea"/>
-                <a:cs typeface="+mn-cs"/>
-              </a:rPr>
-              <a:t> in </a:t>
-            </a:r>
-            <a:r>
-              <a:rPr lang="de-DE" sz="1200" b="0" i="0" u="none" strike="noStrike" kern="1200" dirty="0" err="1">
-                <a:solidFill>
-                  <a:schemeClr val="tx1"/>
-                </a:solidFill>
-                <a:effectLst/>
-                <a:latin typeface="+mn-lt"/>
-                <a:ea typeface="+mn-ea"/>
-                <a:cs typeface="+mn-cs"/>
-              </a:rPr>
-              <a:t>diffrent</a:t>
-            </a:r>
-            <a:r>
-              <a:rPr lang="de-DE" sz="1200" b="0" i="0" u="none" strike="noStrike" kern="1200" dirty="0">
-                <a:solidFill>
-                  <a:schemeClr val="tx1"/>
-                </a:solidFill>
-                <a:effectLst/>
-                <a:latin typeface="+mn-lt"/>
-                <a:ea typeface="+mn-ea"/>
-                <a:cs typeface="+mn-cs"/>
-              </a:rPr>
-              <a:t> </a:t>
-            </a:r>
-            <a:r>
-              <a:rPr lang="de-DE" sz="1200" b="0" i="0" u="none" strike="noStrike" kern="1200" dirty="0" err="1">
-                <a:solidFill>
-                  <a:schemeClr val="tx1"/>
-                </a:solidFill>
-                <a:effectLst/>
-                <a:latin typeface="+mn-lt"/>
-                <a:ea typeface="+mn-ea"/>
-                <a:cs typeface="+mn-cs"/>
-              </a:rPr>
-              <a:t>columns</a:t>
-            </a:r>
-            <a:r>
-              <a:rPr lang="de-DE" sz="1200" b="0" i="0" u="none" strike="noStrike" kern="1200" dirty="0">
-                <a:solidFill>
-                  <a:schemeClr val="tx1"/>
-                </a:solidFill>
-                <a:effectLst/>
-                <a:latin typeface="+mn-lt"/>
-                <a:ea typeface="+mn-ea"/>
-                <a:cs typeface="+mn-cs"/>
-              </a:rPr>
-              <a:t>.... After </a:t>
-            </a:r>
-            <a:r>
-              <a:rPr lang="de-DE" sz="1200" b="0" i="0" u="none" strike="noStrike" kern="1200" dirty="0" err="1">
-                <a:solidFill>
-                  <a:schemeClr val="tx1"/>
-                </a:solidFill>
-                <a:effectLst/>
-                <a:latin typeface="+mn-lt"/>
-                <a:ea typeface="+mn-ea"/>
-                <a:cs typeface="+mn-cs"/>
-              </a:rPr>
-              <a:t>that</a:t>
-            </a:r>
-            <a:r>
-              <a:rPr lang="de-DE" sz="1200" b="0" i="0" u="none" strike="noStrike" kern="1200" dirty="0">
-                <a:solidFill>
-                  <a:schemeClr val="tx1"/>
-                </a:solidFill>
-                <a:effectLst/>
-                <a:latin typeface="+mn-lt"/>
-                <a:ea typeface="+mn-ea"/>
-                <a:cs typeface="+mn-cs"/>
-              </a:rPr>
-              <a:t> I </a:t>
-            </a:r>
-            <a:r>
-              <a:rPr lang="de-DE" sz="1200" b="0" i="0" u="none" strike="noStrike" kern="1200" dirty="0" err="1">
-                <a:solidFill>
-                  <a:schemeClr val="tx1"/>
-                </a:solidFill>
-                <a:effectLst/>
-                <a:latin typeface="+mn-lt"/>
-                <a:ea typeface="+mn-ea"/>
-                <a:cs typeface="+mn-cs"/>
-              </a:rPr>
-              <a:t>deleted</a:t>
-            </a:r>
-            <a:r>
-              <a:rPr lang="de-DE" sz="1200" b="0" i="0" u="none" strike="noStrike" kern="1200" dirty="0">
-                <a:solidFill>
-                  <a:schemeClr val="tx1"/>
-                </a:solidFill>
-                <a:effectLst/>
-                <a:latin typeface="+mn-lt"/>
-                <a:ea typeface="+mn-ea"/>
-                <a:cs typeface="+mn-cs"/>
-              </a:rPr>
-              <a:t> </a:t>
-            </a:r>
-            <a:r>
-              <a:rPr lang="de-DE" sz="1200" b="0" i="0" u="none" strike="noStrike" kern="1200" dirty="0" err="1">
-                <a:solidFill>
-                  <a:schemeClr val="tx1"/>
-                </a:solidFill>
-                <a:effectLst/>
-                <a:latin typeface="+mn-lt"/>
-                <a:ea typeface="+mn-ea"/>
-                <a:cs typeface="+mn-cs"/>
-              </a:rPr>
-              <a:t>the</a:t>
-            </a:r>
-            <a:r>
-              <a:rPr lang="de-DE" sz="1200" b="0" i="0" u="none" strike="noStrike" kern="1200" dirty="0">
-                <a:solidFill>
-                  <a:schemeClr val="tx1"/>
-                </a:solidFill>
-                <a:effectLst/>
-                <a:latin typeface="+mn-lt"/>
-                <a:ea typeface="+mn-ea"/>
-                <a:cs typeface="+mn-cs"/>
-              </a:rPr>
-              <a:t> not </a:t>
-            </a:r>
-            <a:r>
-              <a:rPr lang="de-DE" sz="1200" b="0" i="0" u="none" strike="noStrike" kern="1200" dirty="0" err="1">
-                <a:solidFill>
-                  <a:schemeClr val="tx1"/>
-                </a:solidFill>
-                <a:effectLst/>
-                <a:latin typeface="+mn-lt"/>
-                <a:ea typeface="+mn-ea"/>
-                <a:cs typeface="+mn-cs"/>
-              </a:rPr>
-              <a:t>needed</a:t>
-            </a:r>
-            <a:r>
-              <a:rPr lang="de-DE" sz="1200" b="0" i="0" u="none" strike="noStrike" kern="1200" dirty="0">
-                <a:solidFill>
-                  <a:schemeClr val="tx1"/>
-                </a:solidFill>
-                <a:effectLst/>
-                <a:latin typeface="+mn-lt"/>
-                <a:ea typeface="+mn-ea"/>
-                <a:cs typeface="+mn-cs"/>
-              </a:rPr>
-              <a:t> </a:t>
-            </a:r>
-            <a:r>
-              <a:rPr lang="de-DE" sz="1200" b="0" i="0" u="none" strike="noStrike" kern="1200" dirty="0" err="1">
-                <a:solidFill>
-                  <a:schemeClr val="tx1"/>
-                </a:solidFill>
-                <a:effectLst/>
-                <a:latin typeface="+mn-lt"/>
-                <a:ea typeface="+mn-ea"/>
-                <a:cs typeface="+mn-cs"/>
-              </a:rPr>
-              <a:t>columns</a:t>
-            </a:r>
-            <a:r>
-              <a:rPr lang="de-DE" sz="1200" b="0" i="0" u="none" strike="noStrike" kern="1200" dirty="0">
-                <a:solidFill>
-                  <a:schemeClr val="tx1"/>
-                </a:solidFill>
-                <a:effectLst/>
-                <a:latin typeface="+mn-lt"/>
-                <a:ea typeface="+mn-ea"/>
-                <a:cs typeface="+mn-cs"/>
-              </a:rPr>
-              <a:t>....</a:t>
-            </a:r>
-            <a:r>
-              <a:rPr lang="de-DE" sz="1200" b="0" i="0" u="none" strike="noStrike" kern="1200" dirty="0" err="1">
-                <a:solidFill>
-                  <a:schemeClr val="tx1"/>
-                </a:solidFill>
-                <a:effectLst/>
-                <a:latin typeface="+mn-lt"/>
-                <a:ea typeface="+mn-ea"/>
-                <a:cs typeface="+mn-cs"/>
-              </a:rPr>
-              <a:t>for</a:t>
-            </a:r>
-            <a:r>
-              <a:rPr lang="de-DE" sz="1200" b="0" i="0" u="none" strike="noStrike" kern="1200" dirty="0">
-                <a:solidFill>
-                  <a:schemeClr val="tx1"/>
-                </a:solidFill>
-                <a:effectLst/>
-                <a:latin typeface="+mn-lt"/>
-                <a:ea typeface="+mn-ea"/>
-                <a:cs typeface="+mn-cs"/>
-              </a:rPr>
-              <a:t> </a:t>
-            </a:r>
-            <a:r>
-              <a:rPr lang="de-DE" sz="1200" b="0" i="0" u="none" strike="noStrike" kern="1200" dirty="0" err="1">
-                <a:solidFill>
-                  <a:schemeClr val="tx1"/>
-                </a:solidFill>
-                <a:effectLst/>
-                <a:latin typeface="+mn-lt"/>
-                <a:ea typeface="+mn-ea"/>
-                <a:cs typeface="+mn-cs"/>
-              </a:rPr>
-              <a:t>each</a:t>
-            </a:r>
-            <a:r>
-              <a:rPr lang="de-DE" sz="1200" b="0" i="0" u="none" strike="noStrike" kern="1200" dirty="0">
-                <a:solidFill>
-                  <a:schemeClr val="tx1"/>
-                </a:solidFill>
-                <a:effectLst/>
-                <a:latin typeface="+mn-lt"/>
-                <a:ea typeface="+mn-ea"/>
-                <a:cs typeface="+mn-cs"/>
-              </a:rPr>
-              <a:t> </a:t>
-            </a:r>
-            <a:r>
-              <a:rPr lang="de-DE" sz="1200" b="0" i="0" u="none" strike="noStrike" kern="1200" dirty="0" err="1">
-                <a:solidFill>
-                  <a:schemeClr val="tx1"/>
-                </a:solidFill>
-                <a:effectLst/>
-                <a:latin typeface="+mn-lt"/>
-                <a:ea typeface="+mn-ea"/>
-                <a:cs typeface="+mn-cs"/>
-              </a:rPr>
-              <a:t>season</a:t>
-            </a:r>
-            <a:endParaRPr lang="de-DE" sz="1200" b="0" i="0" u="none" strike="noStrike" kern="1200" dirty="0">
-              <a:solidFill>
-                <a:schemeClr val="tx1"/>
-              </a:solidFill>
-              <a:effectLst/>
-              <a:latin typeface="+mn-lt"/>
-              <a:ea typeface="+mn-ea"/>
-              <a:cs typeface="+mn-cs"/>
-            </a:endParaRPr>
-          </a:p>
-          <a:p>
-            <a:endParaRPr lang="de-DE" sz="1200" b="0" i="0" u="none" strike="noStrike" kern="1200" dirty="0">
-              <a:solidFill>
-                <a:schemeClr val="tx1"/>
-              </a:solidFill>
-              <a:effectLst/>
-              <a:latin typeface="+mn-lt"/>
-              <a:ea typeface="+mn-ea"/>
-              <a:cs typeface="+mn-cs"/>
-            </a:endParaRPr>
-          </a:p>
-          <a:p>
-            <a:r>
-              <a:rPr lang="de-DE" sz="1200" b="0" i="0" u="none" strike="noStrike" kern="1200" dirty="0">
-                <a:solidFill>
-                  <a:schemeClr val="tx1"/>
-                </a:solidFill>
-                <a:effectLst/>
-                <a:latin typeface="+mn-lt"/>
-                <a:ea typeface="+mn-ea"/>
-                <a:cs typeface="+mn-cs"/>
-              </a:rPr>
-              <a:t>Next </a:t>
-            </a:r>
-            <a:r>
-              <a:rPr lang="de-DE" sz="1200" b="0" i="0" u="none" strike="noStrike" kern="1200" dirty="0" err="1">
-                <a:solidFill>
-                  <a:schemeClr val="tx1"/>
-                </a:solidFill>
-                <a:effectLst/>
-                <a:latin typeface="+mn-lt"/>
-                <a:ea typeface="+mn-ea"/>
-                <a:cs typeface="+mn-cs"/>
-              </a:rPr>
-              <a:t>step</a:t>
-            </a:r>
-            <a:r>
-              <a:rPr lang="de-DE" sz="1200" b="0" i="0" u="none" strike="noStrike" kern="1200" dirty="0">
-                <a:solidFill>
-                  <a:schemeClr val="tx1"/>
-                </a:solidFill>
-                <a:effectLst/>
-                <a:latin typeface="+mn-lt"/>
-                <a:ea typeface="+mn-ea"/>
-                <a:cs typeface="+mn-cs"/>
-              </a:rPr>
-              <a:t> was </a:t>
-            </a:r>
-            <a:r>
-              <a:rPr lang="de-DE" sz="1200" b="0" i="0" u="none" strike="noStrike" kern="1200" dirty="0" err="1">
-                <a:solidFill>
-                  <a:schemeClr val="tx1"/>
-                </a:solidFill>
-                <a:effectLst/>
-                <a:latin typeface="+mn-lt"/>
-                <a:ea typeface="+mn-ea"/>
-                <a:cs typeface="+mn-cs"/>
-              </a:rPr>
-              <a:t>to</a:t>
-            </a:r>
-            <a:r>
-              <a:rPr lang="de-DE" sz="1200" b="0" i="0" u="none" strike="noStrike" kern="1200" dirty="0">
-                <a:solidFill>
-                  <a:schemeClr val="tx1"/>
-                </a:solidFill>
-                <a:effectLst/>
-                <a:latin typeface="+mn-lt"/>
-                <a:ea typeface="+mn-ea"/>
-                <a:cs typeface="+mn-cs"/>
-              </a:rPr>
-              <a:t> </a:t>
-            </a:r>
-            <a:r>
-              <a:rPr lang="de-DE" sz="1200" b="0" i="0" u="none" strike="noStrike" kern="1200" dirty="0" err="1">
-                <a:solidFill>
-                  <a:schemeClr val="tx1"/>
-                </a:solidFill>
-                <a:effectLst/>
-                <a:latin typeface="+mn-lt"/>
-                <a:ea typeface="+mn-ea"/>
-                <a:cs typeface="+mn-cs"/>
-              </a:rPr>
-              <a:t>put</a:t>
-            </a:r>
-            <a:r>
-              <a:rPr lang="de-DE" sz="1200" b="0" i="0" u="none" strike="noStrike" kern="1200" dirty="0">
-                <a:solidFill>
-                  <a:schemeClr val="tx1"/>
-                </a:solidFill>
-                <a:effectLst/>
-                <a:latin typeface="+mn-lt"/>
-                <a:ea typeface="+mn-ea"/>
-                <a:cs typeface="+mn-cs"/>
-              </a:rPr>
-              <a:t> </a:t>
-            </a:r>
-            <a:r>
-              <a:rPr lang="de-DE" sz="1200" b="0" i="0" u="none" strike="noStrike" kern="1200" dirty="0" err="1">
-                <a:solidFill>
-                  <a:schemeClr val="tx1"/>
-                </a:solidFill>
-                <a:effectLst/>
-                <a:latin typeface="+mn-lt"/>
-                <a:ea typeface="+mn-ea"/>
-                <a:cs typeface="+mn-cs"/>
-              </a:rPr>
-              <a:t>this</a:t>
-            </a:r>
-            <a:r>
-              <a:rPr lang="de-DE" sz="1200" b="0" i="0" u="none" strike="noStrike" kern="1200" dirty="0">
-                <a:solidFill>
-                  <a:schemeClr val="tx1"/>
-                </a:solidFill>
-                <a:effectLst/>
-                <a:latin typeface="+mn-lt"/>
-                <a:ea typeface="+mn-ea"/>
-                <a:cs typeface="+mn-cs"/>
-              </a:rPr>
-              <a:t> </a:t>
-            </a:r>
-            <a:r>
-              <a:rPr lang="de-DE" sz="1200" b="0" i="0" u="none" strike="noStrike" kern="1200" dirty="0" err="1">
-                <a:solidFill>
-                  <a:schemeClr val="tx1"/>
-                </a:solidFill>
-                <a:effectLst/>
-                <a:latin typeface="+mn-lt"/>
-                <a:ea typeface="+mn-ea"/>
-                <a:cs typeface="+mn-cs"/>
-              </a:rPr>
-              <a:t>data</a:t>
-            </a:r>
-            <a:r>
-              <a:rPr lang="de-DE" sz="1200" b="0" i="0" u="none" strike="noStrike" kern="1200" dirty="0">
-                <a:solidFill>
-                  <a:schemeClr val="tx1"/>
-                </a:solidFill>
-                <a:effectLst/>
-                <a:latin typeface="+mn-lt"/>
-                <a:ea typeface="+mn-ea"/>
-                <a:cs typeface="+mn-cs"/>
-              </a:rPr>
-              <a:t> via </a:t>
-            </a:r>
-            <a:r>
-              <a:rPr lang="de-DE" sz="1200" b="0" i="0" u="none" strike="noStrike" kern="1200" dirty="0" err="1">
-                <a:solidFill>
-                  <a:schemeClr val="tx1"/>
-                </a:solidFill>
-                <a:effectLst/>
-                <a:latin typeface="+mn-lt"/>
-                <a:ea typeface="+mn-ea"/>
-                <a:cs typeface="+mn-cs"/>
-              </a:rPr>
-              <a:t>phpmyadmin</a:t>
-            </a:r>
-            <a:r>
-              <a:rPr lang="de-DE" sz="1200" b="0" i="0" u="none" strike="noStrike" kern="1200" dirty="0">
-                <a:solidFill>
-                  <a:schemeClr val="tx1"/>
-                </a:solidFill>
-                <a:effectLst/>
-                <a:latin typeface="+mn-lt"/>
-                <a:ea typeface="+mn-ea"/>
-                <a:cs typeface="+mn-cs"/>
-              </a:rPr>
-              <a:t> </a:t>
-            </a:r>
-            <a:r>
-              <a:rPr lang="de-DE" sz="1200" b="0" i="0" u="none" strike="noStrike" kern="1200" dirty="0" err="1">
-                <a:solidFill>
-                  <a:schemeClr val="tx1"/>
-                </a:solidFill>
-                <a:effectLst/>
-                <a:latin typeface="+mn-lt"/>
-                <a:ea typeface="+mn-ea"/>
-                <a:cs typeface="+mn-cs"/>
-              </a:rPr>
-              <a:t>into</a:t>
-            </a:r>
-            <a:r>
-              <a:rPr lang="de-DE" sz="1200" b="0" i="0" u="none" strike="noStrike" kern="1200" dirty="0">
-                <a:solidFill>
-                  <a:schemeClr val="tx1"/>
-                </a:solidFill>
-                <a:effectLst/>
-                <a:latin typeface="+mn-lt"/>
-                <a:ea typeface="+mn-ea"/>
-                <a:cs typeface="+mn-cs"/>
-              </a:rPr>
-              <a:t> </a:t>
-            </a:r>
-            <a:r>
-              <a:rPr lang="de-DE" sz="1200" b="0" i="0" u="none" strike="noStrike" kern="1200" dirty="0" err="1">
-                <a:solidFill>
-                  <a:schemeClr val="tx1"/>
-                </a:solidFill>
-                <a:effectLst/>
-                <a:latin typeface="+mn-lt"/>
-                <a:ea typeface="+mn-ea"/>
-                <a:cs typeface="+mn-cs"/>
-              </a:rPr>
-              <a:t>the</a:t>
-            </a:r>
-            <a:r>
-              <a:rPr lang="de-DE" sz="1200" b="0" i="0" u="none" strike="noStrike" kern="1200" dirty="0">
-                <a:solidFill>
-                  <a:schemeClr val="tx1"/>
-                </a:solidFill>
-                <a:effectLst/>
-                <a:latin typeface="+mn-lt"/>
-                <a:ea typeface="+mn-ea"/>
-                <a:cs typeface="+mn-cs"/>
-              </a:rPr>
-              <a:t> </a:t>
-            </a:r>
-            <a:r>
-              <a:rPr lang="de-DE" sz="1200" b="0" i="0" u="none" strike="noStrike" kern="1200" dirty="0" err="1">
-                <a:solidFill>
-                  <a:schemeClr val="tx1"/>
-                </a:solidFill>
-                <a:effectLst/>
-                <a:latin typeface="+mn-lt"/>
-                <a:ea typeface="+mn-ea"/>
-                <a:cs typeface="+mn-cs"/>
-              </a:rPr>
-              <a:t>db</a:t>
-            </a:r>
-            <a:r>
-              <a:rPr lang="de-DE" sz="1200" b="0" i="0" u="none" strike="noStrike" kern="1200" dirty="0">
-                <a:solidFill>
-                  <a:schemeClr val="tx1"/>
-                </a:solidFill>
-                <a:effectLst/>
-                <a:latin typeface="+mn-lt"/>
-                <a:ea typeface="+mn-ea"/>
-                <a:cs typeface="+mn-cs"/>
-              </a:rPr>
-              <a:t>, </a:t>
-            </a:r>
-            <a:r>
-              <a:rPr lang="de-DE" sz="1200" b="0" i="0" u="none" strike="noStrike" kern="1200" dirty="0" err="1">
-                <a:solidFill>
-                  <a:schemeClr val="tx1"/>
-                </a:solidFill>
-                <a:effectLst/>
-                <a:latin typeface="+mn-lt"/>
-                <a:ea typeface="+mn-ea"/>
-                <a:cs typeface="+mn-cs"/>
-              </a:rPr>
-              <a:t>compress</a:t>
-            </a:r>
-            <a:r>
-              <a:rPr lang="de-DE" sz="1200" b="0" i="0" u="none" strike="noStrike" kern="1200" dirty="0">
-                <a:solidFill>
-                  <a:schemeClr val="tx1"/>
-                </a:solidFill>
-                <a:effectLst/>
-                <a:latin typeface="+mn-lt"/>
-                <a:ea typeface="+mn-ea"/>
-                <a:cs typeface="+mn-cs"/>
-              </a:rPr>
-              <a:t> </a:t>
-            </a:r>
-            <a:r>
-              <a:rPr lang="de-DE" sz="1200" b="0" i="0" u="none" strike="noStrike" kern="1200" dirty="0" err="1">
-                <a:solidFill>
-                  <a:schemeClr val="tx1"/>
-                </a:solidFill>
-                <a:effectLst/>
-                <a:latin typeface="+mn-lt"/>
-                <a:ea typeface="+mn-ea"/>
-                <a:cs typeface="+mn-cs"/>
-              </a:rPr>
-              <a:t>the</a:t>
-            </a:r>
-            <a:r>
-              <a:rPr lang="de-DE" sz="1200" b="0" i="0" u="none" strike="noStrike" kern="1200" dirty="0">
-                <a:solidFill>
-                  <a:schemeClr val="tx1"/>
-                </a:solidFill>
-                <a:effectLst/>
-                <a:latin typeface="+mn-lt"/>
-                <a:ea typeface="+mn-ea"/>
-                <a:cs typeface="+mn-cs"/>
-              </a:rPr>
-              <a:t> </a:t>
-            </a:r>
-            <a:r>
-              <a:rPr lang="de-DE" sz="1200" b="0" i="0" u="none" strike="noStrike" kern="1200" dirty="0" err="1">
-                <a:solidFill>
-                  <a:schemeClr val="tx1"/>
-                </a:solidFill>
-                <a:effectLst/>
-                <a:latin typeface="+mn-lt"/>
-                <a:ea typeface="+mn-ea"/>
-                <a:cs typeface="+mn-cs"/>
-              </a:rPr>
-              <a:t>csv</a:t>
-            </a:r>
-            <a:r>
-              <a:rPr lang="de-DE" sz="1200" b="0" i="0" u="none" strike="noStrike" kern="1200" dirty="0">
-                <a:solidFill>
-                  <a:schemeClr val="tx1"/>
-                </a:solidFill>
-                <a:effectLst/>
-                <a:latin typeface="+mn-lt"/>
-                <a:ea typeface="+mn-ea"/>
-                <a:cs typeface="+mn-cs"/>
-              </a:rPr>
-              <a:t> </a:t>
-            </a:r>
-            <a:r>
-              <a:rPr lang="de-DE" sz="1200" b="0" i="0" u="none" strike="noStrike" kern="1200" dirty="0" err="1">
-                <a:solidFill>
-                  <a:schemeClr val="tx1"/>
-                </a:solidFill>
-                <a:effectLst/>
-                <a:latin typeface="+mn-lt"/>
-                <a:ea typeface="+mn-ea"/>
-                <a:cs typeface="+mn-cs"/>
-              </a:rPr>
-              <a:t>file</a:t>
-            </a:r>
-            <a:r>
-              <a:rPr lang="de-DE" sz="1200" b="0" i="0" u="none" strike="noStrike" kern="1200" dirty="0">
-                <a:solidFill>
-                  <a:schemeClr val="tx1"/>
-                </a:solidFill>
-                <a:effectLst/>
-                <a:latin typeface="+mn-lt"/>
-                <a:ea typeface="+mn-ea"/>
-                <a:cs typeface="+mn-cs"/>
-              </a:rPr>
-              <a:t> </a:t>
-            </a:r>
-            <a:r>
-              <a:rPr lang="de-DE" sz="1200" b="0" i="0" u="none" strike="noStrike" kern="1200" dirty="0" err="1">
-                <a:solidFill>
-                  <a:schemeClr val="tx1"/>
-                </a:solidFill>
-                <a:effectLst/>
-                <a:latin typeface="+mn-lt"/>
-                <a:ea typeface="+mn-ea"/>
-                <a:cs typeface="+mn-cs"/>
-              </a:rPr>
-              <a:t>into</a:t>
-            </a:r>
-            <a:r>
-              <a:rPr lang="de-DE" sz="1200" b="0" i="0" u="none" strike="noStrike" kern="1200" dirty="0">
-                <a:solidFill>
-                  <a:schemeClr val="tx1"/>
-                </a:solidFill>
-                <a:effectLst/>
-                <a:latin typeface="+mn-lt"/>
-                <a:ea typeface="+mn-ea"/>
-                <a:cs typeface="+mn-cs"/>
-              </a:rPr>
-              <a:t> </a:t>
-            </a:r>
-            <a:r>
-              <a:rPr lang="de-DE" sz="1200" b="0" i="0" u="none" strike="noStrike" kern="1200" dirty="0" err="1">
-                <a:solidFill>
-                  <a:schemeClr val="tx1"/>
-                </a:solidFill>
-                <a:effectLst/>
-                <a:latin typeface="+mn-lt"/>
-                <a:ea typeface="+mn-ea"/>
-                <a:cs typeface="+mn-cs"/>
-              </a:rPr>
-              <a:t>zip</a:t>
-            </a:r>
-            <a:r>
-              <a:rPr lang="de-DE" sz="1200" b="0" i="0" u="none" strike="noStrike" kern="1200" dirty="0">
-                <a:solidFill>
-                  <a:schemeClr val="tx1"/>
-                </a:solidFill>
-                <a:effectLst/>
-                <a:latin typeface="+mn-lt"/>
-                <a:ea typeface="+mn-ea"/>
-                <a:cs typeface="+mn-cs"/>
-              </a:rPr>
-              <a:t> </a:t>
-            </a:r>
-            <a:r>
-              <a:rPr lang="de-DE" sz="1200" b="0" i="0" u="none" strike="noStrike" kern="1200" dirty="0" err="1">
-                <a:solidFill>
-                  <a:schemeClr val="tx1"/>
-                </a:solidFill>
-                <a:effectLst/>
-                <a:latin typeface="+mn-lt"/>
-                <a:ea typeface="+mn-ea"/>
-                <a:cs typeface="+mn-cs"/>
-              </a:rPr>
-              <a:t>that</a:t>
-            </a:r>
-            <a:r>
-              <a:rPr lang="de-DE" sz="1200" b="0" i="0" u="none" strike="noStrike" kern="1200" dirty="0">
-                <a:solidFill>
-                  <a:schemeClr val="tx1"/>
-                </a:solidFill>
-                <a:effectLst/>
-                <a:latin typeface="+mn-lt"/>
-                <a:ea typeface="+mn-ea"/>
-                <a:cs typeface="+mn-cs"/>
-              </a:rPr>
-              <a:t> </a:t>
-            </a:r>
-            <a:r>
-              <a:rPr lang="de-DE" sz="1200" b="0" i="0" u="none" strike="noStrike" kern="1200" dirty="0" err="1">
-                <a:solidFill>
-                  <a:schemeClr val="tx1"/>
-                </a:solidFill>
-                <a:effectLst/>
-                <a:latin typeface="+mn-lt"/>
-                <a:ea typeface="+mn-ea"/>
-                <a:cs typeface="+mn-cs"/>
-              </a:rPr>
-              <a:t>the</a:t>
-            </a:r>
-            <a:r>
-              <a:rPr lang="de-DE" sz="1200" b="0" i="0" u="none" strike="noStrike" kern="1200" dirty="0">
-                <a:solidFill>
-                  <a:schemeClr val="tx1"/>
-                </a:solidFill>
-                <a:effectLst/>
-                <a:latin typeface="+mn-lt"/>
-                <a:ea typeface="+mn-ea"/>
-                <a:cs typeface="+mn-cs"/>
-              </a:rPr>
-              <a:t> </a:t>
-            </a:r>
-            <a:r>
-              <a:rPr lang="de-DE" sz="1200" b="0" i="0" u="none" strike="noStrike" kern="1200" dirty="0" err="1">
-                <a:solidFill>
-                  <a:schemeClr val="tx1"/>
-                </a:solidFill>
-                <a:effectLst/>
-                <a:latin typeface="+mn-lt"/>
-                <a:ea typeface="+mn-ea"/>
-                <a:cs typeface="+mn-cs"/>
-              </a:rPr>
-              <a:t>client</a:t>
-            </a:r>
-            <a:r>
-              <a:rPr lang="de-DE" sz="1200" b="0" i="0" u="none" strike="noStrike" kern="1200" dirty="0">
-                <a:solidFill>
-                  <a:schemeClr val="tx1"/>
-                </a:solidFill>
-                <a:effectLst/>
-                <a:latin typeface="+mn-lt"/>
-                <a:ea typeface="+mn-ea"/>
-                <a:cs typeface="+mn-cs"/>
-              </a:rPr>
-              <a:t> was </a:t>
-            </a:r>
-            <a:r>
-              <a:rPr lang="de-DE" sz="1200" b="0" i="0" u="none" strike="noStrike" kern="1200" dirty="0" err="1">
-                <a:solidFill>
-                  <a:schemeClr val="tx1"/>
-                </a:solidFill>
-                <a:effectLst/>
-                <a:latin typeface="+mn-lt"/>
-                <a:ea typeface="+mn-ea"/>
-                <a:cs typeface="+mn-cs"/>
-              </a:rPr>
-              <a:t>able</a:t>
-            </a:r>
-            <a:r>
-              <a:rPr lang="de-DE" sz="1200" b="0" i="0" u="none" strike="noStrike" kern="1200" dirty="0">
-                <a:solidFill>
-                  <a:schemeClr val="tx1"/>
-                </a:solidFill>
-                <a:effectLst/>
-                <a:latin typeface="+mn-lt"/>
-                <a:ea typeface="+mn-ea"/>
-                <a:cs typeface="+mn-cs"/>
-              </a:rPr>
-              <a:t> </a:t>
-            </a:r>
-            <a:r>
-              <a:rPr lang="de-DE" sz="1200" b="0" i="0" u="none" strike="noStrike" kern="1200" dirty="0" err="1">
-                <a:solidFill>
-                  <a:schemeClr val="tx1"/>
-                </a:solidFill>
-                <a:effectLst/>
-                <a:latin typeface="+mn-lt"/>
-                <a:ea typeface="+mn-ea"/>
-                <a:cs typeface="+mn-cs"/>
-              </a:rPr>
-              <a:t>to</a:t>
-            </a:r>
-            <a:r>
-              <a:rPr lang="de-DE" sz="1200" b="0" i="0" u="none" strike="noStrike" kern="1200" dirty="0">
-                <a:solidFill>
-                  <a:schemeClr val="tx1"/>
-                </a:solidFill>
-                <a:effectLst/>
-                <a:latin typeface="+mn-lt"/>
-                <a:ea typeface="+mn-ea"/>
-                <a:cs typeface="+mn-cs"/>
-              </a:rPr>
-              <a:t> </a:t>
-            </a:r>
-            <a:r>
-              <a:rPr lang="de-DE" sz="1200" b="0" i="0" u="none" strike="noStrike" kern="1200" dirty="0" err="1">
-                <a:solidFill>
-                  <a:schemeClr val="tx1"/>
-                </a:solidFill>
-                <a:effectLst/>
-                <a:latin typeface="+mn-lt"/>
-                <a:ea typeface="+mn-ea"/>
-                <a:cs typeface="+mn-cs"/>
-              </a:rPr>
-              <a:t>read</a:t>
-            </a:r>
-            <a:r>
-              <a:rPr lang="de-DE" sz="1200" b="0" i="0" u="none" strike="noStrike" kern="1200" dirty="0">
-                <a:solidFill>
-                  <a:schemeClr val="tx1"/>
-                </a:solidFill>
-                <a:effectLst/>
-                <a:latin typeface="+mn-lt"/>
-                <a:ea typeface="+mn-ea"/>
-                <a:cs typeface="+mn-cs"/>
-              </a:rPr>
-              <a:t> </a:t>
-            </a:r>
-            <a:r>
-              <a:rPr lang="de-DE" sz="1200" b="0" i="0" u="none" strike="noStrike" kern="1200" dirty="0" err="1">
-                <a:solidFill>
-                  <a:schemeClr val="tx1"/>
-                </a:solidFill>
-                <a:effectLst/>
-                <a:latin typeface="+mn-lt"/>
-                <a:ea typeface="+mn-ea"/>
-                <a:cs typeface="+mn-cs"/>
-              </a:rPr>
-              <a:t>it</a:t>
-            </a:r>
-            <a:r>
-              <a:rPr lang="de-DE" sz="1200" b="0" i="0" u="none" strike="noStrike" kern="1200" dirty="0">
-                <a:solidFill>
-                  <a:schemeClr val="tx1"/>
-                </a:solidFill>
-                <a:effectLst/>
-                <a:latin typeface="+mn-lt"/>
-                <a:ea typeface="+mn-ea"/>
-                <a:cs typeface="+mn-cs"/>
-              </a:rPr>
-              <a:t> </a:t>
-            </a:r>
-            <a:r>
-              <a:rPr lang="de-DE" sz="1200" b="0" i="0" u="none" strike="noStrike" kern="1200" dirty="0" err="1">
-                <a:solidFill>
-                  <a:schemeClr val="tx1"/>
-                </a:solidFill>
-                <a:effectLst/>
-                <a:latin typeface="+mn-lt"/>
-                <a:ea typeface="+mn-ea"/>
-                <a:cs typeface="+mn-cs"/>
-              </a:rPr>
-              <a:t>and</a:t>
-            </a:r>
-            <a:r>
-              <a:rPr lang="de-DE" sz="1200" b="0" i="0" u="none" strike="noStrike" kern="1200" dirty="0">
-                <a:solidFill>
-                  <a:schemeClr val="tx1"/>
-                </a:solidFill>
-                <a:effectLst/>
-                <a:latin typeface="+mn-lt"/>
-                <a:ea typeface="+mn-ea"/>
-                <a:cs typeface="+mn-cs"/>
-              </a:rPr>
-              <a:t> also </a:t>
-            </a:r>
-            <a:r>
-              <a:rPr lang="de-DE" sz="1200" b="0" i="0" u="none" strike="noStrike" kern="1200" dirty="0" err="1">
-                <a:solidFill>
-                  <a:schemeClr val="tx1"/>
-                </a:solidFill>
-                <a:effectLst/>
-                <a:latin typeface="+mn-lt"/>
-                <a:ea typeface="+mn-ea"/>
-                <a:cs typeface="+mn-cs"/>
-              </a:rPr>
-              <a:t>to</a:t>
-            </a:r>
-            <a:r>
-              <a:rPr lang="de-DE" sz="1200" b="0" i="0" u="none" strike="noStrike" kern="1200" dirty="0">
-                <a:solidFill>
-                  <a:schemeClr val="tx1"/>
-                </a:solidFill>
-                <a:effectLst/>
-                <a:latin typeface="+mn-lt"/>
-                <a:ea typeface="+mn-ea"/>
-                <a:cs typeface="+mn-cs"/>
-              </a:rPr>
-              <a:t> </a:t>
-            </a:r>
-            <a:r>
-              <a:rPr lang="de-DE" sz="1200" b="0" i="0" u="none" strike="noStrike" kern="1200" dirty="0" err="1">
-                <a:solidFill>
-                  <a:schemeClr val="tx1"/>
-                </a:solidFill>
-                <a:effectLst/>
-                <a:latin typeface="+mn-lt"/>
-                <a:ea typeface="+mn-ea"/>
-                <a:cs typeface="+mn-cs"/>
-              </a:rPr>
-              <a:t>separted</a:t>
-            </a:r>
-            <a:r>
-              <a:rPr lang="de-DE" sz="1200" b="0" i="0" u="none" strike="noStrike" kern="1200" dirty="0">
-                <a:solidFill>
-                  <a:schemeClr val="tx1"/>
-                </a:solidFill>
-                <a:effectLst/>
-                <a:latin typeface="+mn-lt"/>
-                <a:ea typeface="+mn-ea"/>
-                <a:cs typeface="+mn-cs"/>
-              </a:rPr>
-              <a:t> it.....</a:t>
-            </a:r>
-          </a:p>
-          <a:p>
-            <a:endParaRPr lang="de-DE" sz="1200" b="0" i="0" u="none" strike="noStrike" kern="1200" dirty="0">
-              <a:solidFill>
-                <a:schemeClr val="tx1"/>
-              </a:solidFill>
-              <a:effectLst/>
-              <a:latin typeface="+mn-lt"/>
-              <a:ea typeface="+mn-ea"/>
-              <a:cs typeface="+mn-cs"/>
-            </a:endParaRPr>
+            <a:endParaRPr lang="de-DE" dirty="0"/>
           </a:p>
         </p:txBody>
       </p:sp>
@@ -2485,7 +1009,7 @@
     </p:spTree>
     <p:extLst>
       <p:ext uri="{BB962C8B-B14F-4D97-AF65-F5344CB8AC3E}">
-        <p14:creationId xmlns:p14="http://schemas.microsoft.com/office/powerpoint/2010/main" val="69945829"/>
+        <p14:creationId xmlns:p14="http://schemas.microsoft.com/office/powerpoint/2010/main" val="950615522"/>
       </p:ext>
     </p:extLst>
   </p:cSld>
@@ -2539,7 +1063,1484 @@
           <a:bodyPr/>
           <a:lstStyle/>
           <a:p>
-            <a:endParaRPr lang="de-DE" dirty="0"/>
+            <a:r>
+              <a:rPr lang="de-DE" dirty="0"/>
+              <a:t>At </a:t>
+            </a:r>
+            <a:r>
+              <a:rPr lang="de-DE" dirty="0" err="1"/>
+              <a:t>the</a:t>
+            </a:r>
+            <a:r>
+              <a:rPr lang="de-DE" dirty="0"/>
+              <a:t> </a:t>
+            </a:r>
+            <a:r>
+              <a:rPr lang="de-DE" dirty="0" err="1"/>
+              <a:t>beginning</a:t>
+            </a:r>
+            <a:r>
+              <a:rPr lang="de-DE" dirty="0"/>
+              <a:t> </a:t>
+            </a:r>
+            <a:r>
+              <a:rPr lang="de-DE" dirty="0" err="1"/>
+              <a:t>of</a:t>
+            </a:r>
+            <a:r>
+              <a:rPr lang="de-DE" dirty="0"/>
+              <a:t> </a:t>
+            </a:r>
+            <a:r>
+              <a:rPr lang="de-DE" dirty="0" err="1"/>
+              <a:t>the</a:t>
+            </a:r>
+            <a:r>
+              <a:rPr lang="de-DE" dirty="0"/>
+              <a:t> </a:t>
+            </a:r>
+            <a:r>
+              <a:rPr lang="de-DE" dirty="0" err="1"/>
+              <a:t>Preparation</a:t>
+            </a:r>
+            <a:r>
+              <a:rPr lang="de-DE" dirty="0"/>
+              <a:t> Phase </a:t>
+            </a:r>
+            <a:r>
+              <a:rPr lang="de-DE" dirty="0" err="1"/>
+              <a:t>we</a:t>
+            </a:r>
+            <a:r>
+              <a:rPr lang="de-DE" dirty="0"/>
+              <a:t> </a:t>
+            </a:r>
+            <a:r>
+              <a:rPr lang="de-DE" dirty="0" err="1"/>
+              <a:t>had</a:t>
+            </a:r>
+            <a:r>
+              <a:rPr lang="de-DE" dirty="0"/>
+              <a:t> </a:t>
+            </a:r>
+            <a:r>
+              <a:rPr lang="de-DE" dirty="0" err="1"/>
+              <a:t>to</a:t>
+            </a:r>
+            <a:r>
+              <a:rPr lang="de-DE" dirty="0"/>
+              <a:t> </a:t>
+            </a:r>
+            <a:r>
+              <a:rPr lang="de-DE" dirty="0" err="1"/>
+              <a:t>knew</a:t>
+            </a:r>
+            <a:r>
+              <a:rPr lang="de-DE" dirty="0"/>
+              <a:t> </a:t>
+            </a:r>
+            <a:r>
+              <a:rPr lang="de-DE" dirty="0" err="1"/>
+              <a:t>which</a:t>
+            </a:r>
+            <a:r>
+              <a:rPr lang="de-DE" dirty="0"/>
+              <a:t> </a:t>
+            </a:r>
+            <a:r>
+              <a:rPr lang="de-DE" dirty="0" err="1"/>
+              <a:t>parameters</a:t>
+            </a:r>
+            <a:r>
+              <a:rPr lang="de-DE" dirty="0"/>
+              <a:t> </a:t>
+            </a:r>
+            <a:r>
+              <a:rPr lang="de-DE" dirty="0" err="1"/>
+              <a:t>are</a:t>
+            </a:r>
+            <a:r>
+              <a:rPr lang="de-DE" dirty="0"/>
+              <a:t> </a:t>
+            </a:r>
+            <a:r>
+              <a:rPr lang="de-DE" dirty="0" err="1"/>
+              <a:t>needed</a:t>
+            </a:r>
+            <a:r>
+              <a:rPr lang="de-DE" dirty="0"/>
+              <a:t>. </a:t>
+            </a:r>
+            <a:r>
+              <a:rPr lang="de-DE" dirty="0" err="1"/>
+              <a:t>We</a:t>
+            </a:r>
+            <a:r>
+              <a:rPr lang="de-DE" dirty="0"/>
+              <a:t> </a:t>
+            </a:r>
+            <a:r>
+              <a:rPr lang="de-DE" dirty="0" err="1"/>
+              <a:t>decided</a:t>
+            </a:r>
+            <a:r>
+              <a:rPr lang="de-DE" dirty="0"/>
+              <a:t> </a:t>
+            </a:r>
+            <a:r>
+              <a:rPr lang="de-DE" dirty="0" err="1"/>
+              <a:t>to</a:t>
+            </a:r>
+            <a:r>
+              <a:rPr lang="de-DE" dirty="0"/>
+              <a:t> </a:t>
+            </a:r>
+            <a:r>
+              <a:rPr lang="de-DE" dirty="0" err="1"/>
+              <a:t>take</a:t>
+            </a:r>
+            <a:r>
+              <a:rPr lang="de-DE" dirty="0"/>
+              <a:t> </a:t>
+            </a:r>
+            <a:r>
+              <a:rPr lang="de-DE" dirty="0" err="1"/>
+              <a:t>the</a:t>
+            </a:r>
+            <a:r>
+              <a:rPr lang="de-DE" dirty="0"/>
+              <a:t> </a:t>
+            </a:r>
+            <a:r>
+              <a:rPr lang="de-DE" dirty="0" err="1"/>
+              <a:t>Divison</a:t>
+            </a:r>
+            <a:r>
+              <a:rPr lang="de-DE" dirty="0"/>
+              <a:t>, Date </a:t>
+            </a:r>
+            <a:r>
+              <a:rPr lang="de-DE" dirty="0" err="1"/>
+              <a:t>HomeTeam</a:t>
+            </a:r>
+            <a:r>
+              <a:rPr lang="de-DE" dirty="0"/>
+              <a:t>, </a:t>
+            </a:r>
+            <a:r>
+              <a:rPr lang="de-DE" dirty="0" err="1"/>
+              <a:t>AwayTeam</a:t>
+            </a:r>
+            <a:r>
+              <a:rPr lang="de-DE" dirty="0"/>
+              <a:t>, </a:t>
+            </a:r>
+            <a:r>
+              <a:rPr lang="de-DE" dirty="0" err="1"/>
+              <a:t>Full</a:t>
+            </a:r>
+            <a:r>
+              <a:rPr lang="de-DE" dirty="0"/>
+              <a:t> Time </a:t>
+            </a:r>
+            <a:r>
+              <a:rPr lang="de-DE" dirty="0" err="1"/>
+              <a:t>Away</a:t>
+            </a:r>
+            <a:r>
+              <a:rPr lang="de-DE" dirty="0"/>
+              <a:t> Goals </a:t>
+            </a:r>
+            <a:r>
+              <a:rPr lang="de-DE" dirty="0" err="1"/>
+              <a:t>which</a:t>
+            </a:r>
+            <a:r>
+              <a:rPr lang="de-DE" dirty="0"/>
+              <a:t> </a:t>
+            </a:r>
+            <a:r>
+              <a:rPr lang="de-DE" dirty="0" err="1"/>
+              <a:t>means</a:t>
+            </a:r>
+            <a:r>
+              <a:rPr lang="de-DE" dirty="0"/>
+              <a:t>: </a:t>
+            </a:r>
+            <a:r>
+              <a:rPr lang="de-DE" dirty="0" err="1"/>
+              <a:t>and</a:t>
+            </a:r>
+            <a:r>
+              <a:rPr lang="de-DE" dirty="0"/>
+              <a:t> </a:t>
+            </a:r>
+            <a:r>
+              <a:rPr lang="de-DE" dirty="0" err="1"/>
+              <a:t>Full</a:t>
+            </a:r>
+            <a:r>
+              <a:rPr lang="de-DE" dirty="0"/>
+              <a:t> Time Home Goals, </a:t>
+            </a:r>
+            <a:r>
+              <a:rPr lang="de-DE" sz="1200" b="0" i="0" u="none" strike="noStrike" kern="1200" dirty="0" err="1">
+                <a:solidFill>
+                  <a:schemeClr val="tx1"/>
+                </a:solidFill>
+                <a:effectLst/>
+                <a:latin typeface="+mn-lt"/>
+                <a:ea typeface="+mn-ea"/>
+                <a:cs typeface="+mn-cs"/>
+              </a:rPr>
+              <a:t>Full</a:t>
+            </a:r>
+            <a:r>
+              <a:rPr lang="de-DE" sz="1200" b="0" i="0" u="none" strike="noStrike" kern="1200" dirty="0">
+                <a:solidFill>
+                  <a:schemeClr val="tx1"/>
+                </a:solidFill>
+                <a:effectLst/>
+                <a:latin typeface="+mn-lt"/>
+                <a:ea typeface="+mn-ea"/>
+                <a:cs typeface="+mn-cs"/>
+              </a:rPr>
+              <a:t> Time </a:t>
+            </a:r>
+            <a:r>
+              <a:rPr lang="de-DE" sz="1200" b="0" i="0" u="none" strike="noStrike" kern="1200" dirty="0" err="1">
+                <a:solidFill>
+                  <a:schemeClr val="tx1"/>
+                </a:solidFill>
+                <a:effectLst/>
+                <a:latin typeface="+mn-lt"/>
+                <a:ea typeface="+mn-ea"/>
+                <a:cs typeface="+mn-cs"/>
+              </a:rPr>
+              <a:t>Result</a:t>
+            </a:r>
+            <a:r>
+              <a:rPr lang="de-DE" sz="1200" b="0" i="0" u="none" strike="noStrike" kern="1200" dirty="0">
+                <a:solidFill>
+                  <a:schemeClr val="tx1"/>
+                </a:solidFill>
+                <a:effectLst/>
+                <a:latin typeface="+mn-lt"/>
+                <a:ea typeface="+mn-ea"/>
+                <a:cs typeface="+mn-cs"/>
+              </a:rPr>
+              <a:t> (H=Home </a:t>
+            </a:r>
+            <a:r>
+              <a:rPr lang="de-DE" sz="1200" b="0" i="0" u="none" strike="noStrike" kern="1200" dirty="0" err="1">
+                <a:solidFill>
+                  <a:schemeClr val="tx1"/>
+                </a:solidFill>
+                <a:effectLst/>
+                <a:latin typeface="+mn-lt"/>
+                <a:ea typeface="+mn-ea"/>
+                <a:cs typeface="+mn-cs"/>
+              </a:rPr>
+              <a:t>Win</a:t>
+            </a:r>
+            <a:r>
+              <a:rPr lang="de-DE" sz="1200" b="0" i="0" u="none" strike="noStrike" kern="1200" dirty="0">
+                <a:solidFill>
+                  <a:schemeClr val="tx1"/>
+                </a:solidFill>
+                <a:effectLst/>
+                <a:latin typeface="+mn-lt"/>
+                <a:ea typeface="+mn-ea"/>
+                <a:cs typeface="+mn-cs"/>
+              </a:rPr>
+              <a:t>, D=Draw, A=</a:t>
+            </a:r>
+            <a:r>
+              <a:rPr lang="de-DE" sz="1200" b="0" i="0" u="none" strike="noStrike" kern="1200" dirty="0" err="1">
+                <a:solidFill>
+                  <a:schemeClr val="tx1"/>
+                </a:solidFill>
+                <a:effectLst/>
+                <a:latin typeface="+mn-lt"/>
+                <a:ea typeface="+mn-ea"/>
+                <a:cs typeface="+mn-cs"/>
+              </a:rPr>
+              <a:t>Away</a:t>
+            </a:r>
+            <a:r>
+              <a:rPr lang="de-DE" sz="1200" b="0" i="0" u="none" strike="noStrike" kern="1200" dirty="0">
+                <a:solidFill>
+                  <a:schemeClr val="tx1"/>
+                </a:solidFill>
+                <a:effectLst/>
+                <a:latin typeface="+mn-lt"/>
+                <a:ea typeface="+mn-ea"/>
+                <a:cs typeface="+mn-cs"/>
+              </a:rPr>
+              <a:t> </a:t>
+            </a:r>
+            <a:r>
+              <a:rPr lang="de-DE" sz="1200" b="0" i="0" u="none" strike="noStrike" kern="1200" dirty="0" err="1">
+                <a:solidFill>
+                  <a:schemeClr val="tx1"/>
+                </a:solidFill>
+                <a:effectLst/>
+                <a:latin typeface="+mn-lt"/>
+                <a:ea typeface="+mn-ea"/>
+                <a:cs typeface="+mn-cs"/>
+              </a:rPr>
+              <a:t>Win</a:t>
+            </a:r>
+            <a:r>
+              <a:rPr lang="de-DE" sz="1200" b="0" i="0" u="none" strike="noStrike" kern="1200" dirty="0">
+                <a:solidFill>
+                  <a:schemeClr val="tx1"/>
+                </a:solidFill>
+                <a:effectLst/>
+                <a:latin typeface="+mn-lt"/>
+                <a:ea typeface="+mn-ea"/>
+                <a:cs typeface="+mn-cs"/>
+              </a:rPr>
+              <a:t>)....</a:t>
+            </a:r>
+          </a:p>
+          <a:p>
+            <a:endParaRPr lang="de-DE" sz="1200" b="0" i="0" u="none" strike="noStrike" kern="1200" dirty="0">
+              <a:solidFill>
+                <a:schemeClr val="tx1"/>
+              </a:solidFill>
+              <a:effectLst/>
+              <a:latin typeface="+mn-lt"/>
+              <a:ea typeface="+mn-ea"/>
+              <a:cs typeface="+mn-cs"/>
+            </a:endParaRPr>
+          </a:p>
+          <a:p>
+            <a:r>
+              <a:rPr lang="de-DE" sz="1200" b="0" i="0" u="none" strike="noStrike" kern="1200" dirty="0">
+                <a:solidFill>
+                  <a:schemeClr val="tx1"/>
+                </a:solidFill>
+                <a:effectLst/>
+                <a:latin typeface="+mn-lt"/>
+                <a:ea typeface="+mn-ea"/>
+                <a:cs typeface="+mn-cs"/>
+              </a:rPr>
+              <a:t>I </a:t>
+            </a:r>
+            <a:r>
+              <a:rPr lang="de-DE" sz="1200" b="0" i="0" u="none" strike="noStrike" kern="1200" dirty="0" err="1">
+                <a:solidFill>
+                  <a:schemeClr val="tx1"/>
+                </a:solidFill>
+                <a:effectLst/>
+                <a:latin typeface="+mn-lt"/>
+                <a:ea typeface="+mn-ea"/>
+                <a:cs typeface="+mn-cs"/>
+              </a:rPr>
+              <a:t>did</a:t>
+            </a:r>
+            <a:r>
+              <a:rPr lang="de-DE" sz="1200" b="0" i="0" u="none" strike="noStrike" kern="1200" dirty="0">
+                <a:solidFill>
+                  <a:schemeClr val="tx1"/>
+                </a:solidFill>
+                <a:effectLst/>
+                <a:latin typeface="+mn-lt"/>
+                <a:ea typeface="+mn-ea"/>
+                <a:cs typeface="+mn-cs"/>
+              </a:rPr>
+              <a:t> </a:t>
+            </a:r>
+            <a:r>
+              <a:rPr lang="de-DE" sz="1200" b="0" i="0" u="none" strike="noStrike" kern="1200" dirty="0" err="1">
+                <a:solidFill>
+                  <a:schemeClr val="tx1"/>
+                </a:solidFill>
+                <a:effectLst/>
+                <a:latin typeface="+mn-lt"/>
+                <a:ea typeface="+mn-ea"/>
+                <a:cs typeface="+mn-cs"/>
+              </a:rPr>
+              <a:t>this</a:t>
+            </a:r>
+            <a:r>
+              <a:rPr lang="de-DE" sz="1200" b="0" i="0" u="none" strike="noStrike" kern="1200" dirty="0">
+                <a:solidFill>
+                  <a:schemeClr val="tx1"/>
+                </a:solidFill>
+                <a:effectLst/>
+                <a:latin typeface="+mn-lt"/>
+                <a:ea typeface="+mn-ea"/>
+                <a:cs typeface="+mn-cs"/>
+              </a:rPr>
+              <a:t> </a:t>
+            </a:r>
+            <a:r>
+              <a:rPr lang="de-DE" sz="1200" b="0" i="0" u="none" strike="noStrike" kern="1200" dirty="0" err="1">
+                <a:solidFill>
+                  <a:schemeClr val="tx1"/>
+                </a:solidFill>
+                <a:effectLst/>
+                <a:latin typeface="+mn-lt"/>
+                <a:ea typeface="+mn-ea"/>
+                <a:cs typeface="+mn-cs"/>
+              </a:rPr>
+              <a:t>first</a:t>
+            </a:r>
+            <a:r>
+              <a:rPr lang="de-DE" sz="1200" b="0" i="0" u="none" strike="noStrike" kern="1200" dirty="0">
+                <a:solidFill>
+                  <a:schemeClr val="tx1"/>
+                </a:solidFill>
+                <a:effectLst/>
+                <a:latin typeface="+mn-lt"/>
+                <a:ea typeface="+mn-ea"/>
+                <a:cs typeface="+mn-cs"/>
+              </a:rPr>
+              <a:t> </a:t>
+            </a:r>
+            <a:r>
+              <a:rPr lang="de-DE" sz="1200" b="0" i="0" u="none" strike="noStrike" kern="1200" dirty="0" err="1">
+                <a:solidFill>
+                  <a:schemeClr val="tx1"/>
+                </a:solidFill>
+                <a:effectLst/>
+                <a:latin typeface="+mn-lt"/>
+                <a:ea typeface="+mn-ea"/>
+                <a:cs typeface="+mn-cs"/>
+              </a:rPr>
+              <a:t>cleaning</a:t>
+            </a:r>
+            <a:r>
+              <a:rPr lang="de-DE" sz="1200" b="0" i="0" u="none" strike="noStrike" kern="1200" dirty="0">
+                <a:solidFill>
+                  <a:schemeClr val="tx1"/>
+                </a:solidFill>
+                <a:effectLst/>
+                <a:latin typeface="+mn-lt"/>
+                <a:ea typeface="+mn-ea"/>
+                <a:cs typeface="+mn-cs"/>
+              </a:rPr>
+              <a:t> </a:t>
+            </a:r>
+            <a:r>
+              <a:rPr lang="de-DE" sz="1200" b="0" i="0" u="none" strike="noStrike" kern="1200" dirty="0" err="1">
+                <a:solidFill>
+                  <a:schemeClr val="tx1"/>
+                </a:solidFill>
+                <a:effectLst/>
+                <a:latin typeface="+mn-lt"/>
+                <a:ea typeface="+mn-ea"/>
+                <a:cs typeface="+mn-cs"/>
+              </a:rPr>
+              <a:t>step</a:t>
+            </a:r>
+            <a:r>
+              <a:rPr lang="de-DE" sz="1200" b="0" i="0" u="none" strike="noStrike" kern="1200" dirty="0">
+                <a:solidFill>
+                  <a:schemeClr val="tx1"/>
+                </a:solidFill>
+                <a:effectLst/>
+                <a:latin typeface="+mn-lt"/>
+                <a:ea typeface="+mn-ea"/>
+                <a:cs typeface="+mn-cs"/>
+              </a:rPr>
+              <a:t> in Excel </a:t>
+            </a:r>
+            <a:r>
+              <a:rPr lang="de-DE" sz="1200" b="0" i="0" u="none" strike="noStrike" kern="1200" dirty="0" err="1">
+                <a:solidFill>
+                  <a:schemeClr val="tx1"/>
+                </a:solidFill>
+                <a:effectLst/>
+                <a:latin typeface="+mn-lt"/>
+                <a:ea typeface="+mn-ea"/>
+                <a:cs typeface="+mn-cs"/>
+              </a:rPr>
+              <a:t>and</a:t>
+            </a:r>
+            <a:r>
+              <a:rPr lang="de-DE" sz="1200" b="0" i="0" u="none" strike="noStrike" kern="1200" dirty="0">
+                <a:solidFill>
+                  <a:schemeClr val="tx1"/>
+                </a:solidFill>
+                <a:effectLst/>
+                <a:latin typeface="+mn-lt"/>
+                <a:ea typeface="+mn-ea"/>
+                <a:cs typeface="+mn-cs"/>
+              </a:rPr>
+              <a:t> </a:t>
+            </a:r>
+            <a:r>
+              <a:rPr lang="de-DE" sz="1200" b="0" i="0" u="none" strike="noStrike" kern="1200" dirty="0" err="1">
+                <a:solidFill>
+                  <a:schemeClr val="tx1"/>
+                </a:solidFill>
+                <a:effectLst/>
+                <a:latin typeface="+mn-lt"/>
+                <a:ea typeface="+mn-ea"/>
+                <a:cs typeface="+mn-cs"/>
+              </a:rPr>
+              <a:t>first</a:t>
+            </a:r>
+            <a:r>
+              <a:rPr lang="de-DE" sz="1200" b="0" i="0" u="none" strike="noStrike" kern="1200" dirty="0">
+                <a:solidFill>
+                  <a:schemeClr val="tx1"/>
+                </a:solidFill>
+                <a:effectLst/>
+                <a:latin typeface="+mn-lt"/>
+                <a:ea typeface="+mn-ea"/>
+                <a:cs typeface="+mn-cs"/>
+              </a:rPr>
+              <a:t> </a:t>
+            </a:r>
+            <a:r>
+              <a:rPr lang="de-DE" sz="1200" b="0" i="0" u="none" strike="noStrike" kern="1200" dirty="0" err="1">
+                <a:solidFill>
+                  <a:schemeClr val="tx1"/>
+                </a:solidFill>
+                <a:effectLst/>
+                <a:latin typeface="+mn-lt"/>
+                <a:ea typeface="+mn-ea"/>
+                <a:cs typeface="+mn-cs"/>
+              </a:rPr>
+              <a:t>seperated</a:t>
+            </a:r>
+            <a:r>
+              <a:rPr lang="de-DE" sz="1200" b="0" i="0" u="none" strike="noStrike" kern="1200" dirty="0">
+                <a:solidFill>
+                  <a:schemeClr val="tx1"/>
+                </a:solidFill>
+                <a:effectLst/>
+                <a:latin typeface="+mn-lt"/>
+                <a:ea typeface="+mn-ea"/>
+                <a:cs typeface="+mn-cs"/>
+              </a:rPr>
+              <a:t> all </a:t>
+            </a:r>
+            <a:r>
+              <a:rPr lang="de-DE" sz="1200" b="0" i="0" u="none" strike="noStrike" kern="1200" dirty="0" err="1">
+                <a:solidFill>
+                  <a:schemeClr val="tx1"/>
+                </a:solidFill>
+                <a:effectLst/>
+                <a:latin typeface="+mn-lt"/>
+                <a:ea typeface="+mn-ea"/>
+                <a:cs typeface="+mn-cs"/>
+              </a:rPr>
+              <a:t>the</a:t>
+            </a:r>
+            <a:r>
+              <a:rPr lang="de-DE" sz="1200" b="0" i="0" u="none" strike="noStrike" kern="1200" dirty="0">
+                <a:solidFill>
+                  <a:schemeClr val="tx1"/>
+                </a:solidFill>
+                <a:effectLst/>
+                <a:latin typeface="+mn-lt"/>
+                <a:ea typeface="+mn-ea"/>
+                <a:cs typeface="+mn-cs"/>
+              </a:rPr>
+              <a:t> </a:t>
+            </a:r>
+            <a:r>
+              <a:rPr lang="de-DE" sz="1200" b="0" i="0" u="none" strike="noStrike" kern="1200" dirty="0" err="1">
+                <a:solidFill>
+                  <a:schemeClr val="tx1"/>
+                </a:solidFill>
+                <a:effectLst/>
+                <a:latin typeface="+mn-lt"/>
+                <a:ea typeface="+mn-ea"/>
+                <a:cs typeface="+mn-cs"/>
+              </a:rPr>
+              <a:t>parameter</a:t>
+            </a:r>
+            <a:r>
+              <a:rPr lang="de-DE" sz="1200" b="0" i="0" u="none" strike="noStrike" kern="1200" dirty="0">
+                <a:solidFill>
+                  <a:schemeClr val="tx1"/>
+                </a:solidFill>
+                <a:effectLst/>
+                <a:latin typeface="+mn-lt"/>
+                <a:ea typeface="+mn-ea"/>
+                <a:cs typeface="+mn-cs"/>
+              </a:rPr>
+              <a:t> in </a:t>
+            </a:r>
+            <a:r>
+              <a:rPr lang="de-DE" sz="1200" b="0" i="0" u="none" strike="noStrike" kern="1200" dirty="0" err="1">
+                <a:solidFill>
+                  <a:schemeClr val="tx1"/>
+                </a:solidFill>
+                <a:effectLst/>
+                <a:latin typeface="+mn-lt"/>
+                <a:ea typeface="+mn-ea"/>
+                <a:cs typeface="+mn-cs"/>
+              </a:rPr>
+              <a:t>diffrent</a:t>
+            </a:r>
+            <a:r>
+              <a:rPr lang="de-DE" sz="1200" b="0" i="0" u="none" strike="noStrike" kern="1200" dirty="0">
+                <a:solidFill>
+                  <a:schemeClr val="tx1"/>
+                </a:solidFill>
+                <a:effectLst/>
+                <a:latin typeface="+mn-lt"/>
+                <a:ea typeface="+mn-ea"/>
+                <a:cs typeface="+mn-cs"/>
+              </a:rPr>
+              <a:t> </a:t>
+            </a:r>
+            <a:r>
+              <a:rPr lang="de-DE" sz="1200" b="0" i="0" u="none" strike="noStrike" kern="1200" dirty="0" err="1">
+                <a:solidFill>
+                  <a:schemeClr val="tx1"/>
+                </a:solidFill>
+                <a:effectLst/>
+                <a:latin typeface="+mn-lt"/>
+                <a:ea typeface="+mn-ea"/>
+                <a:cs typeface="+mn-cs"/>
+              </a:rPr>
+              <a:t>columns</a:t>
+            </a:r>
+            <a:r>
+              <a:rPr lang="de-DE" sz="1200" b="0" i="0" u="none" strike="noStrike" kern="1200" dirty="0">
+                <a:solidFill>
+                  <a:schemeClr val="tx1"/>
+                </a:solidFill>
+                <a:effectLst/>
+                <a:latin typeface="+mn-lt"/>
+                <a:ea typeface="+mn-ea"/>
+                <a:cs typeface="+mn-cs"/>
+              </a:rPr>
+              <a:t>.... After </a:t>
+            </a:r>
+            <a:r>
+              <a:rPr lang="de-DE" sz="1200" b="0" i="0" u="none" strike="noStrike" kern="1200" dirty="0" err="1">
+                <a:solidFill>
+                  <a:schemeClr val="tx1"/>
+                </a:solidFill>
+                <a:effectLst/>
+                <a:latin typeface="+mn-lt"/>
+                <a:ea typeface="+mn-ea"/>
+                <a:cs typeface="+mn-cs"/>
+              </a:rPr>
+              <a:t>that</a:t>
+            </a:r>
+            <a:r>
+              <a:rPr lang="de-DE" sz="1200" b="0" i="0" u="none" strike="noStrike" kern="1200" dirty="0">
+                <a:solidFill>
+                  <a:schemeClr val="tx1"/>
+                </a:solidFill>
+                <a:effectLst/>
+                <a:latin typeface="+mn-lt"/>
+                <a:ea typeface="+mn-ea"/>
+                <a:cs typeface="+mn-cs"/>
+              </a:rPr>
+              <a:t> I </a:t>
+            </a:r>
+            <a:r>
+              <a:rPr lang="de-DE" sz="1200" b="0" i="0" u="none" strike="noStrike" kern="1200" dirty="0" err="1">
+                <a:solidFill>
+                  <a:schemeClr val="tx1"/>
+                </a:solidFill>
+                <a:effectLst/>
+                <a:latin typeface="+mn-lt"/>
+                <a:ea typeface="+mn-ea"/>
+                <a:cs typeface="+mn-cs"/>
+              </a:rPr>
+              <a:t>deleted</a:t>
+            </a:r>
+            <a:r>
+              <a:rPr lang="de-DE" sz="1200" b="0" i="0" u="none" strike="noStrike" kern="1200" dirty="0">
+                <a:solidFill>
+                  <a:schemeClr val="tx1"/>
+                </a:solidFill>
+                <a:effectLst/>
+                <a:latin typeface="+mn-lt"/>
+                <a:ea typeface="+mn-ea"/>
+                <a:cs typeface="+mn-cs"/>
+              </a:rPr>
+              <a:t> </a:t>
+            </a:r>
+            <a:r>
+              <a:rPr lang="de-DE" sz="1200" b="0" i="0" u="none" strike="noStrike" kern="1200" dirty="0" err="1">
+                <a:solidFill>
+                  <a:schemeClr val="tx1"/>
+                </a:solidFill>
+                <a:effectLst/>
+                <a:latin typeface="+mn-lt"/>
+                <a:ea typeface="+mn-ea"/>
+                <a:cs typeface="+mn-cs"/>
+              </a:rPr>
+              <a:t>the</a:t>
+            </a:r>
+            <a:r>
+              <a:rPr lang="de-DE" sz="1200" b="0" i="0" u="none" strike="noStrike" kern="1200" dirty="0">
+                <a:solidFill>
+                  <a:schemeClr val="tx1"/>
+                </a:solidFill>
+                <a:effectLst/>
+                <a:latin typeface="+mn-lt"/>
+                <a:ea typeface="+mn-ea"/>
+                <a:cs typeface="+mn-cs"/>
+              </a:rPr>
+              <a:t> not </a:t>
+            </a:r>
+            <a:r>
+              <a:rPr lang="de-DE" sz="1200" b="0" i="0" u="none" strike="noStrike" kern="1200" dirty="0" err="1">
+                <a:solidFill>
+                  <a:schemeClr val="tx1"/>
+                </a:solidFill>
+                <a:effectLst/>
+                <a:latin typeface="+mn-lt"/>
+                <a:ea typeface="+mn-ea"/>
+                <a:cs typeface="+mn-cs"/>
+              </a:rPr>
+              <a:t>needed</a:t>
+            </a:r>
+            <a:r>
+              <a:rPr lang="de-DE" sz="1200" b="0" i="0" u="none" strike="noStrike" kern="1200" dirty="0">
+                <a:solidFill>
+                  <a:schemeClr val="tx1"/>
+                </a:solidFill>
+                <a:effectLst/>
+                <a:latin typeface="+mn-lt"/>
+                <a:ea typeface="+mn-ea"/>
+                <a:cs typeface="+mn-cs"/>
+              </a:rPr>
+              <a:t> </a:t>
+            </a:r>
+            <a:r>
+              <a:rPr lang="de-DE" sz="1200" b="0" i="0" u="none" strike="noStrike" kern="1200" dirty="0" err="1">
+                <a:solidFill>
+                  <a:schemeClr val="tx1"/>
+                </a:solidFill>
+                <a:effectLst/>
+                <a:latin typeface="+mn-lt"/>
+                <a:ea typeface="+mn-ea"/>
+                <a:cs typeface="+mn-cs"/>
+              </a:rPr>
+              <a:t>columns</a:t>
+            </a:r>
+            <a:r>
+              <a:rPr lang="de-DE" sz="1200" b="0" i="0" u="none" strike="noStrike" kern="1200" dirty="0">
+                <a:solidFill>
+                  <a:schemeClr val="tx1"/>
+                </a:solidFill>
+                <a:effectLst/>
+                <a:latin typeface="+mn-lt"/>
+                <a:ea typeface="+mn-ea"/>
+                <a:cs typeface="+mn-cs"/>
+              </a:rPr>
+              <a:t>....</a:t>
+            </a:r>
+            <a:r>
+              <a:rPr lang="de-DE" sz="1200" b="0" i="0" u="none" strike="noStrike" kern="1200" dirty="0" err="1">
+                <a:solidFill>
+                  <a:schemeClr val="tx1"/>
+                </a:solidFill>
+                <a:effectLst/>
+                <a:latin typeface="+mn-lt"/>
+                <a:ea typeface="+mn-ea"/>
+                <a:cs typeface="+mn-cs"/>
+              </a:rPr>
+              <a:t>for</a:t>
+            </a:r>
+            <a:r>
+              <a:rPr lang="de-DE" sz="1200" b="0" i="0" u="none" strike="noStrike" kern="1200" dirty="0">
+                <a:solidFill>
+                  <a:schemeClr val="tx1"/>
+                </a:solidFill>
+                <a:effectLst/>
+                <a:latin typeface="+mn-lt"/>
+                <a:ea typeface="+mn-ea"/>
+                <a:cs typeface="+mn-cs"/>
+              </a:rPr>
+              <a:t> </a:t>
+            </a:r>
+            <a:r>
+              <a:rPr lang="de-DE" sz="1200" b="0" i="0" u="none" strike="noStrike" kern="1200" dirty="0" err="1">
+                <a:solidFill>
+                  <a:schemeClr val="tx1"/>
+                </a:solidFill>
+                <a:effectLst/>
+                <a:latin typeface="+mn-lt"/>
+                <a:ea typeface="+mn-ea"/>
+                <a:cs typeface="+mn-cs"/>
+              </a:rPr>
+              <a:t>each</a:t>
+            </a:r>
+            <a:r>
+              <a:rPr lang="de-DE" sz="1200" b="0" i="0" u="none" strike="noStrike" kern="1200" dirty="0">
+                <a:solidFill>
+                  <a:schemeClr val="tx1"/>
+                </a:solidFill>
+                <a:effectLst/>
+                <a:latin typeface="+mn-lt"/>
+                <a:ea typeface="+mn-ea"/>
+                <a:cs typeface="+mn-cs"/>
+              </a:rPr>
+              <a:t> </a:t>
+            </a:r>
+            <a:r>
+              <a:rPr lang="de-DE" sz="1200" b="0" i="0" u="none" strike="noStrike" kern="1200" dirty="0" err="1">
+                <a:solidFill>
+                  <a:schemeClr val="tx1"/>
+                </a:solidFill>
+                <a:effectLst/>
+                <a:latin typeface="+mn-lt"/>
+                <a:ea typeface="+mn-ea"/>
+                <a:cs typeface="+mn-cs"/>
+              </a:rPr>
+              <a:t>season</a:t>
+            </a:r>
+            <a:endParaRPr lang="de-DE" sz="1200" b="0" i="0" u="none" strike="noStrike" kern="1200" dirty="0">
+              <a:solidFill>
+                <a:schemeClr val="tx1"/>
+              </a:solidFill>
+              <a:effectLst/>
+              <a:latin typeface="+mn-lt"/>
+              <a:ea typeface="+mn-ea"/>
+              <a:cs typeface="+mn-cs"/>
+            </a:endParaRPr>
+          </a:p>
+          <a:p>
+            <a:endParaRPr lang="de-DE" sz="1200" b="0" i="0" u="none" strike="noStrike" kern="1200" dirty="0">
+              <a:solidFill>
+                <a:schemeClr val="tx1"/>
+              </a:solidFill>
+              <a:effectLst/>
+              <a:latin typeface="+mn-lt"/>
+              <a:ea typeface="+mn-ea"/>
+              <a:cs typeface="+mn-cs"/>
+            </a:endParaRPr>
+          </a:p>
+          <a:p>
+            <a:r>
+              <a:rPr lang="de-DE" sz="1200" b="0" i="0" u="none" strike="noStrike" kern="1200" dirty="0">
+                <a:solidFill>
+                  <a:schemeClr val="tx1"/>
+                </a:solidFill>
+                <a:effectLst/>
+                <a:latin typeface="+mn-lt"/>
+                <a:ea typeface="+mn-ea"/>
+                <a:cs typeface="+mn-cs"/>
+              </a:rPr>
+              <a:t>Next </a:t>
+            </a:r>
+            <a:r>
+              <a:rPr lang="de-DE" sz="1200" b="0" i="0" u="none" strike="noStrike" kern="1200" dirty="0" err="1">
+                <a:solidFill>
+                  <a:schemeClr val="tx1"/>
+                </a:solidFill>
+                <a:effectLst/>
+                <a:latin typeface="+mn-lt"/>
+                <a:ea typeface="+mn-ea"/>
+                <a:cs typeface="+mn-cs"/>
+              </a:rPr>
+              <a:t>step</a:t>
+            </a:r>
+            <a:r>
+              <a:rPr lang="de-DE" sz="1200" b="0" i="0" u="none" strike="noStrike" kern="1200" dirty="0">
+                <a:solidFill>
+                  <a:schemeClr val="tx1"/>
+                </a:solidFill>
+                <a:effectLst/>
+                <a:latin typeface="+mn-lt"/>
+                <a:ea typeface="+mn-ea"/>
+                <a:cs typeface="+mn-cs"/>
+              </a:rPr>
+              <a:t> was </a:t>
+            </a:r>
+            <a:r>
+              <a:rPr lang="de-DE" sz="1200" b="0" i="0" u="none" strike="noStrike" kern="1200" dirty="0" err="1">
+                <a:solidFill>
+                  <a:schemeClr val="tx1"/>
+                </a:solidFill>
+                <a:effectLst/>
+                <a:latin typeface="+mn-lt"/>
+                <a:ea typeface="+mn-ea"/>
+                <a:cs typeface="+mn-cs"/>
+              </a:rPr>
+              <a:t>to</a:t>
+            </a:r>
+            <a:r>
+              <a:rPr lang="de-DE" sz="1200" b="0" i="0" u="none" strike="noStrike" kern="1200" dirty="0">
+                <a:solidFill>
+                  <a:schemeClr val="tx1"/>
+                </a:solidFill>
+                <a:effectLst/>
+                <a:latin typeface="+mn-lt"/>
+                <a:ea typeface="+mn-ea"/>
+                <a:cs typeface="+mn-cs"/>
+              </a:rPr>
+              <a:t> </a:t>
+            </a:r>
+            <a:r>
+              <a:rPr lang="de-DE" sz="1200" b="0" i="0" u="none" strike="noStrike" kern="1200" dirty="0" err="1">
+                <a:solidFill>
+                  <a:schemeClr val="tx1"/>
+                </a:solidFill>
+                <a:effectLst/>
+                <a:latin typeface="+mn-lt"/>
+                <a:ea typeface="+mn-ea"/>
+                <a:cs typeface="+mn-cs"/>
+              </a:rPr>
+              <a:t>put</a:t>
+            </a:r>
+            <a:r>
+              <a:rPr lang="de-DE" sz="1200" b="0" i="0" u="none" strike="noStrike" kern="1200" dirty="0">
+                <a:solidFill>
+                  <a:schemeClr val="tx1"/>
+                </a:solidFill>
+                <a:effectLst/>
+                <a:latin typeface="+mn-lt"/>
+                <a:ea typeface="+mn-ea"/>
+                <a:cs typeface="+mn-cs"/>
+              </a:rPr>
+              <a:t> </a:t>
+            </a:r>
+            <a:r>
+              <a:rPr lang="de-DE" sz="1200" b="0" i="0" u="none" strike="noStrike" kern="1200" dirty="0" err="1">
+                <a:solidFill>
+                  <a:schemeClr val="tx1"/>
+                </a:solidFill>
+                <a:effectLst/>
+                <a:latin typeface="+mn-lt"/>
+                <a:ea typeface="+mn-ea"/>
+                <a:cs typeface="+mn-cs"/>
+              </a:rPr>
+              <a:t>this</a:t>
+            </a:r>
+            <a:r>
+              <a:rPr lang="de-DE" sz="1200" b="0" i="0" u="none" strike="noStrike" kern="1200" dirty="0">
+                <a:solidFill>
+                  <a:schemeClr val="tx1"/>
+                </a:solidFill>
+                <a:effectLst/>
+                <a:latin typeface="+mn-lt"/>
+                <a:ea typeface="+mn-ea"/>
+                <a:cs typeface="+mn-cs"/>
+              </a:rPr>
+              <a:t> </a:t>
+            </a:r>
+            <a:r>
+              <a:rPr lang="de-DE" sz="1200" b="0" i="0" u="none" strike="noStrike" kern="1200" dirty="0" err="1">
+                <a:solidFill>
+                  <a:schemeClr val="tx1"/>
+                </a:solidFill>
+                <a:effectLst/>
+                <a:latin typeface="+mn-lt"/>
+                <a:ea typeface="+mn-ea"/>
+                <a:cs typeface="+mn-cs"/>
+              </a:rPr>
+              <a:t>data</a:t>
+            </a:r>
+            <a:r>
+              <a:rPr lang="de-DE" sz="1200" b="0" i="0" u="none" strike="noStrike" kern="1200" dirty="0">
+                <a:solidFill>
+                  <a:schemeClr val="tx1"/>
+                </a:solidFill>
+                <a:effectLst/>
+                <a:latin typeface="+mn-lt"/>
+                <a:ea typeface="+mn-ea"/>
+                <a:cs typeface="+mn-cs"/>
+              </a:rPr>
+              <a:t> via </a:t>
+            </a:r>
+            <a:r>
+              <a:rPr lang="de-DE" sz="1200" b="0" i="0" u="none" strike="noStrike" kern="1200" dirty="0" err="1">
+                <a:solidFill>
+                  <a:schemeClr val="tx1"/>
+                </a:solidFill>
+                <a:effectLst/>
+                <a:latin typeface="+mn-lt"/>
+                <a:ea typeface="+mn-ea"/>
+                <a:cs typeface="+mn-cs"/>
+              </a:rPr>
+              <a:t>phpmyadmin</a:t>
+            </a:r>
+            <a:r>
+              <a:rPr lang="de-DE" sz="1200" b="0" i="0" u="none" strike="noStrike" kern="1200" dirty="0">
+                <a:solidFill>
+                  <a:schemeClr val="tx1"/>
+                </a:solidFill>
+                <a:effectLst/>
+                <a:latin typeface="+mn-lt"/>
+                <a:ea typeface="+mn-ea"/>
+                <a:cs typeface="+mn-cs"/>
+              </a:rPr>
+              <a:t> </a:t>
+            </a:r>
+            <a:r>
+              <a:rPr lang="de-DE" sz="1200" b="0" i="0" u="none" strike="noStrike" kern="1200" dirty="0" err="1">
+                <a:solidFill>
+                  <a:schemeClr val="tx1"/>
+                </a:solidFill>
+                <a:effectLst/>
+                <a:latin typeface="+mn-lt"/>
+                <a:ea typeface="+mn-ea"/>
+                <a:cs typeface="+mn-cs"/>
+              </a:rPr>
+              <a:t>into</a:t>
+            </a:r>
+            <a:r>
+              <a:rPr lang="de-DE" sz="1200" b="0" i="0" u="none" strike="noStrike" kern="1200" dirty="0">
+                <a:solidFill>
+                  <a:schemeClr val="tx1"/>
+                </a:solidFill>
+                <a:effectLst/>
+                <a:latin typeface="+mn-lt"/>
+                <a:ea typeface="+mn-ea"/>
+                <a:cs typeface="+mn-cs"/>
+              </a:rPr>
+              <a:t> </a:t>
+            </a:r>
+            <a:r>
+              <a:rPr lang="de-DE" sz="1200" b="0" i="0" u="none" strike="noStrike" kern="1200" dirty="0" err="1">
+                <a:solidFill>
+                  <a:schemeClr val="tx1"/>
+                </a:solidFill>
+                <a:effectLst/>
+                <a:latin typeface="+mn-lt"/>
+                <a:ea typeface="+mn-ea"/>
+                <a:cs typeface="+mn-cs"/>
+              </a:rPr>
+              <a:t>the</a:t>
+            </a:r>
+            <a:r>
+              <a:rPr lang="de-DE" sz="1200" b="0" i="0" u="none" strike="noStrike" kern="1200" dirty="0">
+                <a:solidFill>
+                  <a:schemeClr val="tx1"/>
+                </a:solidFill>
+                <a:effectLst/>
+                <a:latin typeface="+mn-lt"/>
+                <a:ea typeface="+mn-ea"/>
+                <a:cs typeface="+mn-cs"/>
+              </a:rPr>
+              <a:t> </a:t>
+            </a:r>
+            <a:r>
+              <a:rPr lang="de-DE" sz="1200" b="0" i="0" u="none" strike="noStrike" kern="1200" dirty="0" err="1">
+                <a:solidFill>
+                  <a:schemeClr val="tx1"/>
+                </a:solidFill>
+                <a:effectLst/>
+                <a:latin typeface="+mn-lt"/>
+                <a:ea typeface="+mn-ea"/>
+                <a:cs typeface="+mn-cs"/>
+              </a:rPr>
+              <a:t>db</a:t>
+            </a:r>
+            <a:r>
+              <a:rPr lang="de-DE" sz="1200" b="0" i="0" u="none" strike="noStrike" kern="1200" dirty="0">
+                <a:solidFill>
+                  <a:schemeClr val="tx1"/>
+                </a:solidFill>
+                <a:effectLst/>
+                <a:latin typeface="+mn-lt"/>
+                <a:ea typeface="+mn-ea"/>
+                <a:cs typeface="+mn-cs"/>
+              </a:rPr>
+              <a:t>, </a:t>
+            </a:r>
+            <a:r>
+              <a:rPr lang="de-DE" sz="1200" b="0" i="0" u="none" strike="noStrike" kern="1200" dirty="0" err="1">
+                <a:solidFill>
+                  <a:schemeClr val="tx1"/>
+                </a:solidFill>
+                <a:effectLst/>
+                <a:latin typeface="+mn-lt"/>
+                <a:ea typeface="+mn-ea"/>
+                <a:cs typeface="+mn-cs"/>
+              </a:rPr>
+              <a:t>compress</a:t>
+            </a:r>
+            <a:r>
+              <a:rPr lang="de-DE" sz="1200" b="0" i="0" u="none" strike="noStrike" kern="1200" dirty="0">
+                <a:solidFill>
+                  <a:schemeClr val="tx1"/>
+                </a:solidFill>
+                <a:effectLst/>
+                <a:latin typeface="+mn-lt"/>
+                <a:ea typeface="+mn-ea"/>
+                <a:cs typeface="+mn-cs"/>
+              </a:rPr>
+              <a:t> </a:t>
+            </a:r>
+            <a:r>
+              <a:rPr lang="de-DE" sz="1200" b="0" i="0" u="none" strike="noStrike" kern="1200" dirty="0" err="1">
+                <a:solidFill>
+                  <a:schemeClr val="tx1"/>
+                </a:solidFill>
+                <a:effectLst/>
+                <a:latin typeface="+mn-lt"/>
+                <a:ea typeface="+mn-ea"/>
+                <a:cs typeface="+mn-cs"/>
+              </a:rPr>
+              <a:t>the</a:t>
+            </a:r>
+            <a:r>
+              <a:rPr lang="de-DE" sz="1200" b="0" i="0" u="none" strike="noStrike" kern="1200" dirty="0">
+                <a:solidFill>
+                  <a:schemeClr val="tx1"/>
+                </a:solidFill>
+                <a:effectLst/>
+                <a:latin typeface="+mn-lt"/>
+                <a:ea typeface="+mn-ea"/>
+                <a:cs typeface="+mn-cs"/>
+              </a:rPr>
+              <a:t> </a:t>
+            </a:r>
+            <a:r>
+              <a:rPr lang="de-DE" sz="1200" b="0" i="0" u="none" strike="noStrike" kern="1200" dirty="0" err="1">
+                <a:solidFill>
+                  <a:schemeClr val="tx1"/>
+                </a:solidFill>
+                <a:effectLst/>
+                <a:latin typeface="+mn-lt"/>
+                <a:ea typeface="+mn-ea"/>
+                <a:cs typeface="+mn-cs"/>
+              </a:rPr>
+              <a:t>csv</a:t>
+            </a:r>
+            <a:r>
+              <a:rPr lang="de-DE" sz="1200" b="0" i="0" u="none" strike="noStrike" kern="1200" dirty="0">
+                <a:solidFill>
+                  <a:schemeClr val="tx1"/>
+                </a:solidFill>
+                <a:effectLst/>
+                <a:latin typeface="+mn-lt"/>
+                <a:ea typeface="+mn-ea"/>
+                <a:cs typeface="+mn-cs"/>
+              </a:rPr>
+              <a:t> </a:t>
+            </a:r>
+            <a:r>
+              <a:rPr lang="de-DE" sz="1200" b="0" i="0" u="none" strike="noStrike" kern="1200" dirty="0" err="1">
+                <a:solidFill>
+                  <a:schemeClr val="tx1"/>
+                </a:solidFill>
+                <a:effectLst/>
+                <a:latin typeface="+mn-lt"/>
+                <a:ea typeface="+mn-ea"/>
+                <a:cs typeface="+mn-cs"/>
+              </a:rPr>
+              <a:t>file</a:t>
+            </a:r>
+            <a:r>
+              <a:rPr lang="de-DE" sz="1200" b="0" i="0" u="none" strike="noStrike" kern="1200" dirty="0">
+                <a:solidFill>
+                  <a:schemeClr val="tx1"/>
+                </a:solidFill>
+                <a:effectLst/>
+                <a:latin typeface="+mn-lt"/>
+                <a:ea typeface="+mn-ea"/>
+                <a:cs typeface="+mn-cs"/>
+              </a:rPr>
+              <a:t> </a:t>
+            </a:r>
+            <a:r>
+              <a:rPr lang="de-DE" sz="1200" b="0" i="0" u="none" strike="noStrike" kern="1200" dirty="0" err="1">
+                <a:solidFill>
+                  <a:schemeClr val="tx1"/>
+                </a:solidFill>
+                <a:effectLst/>
+                <a:latin typeface="+mn-lt"/>
+                <a:ea typeface="+mn-ea"/>
+                <a:cs typeface="+mn-cs"/>
+              </a:rPr>
+              <a:t>into</a:t>
+            </a:r>
+            <a:r>
+              <a:rPr lang="de-DE" sz="1200" b="0" i="0" u="none" strike="noStrike" kern="1200" dirty="0">
+                <a:solidFill>
+                  <a:schemeClr val="tx1"/>
+                </a:solidFill>
+                <a:effectLst/>
+                <a:latin typeface="+mn-lt"/>
+                <a:ea typeface="+mn-ea"/>
+                <a:cs typeface="+mn-cs"/>
+              </a:rPr>
+              <a:t> </a:t>
+            </a:r>
+            <a:r>
+              <a:rPr lang="de-DE" sz="1200" b="0" i="0" u="none" strike="noStrike" kern="1200" dirty="0" err="1">
+                <a:solidFill>
+                  <a:schemeClr val="tx1"/>
+                </a:solidFill>
+                <a:effectLst/>
+                <a:latin typeface="+mn-lt"/>
+                <a:ea typeface="+mn-ea"/>
+                <a:cs typeface="+mn-cs"/>
+              </a:rPr>
+              <a:t>zip</a:t>
+            </a:r>
+            <a:r>
+              <a:rPr lang="de-DE" sz="1200" b="0" i="0" u="none" strike="noStrike" kern="1200" dirty="0">
+                <a:solidFill>
+                  <a:schemeClr val="tx1"/>
+                </a:solidFill>
+                <a:effectLst/>
+                <a:latin typeface="+mn-lt"/>
+                <a:ea typeface="+mn-ea"/>
+                <a:cs typeface="+mn-cs"/>
+              </a:rPr>
+              <a:t> </a:t>
+            </a:r>
+            <a:r>
+              <a:rPr lang="de-DE" sz="1200" b="0" i="0" u="none" strike="noStrike" kern="1200" dirty="0" err="1">
+                <a:solidFill>
+                  <a:schemeClr val="tx1"/>
+                </a:solidFill>
+                <a:effectLst/>
+                <a:latin typeface="+mn-lt"/>
+                <a:ea typeface="+mn-ea"/>
+                <a:cs typeface="+mn-cs"/>
+              </a:rPr>
+              <a:t>that</a:t>
+            </a:r>
+            <a:r>
+              <a:rPr lang="de-DE" sz="1200" b="0" i="0" u="none" strike="noStrike" kern="1200" dirty="0">
+                <a:solidFill>
+                  <a:schemeClr val="tx1"/>
+                </a:solidFill>
+                <a:effectLst/>
+                <a:latin typeface="+mn-lt"/>
+                <a:ea typeface="+mn-ea"/>
+                <a:cs typeface="+mn-cs"/>
+              </a:rPr>
+              <a:t> </a:t>
+            </a:r>
+            <a:r>
+              <a:rPr lang="de-DE" sz="1200" b="0" i="0" u="none" strike="noStrike" kern="1200" dirty="0" err="1">
+                <a:solidFill>
+                  <a:schemeClr val="tx1"/>
+                </a:solidFill>
+                <a:effectLst/>
+                <a:latin typeface="+mn-lt"/>
+                <a:ea typeface="+mn-ea"/>
+                <a:cs typeface="+mn-cs"/>
+              </a:rPr>
+              <a:t>the</a:t>
+            </a:r>
+            <a:r>
+              <a:rPr lang="de-DE" sz="1200" b="0" i="0" u="none" strike="noStrike" kern="1200" dirty="0">
+                <a:solidFill>
+                  <a:schemeClr val="tx1"/>
+                </a:solidFill>
+                <a:effectLst/>
+                <a:latin typeface="+mn-lt"/>
+                <a:ea typeface="+mn-ea"/>
+                <a:cs typeface="+mn-cs"/>
+              </a:rPr>
+              <a:t> </a:t>
+            </a:r>
+            <a:r>
+              <a:rPr lang="de-DE" sz="1200" b="0" i="0" u="none" strike="noStrike" kern="1200" dirty="0" err="1">
+                <a:solidFill>
+                  <a:schemeClr val="tx1"/>
+                </a:solidFill>
+                <a:effectLst/>
+                <a:latin typeface="+mn-lt"/>
+                <a:ea typeface="+mn-ea"/>
+                <a:cs typeface="+mn-cs"/>
+              </a:rPr>
+              <a:t>client</a:t>
+            </a:r>
+            <a:r>
+              <a:rPr lang="de-DE" sz="1200" b="0" i="0" u="none" strike="noStrike" kern="1200" dirty="0">
+                <a:solidFill>
+                  <a:schemeClr val="tx1"/>
+                </a:solidFill>
+                <a:effectLst/>
+                <a:latin typeface="+mn-lt"/>
+                <a:ea typeface="+mn-ea"/>
+                <a:cs typeface="+mn-cs"/>
+              </a:rPr>
+              <a:t> was </a:t>
+            </a:r>
+            <a:r>
+              <a:rPr lang="de-DE" sz="1200" b="0" i="0" u="none" strike="noStrike" kern="1200" dirty="0" err="1">
+                <a:solidFill>
+                  <a:schemeClr val="tx1"/>
+                </a:solidFill>
+                <a:effectLst/>
+                <a:latin typeface="+mn-lt"/>
+                <a:ea typeface="+mn-ea"/>
+                <a:cs typeface="+mn-cs"/>
+              </a:rPr>
+              <a:t>able</a:t>
+            </a:r>
+            <a:r>
+              <a:rPr lang="de-DE" sz="1200" b="0" i="0" u="none" strike="noStrike" kern="1200" dirty="0">
+                <a:solidFill>
+                  <a:schemeClr val="tx1"/>
+                </a:solidFill>
+                <a:effectLst/>
+                <a:latin typeface="+mn-lt"/>
+                <a:ea typeface="+mn-ea"/>
+                <a:cs typeface="+mn-cs"/>
+              </a:rPr>
+              <a:t> </a:t>
+            </a:r>
+            <a:r>
+              <a:rPr lang="de-DE" sz="1200" b="0" i="0" u="none" strike="noStrike" kern="1200" dirty="0" err="1">
+                <a:solidFill>
+                  <a:schemeClr val="tx1"/>
+                </a:solidFill>
+                <a:effectLst/>
+                <a:latin typeface="+mn-lt"/>
+                <a:ea typeface="+mn-ea"/>
+                <a:cs typeface="+mn-cs"/>
+              </a:rPr>
+              <a:t>to</a:t>
+            </a:r>
+            <a:r>
+              <a:rPr lang="de-DE" sz="1200" b="0" i="0" u="none" strike="noStrike" kern="1200" dirty="0">
+                <a:solidFill>
+                  <a:schemeClr val="tx1"/>
+                </a:solidFill>
+                <a:effectLst/>
+                <a:latin typeface="+mn-lt"/>
+                <a:ea typeface="+mn-ea"/>
+                <a:cs typeface="+mn-cs"/>
+              </a:rPr>
+              <a:t> </a:t>
+            </a:r>
+            <a:r>
+              <a:rPr lang="de-DE" sz="1200" b="0" i="0" u="none" strike="noStrike" kern="1200" dirty="0" err="1">
+                <a:solidFill>
+                  <a:schemeClr val="tx1"/>
+                </a:solidFill>
+                <a:effectLst/>
+                <a:latin typeface="+mn-lt"/>
+                <a:ea typeface="+mn-ea"/>
+                <a:cs typeface="+mn-cs"/>
+              </a:rPr>
+              <a:t>read</a:t>
+            </a:r>
+            <a:r>
+              <a:rPr lang="de-DE" sz="1200" b="0" i="0" u="none" strike="noStrike" kern="1200" dirty="0">
+                <a:solidFill>
+                  <a:schemeClr val="tx1"/>
+                </a:solidFill>
+                <a:effectLst/>
+                <a:latin typeface="+mn-lt"/>
+                <a:ea typeface="+mn-ea"/>
+                <a:cs typeface="+mn-cs"/>
+              </a:rPr>
+              <a:t> </a:t>
+            </a:r>
+            <a:r>
+              <a:rPr lang="de-DE" sz="1200" b="0" i="0" u="none" strike="noStrike" kern="1200" dirty="0" err="1">
+                <a:solidFill>
+                  <a:schemeClr val="tx1"/>
+                </a:solidFill>
+                <a:effectLst/>
+                <a:latin typeface="+mn-lt"/>
+                <a:ea typeface="+mn-ea"/>
+                <a:cs typeface="+mn-cs"/>
+              </a:rPr>
+              <a:t>it</a:t>
+            </a:r>
+            <a:r>
+              <a:rPr lang="de-DE" sz="1200" b="0" i="0" u="none" strike="noStrike" kern="1200" dirty="0">
+                <a:solidFill>
+                  <a:schemeClr val="tx1"/>
+                </a:solidFill>
+                <a:effectLst/>
+                <a:latin typeface="+mn-lt"/>
+                <a:ea typeface="+mn-ea"/>
+                <a:cs typeface="+mn-cs"/>
+              </a:rPr>
+              <a:t> </a:t>
+            </a:r>
+            <a:r>
+              <a:rPr lang="de-DE" sz="1200" b="0" i="0" u="none" strike="noStrike" kern="1200" dirty="0" err="1">
+                <a:solidFill>
+                  <a:schemeClr val="tx1"/>
+                </a:solidFill>
+                <a:effectLst/>
+                <a:latin typeface="+mn-lt"/>
+                <a:ea typeface="+mn-ea"/>
+                <a:cs typeface="+mn-cs"/>
+              </a:rPr>
+              <a:t>and</a:t>
+            </a:r>
+            <a:r>
+              <a:rPr lang="de-DE" sz="1200" b="0" i="0" u="none" strike="noStrike" kern="1200" dirty="0">
+                <a:solidFill>
+                  <a:schemeClr val="tx1"/>
+                </a:solidFill>
+                <a:effectLst/>
+                <a:latin typeface="+mn-lt"/>
+                <a:ea typeface="+mn-ea"/>
+                <a:cs typeface="+mn-cs"/>
+              </a:rPr>
+              <a:t> also </a:t>
+            </a:r>
+            <a:r>
+              <a:rPr lang="de-DE" sz="1200" b="0" i="0" u="none" strike="noStrike" kern="1200" dirty="0" err="1">
+                <a:solidFill>
+                  <a:schemeClr val="tx1"/>
+                </a:solidFill>
+                <a:effectLst/>
+                <a:latin typeface="+mn-lt"/>
+                <a:ea typeface="+mn-ea"/>
+                <a:cs typeface="+mn-cs"/>
+              </a:rPr>
+              <a:t>to</a:t>
+            </a:r>
+            <a:r>
+              <a:rPr lang="de-DE" sz="1200" b="0" i="0" u="none" strike="noStrike" kern="1200" dirty="0">
+                <a:solidFill>
+                  <a:schemeClr val="tx1"/>
+                </a:solidFill>
+                <a:effectLst/>
+                <a:latin typeface="+mn-lt"/>
+                <a:ea typeface="+mn-ea"/>
+                <a:cs typeface="+mn-cs"/>
+              </a:rPr>
+              <a:t> </a:t>
+            </a:r>
+            <a:r>
+              <a:rPr lang="de-DE" sz="1200" b="0" i="0" u="none" strike="noStrike" kern="1200" dirty="0" err="1">
+                <a:solidFill>
+                  <a:schemeClr val="tx1"/>
+                </a:solidFill>
+                <a:effectLst/>
+                <a:latin typeface="+mn-lt"/>
+                <a:ea typeface="+mn-ea"/>
+                <a:cs typeface="+mn-cs"/>
+              </a:rPr>
+              <a:t>separted</a:t>
+            </a:r>
+            <a:r>
+              <a:rPr lang="de-DE" sz="1200" b="0" i="0" u="none" strike="noStrike" kern="1200" dirty="0">
+                <a:solidFill>
+                  <a:schemeClr val="tx1"/>
+                </a:solidFill>
+                <a:effectLst/>
+                <a:latin typeface="+mn-lt"/>
+                <a:ea typeface="+mn-ea"/>
+                <a:cs typeface="+mn-cs"/>
+              </a:rPr>
+              <a:t> it.....</a:t>
+            </a:r>
+          </a:p>
+          <a:p>
+            <a:endParaRPr lang="de-DE" sz="1200" b="0" i="0" u="none" strike="noStrike" kern="1200" dirty="0">
+              <a:solidFill>
+                <a:schemeClr val="tx1"/>
+              </a:solidFill>
+              <a:effectLst/>
+              <a:latin typeface="+mn-lt"/>
+              <a:ea typeface="+mn-ea"/>
+              <a:cs typeface="+mn-cs"/>
+            </a:endParaRPr>
           </a:p>
         </p:txBody>
       </p:sp>
@@ -2561,6 +2562,90 @@
             <a:fld id="{3BC40F18-5B78-A24D-B5E4-E4AF3DDF4FDC}" type="slidenum">
               <a:rPr lang="de-DE" smtClean="0"/>
               <a:t>9</a:t>
+            </a:fld>
+            <a:endParaRPr lang="de-DE"/>
+          </a:p>
+        </p:txBody>
+      </p:sp>
+    </p:spTree>
+    <p:extLst>
+      <p:ext uri="{BB962C8B-B14F-4D97-AF65-F5344CB8AC3E}">
+        <p14:creationId xmlns:p14="http://schemas.microsoft.com/office/powerpoint/2010/main" val="69945829"/>
+      </p:ext>
+    </p:extLst>
+  </p:cSld>
+  <p:clrMapOvr>
+    <a:masterClrMapping/>
+  </p:clrMapOvr>
+</p:notes>
+</file>
+
+<file path=ppt/notesSlides/notesSlide4.xml><?xml version="1.0" encoding="utf-8"?>
+<p:notes xmlns:a="http://schemas.openxmlformats.org/drawingml/2006/main" xmlns:r="http://schemas.openxmlformats.org/officeDocument/2006/relationships" xmlns:p="http://schemas.openxmlformats.org/presentationml/2006/main">
+  <p:cSld>
+    <p:spTree>
+      <p:nvGrpSpPr>
+        <p:cNvPr id="1" name=""/>
+        <p:cNvGrpSpPr/>
+        <p:nvPr/>
+      </p:nvGrpSpPr>
+      <p:grpSpPr>
+        <a:xfrm>
+          <a:off x="0" y="0"/>
+          <a:ext cx="0" cy="0"/>
+          <a:chOff x="0" y="0"/>
+          <a:chExt cx="0" cy="0"/>
+        </a:xfrm>
+      </p:grpSpPr>
+      <p:sp>
+        <p:nvSpPr>
+          <p:cNvPr id="2" name="Folienbildplatzhalter 1"/>
+          <p:cNvSpPr>
+            <a:spLocks noGrp="1" noRot="1" noChangeAspect="1"/>
+          </p:cNvSpPr>
+          <p:nvPr>
+            <p:ph type="sldImg"/>
+          </p:nvPr>
+        </p:nvSpPr>
+        <p:spPr/>
+      </p:sp>
+      <p:sp>
+        <p:nvSpPr>
+          <p:cNvPr id="3" name="Notizenplatzhalter 2"/>
+          <p:cNvSpPr>
+            <a:spLocks noGrp="1"/>
+          </p:cNvSpPr>
+          <p:nvPr>
+            <p:ph type="body" idx="1"/>
+          </p:nvPr>
+        </p:nvSpPr>
+        <p:spPr/>
+        <p:txBody>
+          <a:bodyPr/>
+          <a:lstStyle/>
+          <a:p>
+            <a:endParaRPr lang="de-DE" dirty="0"/>
+          </a:p>
+        </p:txBody>
+      </p:sp>
+      <p:sp>
+        <p:nvSpPr>
+          <p:cNvPr id="4" name="Foliennummernplatzhalter 3"/>
+          <p:cNvSpPr>
+            <a:spLocks noGrp="1"/>
+          </p:cNvSpPr>
+          <p:nvPr>
+            <p:ph type="sldNum" sz="quarter" idx="5"/>
+          </p:nvPr>
+        </p:nvSpPr>
+        <p:spPr/>
+        <p:txBody>
+          <a:bodyPr/>
+          <a:lstStyle/>
+          <a:p>
+            <a:fld id="{3BC40F18-5B78-A24D-B5E4-E4AF3DDF4FDC}" type="slidenum">
+              <a:rPr lang="de-DE" smtClean="0"/>
+              <a:t>10</a:t>
             </a:fld>
             <a:endParaRPr lang="de-DE"/>
           </a:p>
@@ -7295,6 +7380,172 @@
           <p:nvPr/>
         </p:nvPicPr>
         <p:blipFill>
+          <a:blip r:embed="rId3"/>
+          <a:stretch>
+            <a:fillRect/>
+          </a:stretch>
+        </p:blipFill>
+        <p:spPr>
+          <a:xfrm>
+            <a:off x="9715096" y="-1"/>
+            <a:ext cx="2476904" cy="667265"/>
+          </a:xfrm>
+          <a:prstGeom prst="rect">
+            <a:avLst/>
+          </a:prstGeom>
+        </p:spPr>
+      </p:pic>
+      <p:sp>
+        <p:nvSpPr>
+          <p:cNvPr id="2" name="Titel 1">
+            <a:extLst>
+              <a:ext uri="{FF2B5EF4-FFF2-40B4-BE49-F238E27FC236}">
+                <a16:creationId xmlns:a16="http://schemas.microsoft.com/office/drawing/2014/main" id="{85AE4CB9-396C-4221-B8BE-934059DDC97F}"/>
+              </a:ext>
+            </a:extLst>
+          </p:cNvPr>
+          <p:cNvSpPr>
+            <a:spLocks noGrp="1"/>
+          </p:cNvSpPr>
+          <p:nvPr>
+            <p:ph type="ctrTitle"/>
+          </p:nvPr>
+        </p:nvSpPr>
+        <p:spPr>
+          <a:xfrm>
+            <a:off x="546383" y="1508167"/>
+            <a:ext cx="2476904" cy="429012"/>
+          </a:xfrm>
+        </p:spPr>
+        <p:txBody>
+          <a:bodyPr>
+            <a:noAutofit/>
+          </a:bodyPr>
+          <a:lstStyle/>
+          <a:p>
+            <a:r>
+              <a:rPr lang="de-DE" sz="2800" b="1" dirty="0">
+                <a:latin typeface="Times" pitchFamily="2" charset="0"/>
+                <a:cs typeface="Arial" panose="020B0604020202020204" pitchFamily="34" charset="0"/>
+              </a:rPr>
+              <a:t>Star Schema</a:t>
+            </a:r>
+          </a:p>
+        </p:txBody>
+      </p:sp>
+      <p:pic>
+        <p:nvPicPr>
+          <p:cNvPr id="3" name="Grafik 2">
+            <a:extLst>
+              <a:ext uri="{FF2B5EF4-FFF2-40B4-BE49-F238E27FC236}">
+                <a16:creationId xmlns:a16="http://schemas.microsoft.com/office/drawing/2014/main" id="{29535A4A-85E9-4B1B-B6BD-24A5216F9739}"/>
+              </a:ext>
+            </a:extLst>
+          </p:cNvPr>
+          <p:cNvPicPr>
+            <a:picLocks noChangeAspect="1"/>
+          </p:cNvPicPr>
+          <p:nvPr/>
+        </p:nvPicPr>
+        <p:blipFill>
+          <a:blip r:embed="rId4"/>
+          <a:stretch>
+            <a:fillRect/>
+          </a:stretch>
+        </p:blipFill>
+        <p:spPr>
+          <a:xfrm>
+            <a:off x="3270422" y="667263"/>
+            <a:ext cx="6944497" cy="5599495"/>
+          </a:xfrm>
+          <a:prstGeom prst="rect">
+            <a:avLst/>
+          </a:prstGeom>
+        </p:spPr>
+      </p:pic>
+      <p:sp>
+        <p:nvSpPr>
+          <p:cNvPr id="5" name="Textfeld 4">
+            <a:extLst>
+              <a:ext uri="{FF2B5EF4-FFF2-40B4-BE49-F238E27FC236}">
+                <a16:creationId xmlns:a16="http://schemas.microsoft.com/office/drawing/2014/main" id="{AD024712-EA85-4558-8B3B-B99CAF87ECC2}"/>
+              </a:ext>
+            </a:extLst>
+          </p:cNvPr>
+          <p:cNvSpPr txBox="1"/>
+          <p:nvPr/>
+        </p:nvSpPr>
+        <p:spPr>
+          <a:xfrm>
+            <a:off x="5577016" y="6367849"/>
+            <a:ext cx="2331308" cy="307777"/>
+          </a:xfrm>
+          <a:prstGeom prst="rect">
+            <a:avLst/>
+          </a:prstGeom>
+          <a:noFill/>
+        </p:spPr>
+        <p:txBody>
+          <a:bodyPr wrap="square" rtlCol="0">
+            <a:spAutoFit/>
+          </a:bodyPr>
+          <a:lstStyle/>
+          <a:p>
+            <a:r>
+              <a:rPr lang="de-DE" sz="1400" dirty="0">
+                <a:latin typeface="Times" pitchFamily="2" charset="0"/>
+                <a:cs typeface="Arial" panose="020B0604020202020204" pitchFamily="34" charset="0"/>
+              </a:rPr>
+              <a:t>Figure 2: Star Schema</a:t>
+            </a:r>
+          </a:p>
+        </p:txBody>
+      </p:sp>
+    </p:spTree>
+    <p:extLst>
+      <p:ext uri="{BB962C8B-B14F-4D97-AF65-F5344CB8AC3E}">
+        <p14:creationId xmlns:p14="http://schemas.microsoft.com/office/powerpoint/2010/main" val="102582351"/>
+      </p:ext>
+    </p:extLst>
+  </p:cSld>
+  <p:clrMapOvr>
+    <a:masterClrMapping/>
+  </p:clrMapOvr>
+</p:sld>
+</file>
+
+<file path=ppt/slides/slide11.xml><?xml version="1.0" encoding="utf-8"?>
+<p:sld xmlns:a="http://schemas.openxmlformats.org/drawingml/2006/main" xmlns:r="http://schemas.openxmlformats.org/officeDocument/2006/relationships" xmlns:p="http://schemas.openxmlformats.org/presentationml/2006/main">
+  <p:cSld>
+    <p:spTree>
+      <p:nvGrpSpPr>
+        <p:cNvPr id="1" name=""/>
+        <p:cNvGrpSpPr/>
+        <p:nvPr/>
+      </p:nvGrpSpPr>
+      <p:grpSpPr>
+        <a:xfrm>
+          <a:off x="0" y="0"/>
+          <a:ext cx="0" cy="0"/>
+          <a:chOff x="0" y="0"/>
+          <a:chExt cx="0" cy="0"/>
+        </a:xfrm>
+      </p:grpSpPr>
+      <p:pic>
+        <p:nvPicPr>
+          <p:cNvPr id="4" name="Grafik 3">
+            <a:extLst>
+              <a:ext uri="{FF2B5EF4-FFF2-40B4-BE49-F238E27FC236}">
+                <a16:creationId xmlns:a16="http://schemas.microsoft.com/office/drawing/2014/main" id="{B7221E9E-1B0E-4690-AB66-2428FA7A3509}"/>
+              </a:ext>
+            </a:extLst>
+          </p:cNvPr>
+          <p:cNvPicPr>
+            <a:picLocks noChangeAspect="1"/>
+          </p:cNvPicPr>
+          <p:nvPr/>
+        </p:nvPicPr>
+        <p:blipFill>
           <a:blip r:embed="rId2"/>
           <a:stretch>
             <a:fillRect/>
@@ -7428,7 +7679,7 @@
 </p:sld>
 </file>
 
-<file path=ppt/slides/slide11.xml><?xml version="1.0" encoding="utf-8"?>
+<file path=ppt/slides/slide12.xml><?xml version="1.0" encoding="utf-8"?>
 <p:sld xmlns:a="http://schemas.openxmlformats.org/drawingml/2006/main" xmlns:r="http://schemas.openxmlformats.org/officeDocument/2006/relationships" xmlns:p="http://schemas.openxmlformats.org/presentationml/2006/main">
   <p:cSld>
     <p:spTree>
@@ -10000,12 +10251,75 @@
           <a:chExt cx="0" cy="0"/>
         </a:xfrm>
       </p:grpSpPr>
+      <p:sp>
+        <p:nvSpPr>
+          <p:cNvPr id="2" name="Titel 1">
+            <a:extLst>
+              <a:ext uri="{FF2B5EF4-FFF2-40B4-BE49-F238E27FC236}">
+                <a16:creationId xmlns:a16="http://schemas.microsoft.com/office/drawing/2014/main" id="{FCAD53FF-F670-F146-9BD5-ACB5399ACE5D}"/>
+              </a:ext>
+            </a:extLst>
+          </p:cNvPr>
+          <p:cNvSpPr>
+            <a:spLocks noGrp="1"/>
+          </p:cNvSpPr>
+          <p:nvPr>
+            <p:ph type="title"/>
+          </p:nvPr>
+        </p:nvSpPr>
+        <p:spPr/>
+        <p:txBody>
+          <a:bodyPr/>
+          <a:lstStyle/>
+          <a:p>
+            <a:r>
+              <a:rPr lang="de-DE" dirty="0" err="1"/>
+              <a:t>GitHub</a:t>
+            </a:r>
+            <a:endParaRPr lang="de-DE" dirty="0"/>
+          </a:p>
+        </p:txBody>
+      </p:sp>
       <p:pic>
         <p:nvPicPr>
-          <p:cNvPr id="4" name="Grafik 3">
+          <p:cNvPr id="5" name="Inhaltsplatzhalter 4">
             <a:extLst>
               <a:ext uri="{FF2B5EF4-FFF2-40B4-BE49-F238E27FC236}">
-                <a16:creationId xmlns:a16="http://schemas.microsoft.com/office/drawing/2014/main" id="{B7221E9E-1B0E-4690-AB66-2428FA7A3509}"/>
+                <a16:creationId xmlns:a16="http://schemas.microsoft.com/office/drawing/2014/main" id="{DE24E298-7988-0E4D-8CCC-313798DF440F}"/>
+              </a:ext>
+            </a:extLst>
+          </p:cNvPr>
+          <p:cNvPicPr>
+            <a:picLocks noGrp="1" noChangeAspect="1"/>
+          </p:cNvPicPr>
+          <p:nvPr>
+            <p:ph idx="1"/>
+          </p:nvPr>
+        </p:nvPicPr>
+        <p:blipFill rotWithShape="1">
+          <a:blip r:embed="rId3">
+            <a:extLst>
+              <a:ext uri="{28A0092B-C50C-407E-A947-70E740481C1C}">
+                <a14:useLocalDpi xmlns:a14="http://schemas.microsoft.com/office/drawing/2010/main" val="0"/>
+              </a:ext>
+            </a:extLst>
+          </a:blip>
+          <a:srcRect l="9763" t="11606" r="12090" b="11012"/>
+          <a:stretch/>
+        </p:blipFill>
+        <p:spPr>
+          <a:xfrm>
+            <a:off x="5947724" y="2850015"/>
+            <a:ext cx="4838810" cy="2709334"/>
+          </a:xfrm>
+        </p:spPr>
+      </p:pic>
+      <p:pic>
+        <p:nvPicPr>
+          <p:cNvPr id="7" name="Grafik 6">
+            <a:extLst>
+              <a:ext uri="{FF2B5EF4-FFF2-40B4-BE49-F238E27FC236}">
+                <a16:creationId xmlns:a16="http://schemas.microsoft.com/office/drawing/2014/main" id="{1952623C-68F9-AF41-8FC9-9C2266728AC8}"/>
               </a:ext>
             </a:extLst>
           </p:cNvPr>
@@ -10015,15 +10329,21 @@
           <p:nvPr/>
         </p:nvPicPr>
         <p:blipFill>
-          <a:blip r:embed="rId3"/>
+          <a:blip r:embed="rId4">
+            <a:extLst>
+              <a:ext uri="{28A0092B-C50C-407E-A947-70E740481C1C}">
+                <a14:useLocalDpi xmlns:a14="http://schemas.microsoft.com/office/drawing/2010/main" val="0"/>
+              </a:ext>
+            </a:extLst>
+          </a:blip>
           <a:stretch>
             <a:fillRect/>
           </a:stretch>
         </p:blipFill>
         <p:spPr>
           <a:xfrm>
-            <a:off x="9715096" y="-1"/>
-            <a:ext cx="2476904" cy="667265"/>
+            <a:off x="1651865" y="2890385"/>
+            <a:ext cx="3055602" cy="1077229"/>
           </a:xfrm>
           <a:prstGeom prst="rect">
             <a:avLst/>
@@ -10032,62 +10352,10 @@
       </p:pic>
       <p:sp>
         <p:nvSpPr>
-          <p:cNvPr id="2" name="Titel 1">
+          <p:cNvPr id="8" name="Textfeld 7">
             <a:extLst>
               <a:ext uri="{FF2B5EF4-FFF2-40B4-BE49-F238E27FC236}">
-                <a16:creationId xmlns:a16="http://schemas.microsoft.com/office/drawing/2014/main" id="{85AE4CB9-396C-4221-B8BE-934059DDC97F}"/>
-              </a:ext>
-            </a:extLst>
-          </p:cNvPr>
-          <p:cNvSpPr>
-            <a:spLocks noGrp="1"/>
-          </p:cNvSpPr>
-          <p:nvPr>
-            <p:ph type="ctrTitle"/>
-          </p:nvPr>
-        </p:nvSpPr>
-        <p:spPr>
-          <a:xfrm>
-            <a:off x="-659027" y="1046849"/>
-            <a:ext cx="5936795" cy="429012"/>
-          </a:xfrm>
-        </p:spPr>
-        <p:txBody>
-          <a:bodyPr>
-            <a:noAutofit/>
-          </a:bodyPr>
-          <a:lstStyle/>
-          <a:p>
-            <a:r>
-              <a:rPr lang="de-DE" sz="2400" b="1" dirty="0">
-                <a:latin typeface="Times" pitchFamily="2" charset="0"/>
-                <a:cs typeface="Arial" panose="020B0604020202020204" pitchFamily="34" charset="0"/>
-              </a:rPr>
-              <a:t>Data </a:t>
-            </a:r>
-            <a:r>
-              <a:rPr lang="de-DE" sz="2400" b="1" dirty="0" err="1">
-                <a:latin typeface="Times" pitchFamily="2" charset="0"/>
-                <a:cs typeface="Arial" panose="020B0604020202020204" pitchFamily="34" charset="0"/>
-              </a:rPr>
-              <a:t>Preparation</a:t>
-            </a:r>
-            <a:r>
-              <a:rPr lang="de-DE" sz="2400" b="1" dirty="0">
-                <a:latin typeface="Times" pitchFamily="2" charset="0"/>
-                <a:cs typeface="Arial" panose="020B0604020202020204" pitchFamily="34" charset="0"/>
-              </a:rPr>
-              <a:t> Phase</a:t>
-            </a:r>
-          </a:p>
-        </p:txBody>
-      </p:sp>
-      <p:sp>
-        <p:nvSpPr>
-          <p:cNvPr id="6" name="Textfeld 5">
-            <a:extLst>
-              <a:ext uri="{FF2B5EF4-FFF2-40B4-BE49-F238E27FC236}">
-                <a16:creationId xmlns:a16="http://schemas.microsoft.com/office/drawing/2014/main" id="{DACAD11C-BB60-4978-9D9F-53388F62B2E2}"/>
+                <a16:creationId xmlns:a16="http://schemas.microsoft.com/office/drawing/2014/main" id="{C5057A8D-C290-C441-B71E-5DC9E2C68261}"/>
               </a:ext>
             </a:extLst>
           </p:cNvPr>
@@ -10096,8 +10364,8 @@
         </p:nvSpPr>
         <p:spPr>
           <a:xfrm>
-            <a:off x="172995" y="1919416"/>
-            <a:ext cx="9489989" cy="369332"/>
+            <a:off x="1651865" y="1793467"/>
+            <a:ext cx="9489989" cy="646331"/>
           </a:xfrm>
           <a:prstGeom prst="rect">
             <a:avLst/>
@@ -10110,75 +10378,118 @@
           </a:bodyPr>
           <a:lstStyle/>
           <a:p>
+            <a:pPr marL="285750" indent="-285750">
+              <a:buFont typeface="Arial" panose="020B0604020202020204" pitchFamily="34" charset="0"/>
+              <a:buChar char="•"/>
+            </a:pPr>
             <a:r>
               <a:rPr lang="de-DE" dirty="0">
                 <a:latin typeface="Times" pitchFamily="2" charset="0"/>
                 <a:cs typeface="Arial" panose="020B0604020202020204" pitchFamily="34" charset="0"/>
               </a:rPr>
-              <a:t>Data </a:t>
+              <a:t>Source </a:t>
             </a:r>
             <a:r>
               <a:rPr lang="de-DE" dirty="0" err="1">
                 <a:latin typeface="Times" pitchFamily="2" charset="0"/>
                 <a:cs typeface="Arial" panose="020B0604020202020204" pitchFamily="34" charset="0"/>
               </a:rPr>
-              <a:t>Preparation</a:t>
+              <a:t>code</a:t>
             </a:r>
             <a:r>
               <a:rPr lang="de-DE" dirty="0">
                 <a:latin typeface="Times" pitchFamily="2" charset="0"/>
                 <a:cs typeface="Arial" panose="020B0604020202020204" pitchFamily="34" charset="0"/>
               </a:rPr>
-              <a:t> and - </a:t>
+              <a:t> </a:t>
             </a:r>
             <a:r>
               <a:rPr lang="de-DE" dirty="0" err="1">
                 <a:latin typeface="Times" pitchFamily="2" charset="0"/>
                 <a:cs typeface="Arial" panose="020B0604020202020204" pitchFamily="34" charset="0"/>
               </a:rPr>
-              <a:t>Cleansing</a:t>
+              <a:t>management</a:t>
             </a:r>
             <a:endParaRPr lang="de-DE" dirty="0">
               <a:latin typeface="Times" pitchFamily="2" charset="0"/>
               <a:cs typeface="Arial" panose="020B0604020202020204" pitchFamily="34" charset="0"/>
             </a:endParaRPr>
           </a:p>
+          <a:p>
+            <a:pPr marL="285750" indent="-285750">
+              <a:buFont typeface="Arial" panose="020B0604020202020204" pitchFamily="34" charset="0"/>
+              <a:buChar char="•"/>
+            </a:pPr>
+            <a:r>
+              <a:rPr lang="de-DE" dirty="0">
+                <a:latin typeface="Times" pitchFamily="2" charset="0"/>
+                <a:cs typeface="Arial" panose="020B0604020202020204" pitchFamily="34" charset="0"/>
+              </a:rPr>
+              <a:t>Working </a:t>
+            </a:r>
+            <a:r>
+              <a:rPr lang="de-DE" dirty="0" err="1">
+                <a:latin typeface="Times" pitchFamily="2" charset="0"/>
+                <a:cs typeface="Arial" panose="020B0604020202020204" pitchFamily="34" charset="0"/>
+              </a:rPr>
+              <a:t>efficent</a:t>
+            </a:r>
+            <a:r>
+              <a:rPr lang="de-DE" dirty="0">
+                <a:latin typeface="Times" pitchFamily="2" charset="0"/>
+                <a:cs typeface="Arial" panose="020B0604020202020204" pitchFamily="34" charset="0"/>
+              </a:rPr>
+              <a:t> in </a:t>
+            </a:r>
+            <a:r>
+              <a:rPr lang="de-DE" dirty="0" err="1">
+                <a:latin typeface="Times" pitchFamily="2" charset="0"/>
+                <a:cs typeface="Arial" panose="020B0604020202020204" pitchFamily="34" charset="0"/>
+              </a:rPr>
+              <a:t>our</a:t>
+            </a:r>
+            <a:r>
+              <a:rPr lang="de-DE" dirty="0">
+                <a:latin typeface="Times" pitchFamily="2" charset="0"/>
+                <a:cs typeface="Arial" panose="020B0604020202020204" pitchFamily="34" charset="0"/>
+              </a:rPr>
+              <a:t> </a:t>
+            </a:r>
+            <a:r>
+              <a:rPr lang="de-DE" dirty="0" err="1">
+                <a:latin typeface="Times" pitchFamily="2" charset="0"/>
+                <a:cs typeface="Arial" panose="020B0604020202020204" pitchFamily="34" charset="0"/>
+              </a:rPr>
+              <a:t>team</a:t>
+            </a:r>
+            <a:r>
+              <a:rPr lang="de-DE" dirty="0">
+                <a:latin typeface="Times" pitchFamily="2" charset="0"/>
+                <a:cs typeface="Arial" panose="020B0604020202020204" pitchFamily="34" charset="0"/>
+              </a:rPr>
+              <a:t> (e.g. PowerPoint </a:t>
+            </a:r>
+            <a:r>
+              <a:rPr lang="de-DE" dirty="0" err="1">
+                <a:latin typeface="Times" pitchFamily="2" charset="0"/>
+                <a:cs typeface="Arial" panose="020B0604020202020204" pitchFamily="34" charset="0"/>
+              </a:rPr>
+              <a:t>presentation</a:t>
+            </a:r>
+            <a:r>
+              <a:rPr lang="de-DE" dirty="0">
+                <a:latin typeface="Times" pitchFamily="2" charset="0"/>
+                <a:cs typeface="Arial" panose="020B0604020202020204" pitchFamily="34" charset="0"/>
+              </a:rPr>
+              <a:t>)</a:t>
+            </a:r>
+          </a:p>
         </p:txBody>
       </p:sp>
-      <p:pic>
-        <p:nvPicPr>
-          <p:cNvPr id="7" name="Grafik 6">
-            <a:extLst>
-              <a:ext uri="{FF2B5EF4-FFF2-40B4-BE49-F238E27FC236}">
-                <a16:creationId xmlns:a16="http://schemas.microsoft.com/office/drawing/2014/main" id="{CC039438-7CCF-4504-8EF3-C60441311620}"/>
-              </a:ext>
-            </a:extLst>
-          </p:cNvPr>
-          <p:cNvPicPr>
-            <a:picLocks noChangeAspect="1"/>
-          </p:cNvPicPr>
-          <p:nvPr/>
-        </p:nvPicPr>
-        <p:blipFill>
-          <a:blip r:embed="rId4"/>
-          <a:stretch>
-            <a:fillRect/>
-          </a:stretch>
-        </p:blipFill>
-        <p:spPr>
-          <a:xfrm>
-            <a:off x="4006656" y="1693763"/>
-            <a:ext cx="8012349" cy="5007718"/>
-          </a:xfrm>
-          <a:prstGeom prst="rect">
-            <a:avLst/>
-          </a:prstGeom>
-        </p:spPr>
-      </p:pic>
     </p:spTree>
     <p:extLst>
       <p:ext uri="{BB962C8B-B14F-4D97-AF65-F5344CB8AC3E}">
-        <p14:creationId xmlns:p14="http://schemas.microsoft.com/office/powerpoint/2010/main" val="3085713717"/>
+        <p14:creationId xmlns:p14="http://schemas.microsoft.com/office/powerpoint/2010/main" val="2922025352"/>
       </p:ext>
     </p:extLst>
   </p:cSld>
@@ -10253,8 +10564,8 @@
         </p:nvSpPr>
         <p:spPr>
           <a:xfrm>
-            <a:off x="546383" y="1508167"/>
-            <a:ext cx="2476904" cy="429012"/>
+            <a:off x="-659027" y="1046849"/>
+            <a:ext cx="5936795" cy="429012"/>
           </a:xfrm>
         </p:spPr>
         <p:txBody>
@@ -10264,21 +10575,108 @@
           <a:lstStyle/>
           <a:p>
             <a:r>
-              <a:rPr lang="de-DE" sz="2800" b="1" dirty="0">
-                <a:latin typeface="Times" pitchFamily="2" charset="0"/>
-                <a:cs typeface="Arial" panose="020B0604020202020204" pitchFamily="34" charset="0"/>
-              </a:rPr>
-              <a:t>Star Schema</a:t>
-            </a:r>
+              <a:rPr lang="de-DE" sz="2400" b="1" dirty="0">
+                <a:latin typeface="Times" pitchFamily="2" charset="0"/>
+                <a:cs typeface="Arial" panose="020B0604020202020204" pitchFamily="34" charset="0"/>
+              </a:rPr>
+              <a:t>Data </a:t>
+            </a:r>
+            <a:r>
+              <a:rPr lang="de-DE" sz="2400" b="1" dirty="0" err="1">
+                <a:latin typeface="Times" pitchFamily="2" charset="0"/>
+                <a:cs typeface="Arial" panose="020B0604020202020204" pitchFamily="34" charset="0"/>
+              </a:rPr>
+              <a:t>Preparation</a:t>
+            </a:r>
+            <a:r>
+              <a:rPr lang="de-DE" sz="2400" b="1" dirty="0">
+                <a:latin typeface="Times" pitchFamily="2" charset="0"/>
+                <a:cs typeface="Arial" panose="020B0604020202020204" pitchFamily="34" charset="0"/>
+              </a:rPr>
+              <a:t> Phase</a:t>
+            </a:r>
+          </a:p>
+        </p:txBody>
+      </p:sp>
+      <p:sp>
+        <p:nvSpPr>
+          <p:cNvPr id="6" name="Textfeld 5">
+            <a:extLst>
+              <a:ext uri="{FF2B5EF4-FFF2-40B4-BE49-F238E27FC236}">
+                <a16:creationId xmlns:a16="http://schemas.microsoft.com/office/drawing/2014/main" id="{DACAD11C-BB60-4978-9D9F-53388F62B2E2}"/>
+              </a:ext>
+            </a:extLst>
+          </p:cNvPr>
+          <p:cNvSpPr txBox="1"/>
+          <p:nvPr/>
+        </p:nvSpPr>
+        <p:spPr>
+          <a:xfrm>
+            <a:off x="901128" y="1953283"/>
+            <a:ext cx="9489989" cy="646331"/>
+          </a:xfrm>
+          <a:prstGeom prst="rect">
+            <a:avLst/>
+          </a:prstGeom>
+          <a:noFill/>
+        </p:spPr>
+        <p:txBody>
+          <a:bodyPr wrap="square" rtlCol="0">
+            <a:spAutoFit/>
+          </a:bodyPr>
+          <a:lstStyle/>
+          <a:p>
+            <a:pPr marL="285750" indent="-285750">
+              <a:buFont typeface="Arial" panose="020B0604020202020204" pitchFamily="34" charset="0"/>
+              <a:buChar char="•"/>
+            </a:pPr>
+            <a:r>
+              <a:rPr lang="de-DE" dirty="0">
+                <a:latin typeface="Times" pitchFamily="2" charset="0"/>
+                <a:cs typeface="Arial" panose="020B0604020202020204" pitchFamily="34" charset="0"/>
+              </a:rPr>
+              <a:t>Data </a:t>
+            </a:r>
+            <a:r>
+              <a:rPr lang="de-DE" dirty="0" err="1">
+                <a:latin typeface="Times" pitchFamily="2" charset="0"/>
+                <a:cs typeface="Arial" panose="020B0604020202020204" pitchFamily="34" charset="0"/>
+              </a:rPr>
+              <a:t>Preparation</a:t>
+            </a:r>
+            <a:r>
+              <a:rPr lang="de-DE" dirty="0">
+                <a:latin typeface="Times" pitchFamily="2" charset="0"/>
+                <a:cs typeface="Arial" panose="020B0604020202020204" pitchFamily="34" charset="0"/>
+              </a:rPr>
+              <a:t> </a:t>
+            </a:r>
+          </a:p>
+          <a:p>
+            <a:pPr marL="285750" indent="-285750">
+              <a:buFont typeface="Arial" panose="020B0604020202020204" pitchFamily="34" charset="0"/>
+              <a:buChar char="•"/>
+            </a:pPr>
+            <a:r>
+              <a:rPr lang="de-DE" dirty="0" err="1">
+                <a:latin typeface="Times" pitchFamily="2" charset="0"/>
+                <a:cs typeface="Arial" panose="020B0604020202020204" pitchFamily="34" charset="0"/>
+              </a:rPr>
+              <a:t>Cleansing</a:t>
+            </a:r>
+            <a:endParaRPr lang="de-DE" dirty="0">
+              <a:latin typeface="Times" pitchFamily="2" charset="0"/>
+              <a:cs typeface="Arial" panose="020B0604020202020204" pitchFamily="34" charset="0"/>
+            </a:endParaRPr>
           </a:p>
         </p:txBody>
       </p:sp>
       <p:pic>
         <p:nvPicPr>
-          <p:cNvPr id="3" name="Grafik 2">
+          <p:cNvPr id="7" name="Grafik 6">
             <a:extLst>
               <a:ext uri="{FF2B5EF4-FFF2-40B4-BE49-F238E27FC236}">
-                <a16:creationId xmlns:a16="http://schemas.microsoft.com/office/drawing/2014/main" id="{29535A4A-85E9-4B1B-B6BD-24A5216F9739}"/>
+                <a16:creationId xmlns:a16="http://schemas.microsoft.com/office/drawing/2014/main" id="{CC039438-7CCF-4504-8EF3-C60441311620}"/>
               </a:ext>
             </a:extLst>
           </p:cNvPr>
@@ -10295,56 +10693,18 @@
         </p:blipFill>
         <p:spPr>
           <a:xfrm>
-            <a:off x="3270422" y="667263"/>
-            <a:ext cx="6944497" cy="5599495"/>
+            <a:off x="4006656" y="1693763"/>
+            <a:ext cx="8012349" cy="5007718"/>
           </a:xfrm>
           <a:prstGeom prst="rect">
             <a:avLst/>
           </a:prstGeom>
         </p:spPr>
       </p:pic>
-      <p:sp>
-        <p:nvSpPr>
-          <p:cNvPr id="5" name="Textfeld 4">
-            <a:extLst>
-              <a:ext uri="{FF2B5EF4-FFF2-40B4-BE49-F238E27FC236}">
-                <a16:creationId xmlns:a16="http://schemas.microsoft.com/office/drawing/2014/main" id="{AD024712-EA85-4558-8B3B-B99CAF87ECC2}"/>
-              </a:ext>
-            </a:extLst>
-          </p:cNvPr>
-          <p:cNvSpPr txBox="1"/>
-          <p:nvPr/>
-        </p:nvSpPr>
-        <p:spPr>
-          <a:xfrm>
-            <a:off x="5577016" y="6367849"/>
-            <a:ext cx="2331308" cy="307777"/>
-          </a:xfrm>
-          <a:prstGeom prst="rect">
-            <a:avLst/>
-          </a:prstGeom>
-          <a:noFill/>
-        </p:spPr>
-        <p:txBody>
-          <a:bodyPr wrap="square" rtlCol="0">
-            <a:spAutoFit/>
-          </a:bodyPr>
-          <a:lstStyle/>
-          <a:p>
-            <a:r>
-              <a:rPr lang="de-DE" sz="1400" dirty="0">
-                <a:latin typeface="Times" pitchFamily="2" charset="0"/>
-                <a:cs typeface="Arial" panose="020B0604020202020204" pitchFamily="34" charset="0"/>
-              </a:rPr>
-              <a:t>Figure 2: Star Schema</a:t>
-            </a:r>
-          </a:p>
-        </p:txBody>
-      </p:sp>
     </p:spTree>
     <p:extLst>
       <p:ext uri="{BB962C8B-B14F-4D97-AF65-F5344CB8AC3E}">
-        <p14:creationId xmlns:p14="http://schemas.microsoft.com/office/powerpoint/2010/main" val="102582351"/>
+        <p14:creationId xmlns:p14="http://schemas.microsoft.com/office/powerpoint/2010/main" val="3085713717"/>
       </p:ext>
     </p:extLst>
   </p:cSld>

--- a/DAWA.pptx
+++ b/DAWA.pptx
@@ -10365,7 +10365,7 @@
         <p:spPr>
           <a:xfrm>
             <a:off x="1651865" y="1793467"/>
-            <a:ext cx="9489989" cy="646331"/>
+            <a:ext cx="9489989" cy="923330"/>
           </a:xfrm>
           <a:prstGeom prst="rect">
             <a:avLst/>
@@ -10414,6 +10414,19 @@
               <a:latin typeface="Times" pitchFamily="2" charset="0"/>
               <a:cs typeface="Arial" panose="020B0604020202020204" pitchFamily="34" charset="0"/>
             </a:endParaRPr>
+          </a:p>
+          <a:p>
+            <a:pPr marL="285750" indent="-285750">
+              <a:buFont typeface="Arial" panose="020B0604020202020204" pitchFamily="34" charset="0"/>
+              <a:buChar char="•"/>
+            </a:pPr>
+            <a:r>
+              <a:rPr lang="de-DE" dirty="0">
+                <a:latin typeface="Times" pitchFamily="2" charset="0"/>
+                <a:cs typeface="Arial" panose="020B0604020202020204" pitchFamily="34" charset="0"/>
+              </a:rPr>
+              <a:t>Repository</a:t>
+            </a:r>
           </a:p>
           <a:p>
             <a:pPr marL="285750" indent="-285750">

--- a/DAWA.pptx
+++ b/DAWA.pptx
@@ -208,7 +208,7 @@
           <a:p>
             <a:fld id="{64881343-8C03-C846-9B19-EBE2DBE83594}" type="datetimeFigureOut">
               <a:rPr lang="de-DE" smtClean="0"/>
-              <a:t>13.01.20</a:t>
+              <a:t>15.01.20</a:t>
             </a:fld>
             <a:endParaRPr lang="de-DE"/>
           </a:p>
@@ -2881,7 +2881,7 @@
           <a:p>
             <a:fld id="{B3ABF3A7-44E9-42CF-B74C-8A75C5603B59}" type="datetimeFigureOut">
               <a:rPr lang="de-DE" smtClean="0"/>
-              <a:t>13.01.20</a:t>
+              <a:t>15.01.20</a:t>
             </a:fld>
             <a:endParaRPr lang="de-DE"/>
           </a:p>
@@ -3216,7 +3216,7 @@
           <a:p>
             <a:fld id="{B3ABF3A7-44E9-42CF-B74C-8A75C5603B59}" type="datetimeFigureOut">
               <a:rPr lang="de-DE" smtClean="0"/>
-              <a:t>13.01.20</a:t>
+              <a:t>15.01.20</a:t>
             </a:fld>
             <a:endParaRPr lang="de-DE"/>
           </a:p>
@@ -3519,7 +3519,7 @@
           <a:p>
             <a:fld id="{B3ABF3A7-44E9-42CF-B74C-8A75C5603B59}" type="datetimeFigureOut">
               <a:rPr lang="de-DE" smtClean="0"/>
-              <a:t>13.01.20</a:t>
+              <a:t>15.01.20</a:t>
             </a:fld>
             <a:endParaRPr lang="de-DE"/>
           </a:p>
@@ -3767,7 +3767,7 @@
           <a:p>
             <a:fld id="{B3ABF3A7-44E9-42CF-B74C-8A75C5603B59}" type="datetimeFigureOut">
               <a:rPr lang="de-DE" smtClean="0"/>
-              <a:t>13.01.20</a:t>
+              <a:t>15.01.20</a:t>
             </a:fld>
             <a:endParaRPr lang="de-DE"/>
           </a:p>
@@ -4175,7 +4175,7 @@
           <a:p>
             <a:fld id="{B3ABF3A7-44E9-42CF-B74C-8A75C5603B59}" type="datetimeFigureOut">
               <a:rPr lang="de-DE" smtClean="0"/>
-              <a:t>13.01.20</a:t>
+              <a:t>15.01.20</a:t>
             </a:fld>
             <a:endParaRPr lang="de-DE"/>
           </a:p>
@@ -4490,7 +4490,7 @@
           <a:p>
             <a:fld id="{B3ABF3A7-44E9-42CF-B74C-8A75C5603B59}" type="datetimeFigureOut">
               <a:rPr lang="de-DE" smtClean="0"/>
-              <a:t>13.01.20</a:t>
+              <a:t>15.01.20</a:t>
             </a:fld>
             <a:endParaRPr lang="de-DE"/>
           </a:p>
@@ -5035,7 +5035,7 @@
           <a:p>
             <a:fld id="{B3ABF3A7-44E9-42CF-B74C-8A75C5603B59}" type="datetimeFigureOut">
               <a:rPr lang="de-DE" smtClean="0"/>
-              <a:t>13.01.20</a:t>
+              <a:t>15.01.20</a:t>
             </a:fld>
             <a:endParaRPr lang="de-DE"/>
           </a:p>
@@ -5231,7 +5231,7 @@
           <a:p>
             <a:fld id="{B3ABF3A7-44E9-42CF-B74C-8A75C5603B59}" type="datetimeFigureOut">
               <a:rPr lang="de-DE" smtClean="0"/>
-              <a:t>13.01.20</a:t>
+              <a:t>15.01.20</a:t>
             </a:fld>
             <a:endParaRPr lang="de-DE"/>
           </a:p>
@@ -5445,7 +5445,7 @@
           <a:p>
             <a:fld id="{B3ABF3A7-44E9-42CF-B74C-8A75C5603B59}" type="datetimeFigureOut">
               <a:rPr lang="de-DE" smtClean="0"/>
-              <a:t>13.01.20</a:t>
+              <a:t>15.01.20</a:t>
             </a:fld>
             <a:endParaRPr lang="de-DE"/>
           </a:p>
@@ -5815,7 +5815,7 @@
           <a:p>
             <a:fld id="{B3ABF3A7-44E9-42CF-B74C-8A75C5603B59}" type="datetimeFigureOut">
               <a:rPr lang="de-DE" smtClean="0"/>
-              <a:t>13.01.20</a:t>
+              <a:t>15.01.20</a:t>
             </a:fld>
             <a:endParaRPr lang="de-DE"/>
           </a:p>
@@ -6219,7 +6219,7 @@
           <a:p>
             <a:fld id="{B3ABF3A7-44E9-42CF-B74C-8A75C5603B59}" type="datetimeFigureOut">
               <a:rPr lang="de-DE" smtClean="0"/>
-              <a:t>13.01.20</a:t>
+              <a:t>15.01.20</a:t>
             </a:fld>
             <a:endParaRPr lang="de-DE"/>
           </a:p>
@@ -6531,7 +6531,7 @@
           <a:p>
             <a:fld id="{B3ABF3A7-44E9-42CF-B74C-8A75C5603B59}" type="datetimeFigureOut">
               <a:rPr lang="de-DE" smtClean="0"/>
-              <a:t>13.01.20</a:t>
+              <a:t>15.01.20</a:t>
             </a:fld>
             <a:endParaRPr lang="de-DE"/>
           </a:p>
@@ -7248,7 +7248,7 @@
         </p:blipFill>
         <p:spPr>
           <a:xfrm>
-            <a:off x="6348046" y="3786575"/>
+            <a:off x="9390184" y="4067929"/>
             <a:ext cx="2189895" cy="1951724"/>
           </a:xfrm>
           <a:prstGeom prst="rect">
@@ -9876,7 +9876,7 @@
         <p:spPr>
           <a:xfrm>
             <a:off x="848498" y="1013254"/>
-            <a:ext cx="9489989" cy="4539704"/>
+            <a:ext cx="9489989" cy="4555093"/>
           </a:xfrm>
           <a:prstGeom prst="rect">
             <a:avLst/>
@@ -9890,33 +9890,39 @@
           <a:lstStyle/>
           <a:p>
             <a:r>
-              <a:rPr lang="de-DE" sz="2800" dirty="0" err="1">
+              <a:rPr lang="de-DE" sz="2800" u="sng" dirty="0" err="1">
                 <a:latin typeface="Arial" panose="020B0604020202020204" pitchFamily="34" charset="0"/>
                 <a:cs typeface="Arial" panose="020B0604020202020204" pitchFamily="34" charset="0"/>
               </a:rPr>
               <a:t>Necessary</a:t>
             </a:r>
             <a:r>
-              <a:rPr lang="de-DE" sz="2800" dirty="0">
+              <a:rPr lang="de-DE" sz="2800" u="sng" dirty="0">
                 <a:latin typeface="Arial" panose="020B0604020202020204" pitchFamily="34" charset="0"/>
                 <a:cs typeface="Arial" panose="020B0604020202020204" pitchFamily="34" charset="0"/>
               </a:rPr>
               <a:t> </a:t>
             </a:r>
             <a:r>
-              <a:rPr lang="de-DE" sz="2800" dirty="0" err="1">
+              <a:rPr lang="de-DE" sz="2800" u="sng" dirty="0" err="1">
                 <a:latin typeface="Arial" panose="020B0604020202020204" pitchFamily="34" charset="0"/>
                 <a:cs typeface="Arial" panose="020B0604020202020204" pitchFamily="34" charset="0"/>
               </a:rPr>
               <a:t>tools</a:t>
             </a:r>
             <a:r>
-              <a:rPr lang="de-DE" sz="2800" dirty="0">
+              <a:rPr lang="de-DE" sz="2800" u="sng" dirty="0">
                 <a:latin typeface="Arial" panose="020B0604020202020204" pitchFamily="34" charset="0"/>
                 <a:cs typeface="Arial" panose="020B0604020202020204" pitchFamily="34" charset="0"/>
               </a:rPr>
               <a:t>: </a:t>
             </a:r>
+          </a:p>
+          <a:p>
+            <a:endParaRPr lang="de-DE" sz="2800" dirty="0">
+              <a:latin typeface="Arial" panose="020B0604020202020204" pitchFamily="34" charset="0"/>
+              <a:cs typeface="Arial" panose="020B0604020202020204" pitchFamily="34" charset="0"/>
+            </a:endParaRPr>
           </a:p>
           <a:p>
             <a:pPr marL="285750" indent="-285750">
@@ -9927,52 +9933,20 @@
               <a:buChar char="-"/>
             </a:pPr>
             <a:r>
+              <a:rPr lang="de-DE" dirty="0" err="1">
+                <a:latin typeface="Arial" panose="020B0604020202020204" pitchFamily="34" charset="0"/>
+                <a:cs typeface="Arial" panose="020B0604020202020204" pitchFamily="34" charset="0"/>
+                <a:sym typeface="Wingdings" panose="05000000000000000000" pitchFamily="2" charset="2"/>
+              </a:rPr>
+              <a:t>PhpMyAdmin</a:t>
+            </a:r>
+            <a:r>
               <a:rPr lang="de-DE" dirty="0">
                 <a:latin typeface="Arial" panose="020B0604020202020204" pitchFamily="34" charset="0"/>
                 <a:cs typeface="Arial" panose="020B0604020202020204" pitchFamily="34" charset="0"/>
-              </a:rPr>
-              <a:t>XAMPP </a:t>
-            </a:r>
-            <a:r>
-              <a:rPr lang="de-DE" dirty="0">
-                <a:latin typeface="Arial" panose="020B0604020202020204" pitchFamily="34" charset="0"/>
-                <a:cs typeface="Arial" panose="020B0604020202020204" pitchFamily="34" charset="0"/>
                 <a:sym typeface="Wingdings" panose="05000000000000000000" pitchFamily="2" charset="2"/>
               </a:rPr>
-              <a:t> connect </a:t>
-            </a:r>
-            <a:r>
-              <a:rPr lang="de-DE" dirty="0" err="1">
-                <a:latin typeface="Arial" panose="020B0604020202020204" pitchFamily="34" charset="0"/>
-                <a:cs typeface="Arial" panose="020B0604020202020204" pitchFamily="34" charset="0"/>
-                <a:sym typeface="Wingdings" panose="05000000000000000000" pitchFamily="2" charset="2"/>
-              </a:rPr>
-              <a:t>to</a:t>
-            </a:r>
-            <a:r>
-              <a:rPr lang="de-DE" dirty="0">
-                <a:latin typeface="Arial" panose="020B0604020202020204" pitchFamily="34" charset="0"/>
-                <a:cs typeface="Arial" panose="020B0604020202020204" pitchFamily="34" charset="0"/>
-                <a:sym typeface="Wingdings" panose="05000000000000000000" pitchFamily="2" charset="2"/>
-              </a:rPr>
-              <a:t> MySQL Database</a:t>
-            </a:r>
-          </a:p>
-          <a:p>
-            <a:pPr marL="285750" indent="-285750">
-              <a:lnSpc>
-                <a:spcPct val="150000"/>
-              </a:lnSpc>
-              <a:buFontTx/>
-              <a:buChar char="-"/>
-            </a:pPr>
-            <a:r>
-              <a:rPr lang="de-DE" dirty="0">
-                <a:latin typeface="Arial" panose="020B0604020202020204" pitchFamily="34" charset="0"/>
-                <a:cs typeface="Arial" panose="020B0604020202020204" pitchFamily="34" charset="0"/>
-                <a:sym typeface="Wingdings" panose="05000000000000000000" pitchFamily="2" charset="2"/>
-              </a:rPr>
-              <a:t>PhpMyAdmin  </a:t>
+              <a:t>  </a:t>
             </a:r>
             <a:r>
               <a:rPr lang="de-DE" dirty="0" err="1">
@@ -10273,10 +10247,10 @@
           <a:lstStyle/>
           <a:p>
             <a:r>
-              <a:rPr lang="de-DE" dirty="0" err="1"/>
+              <a:rPr lang="de-DE" u="sng" dirty="0" err="1"/>
               <a:t>GitHub</a:t>
             </a:r>
-            <a:endParaRPr lang="de-DE" dirty="0"/>
+            <a:endParaRPr lang="de-DE" u="sng" dirty="0"/>
           </a:p>
         </p:txBody>
       </p:sp>

--- a/DAWA.pptx
+++ b/DAWA.pptx
@@ -1169,6 +1169,70 @@
             </a:r>
             <a:r>
               <a:rPr lang="de-DE" dirty="0"/>
+              <a:t> </a:t>
+            </a:r>
+            <a:r>
+              <a:rPr lang="de-DE" dirty="0" err="1"/>
+              <a:t>because</a:t>
+            </a:r>
+            <a:r>
+              <a:rPr lang="de-DE" dirty="0"/>
+              <a:t> </a:t>
+            </a:r>
+            <a:r>
+              <a:rPr lang="de-DE" dirty="0" err="1"/>
+              <a:t>there</a:t>
+            </a:r>
+            <a:r>
+              <a:rPr lang="de-DE" dirty="0"/>
+              <a:t> a </a:t>
+            </a:r>
+            <a:r>
+              <a:rPr lang="de-DE" dirty="0" err="1"/>
+              <a:t>lot</a:t>
+            </a:r>
+            <a:r>
+              <a:rPr lang="de-DE" dirty="0"/>
+              <a:t> </a:t>
+            </a:r>
+            <a:r>
+              <a:rPr lang="de-DE" dirty="0" err="1"/>
+              <a:t>of</a:t>
+            </a:r>
+            <a:r>
+              <a:rPr lang="de-DE" dirty="0"/>
+              <a:t> </a:t>
+            </a:r>
+            <a:r>
+              <a:rPr lang="de-DE" dirty="0" err="1"/>
+              <a:t>parameters</a:t>
+            </a:r>
+            <a:r>
+              <a:rPr lang="de-DE" dirty="0"/>
+              <a:t> </a:t>
+            </a:r>
+            <a:r>
+              <a:rPr lang="de-DE" dirty="0" err="1"/>
+              <a:t>we</a:t>
+            </a:r>
+            <a:r>
+              <a:rPr lang="de-DE" dirty="0"/>
+              <a:t> </a:t>
+            </a:r>
+            <a:r>
+              <a:rPr lang="de-DE" dirty="0" err="1"/>
+              <a:t>didnt</a:t>
+            </a:r>
+            <a:r>
+              <a:rPr lang="de-DE" dirty="0"/>
+              <a:t> </a:t>
+            </a:r>
+            <a:r>
+              <a:rPr lang="de-DE" dirty="0" err="1"/>
+              <a:t>need</a:t>
+            </a:r>
+            <a:r>
+              <a:rPr lang="de-DE" dirty="0"/>
               <a:t>. </a:t>
             </a:r>
             <a:r>
@@ -1217,7 +1281,7 @@
             </a:r>
             <a:r>
               <a:rPr lang="de-DE" dirty="0"/>
-              <a:t>, Date </a:t>
+              <a:t>, Date, </a:t>
             </a:r>
             <a:r>
               <a:rPr lang="de-DE" dirty="0" err="1"/>
@@ -1265,11 +1329,74 @@
             </a:r>
             <a:r>
               <a:rPr lang="de-DE" dirty="0"/>
-              <a:t>: </a:t>
+              <a:t>: The </a:t>
+            </a:r>
+            <a:r>
+              <a:rPr lang="de-DE" dirty="0" err="1"/>
+              <a:t>Sum</a:t>
+            </a:r>
+            <a:r>
+              <a:rPr lang="de-DE" dirty="0"/>
+              <a:t> </a:t>
+            </a:r>
+            <a:r>
+              <a:rPr lang="de-DE" dirty="0" err="1"/>
+              <a:t>of</a:t>
+            </a:r>
+            <a:r>
+              <a:rPr lang="de-DE" dirty="0"/>
+              <a:t> </a:t>
+            </a:r>
+            <a:r>
+              <a:rPr lang="de-DE" dirty="0" err="1"/>
+              <a:t>the</a:t>
+            </a:r>
+            <a:r>
+              <a:rPr lang="de-DE" dirty="0"/>
+              <a:t> Goals </a:t>
+            </a:r>
+            <a:r>
+              <a:rPr lang="de-DE" dirty="0" err="1"/>
+              <a:t>of</a:t>
+            </a:r>
+            <a:r>
+              <a:rPr lang="de-DE" dirty="0"/>
+              <a:t> </a:t>
+            </a:r>
+            <a:r>
+              <a:rPr lang="de-DE" dirty="0" err="1"/>
+              <a:t>the</a:t>
+            </a:r>
+            <a:r>
+              <a:rPr lang="de-DE" dirty="0"/>
+              <a:t> </a:t>
+            </a:r>
+            <a:r>
+              <a:rPr lang="de-DE" dirty="0" err="1"/>
+              <a:t>AwayTeam</a:t>
+            </a:r>
+            <a:r>
+              <a:rPr lang="de-DE" dirty="0"/>
+              <a:t> </a:t>
             </a:r>
             <a:r>
               <a:rPr lang="de-DE" dirty="0" err="1"/>
               <a:t>and</a:t>
+            </a:r>
+            <a:r>
+              <a:rPr lang="de-DE" dirty="0"/>
+              <a:t> also </a:t>
+            </a:r>
+            <a:r>
+              <a:rPr lang="de-DE" dirty="0" err="1"/>
+              <a:t>for</a:t>
+            </a:r>
+            <a:endParaRPr lang="de-DE" dirty="0"/>
+          </a:p>
+          <a:p>
+            <a:r>
+              <a:rPr lang="de-DE" dirty="0" err="1"/>
+              <a:t>HomeTeam</a:t>
             </a:r>
             <a:r>
               <a:rPr lang="de-DE" dirty="0"/>
@@ -9933,12 +10060,20 @@
               <a:buChar char="-"/>
             </a:pPr>
             <a:r>
+              <a:rPr lang="de-DE" dirty="0">
+                <a:latin typeface="Arial" panose="020B0604020202020204" pitchFamily="34" charset="0"/>
+                <a:cs typeface="Arial" panose="020B0604020202020204" pitchFamily="34" charset="0"/>
+                <a:sym typeface="Wingdings" panose="05000000000000000000" pitchFamily="2" charset="2"/>
+              </a:rPr>
+              <a:t>Latex  perform </a:t>
+            </a:r>
+            <a:r>
               <a:rPr lang="de-DE" dirty="0" err="1">
                 <a:latin typeface="Arial" panose="020B0604020202020204" pitchFamily="34" charset="0"/>
                 <a:cs typeface="Arial" panose="020B0604020202020204" pitchFamily="34" charset="0"/>
                 <a:sym typeface="Wingdings" panose="05000000000000000000" pitchFamily="2" charset="2"/>
               </a:rPr>
-              <a:t>PhpMyAdmin</a:t>
+              <a:t>analytic</a:t>
             </a:r>
             <a:r>
               <a:rPr lang="de-DE" dirty="0">
@@ -9946,7 +10081,7 @@
                 <a:cs typeface="Arial" panose="020B0604020202020204" pitchFamily="34" charset="0"/>
                 <a:sym typeface="Wingdings" panose="05000000000000000000" pitchFamily="2" charset="2"/>
               </a:rPr>
-              <a:t>  </a:t>
+              <a:t> </a:t>
             </a:r>
             <a:r>
               <a:rPr lang="de-DE" dirty="0" err="1">
@@ -9954,7 +10089,7 @@
                 <a:cs typeface="Arial" panose="020B0604020202020204" pitchFamily="34" charset="0"/>
                 <a:sym typeface="Wingdings" panose="05000000000000000000" pitchFamily="2" charset="2"/>
               </a:rPr>
-              <a:t>build</a:t>
+              <a:t>report</a:t>
             </a:r>
             <a:r>
               <a:rPr lang="de-DE" dirty="0">
@@ -9963,38 +10098,6 @@
                 <a:sym typeface="Wingdings" panose="05000000000000000000" pitchFamily="2" charset="2"/>
               </a:rPr>
               <a:t> </a:t>
-            </a:r>
-            <a:r>
-              <a:rPr lang="de-DE" dirty="0" err="1">
-                <a:latin typeface="Arial" panose="020B0604020202020204" pitchFamily="34" charset="0"/>
-                <a:cs typeface="Arial" panose="020B0604020202020204" pitchFamily="34" charset="0"/>
-                <a:sym typeface="Wingdings" panose="05000000000000000000" pitchFamily="2" charset="2"/>
-              </a:rPr>
-              <a:t>new</a:t>
-            </a:r>
-            <a:r>
-              <a:rPr lang="de-DE" dirty="0">
-                <a:latin typeface="Arial" panose="020B0604020202020204" pitchFamily="34" charset="0"/>
-                <a:cs typeface="Arial" panose="020B0604020202020204" pitchFamily="34" charset="0"/>
-                <a:sym typeface="Wingdings" panose="05000000000000000000" pitchFamily="2" charset="2"/>
-              </a:rPr>
-              <a:t> </a:t>
-            </a:r>
-            <a:r>
-              <a:rPr lang="de-DE" dirty="0" err="1">
-                <a:latin typeface="Arial" panose="020B0604020202020204" pitchFamily="34" charset="0"/>
-                <a:cs typeface="Arial" panose="020B0604020202020204" pitchFamily="34" charset="0"/>
-                <a:sym typeface="Wingdings" panose="05000000000000000000" pitchFamily="2" charset="2"/>
-              </a:rPr>
-              <a:t>database</a:t>
-            </a:r>
-            <a:r>
-              <a:rPr lang="de-DE" dirty="0">
-                <a:latin typeface="Arial" panose="020B0604020202020204" pitchFamily="34" charset="0"/>
-                <a:cs typeface="Arial" panose="020B0604020202020204" pitchFamily="34" charset="0"/>
-                <a:sym typeface="Wingdings" panose="05000000000000000000" pitchFamily="2" charset="2"/>
-              </a:rPr>
-              <a:t>  </a:t>
             </a:r>
           </a:p>
           <a:p>
@@ -10011,7 +10114,7 @@
                 <a:cs typeface="Arial" panose="020B0604020202020204" pitchFamily="34" charset="0"/>
                 <a:sym typeface="Wingdings" panose="05000000000000000000" pitchFamily="2" charset="2"/>
               </a:rPr>
-              <a:t>Latex  perform </a:t>
+              <a:t>Microsoft Excel  </a:t>
             </a:r>
             <a:r>
               <a:rPr lang="de-DE" dirty="0" err="1">
@@ -10019,7 +10122,7 @@
                 <a:cs typeface="Arial" panose="020B0604020202020204" pitchFamily="34" charset="0"/>
                 <a:sym typeface="Wingdings" panose="05000000000000000000" pitchFamily="2" charset="2"/>
               </a:rPr>
-              <a:t>analytic</a:t>
+              <a:t>convert</a:t>
             </a:r>
             <a:r>
               <a:rPr lang="de-DE" dirty="0">
@@ -10035,7 +10138,7 @@
                 <a:cs typeface="Arial" panose="020B0604020202020204" pitchFamily="34" charset="0"/>
                 <a:sym typeface="Wingdings" panose="05000000000000000000" pitchFamily="2" charset="2"/>
               </a:rPr>
-              <a:t>report</a:t>
+              <a:t>to</a:t>
             </a:r>
             <a:r>
               <a:rPr lang="de-DE" dirty="0">
@@ -10043,7 +10146,7 @@
                 <a:cs typeface="Arial" panose="020B0604020202020204" pitchFamily="34" charset="0"/>
                 <a:sym typeface="Wingdings" panose="05000000000000000000" pitchFamily="2" charset="2"/>
               </a:rPr>
-              <a:t> </a:t>
+              <a:t> CSV-files</a:t>
             </a:r>
           </a:p>
           <a:p>
@@ -10055,12 +10158,20 @@
               <a:buChar char="-"/>
             </a:pPr>
             <a:r>
+              <a:rPr lang="de-DE" dirty="0" err="1">
+                <a:latin typeface="Arial" panose="020B0604020202020204" pitchFamily="34" charset="0"/>
+                <a:cs typeface="Arial" panose="020B0604020202020204" pitchFamily="34" charset="0"/>
+                <a:sym typeface="Wingdings" panose="05000000000000000000" pitchFamily="2" charset="2"/>
+              </a:rPr>
+              <a:t>PhpMyAdmin</a:t>
+            </a:r>
+            <a:r>
               <a:rPr lang="de-DE" dirty="0">
                 <a:latin typeface="Arial" panose="020B0604020202020204" pitchFamily="34" charset="0"/>
                 <a:cs typeface="Arial" panose="020B0604020202020204" pitchFamily="34" charset="0"/>
                 <a:sym typeface="Wingdings" panose="05000000000000000000" pitchFamily="2" charset="2"/>
               </a:rPr>
-              <a:t>Microsoft Excel  </a:t>
+              <a:t>  </a:t>
             </a:r>
             <a:r>
               <a:rPr lang="de-DE" dirty="0" err="1">
@@ -10068,7 +10179,7 @@
                 <a:cs typeface="Arial" panose="020B0604020202020204" pitchFamily="34" charset="0"/>
                 <a:sym typeface="Wingdings" panose="05000000000000000000" pitchFamily="2" charset="2"/>
               </a:rPr>
-              <a:t>convert</a:t>
+              <a:t>build</a:t>
             </a:r>
             <a:r>
               <a:rPr lang="de-DE" dirty="0">
@@ -10084,7 +10195,7 @@
                 <a:cs typeface="Arial" panose="020B0604020202020204" pitchFamily="34" charset="0"/>
                 <a:sym typeface="Wingdings" panose="05000000000000000000" pitchFamily="2" charset="2"/>
               </a:rPr>
-              <a:t>to</a:t>
+              <a:t>new</a:t>
             </a:r>
             <a:r>
               <a:rPr lang="de-DE" dirty="0">
@@ -10092,7 +10203,23 @@
                 <a:cs typeface="Arial" panose="020B0604020202020204" pitchFamily="34" charset="0"/>
                 <a:sym typeface="Wingdings" panose="05000000000000000000" pitchFamily="2" charset="2"/>
               </a:rPr>
-              <a:t> a CSV-file </a:t>
+              <a:t> </a:t>
+            </a:r>
+            <a:r>
+              <a:rPr lang="de-DE" dirty="0" err="1">
+                <a:latin typeface="Arial" panose="020B0604020202020204" pitchFamily="34" charset="0"/>
+                <a:cs typeface="Arial" panose="020B0604020202020204" pitchFamily="34" charset="0"/>
+                <a:sym typeface="Wingdings" panose="05000000000000000000" pitchFamily="2" charset="2"/>
+              </a:rPr>
+              <a:t>database</a:t>
+            </a:r>
+            <a:r>
+              <a:rPr lang="de-DE" dirty="0">
+                <a:latin typeface="Arial" panose="020B0604020202020204" pitchFamily="34" charset="0"/>
+                <a:cs typeface="Arial" panose="020B0604020202020204" pitchFamily="34" charset="0"/>
+                <a:sym typeface="Wingdings" panose="05000000000000000000" pitchFamily="2" charset="2"/>
+              </a:rPr>
+              <a:t>  </a:t>
             </a:r>
           </a:p>
           <a:p>
@@ -10141,7 +10268,7 @@
                 <a:cs typeface="Arial" panose="020B0604020202020204" pitchFamily="34" charset="0"/>
                 <a:sym typeface="Wingdings" panose="05000000000000000000" pitchFamily="2" charset="2"/>
               </a:rPr>
-              <a:t> Data Warehouse and Data Mart  </a:t>
+              <a:t> DWH/ DM</a:t>
             </a:r>
             <a:endParaRPr lang="de-DE" dirty="0">
               <a:latin typeface="Arial" panose="020B0604020202020204" pitchFamily="34" charset="0"/>
@@ -10412,14 +10539,14 @@
                 <a:latin typeface="Times" pitchFamily="2" charset="0"/>
                 <a:cs typeface="Arial" panose="020B0604020202020204" pitchFamily="34" charset="0"/>
               </a:rPr>
-              <a:t>Working </a:t>
+              <a:t>Work </a:t>
             </a:r>
             <a:r>
               <a:rPr lang="de-DE" dirty="0" err="1">
                 <a:latin typeface="Times" pitchFamily="2" charset="0"/>
                 <a:cs typeface="Arial" panose="020B0604020202020204" pitchFamily="34" charset="0"/>
               </a:rPr>
-              <a:t>efficent</a:t>
+              <a:t>efficently</a:t>
             </a:r>
             <a:r>
               <a:rPr lang="de-DE" dirty="0">
@@ -10449,27 +10576,10 @@
               </a:rPr>
               <a:t>team</a:t>
             </a:r>
-            <a:r>
-              <a:rPr lang="de-DE" dirty="0">
-                <a:latin typeface="Times" pitchFamily="2" charset="0"/>
-                <a:cs typeface="Arial" panose="020B0604020202020204" pitchFamily="34" charset="0"/>
-              </a:rPr>
-              <a:t> (e.g. PowerPoint </a:t>
-            </a:r>
-            <a:r>
-              <a:rPr lang="de-DE" dirty="0" err="1">
-                <a:latin typeface="Times" pitchFamily="2" charset="0"/>
-                <a:cs typeface="Arial" panose="020B0604020202020204" pitchFamily="34" charset="0"/>
-              </a:rPr>
-              <a:t>presentation</a:t>
-            </a:r>
-            <a:r>
-              <a:rPr lang="de-DE" dirty="0">
-                <a:latin typeface="Times" pitchFamily="2" charset="0"/>
-                <a:cs typeface="Arial" panose="020B0604020202020204" pitchFamily="34" charset="0"/>
-              </a:rPr>
-              <a:t>)</a:t>
-            </a:r>
+            <a:endParaRPr lang="de-DE" dirty="0">
+              <a:latin typeface="Times" pitchFamily="2" charset="0"/>
+              <a:cs typeface="Arial" panose="020B0604020202020204" pitchFamily="34" charset="0"/>
+            </a:endParaRPr>
           </a:p>
         </p:txBody>
       </p:sp>
@@ -10600,7 +10710,7 @@
         <p:spPr>
           <a:xfrm>
             <a:off x="901128" y="1953283"/>
-            <a:ext cx="9489989" cy="646331"/>
+            <a:ext cx="9489989" cy="1200329"/>
           </a:xfrm>
           <a:prstGeom prst="rect">
             <a:avLst/>
@@ -10655,6 +10765,53 @@
               <a:latin typeface="Times" pitchFamily="2" charset="0"/>
               <a:cs typeface="Arial" panose="020B0604020202020204" pitchFamily="34" charset="0"/>
             </a:endParaRPr>
+          </a:p>
+          <a:p>
+            <a:pPr marL="285750" indent="-285750">
+              <a:buFont typeface="Arial" panose="020B0604020202020204" pitchFamily="34" charset="0"/>
+              <a:buChar char="•"/>
+            </a:pPr>
+            <a:r>
+              <a:rPr lang="de-DE" dirty="0" err="1">
+                <a:latin typeface="Times" pitchFamily="2" charset="0"/>
+                <a:cs typeface="Arial" panose="020B0604020202020204" pitchFamily="34" charset="0"/>
+              </a:rPr>
+              <a:t>Compress</a:t>
+            </a:r>
+            <a:r>
+              <a:rPr lang="de-DE" dirty="0">
+                <a:latin typeface="Times" pitchFamily="2" charset="0"/>
+                <a:cs typeface="Arial" panose="020B0604020202020204" pitchFamily="34" charset="0"/>
+              </a:rPr>
+              <a:t> CSV in ZIP</a:t>
+            </a:r>
+          </a:p>
+          <a:p>
+            <a:pPr marL="285750" indent="-285750">
+              <a:buFont typeface="Arial" panose="020B0604020202020204" pitchFamily="34" charset="0"/>
+              <a:buChar char="•"/>
+            </a:pPr>
+            <a:r>
+              <a:rPr lang="de-DE" dirty="0">
+                <a:latin typeface="Times" pitchFamily="2" charset="0"/>
+                <a:cs typeface="Arial" panose="020B0604020202020204" pitchFamily="34" charset="0"/>
+              </a:rPr>
+              <a:t>Upload all Seasons (</a:t>
+            </a:r>
+            <a:r>
+              <a:rPr lang="de-DE" dirty="0" err="1">
+                <a:latin typeface="Times" pitchFamily="2" charset="0"/>
+                <a:cs typeface="Arial" panose="020B0604020202020204" pitchFamily="34" charset="0"/>
+              </a:rPr>
+              <a:t>csv.zip</a:t>
+            </a:r>
+            <a:r>
+              <a:rPr lang="de-DE" dirty="0">
+                <a:latin typeface="Times" pitchFamily="2" charset="0"/>
+                <a:cs typeface="Arial" panose="020B0604020202020204" pitchFamily="34" charset="0"/>
+              </a:rPr>
+              <a:t>)</a:t>
+            </a:r>
           </a:p>
         </p:txBody>
       </p:sp>

--- a/DAWA.pptx
+++ b/DAWA.pptx
@@ -208,7 +208,7 @@
           <a:p>
             <a:fld id="{64881343-8C03-C846-9B19-EBE2DBE83594}" type="datetimeFigureOut">
               <a:rPr lang="de-DE" smtClean="0"/>
-              <a:t>15.01.20</a:t>
+              <a:t>16.01.2020</a:t>
             </a:fld>
             <a:endParaRPr lang="de-DE"/>
           </a:p>
@@ -3008,7 +3008,7 @@
           <a:p>
             <a:fld id="{B3ABF3A7-44E9-42CF-B74C-8A75C5603B59}" type="datetimeFigureOut">
               <a:rPr lang="de-DE" smtClean="0"/>
-              <a:t>15.01.20</a:t>
+              <a:t>16.01.2020</a:t>
             </a:fld>
             <a:endParaRPr lang="de-DE"/>
           </a:p>
@@ -3343,7 +3343,7 @@
           <a:p>
             <a:fld id="{B3ABF3A7-44E9-42CF-B74C-8A75C5603B59}" type="datetimeFigureOut">
               <a:rPr lang="de-DE" smtClean="0"/>
-              <a:t>15.01.20</a:t>
+              <a:t>16.01.2020</a:t>
             </a:fld>
             <a:endParaRPr lang="de-DE"/>
           </a:p>
@@ -3646,7 +3646,7 @@
           <a:p>
             <a:fld id="{B3ABF3A7-44E9-42CF-B74C-8A75C5603B59}" type="datetimeFigureOut">
               <a:rPr lang="de-DE" smtClean="0"/>
-              <a:t>15.01.20</a:t>
+              <a:t>16.01.2020</a:t>
             </a:fld>
             <a:endParaRPr lang="de-DE"/>
           </a:p>
@@ -3894,7 +3894,7 @@
           <a:p>
             <a:fld id="{B3ABF3A7-44E9-42CF-B74C-8A75C5603B59}" type="datetimeFigureOut">
               <a:rPr lang="de-DE" smtClean="0"/>
-              <a:t>15.01.20</a:t>
+              <a:t>16.01.2020</a:t>
             </a:fld>
             <a:endParaRPr lang="de-DE"/>
           </a:p>
@@ -4302,7 +4302,7 @@
           <a:p>
             <a:fld id="{B3ABF3A7-44E9-42CF-B74C-8A75C5603B59}" type="datetimeFigureOut">
               <a:rPr lang="de-DE" smtClean="0"/>
-              <a:t>15.01.20</a:t>
+              <a:t>16.01.2020</a:t>
             </a:fld>
             <a:endParaRPr lang="de-DE"/>
           </a:p>
@@ -4617,7 +4617,7 @@
           <a:p>
             <a:fld id="{B3ABF3A7-44E9-42CF-B74C-8A75C5603B59}" type="datetimeFigureOut">
               <a:rPr lang="de-DE" smtClean="0"/>
-              <a:t>15.01.20</a:t>
+              <a:t>16.01.2020</a:t>
             </a:fld>
             <a:endParaRPr lang="de-DE"/>
           </a:p>
@@ -5162,7 +5162,7 @@
           <a:p>
             <a:fld id="{B3ABF3A7-44E9-42CF-B74C-8A75C5603B59}" type="datetimeFigureOut">
               <a:rPr lang="de-DE" smtClean="0"/>
-              <a:t>15.01.20</a:t>
+              <a:t>16.01.2020</a:t>
             </a:fld>
             <a:endParaRPr lang="de-DE"/>
           </a:p>
@@ -5358,7 +5358,7 @@
           <a:p>
             <a:fld id="{B3ABF3A7-44E9-42CF-B74C-8A75C5603B59}" type="datetimeFigureOut">
               <a:rPr lang="de-DE" smtClean="0"/>
-              <a:t>15.01.20</a:t>
+              <a:t>16.01.2020</a:t>
             </a:fld>
             <a:endParaRPr lang="de-DE"/>
           </a:p>
@@ -5572,7 +5572,7 @@
           <a:p>
             <a:fld id="{B3ABF3A7-44E9-42CF-B74C-8A75C5603B59}" type="datetimeFigureOut">
               <a:rPr lang="de-DE" smtClean="0"/>
-              <a:t>15.01.20</a:t>
+              <a:t>16.01.2020</a:t>
             </a:fld>
             <a:endParaRPr lang="de-DE"/>
           </a:p>
@@ -5942,7 +5942,7 @@
           <a:p>
             <a:fld id="{B3ABF3A7-44E9-42CF-B74C-8A75C5603B59}" type="datetimeFigureOut">
               <a:rPr lang="de-DE" smtClean="0"/>
-              <a:t>15.01.20</a:t>
+              <a:t>16.01.2020</a:t>
             </a:fld>
             <a:endParaRPr lang="de-DE"/>
           </a:p>
@@ -6346,7 +6346,7 @@
           <a:p>
             <a:fld id="{B3ABF3A7-44E9-42CF-B74C-8A75C5603B59}" type="datetimeFigureOut">
               <a:rPr lang="de-DE" smtClean="0"/>
-              <a:t>15.01.20</a:t>
+              <a:t>16.01.2020</a:t>
             </a:fld>
             <a:endParaRPr lang="de-DE"/>
           </a:p>
@@ -6658,7 +6658,7 @@
           <a:p>
             <a:fld id="{B3ABF3A7-44E9-42CF-B74C-8A75C5603B59}" type="datetimeFigureOut">
               <a:rPr lang="de-DE" smtClean="0"/>
-              <a:t>15.01.20</a:t>
+              <a:t>16.01.2020</a:t>
             </a:fld>
             <a:endParaRPr lang="de-DE"/>
           </a:p>
@@ -7892,6 +7892,269 @@
               <a:latin typeface="Times" pitchFamily="2" charset="0"/>
               <a:cs typeface="Arial" panose="020B0604020202020204" pitchFamily="34" charset="0"/>
             </a:endParaRPr>
+          </a:p>
+        </p:txBody>
+      </p:sp>
+      <p:sp>
+        <p:nvSpPr>
+          <p:cNvPr id="3" name="Textfeld 2">
+            <a:extLst>
+              <a:ext uri="{FF2B5EF4-FFF2-40B4-BE49-F238E27FC236}">
+                <a16:creationId xmlns:a16="http://schemas.microsoft.com/office/drawing/2014/main" id="{D6847745-46C2-4F0F-A985-22BE237523B6}"/>
+              </a:ext>
+            </a:extLst>
+          </p:cNvPr>
+          <p:cNvSpPr txBox="1"/>
+          <p:nvPr/>
+        </p:nvSpPr>
+        <p:spPr>
+          <a:xfrm>
+            <a:off x="1245704" y="2173357"/>
+            <a:ext cx="7447722" cy="1477328"/>
+          </a:xfrm>
+          <a:prstGeom prst="rect">
+            <a:avLst/>
+          </a:prstGeom>
+          <a:noFill/>
+        </p:spPr>
+        <p:txBody>
+          <a:bodyPr wrap="square" rtlCol="0">
+            <a:spAutoFit/>
+          </a:bodyPr>
+          <a:lstStyle/>
+          <a:p>
+            <a:pPr marL="285750" indent="-285750">
+              <a:buFont typeface="Arial" panose="020B0604020202020204" pitchFamily="34" charset="0"/>
+              <a:buChar char="•"/>
+            </a:pPr>
+            <a:r>
+              <a:rPr lang="de-DE" dirty="0"/>
+              <a:t>Raw </a:t>
+            </a:r>
+            <a:r>
+              <a:rPr lang="de-DE" dirty="0" err="1"/>
+              <a:t>data</a:t>
+            </a:r>
+            <a:r>
+              <a:rPr lang="de-DE" dirty="0"/>
+              <a:t> </a:t>
+            </a:r>
+            <a:r>
+              <a:rPr lang="de-DE" dirty="0" err="1"/>
+              <a:t>is</a:t>
+            </a:r>
+            <a:r>
+              <a:rPr lang="de-DE" dirty="0"/>
+              <a:t> </a:t>
+            </a:r>
+            <a:r>
+              <a:rPr lang="de-DE" dirty="0" err="1"/>
+              <a:t>used</a:t>
+            </a:r>
+            <a:r>
+              <a:rPr lang="de-DE" dirty="0"/>
+              <a:t> </a:t>
+            </a:r>
+            <a:r>
+              <a:rPr lang="de-DE" dirty="0" err="1"/>
+              <a:t>to</a:t>
+            </a:r>
+            <a:r>
+              <a:rPr lang="de-DE" dirty="0"/>
+              <a:t> </a:t>
+            </a:r>
+            <a:r>
+              <a:rPr lang="de-DE" dirty="0" err="1"/>
+              <a:t>create</a:t>
+            </a:r>
+            <a:r>
+              <a:rPr lang="de-DE" dirty="0"/>
+              <a:t> a Data Warehouse</a:t>
+            </a:r>
+          </a:p>
+          <a:p>
+            <a:pPr marL="285750" indent="-285750">
+              <a:buFont typeface="Arial" panose="020B0604020202020204" pitchFamily="34" charset="0"/>
+              <a:buChar char="•"/>
+            </a:pPr>
+            <a:r>
+              <a:rPr lang="de-DE" dirty="0"/>
+              <a:t>Check </a:t>
+            </a:r>
+            <a:r>
+              <a:rPr lang="de-DE" dirty="0" err="1"/>
+              <a:t>the</a:t>
+            </a:r>
+            <a:r>
+              <a:rPr lang="de-DE" dirty="0"/>
+              <a:t> </a:t>
+            </a:r>
+            <a:r>
+              <a:rPr lang="de-DE" dirty="0" err="1"/>
+              <a:t>data</a:t>
+            </a:r>
+            <a:r>
+              <a:rPr lang="de-DE" dirty="0"/>
+              <a:t> </a:t>
+            </a:r>
+            <a:r>
+              <a:rPr lang="de-DE" dirty="0" err="1"/>
+              <a:t>quality</a:t>
+            </a:r>
+            <a:r>
+              <a:rPr lang="de-DE" dirty="0"/>
+              <a:t> and </a:t>
+            </a:r>
+            <a:r>
+              <a:rPr lang="de-DE" dirty="0" err="1"/>
+              <a:t>reduced</a:t>
+            </a:r>
+            <a:r>
+              <a:rPr lang="de-DE" dirty="0"/>
+              <a:t> </a:t>
+            </a:r>
+            <a:r>
+              <a:rPr lang="de-DE" dirty="0" err="1"/>
+              <a:t>to</a:t>
+            </a:r>
+            <a:r>
+              <a:rPr lang="de-DE" dirty="0"/>
+              <a:t> </a:t>
+            </a:r>
+            <a:r>
+              <a:rPr lang="de-DE" dirty="0" err="1"/>
+              <a:t>the</a:t>
+            </a:r>
+            <a:r>
+              <a:rPr lang="de-DE" dirty="0"/>
+              <a:t> </a:t>
+            </a:r>
+            <a:r>
+              <a:rPr lang="de-DE" dirty="0" err="1"/>
+              <a:t>relevance</a:t>
+            </a:r>
+            <a:r>
+              <a:rPr lang="de-DE" dirty="0"/>
+              <a:t> </a:t>
+            </a:r>
+            <a:r>
+              <a:rPr lang="de-DE" dirty="0" err="1"/>
+              <a:t>data</a:t>
+            </a:r>
+            <a:endParaRPr lang="de-DE" dirty="0"/>
+          </a:p>
+          <a:p>
+            <a:pPr marL="285750" indent="-285750">
+              <a:buFont typeface="Arial" panose="020B0604020202020204" pitchFamily="34" charset="0"/>
+              <a:buChar char="•"/>
+            </a:pPr>
+            <a:r>
+              <a:rPr lang="de-DE" dirty="0"/>
+              <a:t>Easy and </a:t>
+            </a:r>
+            <a:r>
+              <a:rPr lang="de-DE" dirty="0" err="1"/>
+              <a:t>compact</a:t>
+            </a:r>
+            <a:r>
+              <a:rPr lang="de-DE" dirty="0"/>
+              <a:t> </a:t>
+            </a:r>
+            <a:r>
+              <a:rPr lang="de-DE" dirty="0" err="1"/>
+              <a:t>information</a:t>
+            </a:r>
+            <a:r>
+              <a:rPr lang="de-DE" dirty="0"/>
+              <a:t> </a:t>
+            </a:r>
+            <a:r>
+              <a:rPr lang="de-DE" dirty="0" err="1"/>
+              <a:t>about</a:t>
+            </a:r>
+            <a:r>
+              <a:rPr lang="de-DE" dirty="0"/>
+              <a:t> </a:t>
+            </a:r>
+            <a:r>
+              <a:rPr lang="de-DE" dirty="0" err="1"/>
+              <a:t>the</a:t>
+            </a:r>
+            <a:r>
+              <a:rPr lang="de-DE" dirty="0"/>
+              <a:t> </a:t>
+            </a:r>
+            <a:r>
+              <a:rPr lang="de-DE" dirty="0" err="1"/>
+              <a:t>football</a:t>
+            </a:r>
+            <a:r>
+              <a:rPr lang="de-DE" dirty="0"/>
+              <a:t> </a:t>
+            </a:r>
+            <a:r>
+              <a:rPr lang="de-DE" dirty="0" err="1"/>
+              <a:t>statics</a:t>
+            </a:r>
+            <a:endParaRPr lang="de-DE" dirty="0"/>
+          </a:p>
+          <a:p>
+            <a:pPr marL="285750" indent="-285750">
+              <a:buFont typeface="Arial" panose="020B0604020202020204" pitchFamily="34" charset="0"/>
+              <a:buChar char="•"/>
+            </a:pPr>
+            <a:r>
+              <a:rPr lang="de-DE" dirty="0" err="1"/>
+              <a:t>Good</a:t>
+            </a:r>
+            <a:r>
+              <a:rPr lang="de-DE" dirty="0"/>
+              <a:t> a </a:t>
+            </a:r>
+            <a:r>
+              <a:rPr lang="de-DE" dirty="0" err="1"/>
+              <a:t>new</a:t>
+            </a:r>
+            <a:r>
+              <a:rPr lang="de-DE" dirty="0"/>
+              <a:t> </a:t>
+            </a:r>
+            <a:r>
+              <a:rPr lang="de-DE" dirty="0" err="1"/>
+              <a:t>experience</a:t>
+            </a:r>
+            <a:r>
+              <a:rPr lang="de-DE" dirty="0"/>
+              <a:t> </a:t>
+            </a:r>
+            <a:r>
+              <a:rPr lang="de-DE" dirty="0" err="1"/>
+              <a:t>for</a:t>
+            </a:r>
+            <a:r>
+              <a:rPr lang="de-DE" dirty="0"/>
+              <a:t> </a:t>
+            </a:r>
+            <a:r>
+              <a:rPr lang="de-DE" dirty="0" err="1"/>
+              <a:t>the</a:t>
+            </a:r>
+            <a:r>
+              <a:rPr lang="de-DE" dirty="0"/>
+              <a:t> </a:t>
+            </a:r>
+            <a:r>
+              <a:rPr lang="de-DE" dirty="0" err="1"/>
+              <a:t>group</a:t>
+            </a:r>
+            <a:endParaRPr lang="de-DE" dirty="0"/>
+          </a:p>
+          <a:p>
+            <a:pPr marL="285750" indent="-285750">
+              <a:buFont typeface="Arial" panose="020B0604020202020204" pitchFamily="34" charset="0"/>
+              <a:buChar char="•"/>
+            </a:pPr>
+            <a:endParaRPr lang="de-DE" dirty="0"/>
           </a:p>
         </p:txBody>
       </p:sp>

--- a/DAWA.pptx
+++ b/DAWA.pptx
@@ -5,7 +5,7 @@
     <p:sldMasterId id="2147483932" r:id="rId1"/>
   </p:sldMasterIdLst>
   <p:notesMasterIdLst>
-    <p:notesMasterId r:id="rId14"/>
+    <p:notesMasterId r:id="rId15"/>
   </p:notesMasterIdLst>
   <p:sldIdLst>
     <p:sldId id="256" r:id="rId2"/>
@@ -19,7 +19,8 @@
     <p:sldId id="268" r:id="rId10"/>
     <p:sldId id="261" r:id="rId11"/>
     <p:sldId id="263" r:id="rId12"/>
-    <p:sldId id="267" r:id="rId13"/>
+    <p:sldId id="270" r:id="rId13"/>
+    <p:sldId id="267" r:id="rId14"/>
   </p:sldIdLst>
   <p:sldSz cx="12192000" cy="6858000"/>
   <p:notesSz cx="6858000" cy="9144000"/>
@@ -208,7 +209,7 @@
           <a:p>
             <a:fld id="{64881343-8C03-C846-9B19-EBE2DBE83594}" type="datetimeFigureOut">
               <a:rPr lang="de-DE" smtClean="0"/>
-              <a:t>16.01.2020</a:t>
+              <a:t>16.01.20</a:t>
             </a:fld>
             <a:endParaRPr lang="de-DE"/>
           </a:p>
@@ -2791,6 +2792,706 @@
 </p:notes>
 </file>
 
+<file path=ppt/notesSlides/notesSlide5.xml><?xml version="1.0" encoding="utf-8"?>
+<p:notes xmlns:a="http://schemas.openxmlformats.org/drawingml/2006/main" xmlns:r="http://schemas.openxmlformats.org/officeDocument/2006/relationships" xmlns:p="http://schemas.openxmlformats.org/presentationml/2006/main">
+  <p:cSld>
+    <p:spTree>
+      <p:nvGrpSpPr>
+        <p:cNvPr id="1" name=""/>
+        <p:cNvGrpSpPr/>
+        <p:nvPr/>
+      </p:nvGrpSpPr>
+      <p:grpSpPr>
+        <a:xfrm>
+          <a:off x="0" y="0"/>
+          <a:ext cx="0" cy="0"/>
+          <a:chOff x="0" y="0"/>
+          <a:chExt cx="0" cy="0"/>
+        </a:xfrm>
+      </p:grpSpPr>
+      <p:sp>
+        <p:nvSpPr>
+          <p:cNvPr id="2" name="Folienbildplatzhalter 1"/>
+          <p:cNvSpPr>
+            <a:spLocks noGrp="1" noRot="1" noChangeAspect="1"/>
+          </p:cNvSpPr>
+          <p:nvPr>
+            <p:ph type="sldImg"/>
+          </p:nvPr>
+        </p:nvSpPr>
+        <p:spPr/>
+      </p:sp>
+      <p:sp>
+        <p:nvSpPr>
+          <p:cNvPr id="3" name="Notizenplatzhalter 2"/>
+          <p:cNvSpPr>
+            <a:spLocks noGrp="1"/>
+          </p:cNvSpPr>
+          <p:nvPr>
+            <p:ph type="body" idx="1"/>
+          </p:nvPr>
+        </p:nvSpPr>
+        <p:spPr/>
+        <p:txBody>
+          <a:bodyPr/>
+          <a:lstStyle/>
+          <a:p>
+            <a:endParaRPr lang="de-DE" dirty="0"/>
+          </a:p>
+        </p:txBody>
+      </p:sp>
+      <p:sp>
+        <p:nvSpPr>
+          <p:cNvPr id="4" name="Foliennummernplatzhalter 3"/>
+          <p:cNvSpPr>
+            <a:spLocks noGrp="1"/>
+          </p:cNvSpPr>
+          <p:nvPr>
+            <p:ph type="sldNum" sz="quarter" idx="5"/>
+          </p:nvPr>
+        </p:nvSpPr>
+        <p:spPr/>
+        <p:txBody>
+          <a:bodyPr/>
+          <a:lstStyle/>
+          <a:p>
+            <a:fld id="{3BC40F18-5B78-A24D-B5E4-E4AF3DDF4FDC}" type="slidenum">
+              <a:rPr lang="de-DE" smtClean="0"/>
+              <a:t>12</a:t>
+            </a:fld>
+            <a:endParaRPr lang="de-DE"/>
+          </a:p>
+        </p:txBody>
+      </p:sp>
+    </p:spTree>
+    <p:extLst>
+      <p:ext uri="{BB962C8B-B14F-4D97-AF65-F5344CB8AC3E}">
+        <p14:creationId xmlns:p14="http://schemas.microsoft.com/office/powerpoint/2010/main" val="1547102227"/>
+      </p:ext>
+    </p:extLst>
+  </p:cSld>
+  <p:clrMapOvr>
+    <a:masterClrMapping/>
+  </p:clrMapOvr>
+</p:notes>
+</file>
+
+<file path=ppt/notesSlides/notesSlide6.xml><?xml version="1.0" encoding="utf-8"?>
+<p:notes xmlns:a="http://schemas.openxmlformats.org/drawingml/2006/main" xmlns:r="http://schemas.openxmlformats.org/officeDocument/2006/relationships" xmlns:p="http://schemas.openxmlformats.org/presentationml/2006/main">
+  <p:cSld>
+    <p:spTree>
+      <p:nvGrpSpPr>
+        <p:cNvPr id="1" name=""/>
+        <p:cNvGrpSpPr/>
+        <p:nvPr/>
+      </p:nvGrpSpPr>
+      <p:grpSpPr>
+        <a:xfrm>
+          <a:off x="0" y="0"/>
+          <a:ext cx="0" cy="0"/>
+          <a:chOff x="0" y="0"/>
+          <a:chExt cx="0" cy="0"/>
+        </a:xfrm>
+      </p:grpSpPr>
+      <p:sp>
+        <p:nvSpPr>
+          <p:cNvPr id="2" name="Folienbildplatzhalter 1"/>
+          <p:cNvSpPr>
+            <a:spLocks noGrp="1" noRot="1" noChangeAspect="1"/>
+          </p:cNvSpPr>
+          <p:nvPr>
+            <p:ph type="sldImg"/>
+          </p:nvPr>
+        </p:nvSpPr>
+        <p:spPr/>
+      </p:sp>
+      <p:sp>
+        <p:nvSpPr>
+          <p:cNvPr id="3" name="Notizenplatzhalter 2"/>
+          <p:cNvSpPr>
+            <a:spLocks noGrp="1"/>
+          </p:cNvSpPr>
+          <p:nvPr>
+            <p:ph type="body" idx="1"/>
+          </p:nvPr>
+        </p:nvSpPr>
+        <p:spPr/>
+        <p:txBody>
+          <a:bodyPr/>
+          <a:lstStyle/>
+          <a:p>
+            <a:r>
+              <a:rPr lang="de-DE" dirty="0"/>
+              <a:t>In </a:t>
+            </a:r>
+            <a:r>
+              <a:rPr lang="de-DE" dirty="0" err="1"/>
+              <a:t>the</a:t>
+            </a:r>
+            <a:r>
+              <a:rPr lang="de-DE" dirty="0"/>
+              <a:t> Projekt </a:t>
+            </a:r>
+            <a:r>
+              <a:rPr lang="de-DE" dirty="0" err="1"/>
+              <a:t>we</a:t>
+            </a:r>
+            <a:r>
+              <a:rPr lang="de-DE" dirty="0"/>
+              <a:t> </a:t>
+            </a:r>
+            <a:r>
+              <a:rPr lang="de-DE" dirty="0" err="1"/>
+              <a:t>have</a:t>
+            </a:r>
+            <a:r>
+              <a:rPr lang="de-DE" dirty="0"/>
+              <a:t> </a:t>
+            </a:r>
+            <a:r>
+              <a:rPr lang="de-DE" dirty="0" err="1"/>
+              <a:t>learn</a:t>
+            </a:r>
+            <a:r>
+              <a:rPr lang="de-DE" dirty="0"/>
+              <a:t> </a:t>
+            </a:r>
+            <a:r>
+              <a:rPr lang="de-DE" dirty="0" err="1"/>
+              <a:t>to</a:t>
+            </a:r>
+            <a:r>
+              <a:rPr lang="de-DE" dirty="0"/>
+              <a:t> do </a:t>
+            </a:r>
+            <a:r>
+              <a:rPr lang="de-DE" dirty="0" err="1"/>
+              <a:t>the</a:t>
+            </a:r>
+            <a:r>
+              <a:rPr lang="de-DE" dirty="0"/>
+              <a:t> </a:t>
+            </a:r>
+            <a:r>
+              <a:rPr lang="de-DE" dirty="0" err="1"/>
+              <a:t>raw</a:t>
+            </a:r>
+            <a:r>
+              <a:rPr lang="de-DE" dirty="0"/>
+              <a:t> </a:t>
+            </a:r>
+            <a:r>
+              <a:rPr lang="de-DE" dirty="0" err="1"/>
+              <a:t>data</a:t>
+            </a:r>
+            <a:r>
+              <a:rPr lang="de-DE" dirty="0"/>
+              <a:t> </a:t>
+            </a:r>
+            <a:r>
+              <a:rPr lang="de-DE" dirty="0" err="1"/>
+              <a:t>to</a:t>
+            </a:r>
+            <a:r>
+              <a:rPr lang="de-DE" dirty="0"/>
+              <a:t> </a:t>
+            </a:r>
+            <a:r>
+              <a:rPr lang="de-DE" dirty="0" err="1"/>
+              <a:t>used</a:t>
+            </a:r>
+            <a:r>
+              <a:rPr lang="de-DE" dirty="0"/>
+              <a:t> </a:t>
+            </a:r>
+            <a:r>
+              <a:rPr lang="de-DE" dirty="0" err="1"/>
+              <a:t>to</a:t>
+            </a:r>
+            <a:r>
+              <a:rPr lang="de-DE" dirty="0"/>
+              <a:t> </a:t>
+            </a:r>
+            <a:r>
+              <a:rPr lang="de-DE" dirty="0" err="1"/>
+              <a:t>create</a:t>
+            </a:r>
+            <a:r>
+              <a:rPr lang="de-DE" dirty="0"/>
+              <a:t> a Data Warehouse </a:t>
+            </a:r>
+            <a:r>
+              <a:rPr lang="de-DE" dirty="0" err="1"/>
+              <a:t>and</a:t>
+            </a:r>
+            <a:r>
+              <a:rPr lang="de-DE" dirty="0"/>
+              <a:t> check </a:t>
+            </a:r>
+            <a:r>
+              <a:rPr lang="de-DE" dirty="0" err="1"/>
+              <a:t>the</a:t>
+            </a:r>
+            <a:r>
+              <a:rPr lang="de-DE" dirty="0"/>
+              <a:t> </a:t>
+            </a:r>
+            <a:r>
+              <a:rPr lang="de-DE" dirty="0" err="1"/>
+              <a:t>data</a:t>
+            </a:r>
+            <a:r>
+              <a:rPr lang="de-DE" dirty="0"/>
+              <a:t> </a:t>
+            </a:r>
+            <a:r>
+              <a:rPr lang="de-DE" dirty="0" err="1"/>
+              <a:t>quality</a:t>
+            </a:r>
+            <a:r>
+              <a:rPr lang="de-DE" dirty="0"/>
+              <a:t> </a:t>
+            </a:r>
+            <a:r>
+              <a:rPr lang="de-DE" dirty="0" err="1"/>
+              <a:t>and</a:t>
+            </a:r>
+            <a:r>
+              <a:rPr lang="de-DE" dirty="0"/>
+              <a:t> </a:t>
+            </a:r>
+            <a:r>
+              <a:rPr lang="de-DE" dirty="0" err="1"/>
+              <a:t>reduced</a:t>
+            </a:r>
+            <a:r>
+              <a:rPr lang="de-DE" dirty="0"/>
+              <a:t> </a:t>
+            </a:r>
+            <a:r>
+              <a:rPr lang="de-DE" dirty="0" err="1"/>
+              <a:t>to</a:t>
+            </a:r>
+            <a:r>
+              <a:rPr lang="de-DE" dirty="0"/>
+              <a:t> </a:t>
+            </a:r>
+            <a:r>
+              <a:rPr lang="de-DE" dirty="0" err="1"/>
+              <a:t>the</a:t>
+            </a:r>
+            <a:r>
+              <a:rPr lang="de-DE" dirty="0"/>
+              <a:t> </a:t>
+            </a:r>
+            <a:r>
+              <a:rPr lang="de-DE" dirty="0" err="1"/>
+              <a:t>relevance</a:t>
+            </a:r>
+            <a:r>
+              <a:rPr lang="de-DE" dirty="0"/>
+              <a:t> </a:t>
+            </a:r>
+            <a:r>
+              <a:rPr lang="de-DE" dirty="0" err="1"/>
+              <a:t>of</a:t>
+            </a:r>
+            <a:r>
+              <a:rPr lang="de-DE" dirty="0"/>
+              <a:t> </a:t>
+            </a:r>
+            <a:r>
+              <a:rPr lang="de-DE" dirty="0" err="1"/>
+              <a:t>data</a:t>
+            </a:r>
+            <a:r>
+              <a:rPr lang="de-DE" dirty="0"/>
+              <a:t> </a:t>
+            </a:r>
+            <a:r>
+              <a:rPr lang="de-DE" dirty="0" err="1"/>
+              <a:t>we</a:t>
+            </a:r>
+            <a:r>
+              <a:rPr lang="de-DE" dirty="0"/>
+              <a:t> </a:t>
+            </a:r>
+            <a:r>
+              <a:rPr lang="de-DE" dirty="0" err="1"/>
+              <a:t>needed</a:t>
+            </a:r>
+            <a:r>
+              <a:rPr lang="de-DE" dirty="0"/>
+              <a:t>.</a:t>
+            </a:r>
+          </a:p>
+          <a:p>
+            <a:r>
+              <a:rPr lang="de-DE" dirty="0" err="1"/>
+              <a:t>Our</a:t>
+            </a:r>
+            <a:r>
+              <a:rPr lang="de-DE" dirty="0"/>
+              <a:t> Goal was easy </a:t>
+            </a:r>
+            <a:r>
+              <a:rPr lang="de-DE" dirty="0" err="1"/>
+              <a:t>and</a:t>
+            </a:r>
+            <a:r>
+              <a:rPr lang="de-DE" dirty="0"/>
+              <a:t> </a:t>
+            </a:r>
+            <a:r>
+              <a:rPr lang="de-DE" dirty="0" err="1"/>
+              <a:t>compact</a:t>
+            </a:r>
+            <a:r>
+              <a:rPr lang="de-DE" dirty="0"/>
+              <a:t> </a:t>
+            </a:r>
+            <a:r>
+              <a:rPr lang="de-DE" dirty="0" err="1"/>
+              <a:t>information</a:t>
+            </a:r>
+            <a:r>
+              <a:rPr lang="de-DE" dirty="0"/>
+              <a:t> </a:t>
+            </a:r>
+            <a:r>
+              <a:rPr lang="de-DE" dirty="0" err="1"/>
+              <a:t>about</a:t>
+            </a:r>
+            <a:r>
+              <a:rPr lang="de-DE" dirty="0"/>
+              <a:t> </a:t>
+            </a:r>
+            <a:r>
+              <a:rPr lang="de-DE" dirty="0" err="1"/>
+              <a:t>the</a:t>
+            </a:r>
+            <a:r>
+              <a:rPr lang="de-DE" dirty="0"/>
+              <a:t> </a:t>
+            </a:r>
+            <a:r>
+              <a:rPr lang="de-DE" dirty="0" err="1"/>
+              <a:t>football</a:t>
+            </a:r>
+            <a:r>
+              <a:rPr lang="de-DE" dirty="0"/>
+              <a:t> </a:t>
+            </a:r>
+            <a:r>
+              <a:rPr lang="de-DE" dirty="0" err="1"/>
+              <a:t>statics</a:t>
+            </a:r>
+            <a:r>
+              <a:rPr lang="de-DE" dirty="0"/>
+              <a:t> </a:t>
+            </a:r>
+            <a:r>
+              <a:rPr lang="de-DE" dirty="0" err="1"/>
+              <a:t>to</a:t>
+            </a:r>
+            <a:r>
+              <a:rPr lang="de-DE" dirty="0"/>
+              <a:t> </a:t>
+            </a:r>
+            <a:r>
+              <a:rPr lang="de-DE" dirty="0" err="1"/>
+              <a:t>present</a:t>
+            </a:r>
+            <a:r>
+              <a:rPr lang="de-DE" dirty="0"/>
+              <a:t> </a:t>
+            </a:r>
+            <a:r>
+              <a:rPr lang="de-DE" dirty="0" err="1"/>
+              <a:t>and</a:t>
+            </a:r>
+            <a:r>
+              <a:rPr lang="de-DE" dirty="0"/>
+              <a:t> </a:t>
+            </a:r>
+            <a:r>
+              <a:rPr lang="de-DE" dirty="0" err="1"/>
+              <a:t>with</a:t>
+            </a:r>
+            <a:r>
+              <a:rPr lang="de-DE" dirty="0"/>
+              <a:t> </a:t>
+            </a:r>
+            <a:r>
+              <a:rPr lang="de-DE" dirty="0" err="1"/>
+              <a:t>this</a:t>
+            </a:r>
+            <a:r>
+              <a:rPr lang="de-DE" dirty="0"/>
+              <a:t> </a:t>
+            </a:r>
+            <a:r>
+              <a:rPr lang="de-DE" dirty="0" err="1"/>
+              <a:t>information</a:t>
+            </a:r>
+            <a:r>
+              <a:rPr lang="de-DE" dirty="0"/>
+              <a:t> </a:t>
+            </a:r>
+            <a:r>
+              <a:rPr lang="de-DE" dirty="0" err="1"/>
+              <a:t>to</a:t>
+            </a:r>
+            <a:r>
+              <a:rPr lang="de-DE" dirty="0"/>
+              <a:t> </a:t>
+            </a:r>
+            <a:r>
+              <a:rPr lang="de-DE" dirty="0" err="1"/>
+              <a:t>the</a:t>
+            </a:r>
+            <a:r>
+              <a:rPr lang="de-DE" dirty="0"/>
+              <a:t> </a:t>
+            </a:r>
+            <a:r>
+              <a:rPr lang="de-DE" dirty="0" err="1"/>
+              <a:t>see</a:t>
+            </a:r>
+            <a:r>
+              <a:rPr lang="de-DE" dirty="0"/>
+              <a:t> </a:t>
+            </a:r>
+            <a:r>
+              <a:rPr lang="de-DE" dirty="0" err="1"/>
+              <a:t>the</a:t>
+            </a:r>
+            <a:r>
+              <a:rPr lang="de-DE" dirty="0"/>
+              <a:t> </a:t>
+            </a:r>
+            <a:r>
+              <a:rPr lang="de-DE" dirty="0" err="1"/>
+              <a:t>development</a:t>
+            </a:r>
+            <a:r>
+              <a:rPr lang="de-DE" dirty="0"/>
+              <a:t> </a:t>
+            </a:r>
+            <a:r>
+              <a:rPr lang="de-DE" dirty="0" err="1"/>
+              <a:t>of</a:t>
+            </a:r>
+            <a:r>
+              <a:rPr lang="de-DE" dirty="0"/>
+              <a:t> </a:t>
+            </a:r>
+            <a:r>
+              <a:rPr lang="de-DE" dirty="0" err="1"/>
+              <a:t>the</a:t>
+            </a:r>
+            <a:r>
+              <a:rPr lang="de-DE" dirty="0"/>
+              <a:t> Team</a:t>
+            </a:r>
+          </a:p>
+          <a:p>
+            <a:r>
+              <a:rPr lang="de-DE" dirty="0" err="1"/>
+              <a:t>For</a:t>
+            </a:r>
+            <a:r>
+              <a:rPr lang="de-DE" dirty="0"/>
+              <a:t> </a:t>
+            </a:r>
+            <a:r>
+              <a:rPr lang="de-DE" dirty="0" err="1"/>
+              <a:t>our</a:t>
+            </a:r>
+            <a:r>
+              <a:rPr lang="de-DE" dirty="0"/>
+              <a:t> Team was </a:t>
+            </a:r>
+            <a:r>
+              <a:rPr lang="de-DE" dirty="0" err="1"/>
+              <a:t>this</a:t>
+            </a:r>
+            <a:r>
+              <a:rPr lang="de-DE" dirty="0"/>
+              <a:t> a </a:t>
+            </a:r>
+            <a:r>
+              <a:rPr lang="de-DE" dirty="0" err="1"/>
+              <a:t>good</a:t>
+            </a:r>
+            <a:r>
+              <a:rPr lang="de-DE" dirty="0"/>
+              <a:t> </a:t>
+            </a:r>
+            <a:r>
+              <a:rPr lang="de-DE" dirty="0" err="1"/>
+              <a:t>and</a:t>
+            </a:r>
+            <a:r>
+              <a:rPr lang="de-DE" dirty="0"/>
+              <a:t> </a:t>
+            </a:r>
+            <a:r>
+              <a:rPr lang="de-DE" dirty="0" err="1"/>
+              <a:t>new</a:t>
+            </a:r>
+            <a:r>
+              <a:rPr lang="de-DE" dirty="0"/>
+              <a:t> </a:t>
+            </a:r>
+            <a:r>
+              <a:rPr lang="de-DE" dirty="0" err="1"/>
+              <a:t>experience</a:t>
+            </a:r>
+            <a:r>
+              <a:rPr lang="de-DE" dirty="0"/>
+              <a:t> </a:t>
+            </a:r>
+            <a:r>
+              <a:rPr lang="de-DE" dirty="0" err="1"/>
+              <a:t>to</a:t>
+            </a:r>
+            <a:r>
+              <a:rPr lang="de-DE" dirty="0"/>
+              <a:t> </a:t>
+            </a:r>
+            <a:r>
+              <a:rPr lang="de-DE" dirty="0" err="1"/>
+              <a:t>see</a:t>
+            </a:r>
+            <a:r>
+              <a:rPr lang="de-DE" dirty="0"/>
+              <a:t> </a:t>
+            </a:r>
+            <a:r>
+              <a:rPr lang="de-DE" dirty="0" err="1"/>
+              <a:t>the</a:t>
+            </a:r>
+            <a:r>
+              <a:rPr lang="de-DE" dirty="0"/>
+              <a:t> </a:t>
+            </a:r>
+            <a:r>
+              <a:rPr lang="de-DE" dirty="0" err="1"/>
+              <a:t>problems</a:t>
+            </a:r>
+            <a:r>
+              <a:rPr lang="de-DE" dirty="0"/>
+              <a:t> </a:t>
+            </a:r>
+            <a:r>
+              <a:rPr lang="de-DE" dirty="0" err="1"/>
+              <a:t>to</a:t>
+            </a:r>
+            <a:r>
+              <a:rPr lang="de-DE" dirty="0"/>
+              <a:t> </a:t>
+            </a:r>
+            <a:r>
+              <a:rPr lang="de-DE" dirty="0" err="1"/>
+              <a:t>create</a:t>
+            </a:r>
+            <a:r>
+              <a:rPr lang="de-DE" dirty="0"/>
+              <a:t> a Data Mart, </a:t>
+            </a:r>
+            <a:r>
+              <a:rPr lang="de-DE" dirty="0" err="1"/>
+              <a:t>Snowflakes</a:t>
+            </a:r>
+            <a:r>
+              <a:rPr lang="de-DE" dirty="0"/>
+              <a:t> </a:t>
+            </a:r>
+            <a:r>
+              <a:rPr lang="de-DE" dirty="0" err="1"/>
+              <a:t>or</a:t>
+            </a:r>
+            <a:r>
+              <a:rPr lang="de-DE" dirty="0"/>
+              <a:t> clean </a:t>
+            </a:r>
+            <a:r>
+              <a:rPr lang="de-DE" dirty="0" err="1"/>
+              <a:t>and</a:t>
+            </a:r>
+            <a:r>
+              <a:rPr lang="de-DE" dirty="0"/>
+              <a:t> push </a:t>
+            </a:r>
+            <a:r>
+              <a:rPr lang="de-DE" dirty="0" err="1"/>
+              <a:t>the</a:t>
+            </a:r>
+            <a:r>
+              <a:rPr lang="de-DE" dirty="0"/>
+              <a:t> </a:t>
+            </a:r>
+            <a:r>
+              <a:rPr lang="de-DE" dirty="0" err="1"/>
+              <a:t>data</a:t>
+            </a:r>
+            <a:r>
+              <a:rPr lang="de-DE" dirty="0"/>
+              <a:t> </a:t>
+            </a:r>
+            <a:r>
+              <a:rPr lang="de-DE" dirty="0" err="1"/>
+              <a:t>intro</a:t>
+            </a:r>
+            <a:r>
+              <a:rPr lang="de-DE" dirty="0"/>
+              <a:t> a </a:t>
+            </a:r>
+            <a:r>
+              <a:rPr lang="de-DE" dirty="0" err="1"/>
+              <a:t>database</a:t>
+            </a:r>
+            <a:endParaRPr lang="de-DE" dirty="0"/>
+          </a:p>
+        </p:txBody>
+      </p:sp>
+      <p:sp>
+        <p:nvSpPr>
+          <p:cNvPr id="4" name="Foliennummernplatzhalter 3"/>
+          <p:cNvSpPr>
+            <a:spLocks noGrp="1"/>
+          </p:cNvSpPr>
+          <p:nvPr>
+            <p:ph type="sldNum" sz="quarter" idx="5"/>
+          </p:nvPr>
+        </p:nvSpPr>
+        <p:spPr/>
+        <p:txBody>
+          <a:bodyPr/>
+          <a:lstStyle/>
+          <a:p>
+            <a:fld id="{3BC40F18-5B78-A24D-B5E4-E4AF3DDF4FDC}" type="slidenum">
+              <a:rPr lang="de-DE" smtClean="0"/>
+              <a:t>13</a:t>
+            </a:fld>
+            <a:endParaRPr lang="de-DE"/>
+          </a:p>
+        </p:txBody>
+      </p:sp>
+    </p:spTree>
+    <p:extLst>
+      <p:ext uri="{BB962C8B-B14F-4D97-AF65-F5344CB8AC3E}">
+        <p14:creationId xmlns:p14="http://schemas.microsoft.com/office/powerpoint/2010/main" val="1871224195"/>
+      </p:ext>
+    </p:extLst>
+  </p:cSld>
+  <p:clrMapOvr>
+    <a:masterClrMapping/>
+  </p:clrMapOvr>
+</p:notes>
+</file>
+
 <file path=ppt/slideLayouts/slideLayout1.xml><?xml version="1.0" encoding="utf-8"?>
 <p:sldLayout xmlns:a="http://schemas.openxmlformats.org/drawingml/2006/main" xmlns:r="http://schemas.openxmlformats.org/officeDocument/2006/relationships" xmlns:p="http://schemas.openxmlformats.org/presentationml/2006/main" type="title" preserve="1">
   <p:cSld name="Titelfolie">
@@ -3008,7 +3709,7 @@
           <a:p>
             <a:fld id="{B3ABF3A7-44E9-42CF-B74C-8A75C5603B59}" type="datetimeFigureOut">
               <a:rPr lang="de-DE" smtClean="0"/>
-              <a:t>16.01.2020</a:t>
+              <a:t>16.01.20</a:t>
             </a:fld>
             <a:endParaRPr lang="de-DE"/>
           </a:p>
@@ -3343,7 +4044,7 @@
           <a:p>
             <a:fld id="{B3ABF3A7-44E9-42CF-B74C-8A75C5603B59}" type="datetimeFigureOut">
               <a:rPr lang="de-DE" smtClean="0"/>
-              <a:t>16.01.2020</a:t>
+              <a:t>16.01.20</a:t>
             </a:fld>
             <a:endParaRPr lang="de-DE"/>
           </a:p>
@@ -3646,7 +4347,7 @@
           <a:p>
             <a:fld id="{B3ABF3A7-44E9-42CF-B74C-8A75C5603B59}" type="datetimeFigureOut">
               <a:rPr lang="de-DE" smtClean="0"/>
-              <a:t>16.01.2020</a:t>
+              <a:t>16.01.20</a:t>
             </a:fld>
             <a:endParaRPr lang="de-DE"/>
           </a:p>
@@ -3894,7 +4595,7 @@
           <a:p>
             <a:fld id="{B3ABF3A7-44E9-42CF-B74C-8A75C5603B59}" type="datetimeFigureOut">
               <a:rPr lang="de-DE" smtClean="0"/>
-              <a:t>16.01.2020</a:t>
+              <a:t>16.01.20</a:t>
             </a:fld>
             <a:endParaRPr lang="de-DE"/>
           </a:p>
@@ -4302,7 +5003,7 @@
           <a:p>
             <a:fld id="{B3ABF3A7-44E9-42CF-B74C-8A75C5603B59}" type="datetimeFigureOut">
               <a:rPr lang="de-DE" smtClean="0"/>
-              <a:t>16.01.2020</a:t>
+              <a:t>16.01.20</a:t>
             </a:fld>
             <a:endParaRPr lang="de-DE"/>
           </a:p>
@@ -4617,7 +5318,7 @@
           <a:p>
             <a:fld id="{B3ABF3A7-44E9-42CF-B74C-8A75C5603B59}" type="datetimeFigureOut">
               <a:rPr lang="de-DE" smtClean="0"/>
-              <a:t>16.01.2020</a:t>
+              <a:t>16.01.20</a:t>
             </a:fld>
             <a:endParaRPr lang="de-DE"/>
           </a:p>
@@ -5162,7 +5863,7 @@
           <a:p>
             <a:fld id="{B3ABF3A7-44E9-42CF-B74C-8A75C5603B59}" type="datetimeFigureOut">
               <a:rPr lang="de-DE" smtClean="0"/>
-              <a:t>16.01.2020</a:t>
+              <a:t>16.01.20</a:t>
             </a:fld>
             <a:endParaRPr lang="de-DE"/>
           </a:p>
@@ -5358,7 +6059,7 @@
           <a:p>
             <a:fld id="{B3ABF3A7-44E9-42CF-B74C-8A75C5603B59}" type="datetimeFigureOut">
               <a:rPr lang="de-DE" smtClean="0"/>
-              <a:t>16.01.2020</a:t>
+              <a:t>16.01.20</a:t>
             </a:fld>
             <a:endParaRPr lang="de-DE"/>
           </a:p>
@@ -5572,7 +6273,7 @@
           <a:p>
             <a:fld id="{B3ABF3A7-44E9-42CF-B74C-8A75C5603B59}" type="datetimeFigureOut">
               <a:rPr lang="de-DE" smtClean="0"/>
-              <a:t>16.01.2020</a:t>
+              <a:t>16.01.20</a:t>
             </a:fld>
             <a:endParaRPr lang="de-DE"/>
           </a:p>
@@ -5942,7 +6643,7 @@
           <a:p>
             <a:fld id="{B3ABF3A7-44E9-42CF-B74C-8A75C5603B59}" type="datetimeFigureOut">
               <a:rPr lang="de-DE" smtClean="0"/>
-              <a:t>16.01.2020</a:t>
+              <a:t>16.01.20</a:t>
             </a:fld>
             <a:endParaRPr lang="de-DE"/>
           </a:p>
@@ -6346,7 +7047,7 @@
           <a:p>
             <a:fld id="{B3ABF3A7-44E9-42CF-B74C-8A75C5603B59}" type="datetimeFigureOut">
               <a:rPr lang="de-DE" smtClean="0"/>
-              <a:t>16.01.2020</a:t>
+              <a:t>16.01.20</a:t>
             </a:fld>
             <a:endParaRPr lang="de-DE"/>
           </a:p>
@@ -6658,7 +7359,7 @@
           <a:p>
             <a:fld id="{B3ABF3A7-44E9-42CF-B74C-8A75C5603B59}" type="datetimeFigureOut">
               <a:rPr lang="de-DE" smtClean="0"/>
-              <a:t>16.01.2020</a:t>
+              <a:t>16.01.20</a:t>
             </a:fld>
             <a:endParaRPr lang="de-DE"/>
           </a:p>
@@ -7809,6 +8510,630 @@
 <file path=ppt/slides/slide12.xml><?xml version="1.0" encoding="utf-8"?>
 <p:sld xmlns:a="http://schemas.openxmlformats.org/drawingml/2006/main" xmlns:r="http://schemas.openxmlformats.org/officeDocument/2006/relationships" xmlns:p="http://schemas.openxmlformats.org/presentationml/2006/main">
   <p:cSld>
+    <p:bg>
+      <p:bgPr>
+        <a:blipFill rotWithShape="1">
+          <a:blip r:embed="rId3"/>
+          <a:stretch/>
+        </a:blipFill>
+        <a:effectLst/>
+      </p:bgPr>
+    </p:bg>
+    <p:spTree>
+      <p:nvGrpSpPr>
+        <p:cNvPr id="1" name=""/>
+        <p:cNvGrpSpPr/>
+        <p:nvPr/>
+      </p:nvGrpSpPr>
+      <p:grpSpPr>
+        <a:xfrm>
+          <a:off x="0" y="0"/>
+          <a:ext cx="0" cy="0"/>
+          <a:chOff x="0" y="0"/>
+          <a:chExt cx="0" cy="0"/>
+        </a:xfrm>
+      </p:grpSpPr>
+      <p:sp useBgFill="1">
+        <p:nvSpPr>
+          <p:cNvPr id="77" name="Rectangle 48">
+            <a:extLst>
+              <a:ext uri="{FF2B5EF4-FFF2-40B4-BE49-F238E27FC236}">
+                <a16:creationId xmlns:a16="http://schemas.microsoft.com/office/drawing/2014/main" id="{CD651AAC-2A8F-467F-8B5A-6FB705B1E9CE}"/>
+              </a:ext>
+              <a:ext uri="{C183D7F6-B498-43B3-948B-1728B52AA6E4}">
+                <adec:decorative xmlns:adec="http://schemas.microsoft.com/office/drawing/2017/decorative" val="1"/>
+              </a:ext>
+            </a:extLst>
+          </p:cNvPr>
+          <p:cNvSpPr>
+            <a:spLocks noGrp="1" noRot="1" noChangeAspect="1" noMove="1" noResize="1" noEditPoints="1" noAdjustHandles="1" noChangeArrowheads="1" noChangeShapeType="1" noTextEdit="1"/>
+          </p:cNvSpPr>
+          <p:nvPr>
+            <p:extLst>
+              <p:ext uri="{386F3935-93C4-4BCD-93E2-E3B085C9AB24}">
+                <p16:designElem xmlns:p16="http://schemas.microsoft.com/office/powerpoint/2015/main" val="1"/>
+              </p:ext>
+            </p:extLst>
+          </p:nvPr>
+        </p:nvSpPr>
+        <p:spPr>
+          <a:xfrm>
+            <a:off x="0" y="0"/>
+            <a:ext cx="12189867" cy="6855282"/>
+          </a:xfrm>
+          <a:prstGeom prst="rect">
+            <a:avLst/>
+          </a:prstGeom>
+          <a:ln>
+            <a:noFill/>
+          </a:ln>
+        </p:spPr>
+        <p:style>
+          <a:lnRef idx="2">
+            <a:schemeClr val="accent1">
+              <a:shade val="50000"/>
+            </a:schemeClr>
+          </a:lnRef>
+          <a:fillRef idx="1">
+            <a:schemeClr val="accent1"/>
+          </a:fillRef>
+          <a:effectRef idx="0">
+            <a:schemeClr val="accent1"/>
+          </a:effectRef>
+          <a:fontRef idx="minor">
+            <a:schemeClr val="lt1"/>
+          </a:fontRef>
+        </p:style>
+        <p:txBody>
+          <a:bodyPr rtlCol="0" anchor="ctr"/>
+          <a:lstStyle/>
+          <a:p>
+            <a:pPr algn="ctr"/>
+            <a:endParaRPr lang="en-US"/>
+          </a:p>
+        </p:txBody>
+      </p:sp>
+      <p:pic>
+        <p:nvPicPr>
+          <p:cNvPr id="78" name="Picture 50">
+            <a:extLst>
+              <a:ext uri="{FF2B5EF4-FFF2-40B4-BE49-F238E27FC236}">
+                <a16:creationId xmlns:a16="http://schemas.microsoft.com/office/drawing/2014/main" id="{D15E6949-82C5-4874-974C-B459B4E19067}"/>
+              </a:ext>
+              <a:ext uri="{C183D7F6-B498-43B3-948B-1728B52AA6E4}">
+                <adec:decorative xmlns:adec="http://schemas.microsoft.com/office/drawing/2017/decorative" val="1"/>
+              </a:ext>
+            </a:extLst>
+          </p:cNvPr>
+          <p:cNvPicPr>
+            <a:picLocks noGrp="1" noRot="1" noChangeAspect="1" noMove="1" noResize="1" noEditPoints="1" noAdjustHandles="1" noChangeArrowheads="1" noChangeShapeType="1" noCrop="1"/>
+          </p:cNvPicPr>
+          <p:nvPr>
+            <p:extLst>
+              <p:ext uri="{386F3935-93C4-4BCD-93E2-E3B085C9AB24}">
+                <p16:designElem xmlns:p16="http://schemas.microsoft.com/office/powerpoint/2015/main" val="1"/>
+              </p:ext>
+            </p:extLst>
+          </p:nvPr>
+        </p:nvPicPr>
+        <p:blipFill>
+          <a:blip r:embed="rId4">
+            <a:extLst>
+              <a:ext uri="{28A0092B-C50C-407E-A947-70E740481C1C}">
+                <a14:useLocalDpi xmlns:a14="http://schemas.microsoft.com/office/drawing/2010/main" val="0"/>
+              </a:ext>
+            </a:extLst>
+          </a:blip>
+          <a:stretch>
+            <a:fillRect/>
+          </a:stretch>
+        </p:blipFill>
+        <p:spPr>
+          <a:xfrm>
+            <a:off x="2831794" y="2105202"/>
+            <a:ext cx="9360205" cy="4752798"/>
+          </a:xfrm>
+          <a:prstGeom prst="rect">
+            <a:avLst/>
+          </a:prstGeom>
+        </p:spPr>
+      </p:pic>
+      <p:pic>
+        <p:nvPicPr>
+          <p:cNvPr id="79" name="Picture 52">
+            <a:extLst>
+              <a:ext uri="{FF2B5EF4-FFF2-40B4-BE49-F238E27FC236}">
+                <a16:creationId xmlns:a16="http://schemas.microsoft.com/office/drawing/2014/main" id="{A84A2322-5C78-4AA2-87F3-C720A7891669}"/>
+              </a:ext>
+              <a:ext uri="{C183D7F6-B498-43B3-948B-1728B52AA6E4}">
+                <adec:decorative xmlns:adec="http://schemas.microsoft.com/office/drawing/2017/decorative" val="1"/>
+              </a:ext>
+            </a:extLst>
+          </p:cNvPr>
+          <p:cNvPicPr>
+            <a:picLocks noGrp="1" noRot="1" noChangeAspect="1" noMove="1" noResize="1" noEditPoints="1" noAdjustHandles="1" noChangeArrowheads="1" noChangeShapeType="1" noCrop="1"/>
+          </p:cNvPicPr>
+          <p:nvPr>
+            <p:extLst>
+              <p:ext uri="{386F3935-93C4-4BCD-93E2-E3B085C9AB24}">
+                <p16:designElem xmlns:p16="http://schemas.microsoft.com/office/powerpoint/2015/main" val="1"/>
+              </p:ext>
+            </p:extLst>
+          </p:nvPr>
+        </p:nvPicPr>
+        <p:blipFill>
+          <a:blip r:embed="rId5">
+            <a:alphaModFix/>
+            <a:extLst>
+              <a:ext uri="{28A0092B-C50C-407E-A947-70E740481C1C}">
+                <a14:useLocalDpi xmlns:a14="http://schemas.microsoft.com/office/drawing/2010/main" val="0"/>
+              </a:ext>
+            </a:extLst>
+          </a:blip>
+          <a:stretch>
+            <a:fillRect/>
+          </a:stretch>
+        </p:blipFill>
+        <p:spPr>
+          <a:xfrm>
+            <a:off x="0" y="0"/>
+            <a:ext cx="12189867" cy="6858000"/>
+          </a:xfrm>
+          <a:prstGeom prst="rect">
+            <a:avLst/>
+          </a:prstGeom>
+        </p:spPr>
+      </p:pic>
+      <p:sp>
+        <p:nvSpPr>
+          <p:cNvPr id="80" name="Rectangle 54">
+            <a:extLst>
+              <a:ext uri="{FF2B5EF4-FFF2-40B4-BE49-F238E27FC236}">
+                <a16:creationId xmlns:a16="http://schemas.microsoft.com/office/drawing/2014/main" id="{14EF94C0-6B0F-4FF3-9B04-E2DB6838EC6F}"/>
+              </a:ext>
+              <a:ext uri="{C183D7F6-B498-43B3-948B-1728B52AA6E4}">
+                <adec:decorative xmlns:adec="http://schemas.microsoft.com/office/drawing/2017/decorative" val="1"/>
+              </a:ext>
+            </a:extLst>
+          </p:cNvPr>
+          <p:cNvSpPr>
+            <a:spLocks noGrp="1" noRot="1" noChangeAspect="1" noMove="1" noResize="1" noEditPoints="1" noAdjustHandles="1" noChangeArrowheads="1" noChangeShapeType="1" noTextEdit="1"/>
+          </p:cNvSpPr>
+          <p:nvPr>
+            <p:extLst>
+              <p:ext uri="{386F3935-93C4-4BCD-93E2-E3B085C9AB24}">
+                <p16:designElem xmlns:p16="http://schemas.microsoft.com/office/powerpoint/2015/main" val="1"/>
+              </p:ext>
+            </p:extLst>
+          </p:nvPr>
+        </p:nvSpPr>
+        <p:spPr>
+          <a:xfrm>
+            <a:off x="0" y="0"/>
+            <a:ext cx="964174" cy="6858000"/>
+          </a:xfrm>
+          <a:prstGeom prst="rect">
+            <a:avLst/>
+          </a:prstGeom>
+          <a:solidFill>
+            <a:schemeClr val="bg2"/>
+          </a:solidFill>
+          <a:ln>
+            <a:noFill/>
+          </a:ln>
+        </p:spPr>
+        <p:style>
+          <a:lnRef idx="2">
+            <a:schemeClr val="accent1">
+              <a:shade val="50000"/>
+            </a:schemeClr>
+          </a:lnRef>
+          <a:fillRef idx="1">
+            <a:schemeClr val="accent1"/>
+          </a:fillRef>
+          <a:effectRef idx="0">
+            <a:schemeClr val="accent1"/>
+          </a:effectRef>
+          <a:fontRef idx="minor">
+            <a:schemeClr val="lt1"/>
+          </a:fontRef>
+        </p:style>
+        <p:txBody>
+          <a:bodyPr rtlCol="0" anchor="ctr"/>
+          <a:lstStyle/>
+          <a:p>
+            <a:pPr algn="ctr"/>
+            <a:endParaRPr lang="en-US"/>
+          </a:p>
+        </p:txBody>
+      </p:sp>
+      <p:sp>
+        <p:nvSpPr>
+          <p:cNvPr id="81" name="Rectangle 56">
+            <a:extLst>
+              <a:ext uri="{FF2B5EF4-FFF2-40B4-BE49-F238E27FC236}">
+                <a16:creationId xmlns:a16="http://schemas.microsoft.com/office/drawing/2014/main" id="{249140E7-6D8D-4040-96A8-8A855D135F87}"/>
+              </a:ext>
+              <a:ext uri="{C183D7F6-B498-43B3-948B-1728B52AA6E4}">
+                <adec:decorative xmlns:adec="http://schemas.microsoft.com/office/drawing/2017/decorative" val="1"/>
+              </a:ext>
+            </a:extLst>
+          </p:cNvPr>
+          <p:cNvSpPr>
+            <a:spLocks noGrp="1" noRot="1" noChangeAspect="1" noMove="1" noResize="1" noEditPoints="1" noAdjustHandles="1" noChangeArrowheads="1" noChangeShapeType="1" noTextEdit="1"/>
+          </p:cNvSpPr>
+          <p:nvPr>
+            <p:extLst>
+              <p:ext uri="{386F3935-93C4-4BCD-93E2-E3B085C9AB24}">
+                <p16:designElem xmlns:p16="http://schemas.microsoft.com/office/powerpoint/2015/main" val="1"/>
+              </p:ext>
+            </p:extLst>
+          </p:nvPr>
+        </p:nvSpPr>
+        <p:spPr>
+          <a:xfrm>
+            <a:off x="962042" y="0"/>
+            <a:ext cx="45719" cy="6858000"/>
+          </a:xfrm>
+          <a:prstGeom prst="rect">
+            <a:avLst/>
+          </a:prstGeom>
+          <a:solidFill>
+            <a:schemeClr val="accent6"/>
+          </a:solidFill>
+          <a:ln>
+            <a:noFill/>
+          </a:ln>
+        </p:spPr>
+        <p:style>
+          <a:lnRef idx="2">
+            <a:schemeClr val="accent1">
+              <a:shade val="50000"/>
+            </a:schemeClr>
+          </a:lnRef>
+          <a:fillRef idx="1">
+            <a:schemeClr val="accent1"/>
+          </a:fillRef>
+          <a:effectRef idx="0">
+            <a:schemeClr val="accent1"/>
+          </a:effectRef>
+          <a:fontRef idx="minor">
+            <a:schemeClr val="lt1"/>
+          </a:fontRef>
+        </p:style>
+        <p:txBody>
+          <a:bodyPr rtlCol="0" anchor="ctr"/>
+          <a:lstStyle/>
+          <a:p>
+            <a:pPr algn="ctr"/>
+            <a:endParaRPr lang="en-US"/>
+          </a:p>
+        </p:txBody>
+      </p:sp>
+      <p:sp>
+        <p:nvSpPr>
+          <p:cNvPr id="82" name="Rectangle 58">
+            <a:extLst>
+              <a:ext uri="{FF2B5EF4-FFF2-40B4-BE49-F238E27FC236}">
+                <a16:creationId xmlns:a16="http://schemas.microsoft.com/office/drawing/2014/main" id="{E1E1801C-A590-4FD4-930F-E1813F700DBE}"/>
+              </a:ext>
+              <a:ext uri="{C183D7F6-B498-43B3-948B-1728B52AA6E4}">
+                <adec:decorative xmlns:adec="http://schemas.microsoft.com/office/drawing/2017/decorative" val="1"/>
+              </a:ext>
+            </a:extLst>
+          </p:cNvPr>
+          <p:cNvSpPr>
+            <a:spLocks noGrp="1" noRot="1" noChangeAspect="1" noMove="1" noResize="1" noEditPoints="1" noAdjustHandles="1" noChangeArrowheads="1" noChangeShapeType="1" noTextEdit="1"/>
+          </p:cNvSpPr>
+          <p:nvPr>
+            <p:extLst>
+              <p:ext uri="{386F3935-93C4-4BCD-93E2-E3B085C9AB24}">
+                <p16:designElem xmlns:p16="http://schemas.microsoft.com/office/powerpoint/2015/main" val="1"/>
+              </p:ext>
+            </p:extLst>
+          </p:nvPr>
+        </p:nvSpPr>
+        <p:spPr>
+          <a:xfrm>
+            <a:off x="1007533" y="0"/>
+            <a:ext cx="10378001" cy="6858000"/>
+          </a:xfrm>
+          <a:prstGeom prst="rect">
+            <a:avLst/>
+          </a:prstGeom>
+          <a:solidFill>
+            <a:schemeClr val="bg2">
+              <a:alpha val="92000"/>
+            </a:schemeClr>
+          </a:solidFill>
+          <a:ln>
+            <a:noFill/>
+          </a:ln>
+        </p:spPr>
+        <p:style>
+          <a:lnRef idx="2">
+            <a:schemeClr val="accent1">
+              <a:shade val="50000"/>
+            </a:schemeClr>
+          </a:lnRef>
+          <a:fillRef idx="1">
+            <a:schemeClr val="accent1"/>
+          </a:fillRef>
+          <a:effectRef idx="0">
+            <a:schemeClr val="accent1"/>
+          </a:effectRef>
+          <a:fontRef idx="minor">
+            <a:schemeClr val="lt1"/>
+          </a:fontRef>
+        </p:style>
+        <p:txBody>
+          <a:bodyPr rtlCol="0" anchor="ctr"/>
+          <a:lstStyle/>
+          <a:p>
+            <a:pPr algn="ctr"/>
+            <a:endParaRPr lang="en-US"/>
+          </a:p>
+        </p:txBody>
+      </p:sp>
+      <p:sp>
+        <p:nvSpPr>
+          <p:cNvPr id="2" name="Titel 1">
+            <a:extLst>
+              <a:ext uri="{FF2B5EF4-FFF2-40B4-BE49-F238E27FC236}">
+                <a16:creationId xmlns:a16="http://schemas.microsoft.com/office/drawing/2014/main" id="{67820C3B-80CB-5F4C-9B2F-7AD7C94DD9CD}"/>
+              </a:ext>
+            </a:extLst>
+          </p:cNvPr>
+          <p:cNvSpPr>
+            <a:spLocks noGrp="1"/>
+          </p:cNvSpPr>
+          <p:nvPr>
+            <p:ph type="title"/>
+          </p:nvPr>
+        </p:nvSpPr>
+        <p:spPr>
+          <a:xfrm>
+            <a:off x="1964445" y="808056"/>
+            <a:ext cx="2668106" cy="1077229"/>
+          </a:xfrm>
+        </p:spPr>
+        <p:txBody>
+          <a:bodyPr>
+            <a:normAutofit/>
+          </a:bodyPr>
+          <a:lstStyle/>
+          <a:p>
+            <a:pPr algn="l"/>
+            <a:r>
+              <a:rPr lang="de-DE" sz="2800" u="sng"/>
+              <a:t>Bayern Munich</a:t>
+            </a:r>
+          </a:p>
+        </p:txBody>
+      </p:sp>
+      <p:sp>
+        <p:nvSpPr>
+          <p:cNvPr id="3" name="Inhaltsplatzhalter 2">
+            <a:extLst>
+              <a:ext uri="{FF2B5EF4-FFF2-40B4-BE49-F238E27FC236}">
+                <a16:creationId xmlns:a16="http://schemas.microsoft.com/office/drawing/2014/main" id="{2819804E-12E4-204E-9324-7DA425980F41}"/>
+              </a:ext>
+            </a:extLst>
+          </p:cNvPr>
+          <p:cNvSpPr>
+            <a:spLocks noGrp="1"/>
+          </p:cNvSpPr>
+          <p:nvPr>
+            <p:ph idx="1"/>
+          </p:nvPr>
+        </p:nvSpPr>
+        <p:spPr>
+          <a:xfrm>
+            <a:off x="1964444" y="2052116"/>
+            <a:ext cx="3024118" cy="641225"/>
+          </a:xfrm>
+        </p:spPr>
+        <p:txBody>
+          <a:bodyPr>
+            <a:normAutofit/>
+          </a:bodyPr>
+          <a:lstStyle/>
+          <a:p>
+            <a:r>
+              <a:rPr lang="de-DE" sz="1600" dirty="0"/>
+              <a:t>Performance </a:t>
+            </a:r>
+            <a:r>
+              <a:rPr lang="de-DE" sz="1600" dirty="0" err="1"/>
+              <a:t>of</a:t>
+            </a:r>
+            <a:r>
+              <a:rPr lang="de-DE" sz="1600" dirty="0"/>
+              <a:t> BM </a:t>
+            </a:r>
+            <a:r>
+              <a:rPr lang="de-DE" sz="1600" dirty="0" err="1"/>
+              <a:t>depending</a:t>
+            </a:r>
+            <a:r>
+              <a:rPr lang="de-DE" sz="1600" dirty="0"/>
+              <a:t> on </a:t>
+            </a:r>
+            <a:r>
+              <a:rPr lang="de-DE" sz="1600" dirty="0" err="1"/>
+              <a:t>the</a:t>
+            </a:r>
+            <a:r>
+              <a:rPr lang="de-DE" sz="1600" dirty="0"/>
+              <a:t> </a:t>
+            </a:r>
+            <a:r>
+              <a:rPr lang="de-DE" sz="1600" dirty="0" err="1"/>
+              <a:t>stadium</a:t>
+            </a:r>
+            <a:endParaRPr lang="de-DE" sz="1600" dirty="0"/>
+          </a:p>
+        </p:txBody>
+      </p:sp>
+      <p:pic>
+        <p:nvPicPr>
+          <p:cNvPr id="5" name="Grafik 4">
+            <a:extLst>
+              <a:ext uri="{FF2B5EF4-FFF2-40B4-BE49-F238E27FC236}">
+                <a16:creationId xmlns:a16="http://schemas.microsoft.com/office/drawing/2014/main" id="{11045D76-EB8F-254E-8DDD-AFBCDB584600}"/>
+              </a:ext>
+            </a:extLst>
+          </p:cNvPr>
+          <p:cNvPicPr>
+            <a:picLocks noChangeAspect="1"/>
+          </p:cNvPicPr>
+          <p:nvPr/>
+        </p:nvPicPr>
+        <p:blipFill rotWithShape="1">
+          <a:blip r:embed="rId6">
+            <a:extLst>
+              <a:ext uri="{28A0092B-C50C-407E-A947-70E740481C1C}">
+                <a14:useLocalDpi xmlns:a14="http://schemas.microsoft.com/office/drawing/2010/main" val="0"/>
+              </a:ext>
+            </a:extLst>
+          </a:blip>
+          <a:srcRect r="9027" b="2"/>
+          <a:stretch/>
+        </p:blipFill>
+        <p:spPr>
+          <a:xfrm>
+            <a:off x="6452694" y="532814"/>
+            <a:ext cx="5116886" cy="2952864"/>
+          </a:xfrm>
+          <a:prstGeom prst="rect">
+            <a:avLst/>
+          </a:prstGeom>
+          <a:ln w="12700">
+            <a:solidFill>
+              <a:schemeClr val="tx1"/>
+            </a:solidFill>
+          </a:ln>
+        </p:spPr>
+      </p:pic>
+      <p:pic>
+        <p:nvPicPr>
+          <p:cNvPr id="9" name="Grafik 8">
+            <a:extLst>
+              <a:ext uri="{FF2B5EF4-FFF2-40B4-BE49-F238E27FC236}">
+                <a16:creationId xmlns:a16="http://schemas.microsoft.com/office/drawing/2014/main" id="{9867A2AA-0ED7-B948-901B-19553242A919}"/>
+              </a:ext>
+            </a:extLst>
+          </p:cNvPr>
+          <p:cNvPicPr>
+            <a:picLocks noChangeAspect="1"/>
+          </p:cNvPicPr>
+          <p:nvPr/>
+        </p:nvPicPr>
+        <p:blipFill rotWithShape="1">
+          <a:blip r:embed="rId7">
+            <a:extLst>
+              <a:ext uri="{28A0092B-C50C-407E-A947-70E740481C1C}">
+                <a14:useLocalDpi xmlns:a14="http://schemas.microsoft.com/office/drawing/2010/main" val="0"/>
+              </a:ext>
+            </a:extLst>
+          </a:blip>
+          <a:srcRect r="-3" b="13543"/>
+          <a:stretch/>
+        </p:blipFill>
+        <p:spPr>
+          <a:xfrm>
+            <a:off x="776902" y="3485678"/>
+            <a:ext cx="5288920" cy="3052151"/>
+          </a:xfrm>
+          <a:prstGeom prst="rect">
+            <a:avLst/>
+          </a:prstGeom>
+          <a:ln w="12700">
+            <a:solidFill>
+              <a:schemeClr val="tx1"/>
+            </a:solidFill>
+          </a:ln>
+        </p:spPr>
+      </p:pic>
+      <p:sp>
+        <p:nvSpPr>
+          <p:cNvPr id="83" name="Rectangle 60">
+            <a:extLst>
+              <a:ext uri="{FF2B5EF4-FFF2-40B4-BE49-F238E27FC236}">
+                <a16:creationId xmlns:a16="http://schemas.microsoft.com/office/drawing/2014/main" id="{E62CFFC8-3FFA-4A48-ADFB-440105BA9425}"/>
+              </a:ext>
+              <a:ext uri="{C183D7F6-B498-43B3-948B-1728B52AA6E4}">
+                <adec:decorative xmlns:adec="http://schemas.microsoft.com/office/drawing/2017/decorative" val="1"/>
+              </a:ext>
+            </a:extLst>
+          </p:cNvPr>
+          <p:cNvSpPr>
+            <a:spLocks noGrp="1" noRot="1" noChangeAspect="1" noMove="1" noResize="1" noEditPoints="1" noAdjustHandles="1" noChangeArrowheads="1" noChangeShapeType="1" noTextEdit="1"/>
+          </p:cNvSpPr>
+          <p:nvPr>
+            <p:extLst>
+              <p:ext uri="{386F3935-93C4-4BCD-93E2-E3B085C9AB24}">
+                <p16:designElem xmlns:p16="http://schemas.microsoft.com/office/powerpoint/2015/main" val="1"/>
+              </p:ext>
+            </p:extLst>
+          </p:nvPr>
+        </p:nvSpPr>
+        <p:spPr>
+          <a:xfrm>
+            <a:off x="11387666" y="0"/>
+            <a:ext cx="27432" cy="6858000"/>
+          </a:xfrm>
+          <a:prstGeom prst="rect">
+            <a:avLst/>
+          </a:prstGeom>
+          <a:solidFill>
+            <a:schemeClr val="accent6"/>
+          </a:solidFill>
+          <a:ln>
+            <a:noFill/>
+          </a:ln>
+        </p:spPr>
+        <p:style>
+          <a:lnRef idx="2">
+            <a:schemeClr val="accent1">
+              <a:shade val="50000"/>
+            </a:schemeClr>
+          </a:lnRef>
+          <a:fillRef idx="1">
+            <a:schemeClr val="accent1"/>
+          </a:fillRef>
+          <a:effectRef idx="0">
+            <a:schemeClr val="accent1"/>
+          </a:effectRef>
+          <a:fontRef idx="minor">
+            <a:schemeClr val="lt1"/>
+          </a:fontRef>
+        </p:style>
+        <p:txBody>
+          <a:bodyPr rtlCol="0" anchor="ctr"/>
+          <a:lstStyle/>
+          <a:p>
+            <a:pPr algn="ctr"/>
+            <a:endParaRPr lang="en-US"/>
+          </a:p>
+        </p:txBody>
+      </p:sp>
+    </p:spTree>
+    <p:extLst>
+      <p:ext uri="{BB962C8B-B14F-4D97-AF65-F5344CB8AC3E}">
+        <p14:creationId xmlns:p14="http://schemas.microsoft.com/office/powerpoint/2010/main" val="3202097364"/>
+      </p:ext>
+    </p:extLst>
+  </p:cSld>
+  <p:clrMapOvr>
+    <a:masterClrMapping/>
+  </p:clrMapOvr>
+</p:sld>
+</file>
+
+<file path=ppt/slides/slide13.xml><?xml version="1.0" encoding="utf-8"?>
+<p:sld xmlns:a="http://schemas.openxmlformats.org/drawingml/2006/main" xmlns:r="http://schemas.openxmlformats.org/officeDocument/2006/relationships" xmlns:p="http://schemas.openxmlformats.org/presentationml/2006/main">
+  <p:cSld>
     <p:spTree>
       <p:nvGrpSpPr>
         <p:cNvPr id="1" name=""/>
@@ -7838,7 +9163,7 @@
           <p:nvPr/>
         </p:nvPicPr>
         <p:blipFill>
-          <a:blip r:embed="rId2"/>
+          <a:blip r:embed="rId3"/>
           <a:stretch>
             <a:fillRect/>
           </a:stretch>

--- a/DAWA.pptx
+++ b/DAWA.pptx
@@ -5,7 +5,7 @@
     <p:sldMasterId id="2147483932" r:id="rId1"/>
   </p:sldMasterIdLst>
   <p:notesMasterIdLst>
-    <p:notesMasterId r:id="rId15"/>
+    <p:notesMasterId r:id="rId16"/>
   </p:notesMasterIdLst>
   <p:sldIdLst>
     <p:sldId id="256" r:id="rId2"/>
@@ -21,6 +21,7 @@
     <p:sldId id="263" r:id="rId12"/>
     <p:sldId id="270" r:id="rId13"/>
     <p:sldId id="267" r:id="rId14"/>
+    <p:sldId id="271" r:id="rId15"/>
   </p:sldIdLst>
   <p:sldSz cx="12192000" cy="6858000"/>
   <p:notesSz cx="6858000" cy="9144000"/>
@@ -8252,7 +8253,7 @@
           <a:lstStyle/>
           <a:p>
             <a:r>
-              <a:rPr lang="de-DE" sz="2800" b="1" dirty="0">
+              <a:rPr lang="de-DE" sz="2800" b="1" u="sng" dirty="0">
                 <a:latin typeface="Times" pitchFamily="2" charset="0"/>
                 <a:cs typeface="Arial" panose="020B0604020202020204" pitchFamily="34" charset="0"/>
               </a:rPr>
@@ -8418,7 +8419,7 @@
           <a:lstStyle/>
           <a:p>
             <a:r>
-              <a:rPr lang="de-DE" sz="2800" b="1" dirty="0">
+              <a:rPr lang="de-DE" sz="2800" b="1" u="sng" dirty="0">
                 <a:latin typeface="Times" pitchFamily="2" charset="0"/>
                 <a:cs typeface="Arial" panose="020B0604020202020204" pitchFamily="34" charset="0"/>
               </a:rPr>
@@ -8905,9 +8906,20 @@
           <a:p>
             <a:pPr algn="l"/>
             <a:r>
-              <a:rPr lang="de-DE" sz="2800" u="sng"/>
-              <a:t>Bayern Munich</a:t>
-            </a:r>
+              <a:rPr lang="de-DE" sz="2800" u="sng" dirty="0">
+                <a:latin typeface="+mn-lt"/>
+              </a:rPr>
+              <a:t>Bayern </a:t>
+            </a:r>
+            <a:r>
+              <a:rPr lang="de-DE" sz="2800" u="sng" dirty="0" err="1">
+                <a:latin typeface="+mn-lt"/>
+              </a:rPr>
+              <a:t>Munich</a:t>
+            </a:r>
+            <a:endParaRPr lang="de-DE" sz="2800" u="sng" dirty="0">
+              <a:latin typeface="+mn-lt"/>
+            </a:endParaRPr>
           </a:p>
         </p:txBody>
       </p:sp>
@@ -9496,6 +9508,106 @@
 </p:sld>
 </file>
 
+<file path=ppt/slides/slide14.xml><?xml version="1.0" encoding="utf-8"?>
+<p:sld xmlns:a="http://schemas.openxmlformats.org/drawingml/2006/main" xmlns:r="http://schemas.openxmlformats.org/officeDocument/2006/relationships" xmlns:p="http://schemas.openxmlformats.org/presentationml/2006/main">
+  <p:cSld>
+    <p:spTree>
+      <p:nvGrpSpPr>
+        <p:cNvPr id="1" name=""/>
+        <p:cNvGrpSpPr/>
+        <p:nvPr/>
+      </p:nvGrpSpPr>
+      <p:grpSpPr>
+        <a:xfrm>
+          <a:off x="0" y="0"/>
+          <a:ext cx="0" cy="0"/>
+          <a:chOff x="0" y="0"/>
+          <a:chExt cx="0" cy="0"/>
+        </a:xfrm>
+      </p:grpSpPr>
+      <p:sp>
+        <p:nvSpPr>
+          <p:cNvPr id="2" name="Titel 1">
+            <a:extLst>
+              <a:ext uri="{FF2B5EF4-FFF2-40B4-BE49-F238E27FC236}">
+                <a16:creationId xmlns:a16="http://schemas.microsoft.com/office/drawing/2014/main" id="{21E13193-A6BD-354E-B07C-113EF35871EB}"/>
+              </a:ext>
+            </a:extLst>
+          </p:cNvPr>
+          <p:cNvSpPr>
+            <a:spLocks noGrp="1"/>
+          </p:cNvSpPr>
+          <p:nvPr>
+            <p:ph type="title"/>
+          </p:nvPr>
+        </p:nvSpPr>
+        <p:spPr>
+          <a:xfrm>
+            <a:off x="-673258" y="2890385"/>
+            <a:ext cx="7958331" cy="1077229"/>
+          </a:xfrm>
+        </p:spPr>
+        <p:txBody>
+          <a:bodyPr/>
+          <a:lstStyle/>
+          <a:p>
+            <a:r>
+              <a:rPr lang="de-DE" dirty="0" err="1"/>
+              <a:t>Thank</a:t>
+            </a:r>
+            <a:r>
+              <a:rPr lang="de-DE" dirty="0"/>
+              <a:t> </a:t>
+            </a:r>
+            <a:r>
+              <a:rPr lang="de-DE" dirty="0" err="1"/>
+              <a:t>you</a:t>
+            </a:r>
+            <a:r>
+              <a:rPr lang="de-DE" dirty="0"/>
+              <a:t>...</a:t>
+            </a:r>
+          </a:p>
+        </p:txBody>
+      </p:sp>
+      <p:sp>
+        <p:nvSpPr>
+          <p:cNvPr id="5" name="Inhaltsplatzhalter 4">
+            <a:extLst>
+              <a:ext uri="{FF2B5EF4-FFF2-40B4-BE49-F238E27FC236}">
+                <a16:creationId xmlns:a16="http://schemas.microsoft.com/office/drawing/2014/main" id="{2C115F63-DE1A-B343-AB9F-7DF2497B6BD5}"/>
+              </a:ext>
+            </a:extLst>
+          </p:cNvPr>
+          <p:cNvSpPr>
+            <a:spLocks noGrp="1"/>
+          </p:cNvSpPr>
+          <p:nvPr>
+            <p:ph idx="1"/>
+          </p:nvPr>
+        </p:nvSpPr>
+        <p:spPr/>
+        <p:txBody>
+          <a:bodyPr/>
+          <a:lstStyle/>
+          <a:p>
+            <a:endParaRPr lang="de-DE"/>
+          </a:p>
+        </p:txBody>
+      </p:sp>
+    </p:spTree>
+    <p:extLst>
+      <p:ext uri="{BB962C8B-B14F-4D97-AF65-F5344CB8AC3E}">
+        <p14:creationId xmlns:p14="http://schemas.microsoft.com/office/powerpoint/2010/main" val="2487367905"/>
+      </p:ext>
+    </p:extLst>
+  </p:cSld>
+  <p:clrMapOvr>
+    <a:masterClrMapping/>
+  </p:clrMapOvr>
+</p:sld>
+</file>
+
 <file path=ppt/slides/slide2.xml><?xml version="1.0" encoding="utf-8"?>
 <p:sld xmlns:a="http://schemas.openxmlformats.org/drawingml/2006/main" xmlns:r="http://schemas.openxmlformats.org/officeDocument/2006/relationships" xmlns:p="http://schemas.openxmlformats.org/presentationml/2006/main">
   <p:cSld>
@@ -9923,13 +10035,13 @@
           <a:lstStyle/>
           <a:p>
             <a:r>
-              <a:rPr lang="de-DE" sz="2800" b="1" dirty="0" err="1">
+              <a:rPr lang="de-DE" sz="2800" b="1" u="sng" dirty="0" err="1">
                 <a:latin typeface="Times" pitchFamily="2" charset="0"/>
                 <a:cs typeface="Arial" panose="020B0604020202020204" pitchFamily="34" charset="0"/>
               </a:rPr>
               <a:t>Introduction</a:t>
             </a:r>
-            <a:endParaRPr lang="de-DE" sz="2800" b="1" dirty="0">
+            <a:endParaRPr lang="de-DE" sz="2800" b="1" u="sng" dirty="0">
               <a:latin typeface="Times" pitchFamily="2" charset="0"/>
               <a:cs typeface="Arial" panose="020B0604020202020204" pitchFamily="34" charset="0"/>
             </a:endParaRPr>
@@ -10630,7 +10742,7 @@
           <a:lstStyle/>
           <a:p>
             <a:r>
-              <a:rPr lang="de-DE" sz="2800" b="1" dirty="0">
+              <a:rPr lang="de-DE" sz="2800" b="1" u="sng" dirty="0">
                 <a:latin typeface="Times" pitchFamily="2" charset="0"/>
                 <a:cs typeface="Arial" panose="020B0604020202020204" pitchFamily="34" charset="0"/>
               </a:rPr>
@@ -11606,28 +11718,24 @@
           <a:p>
             <a:r>
               <a:rPr lang="de-DE" sz="2800" u="sng" dirty="0" err="1">
-                <a:latin typeface="Arial" panose="020B0604020202020204" pitchFamily="34" charset="0"/>
                 <a:cs typeface="Arial" panose="020B0604020202020204" pitchFamily="34" charset="0"/>
               </a:rPr>
               <a:t>Necessary</a:t>
             </a:r>
             <a:r>
               <a:rPr lang="de-DE" sz="2800" u="sng" dirty="0">
-                <a:latin typeface="Arial" panose="020B0604020202020204" pitchFamily="34" charset="0"/>
                 <a:cs typeface="Arial" panose="020B0604020202020204" pitchFamily="34" charset="0"/>
               </a:rPr>
               <a:t> </a:t>
             </a:r>
             <a:r>
               <a:rPr lang="de-DE" sz="2800" u="sng" dirty="0" err="1">
-                <a:latin typeface="Arial" panose="020B0604020202020204" pitchFamily="34" charset="0"/>
                 <a:cs typeface="Arial" panose="020B0604020202020204" pitchFamily="34" charset="0"/>
               </a:rPr>
               <a:t>tools</a:t>
             </a:r>
             <a:r>
               <a:rPr lang="de-DE" sz="2800" u="sng" dirty="0">
-                <a:latin typeface="Arial" panose="020B0604020202020204" pitchFamily="34" charset="0"/>
                 <a:cs typeface="Arial" panose="020B0604020202020204" pitchFamily="34" charset="0"/>
               </a:rPr>
               <a:t>: </a:t>
@@ -11635,7 +11743,6 @@
           </a:p>
           <a:p>
             <a:endParaRPr lang="de-DE" sz="2800" dirty="0">
-              <a:latin typeface="Arial" panose="020B0604020202020204" pitchFamily="34" charset="0"/>
               <a:cs typeface="Arial" panose="020B0604020202020204" pitchFamily="34" charset="0"/>
             </a:endParaRPr>
           </a:p>
@@ -11649,7 +11756,6 @@
             </a:pPr>
             <a:r>
               <a:rPr lang="de-DE" dirty="0">
-                <a:latin typeface="Arial" panose="020B0604020202020204" pitchFamily="34" charset="0"/>
                 <a:cs typeface="Arial" panose="020B0604020202020204" pitchFamily="34" charset="0"/>
                 <a:sym typeface="Wingdings" panose="05000000000000000000" pitchFamily="2" charset="2"/>
               </a:rPr>
@@ -11657,7 +11763,6 @@
             </a:r>
             <a:r>
               <a:rPr lang="de-DE" dirty="0" err="1">
-                <a:latin typeface="Arial" panose="020B0604020202020204" pitchFamily="34" charset="0"/>
                 <a:cs typeface="Arial" panose="020B0604020202020204" pitchFamily="34" charset="0"/>
                 <a:sym typeface="Wingdings" panose="05000000000000000000" pitchFamily="2" charset="2"/>
               </a:rPr>
@@ -11665,7 +11770,6 @@
             </a:r>
             <a:r>
               <a:rPr lang="de-DE" dirty="0">
-                <a:latin typeface="Arial" panose="020B0604020202020204" pitchFamily="34" charset="0"/>
                 <a:cs typeface="Arial" panose="020B0604020202020204" pitchFamily="34" charset="0"/>
                 <a:sym typeface="Wingdings" panose="05000000000000000000" pitchFamily="2" charset="2"/>
               </a:rPr>
@@ -11673,7 +11777,6 @@
             </a:r>
             <a:r>
               <a:rPr lang="de-DE" dirty="0" err="1">
-                <a:latin typeface="Arial" panose="020B0604020202020204" pitchFamily="34" charset="0"/>
                 <a:cs typeface="Arial" panose="020B0604020202020204" pitchFamily="34" charset="0"/>
                 <a:sym typeface="Wingdings" panose="05000000000000000000" pitchFamily="2" charset="2"/>
               </a:rPr>
@@ -11681,7 +11784,6 @@
             </a:r>
             <a:r>
               <a:rPr lang="de-DE" dirty="0">
-                <a:latin typeface="Arial" panose="020B0604020202020204" pitchFamily="34" charset="0"/>
                 <a:cs typeface="Arial" panose="020B0604020202020204" pitchFamily="34" charset="0"/>
                 <a:sym typeface="Wingdings" panose="05000000000000000000" pitchFamily="2" charset="2"/>
               </a:rPr>
@@ -11698,7 +11800,6 @@
             </a:pPr>
             <a:r>
               <a:rPr lang="de-DE" dirty="0">
-                <a:latin typeface="Arial" panose="020B0604020202020204" pitchFamily="34" charset="0"/>
                 <a:cs typeface="Arial" panose="020B0604020202020204" pitchFamily="34" charset="0"/>
                 <a:sym typeface="Wingdings" panose="05000000000000000000" pitchFamily="2" charset="2"/>
               </a:rPr>
@@ -11706,7 +11807,6 @@
             </a:r>
             <a:r>
               <a:rPr lang="de-DE" dirty="0" err="1">
-                <a:latin typeface="Arial" panose="020B0604020202020204" pitchFamily="34" charset="0"/>
                 <a:cs typeface="Arial" panose="020B0604020202020204" pitchFamily="34" charset="0"/>
                 <a:sym typeface="Wingdings" panose="05000000000000000000" pitchFamily="2" charset="2"/>
               </a:rPr>
@@ -11714,7 +11814,6 @@
             </a:r>
             <a:r>
               <a:rPr lang="de-DE" dirty="0">
-                <a:latin typeface="Arial" panose="020B0604020202020204" pitchFamily="34" charset="0"/>
                 <a:cs typeface="Arial" panose="020B0604020202020204" pitchFamily="34" charset="0"/>
                 <a:sym typeface="Wingdings" panose="05000000000000000000" pitchFamily="2" charset="2"/>
               </a:rPr>
@@ -11722,7 +11821,6 @@
             </a:r>
             <a:r>
               <a:rPr lang="de-DE" dirty="0" err="1">
-                <a:latin typeface="Arial" panose="020B0604020202020204" pitchFamily="34" charset="0"/>
                 <a:cs typeface="Arial" panose="020B0604020202020204" pitchFamily="34" charset="0"/>
                 <a:sym typeface="Wingdings" panose="05000000000000000000" pitchFamily="2" charset="2"/>
               </a:rPr>
@@ -11730,7 +11828,6 @@
             </a:r>
             <a:r>
               <a:rPr lang="de-DE" dirty="0">
-                <a:latin typeface="Arial" panose="020B0604020202020204" pitchFamily="34" charset="0"/>
                 <a:cs typeface="Arial" panose="020B0604020202020204" pitchFamily="34" charset="0"/>
                 <a:sym typeface="Wingdings" panose="05000000000000000000" pitchFamily="2" charset="2"/>
               </a:rPr>
@@ -11747,7 +11844,6 @@
             </a:pPr>
             <a:r>
               <a:rPr lang="de-DE" dirty="0" err="1">
-                <a:latin typeface="Arial" panose="020B0604020202020204" pitchFamily="34" charset="0"/>
                 <a:cs typeface="Arial" panose="020B0604020202020204" pitchFamily="34" charset="0"/>
                 <a:sym typeface="Wingdings" panose="05000000000000000000" pitchFamily="2" charset="2"/>
               </a:rPr>
@@ -11755,7 +11851,6 @@
             </a:r>
             <a:r>
               <a:rPr lang="de-DE" dirty="0">
-                <a:latin typeface="Arial" panose="020B0604020202020204" pitchFamily="34" charset="0"/>
                 <a:cs typeface="Arial" panose="020B0604020202020204" pitchFamily="34" charset="0"/>
                 <a:sym typeface="Wingdings" panose="05000000000000000000" pitchFamily="2" charset="2"/>
               </a:rPr>
@@ -11763,7 +11858,6 @@
             </a:r>
             <a:r>
               <a:rPr lang="de-DE" dirty="0" err="1">
-                <a:latin typeface="Arial" panose="020B0604020202020204" pitchFamily="34" charset="0"/>
                 <a:cs typeface="Arial" panose="020B0604020202020204" pitchFamily="34" charset="0"/>
                 <a:sym typeface="Wingdings" panose="05000000000000000000" pitchFamily="2" charset="2"/>
               </a:rPr>
@@ -11771,7 +11865,6 @@
             </a:r>
             <a:r>
               <a:rPr lang="de-DE" dirty="0">
-                <a:latin typeface="Arial" panose="020B0604020202020204" pitchFamily="34" charset="0"/>
                 <a:cs typeface="Arial" panose="020B0604020202020204" pitchFamily="34" charset="0"/>
                 <a:sym typeface="Wingdings" panose="05000000000000000000" pitchFamily="2" charset="2"/>
               </a:rPr>
@@ -11779,7 +11872,6 @@
             </a:r>
             <a:r>
               <a:rPr lang="de-DE" dirty="0" err="1">
-                <a:latin typeface="Arial" panose="020B0604020202020204" pitchFamily="34" charset="0"/>
                 <a:cs typeface="Arial" panose="020B0604020202020204" pitchFamily="34" charset="0"/>
                 <a:sym typeface="Wingdings" panose="05000000000000000000" pitchFamily="2" charset="2"/>
               </a:rPr>
@@ -11787,7 +11879,6 @@
             </a:r>
             <a:r>
               <a:rPr lang="de-DE" dirty="0">
-                <a:latin typeface="Arial" panose="020B0604020202020204" pitchFamily="34" charset="0"/>
                 <a:cs typeface="Arial" panose="020B0604020202020204" pitchFamily="34" charset="0"/>
                 <a:sym typeface="Wingdings" panose="05000000000000000000" pitchFamily="2" charset="2"/>
               </a:rPr>
@@ -11795,7 +11886,6 @@
             </a:r>
             <a:r>
               <a:rPr lang="de-DE" dirty="0" err="1">
-                <a:latin typeface="Arial" panose="020B0604020202020204" pitchFamily="34" charset="0"/>
                 <a:cs typeface="Arial" panose="020B0604020202020204" pitchFamily="34" charset="0"/>
                 <a:sym typeface="Wingdings" panose="05000000000000000000" pitchFamily="2" charset="2"/>
               </a:rPr>
@@ -11803,7 +11893,6 @@
             </a:r>
             <a:r>
               <a:rPr lang="de-DE" dirty="0">
-                <a:latin typeface="Arial" panose="020B0604020202020204" pitchFamily="34" charset="0"/>
                 <a:cs typeface="Arial" panose="020B0604020202020204" pitchFamily="34" charset="0"/>
                 <a:sym typeface="Wingdings" panose="05000000000000000000" pitchFamily="2" charset="2"/>
               </a:rPr>
@@ -11820,7 +11909,6 @@
             </a:pPr>
             <a:r>
               <a:rPr lang="de-DE" dirty="0">
-                <a:latin typeface="Arial" panose="020B0604020202020204" pitchFamily="34" charset="0"/>
                 <a:cs typeface="Arial" panose="020B0604020202020204" pitchFamily="34" charset="0"/>
                 <a:sym typeface="Wingdings" panose="05000000000000000000" pitchFamily="2" charset="2"/>
               </a:rPr>
@@ -11828,7 +11916,6 @@
             </a:r>
             <a:r>
               <a:rPr lang="de-DE" dirty="0" err="1">
-                <a:latin typeface="Arial" panose="020B0604020202020204" pitchFamily="34" charset="0"/>
                 <a:cs typeface="Arial" panose="020B0604020202020204" pitchFamily="34" charset="0"/>
                 <a:sym typeface="Wingdings" panose="05000000000000000000" pitchFamily="2" charset="2"/>
               </a:rPr>
@@ -11836,7 +11923,6 @@
             </a:r>
             <a:r>
               <a:rPr lang="de-DE" dirty="0">
-                <a:latin typeface="Arial" panose="020B0604020202020204" pitchFamily="34" charset="0"/>
                 <a:cs typeface="Arial" panose="020B0604020202020204" pitchFamily="34" charset="0"/>
                 <a:sym typeface="Wingdings" panose="05000000000000000000" pitchFamily="2" charset="2"/>
               </a:rPr>
@@ -11844,7 +11930,6 @@
             </a:r>
             <a:r>
               <a:rPr lang="de-DE" dirty="0" err="1">
-                <a:latin typeface="Arial" panose="020B0604020202020204" pitchFamily="34" charset="0"/>
                 <a:cs typeface="Arial" panose="020B0604020202020204" pitchFamily="34" charset="0"/>
                 <a:sym typeface="Wingdings" panose="05000000000000000000" pitchFamily="2" charset="2"/>
               </a:rPr>
@@ -11852,57 +11937,48 @@
             </a:r>
             <a:r>
               <a:rPr lang="de-DE" dirty="0">
-                <a:latin typeface="Arial" panose="020B0604020202020204" pitchFamily="34" charset="0"/>
                 <a:cs typeface="Arial" panose="020B0604020202020204" pitchFamily="34" charset="0"/>
                 <a:sym typeface="Wingdings" panose="05000000000000000000" pitchFamily="2" charset="2"/>
               </a:rPr>
               <a:t> DWH/ DM</a:t>
             </a:r>
             <a:endParaRPr lang="de-DE" dirty="0">
-              <a:latin typeface="Arial" panose="020B0604020202020204" pitchFamily="34" charset="0"/>
               <a:cs typeface="Arial" panose="020B0604020202020204" pitchFamily="34" charset="0"/>
             </a:endParaRPr>
           </a:p>
           <a:p>
             <a:endParaRPr lang="de-DE" dirty="0">
-              <a:latin typeface="Arial" panose="020B0604020202020204" pitchFamily="34" charset="0"/>
               <a:cs typeface="Arial" panose="020B0604020202020204" pitchFamily="34" charset="0"/>
             </a:endParaRPr>
           </a:p>
           <a:p>
             <a:endParaRPr lang="de-DE" dirty="0">
-              <a:latin typeface="Arial" panose="020B0604020202020204" pitchFamily="34" charset="0"/>
               <a:cs typeface="Arial" panose="020B0604020202020204" pitchFamily="34" charset="0"/>
             </a:endParaRPr>
           </a:p>
           <a:p>
             <a:endParaRPr lang="de-DE" dirty="0">
-              <a:latin typeface="Arial" panose="020B0604020202020204" pitchFamily="34" charset="0"/>
               <a:cs typeface="Arial" panose="020B0604020202020204" pitchFamily="34" charset="0"/>
             </a:endParaRPr>
           </a:p>
           <a:p>
             <a:endParaRPr lang="de-DE" dirty="0">
-              <a:latin typeface="Arial" panose="020B0604020202020204" pitchFamily="34" charset="0"/>
               <a:cs typeface="Arial" panose="020B0604020202020204" pitchFamily="34" charset="0"/>
             </a:endParaRPr>
           </a:p>
           <a:p>
             <a:endParaRPr lang="de-DE" dirty="0">
-              <a:latin typeface="Arial" panose="020B0604020202020204" pitchFamily="34" charset="0"/>
               <a:cs typeface="Arial" panose="020B0604020202020204" pitchFamily="34" charset="0"/>
             </a:endParaRPr>
           </a:p>
           <a:p>
             <a:endParaRPr lang="de-DE" dirty="0">
-              <a:latin typeface="Arial" panose="020B0604020202020204" pitchFamily="34" charset="0"/>
               <a:cs typeface="Arial" panose="020B0604020202020204" pitchFamily="34" charset="0"/>
             </a:endParaRPr>
           </a:p>
           <a:p>
             <a:r>
               <a:rPr lang="de-DE" dirty="0">
-                <a:latin typeface="Arial" panose="020B0604020202020204" pitchFamily="34" charset="0"/>
                 <a:cs typeface="Arial" panose="020B0604020202020204" pitchFamily="34" charset="0"/>
               </a:rPr>
               <a:t>				</a:t>
@@ -11962,10 +12038,14 @@
           <a:lstStyle/>
           <a:p>
             <a:r>
-              <a:rPr lang="de-DE" u="sng" dirty="0" err="1"/>
+              <a:rPr lang="de-DE" u="sng" dirty="0" err="1">
+                <a:latin typeface="+mn-lt"/>
+              </a:rPr>
               <a:t>GitHub</a:t>
             </a:r>
-            <a:endParaRPr lang="de-DE" u="sng" dirty="0"/>
+            <a:endParaRPr lang="de-DE" u="sng" dirty="0">
+              <a:latin typeface="+mn-lt"/>
+            </a:endParaRPr>
           </a:p>
         </p:txBody>
       </p:sp>
